--- a/slides.pptx
+++ b/slides.pptx
@@ -5,16 +5,22 @@
     <p:sldMasterId id="2147483696" r:id="rId1"/>
   </p:sldMasterIdLst>
   <p:notesMasterIdLst>
-    <p:notesMasterId r:id="rId9"/>
+    <p:notesMasterId r:id="rId15"/>
   </p:notesMasterIdLst>
   <p:sldIdLst>
     <p:sldId id="256" r:id="rId2"/>
-    <p:sldId id="538" r:id="rId3"/>
-    <p:sldId id="676" r:id="rId4"/>
-    <p:sldId id="677" r:id="rId5"/>
-    <p:sldId id="678" r:id="rId6"/>
-    <p:sldId id="679" r:id="rId7"/>
-    <p:sldId id="680" r:id="rId8"/>
+    <p:sldId id="681" r:id="rId3"/>
+    <p:sldId id="682" r:id="rId4"/>
+    <p:sldId id="683" r:id="rId5"/>
+    <p:sldId id="684" r:id="rId6"/>
+    <p:sldId id="685" r:id="rId7"/>
+    <p:sldId id="686" r:id="rId8"/>
+    <p:sldId id="687" r:id="rId9"/>
+    <p:sldId id="676" r:id="rId10"/>
+    <p:sldId id="677" r:id="rId11"/>
+    <p:sldId id="678" r:id="rId12"/>
+    <p:sldId id="679" r:id="rId13"/>
+    <p:sldId id="680" r:id="rId14"/>
   </p:sldIdLst>
   <p:sldSz cx="9144000" cy="6858000" type="screen4x3"/>
   <p:notesSz cx="6858000" cy="9144000"/>
@@ -226,7 +232,7 @@
           <a:p>
             <a:fld id="{865659F3-F9EC-428F-B501-E0BC197445D9}" type="datetimeFigureOut">
               <a:rPr lang="fr-FR" smtClean="0"/>
-              <a:t>22/10/2015</a:t>
+              <a:t>26/10/2015</a:t>
             </a:fld>
             <a:endParaRPr lang="fr-FR"/>
           </a:p>
@@ -665,7 +671,7 @@
     </p:spTree>
     <p:extLst>
       <p:ext uri="{BB962C8B-B14F-4D97-AF65-F5344CB8AC3E}">
-        <p14:creationId xmlns:p14="http://schemas.microsoft.com/office/powerpoint/2010/main" val="91145948"/>
+        <p14:creationId xmlns:p14="http://schemas.microsoft.com/office/powerpoint/2010/main" val="2478828649"/>
       </p:ext>
     </p:extLst>
   </p:cSld>
@@ -740,7 +746,7 @@
           <a:p>
             <a:fld id="{7F421A2B-D86A-438C-8636-6AD70572CBB6}" type="slidenum">
               <a:rPr lang="fr-FR" smtClean="0"/>
-              <a:t>3</a:t>
+              <a:t>9</a:t>
             </a:fld>
             <a:endParaRPr lang="fr-FR"/>
           </a:p>
@@ -890,7 +896,7 @@
           <a:p>
             <a:fld id="{ADCC432E-409C-45C3-8992-ACB5CD768BDF}" type="datetime1">
               <a:rPr lang="fr-FR" smtClean="0"/>
-              <a:t>22/10/2015</a:t>
+              <a:t>26/10/2015</a:t>
             </a:fld>
             <a:endParaRPr lang="fr-FR"/>
           </a:p>
@@ -1067,7 +1073,7 @@
           <a:p>
             <a:fld id="{8CD70887-4A1D-4A12-A2B5-C0A0AEED7B3A}" type="datetime1">
               <a:rPr lang="fr-FR" smtClean="0"/>
-              <a:t>22/10/2015</a:t>
+              <a:t>26/10/2015</a:t>
             </a:fld>
             <a:endParaRPr lang="fr-FR"/>
           </a:p>
@@ -1221,7 +1227,7 @@
                 </a:solidFill>
               </a:rPr>
               <a:pPr/>
-              <a:t>22/10/2015</a:t>
+              <a:t>26/10/2015</a:t>
             </a:fld>
             <a:endParaRPr lang="fr-FR" dirty="0">
               <a:solidFill>
@@ -1428,7 +1434,7 @@
           <a:p>
             <a:fld id="{29B2A686-31B9-4679-9087-1FF3691B4776}" type="datetime1">
               <a:rPr lang="fr-FR" smtClean="0"/>
-              <a:t>22/10/2015</a:t>
+              <a:t>26/10/2015</a:t>
             </a:fld>
             <a:endParaRPr lang="fr-FR"/>
           </a:p>
@@ -1603,7 +1609,7 @@
           <a:p>
             <a:fld id="{1D1A14E8-3BBD-4201-A6CF-975CCF82E15C}" type="datetime1">
               <a:rPr lang="fr-FR" smtClean="0"/>
-              <a:t>22/10/2015</a:t>
+              <a:t>26/10/2015</a:t>
             </a:fld>
             <a:endParaRPr lang="fr-FR"/>
           </a:p>
@@ -1810,7 +1816,7 @@
                 </a:solidFill>
               </a:rPr>
               <a:pPr/>
-              <a:t>22/10/2015</a:t>
+              <a:t>26/10/2015</a:t>
             </a:fld>
             <a:endParaRPr lang="fr-FR" dirty="0">
               <a:solidFill>
@@ -2089,7 +2095,7 @@
             <a:fld id="{8632A60A-9CEC-42A4-A6A2-D3ED1B1E10C6}" type="datetime1">
               <a:rPr lang="fr-FR" smtClean="0"/>
               <a:pPr/>
-              <a:t>22/10/2015</a:t>
+              <a:t>26/10/2015</a:t>
             </a:fld>
             <a:endParaRPr lang="fr-FR" dirty="0"/>
           </a:p>
@@ -2369,7 +2375,7 @@
             <a:fld id="{0A5F34F8-A09C-46F9-ACC6-3F1F107EA33F}" type="datetime1">
               <a:rPr lang="fr-FR" smtClean="0"/>
               <a:pPr/>
-              <a:t>22/10/2015</a:t>
+              <a:t>26/10/2015</a:t>
             </a:fld>
             <a:endParaRPr lang="fr-FR"/>
           </a:p>
@@ -2625,7 +2631,7 @@
           <a:p>
             <a:fld id="{8AAA6BFC-FEF1-4AC1-B970-BC568337334B}" type="datetime1">
               <a:rPr lang="fr-FR" smtClean="0"/>
-              <a:t>22/10/2015</a:t>
+              <a:t>26/10/2015</a:t>
             </a:fld>
             <a:endParaRPr lang="fr-FR"/>
           </a:p>
@@ -2999,7 +3005,7 @@
           <a:p>
             <a:fld id="{07382458-984F-4731-94C9-7FCACBCC51D1}" type="datetime1">
               <a:rPr lang="fr-FR" smtClean="0"/>
-              <a:t>22/10/2015</a:t>
+              <a:t>26/10/2015</a:t>
             </a:fld>
             <a:endParaRPr lang="fr-FR"/>
           </a:p>
@@ -3140,7 +3146,7 @@
           <a:p>
             <a:fld id="{4E19B8F4-3FD7-4FC3-A9F8-C983EDF65E99}" type="datetime1">
               <a:rPr lang="fr-FR" smtClean="0"/>
-              <a:t>22/10/2015</a:t>
+              <a:t>26/10/2015</a:t>
             </a:fld>
             <a:endParaRPr lang="fr-FR"/>
           </a:p>
@@ -3242,7 +3248,7 @@
           <a:p>
             <a:fld id="{1913509C-35DC-4F20-8185-554E3258A671}" type="datetime1">
               <a:rPr lang="fr-FR" smtClean="0"/>
-              <a:t>22/10/2015</a:t>
+              <a:t>26/10/2015</a:t>
             </a:fld>
             <a:endParaRPr lang="fr-FR"/>
           </a:p>
@@ -3526,7 +3532,7 @@
           <a:p>
             <a:fld id="{D20D6352-2F7C-458E-AEBB-FF81EFE71D94}" type="datetime1">
               <a:rPr lang="fr-FR" smtClean="0"/>
-              <a:t>22/10/2015</a:t>
+              <a:t>26/10/2015</a:t>
             </a:fld>
             <a:endParaRPr lang="fr-FR"/>
           </a:p>
@@ -3783,7 +3789,7 @@
           <a:p>
             <a:fld id="{8D809DBC-7E81-4819-803D-1A0811B3E043}" type="datetime1">
               <a:rPr lang="fr-FR" smtClean="0"/>
-              <a:t>22/10/2015</a:t>
+              <a:t>26/10/2015</a:t>
             </a:fld>
             <a:endParaRPr lang="fr-FR"/>
           </a:p>
@@ -3999,7 +4005,7 @@
           <a:p>
             <a:fld id="{29B2A686-31B9-4679-9087-1FF3691B4776}" type="datetime1">
               <a:rPr lang="fr-FR" smtClean="0"/>
-              <a:t>22/10/2015</a:t>
+              <a:t>26/10/2015</a:t>
             </a:fld>
             <a:endParaRPr lang="fr-FR"/>
           </a:p>
@@ -5006,6 +5012,635 @@
 </p:sld>
 </file>
 
+<file path=ppt/slides/slide10.xml><?xml version="1.0" encoding="utf-8"?>
+<p:sld xmlns:a="http://schemas.openxmlformats.org/drawingml/2006/main" xmlns:r="http://schemas.openxmlformats.org/officeDocument/2006/relationships" xmlns:p="http://schemas.openxmlformats.org/presentationml/2006/main">
+  <p:cSld>
+    <p:spTree>
+      <p:nvGrpSpPr>
+        <p:cNvPr id="1" name=""/>
+        <p:cNvGrpSpPr/>
+        <p:nvPr/>
+      </p:nvGrpSpPr>
+      <p:grpSpPr>
+        <a:xfrm>
+          <a:off x="0" y="0"/>
+          <a:ext cx="0" cy="0"/>
+          <a:chOff x="0" y="0"/>
+          <a:chExt cx="0" cy="0"/>
+        </a:xfrm>
+      </p:grpSpPr>
+      <p:sp>
+        <p:nvSpPr>
+          <p:cNvPr id="2" name="Titre 1"/>
+          <p:cNvSpPr>
+            <a:spLocks noGrp="1"/>
+          </p:cNvSpPr>
+          <p:nvPr>
+            <p:ph type="title"/>
+          </p:nvPr>
+        </p:nvSpPr>
+        <p:spPr/>
+        <p:txBody>
+          <a:bodyPr>
+            <a:normAutofit/>
+          </a:bodyPr>
+          <a:lstStyle/>
+          <a:p>
+            <a:r>
+              <a:rPr lang="fr-FR" sz="3600" dirty="0" smtClean="0"/>
+              <a:t>Problème 2 : extractions incohérentes</a:t>
+            </a:r>
+            <a:endParaRPr lang="en-US" sz="3600" dirty="0"/>
+          </a:p>
+        </p:txBody>
+      </p:sp>
+      <p:sp>
+        <p:nvSpPr>
+          <p:cNvPr id="3" name="Espace réservé du contenu 2"/>
+          <p:cNvSpPr>
+            <a:spLocks noGrp="1"/>
+          </p:cNvSpPr>
+          <p:nvPr>
+            <p:ph idx="1"/>
+          </p:nvPr>
+        </p:nvSpPr>
+        <p:spPr/>
+        <p:txBody>
+          <a:bodyPr/>
+          <a:lstStyle/>
+          <a:p>
+            <a:endParaRPr lang="en-US"/>
+          </a:p>
+        </p:txBody>
+      </p:sp>
+      <p:sp>
+        <p:nvSpPr>
+          <p:cNvPr id="4" name="Espace réservé du numéro de diapositive 3"/>
+          <p:cNvSpPr>
+            <a:spLocks noGrp="1"/>
+          </p:cNvSpPr>
+          <p:nvPr>
+            <p:ph type="sldNum" sz="quarter" idx="12"/>
+          </p:nvPr>
+        </p:nvSpPr>
+        <p:spPr/>
+        <p:txBody>
+          <a:bodyPr/>
+          <a:lstStyle/>
+          <a:p>
+            <a:fld id="{87D9652F-9609-4EC6-8E0A-C96E14B58A2A}" type="slidenum">
+              <a:rPr lang="fr-FR" smtClean="0"/>
+              <a:pPr/>
+              <a:t>10</a:t>
+            </a:fld>
+            <a:endParaRPr lang="fr-FR" dirty="0"/>
+          </a:p>
+        </p:txBody>
+      </p:sp>
+    </p:spTree>
+    <p:extLst>
+      <p:ext uri="{BB962C8B-B14F-4D97-AF65-F5344CB8AC3E}">
+        <p14:creationId xmlns:p14="http://schemas.microsoft.com/office/powerpoint/2010/main" val="3439093969"/>
+      </p:ext>
+    </p:extLst>
+  </p:cSld>
+  <p:clrMapOvr>
+    <a:masterClrMapping/>
+  </p:clrMapOvr>
+</p:sld>
+</file>
+
+<file path=ppt/slides/slide11.xml><?xml version="1.0" encoding="utf-8"?>
+<p:sld xmlns:a="http://schemas.openxmlformats.org/drawingml/2006/main" xmlns:r="http://schemas.openxmlformats.org/officeDocument/2006/relationships" xmlns:p="http://schemas.openxmlformats.org/presentationml/2006/main">
+  <p:cSld>
+    <p:spTree>
+      <p:nvGrpSpPr>
+        <p:cNvPr id="1" name=""/>
+        <p:cNvGrpSpPr/>
+        <p:nvPr/>
+      </p:nvGrpSpPr>
+      <p:grpSpPr>
+        <a:xfrm>
+          <a:off x="0" y="0"/>
+          <a:ext cx="0" cy="0"/>
+          <a:chOff x="0" y="0"/>
+          <a:chExt cx="0" cy="0"/>
+        </a:xfrm>
+      </p:grpSpPr>
+      <p:sp>
+        <p:nvSpPr>
+          <p:cNvPr id="2" name="Titre 1"/>
+          <p:cNvSpPr>
+            <a:spLocks noGrp="1"/>
+          </p:cNvSpPr>
+          <p:nvPr>
+            <p:ph type="title"/>
+          </p:nvPr>
+        </p:nvSpPr>
+        <p:spPr/>
+        <p:txBody>
+          <a:bodyPr>
+            <a:noAutofit/>
+          </a:bodyPr>
+          <a:lstStyle/>
+          <a:p>
+            <a:r>
+              <a:rPr lang="fr-FR" sz="3200" dirty="0" smtClean="0"/>
+              <a:t>Problème 3 : interface peu fonctionnelle</a:t>
+            </a:r>
+            <a:endParaRPr lang="en-US" sz="3200" dirty="0"/>
+          </a:p>
+        </p:txBody>
+      </p:sp>
+      <p:sp>
+        <p:nvSpPr>
+          <p:cNvPr id="3" name="Espace réservé du contenu 2"/>
+          <p:cNvSpPr>
+            <a:spLocks noGrp="1"/>
+          </p:cNvSpPr>
+          <p:nvPr>
+            <p:ph idx="1"/>
+          </p:nvPr>
+        </p:nvSpPr>
+        <p:spPr/>
+        <p:txBody>
+          <a:bodyPr/>
+          <a:lstStyle/>
+          <a:p>
+            <a:endParaRPr lang="en-US"/>
+          </a:p>
+        </p:txBody>
+      </p:sp>
+      <p:sp>
+        <p:nvSpPr>
+          <p:cNvPr id="4" name="Espace réservé du numéro de diapositive 3"/>
+          <p:cNvSpPr>
+            <a:spLocks noGrp="1"/>
+          </p:cNvSpPr>
+          <p:nvPr>
+            <p:ph type="sldNum" sz="quarter" idx="12"/>
+          </p:nvPr>
+        </p:nvSpPr>
+        <p:spPr/>
+        <p:txBody>
+          <a:bodyPr/>
+          <a:lstStyle/>
+          <a:p>
+            <a:fld id="{87D9652F-9609-4EC6-8E0A-C96E14B58A2A}" type="slidenum">
+              <a:rPr lang="fr-FR" smtClean="0"/>
+              <a:pPr/>
+              <a:t>11</a:t>
+            </a:fld>
+            <a:endParaRPr lang="fr-FR" dirty="0"/>
+          </a:p>
+        </p:txBody>
+      </p:sp>
+    </p:spTree>
+    <p:extLst>
+      <p:ext uri="{BB962C8B-B14F-4D97-AF65-F5344CB8AC3E}">
+        <p14:creationId xmlns:p14="http://schemas.microsoft.com/office/powerpoint/2010/main" val="1955911785"/>
+      </p:ext>
+    </p:extLst>
+  </p:cSld>
+  <p:clrMapOvr>
+    <a:masterClrMapping/>
+  </p:clrMapOvr>
+</p:sld>
+</file>
+
+<file path=ppt/slides/slide12.xml><?xml version="1.0" encoding="utf-8"?>
+<p:sld xmlns:a="http://schemas.openxmlformats.org/drawingml/2006/main" xmlns:r="http://schemas.openxmlformats.org/officeDocument/2006/relationships" xmlns:p="http://schemas.openxmlformats.org/presentationml/2006/main">
+  <p:cSld>
+    <p:spTree>
+      <p:nvGrpSpPr>
+        <p:cNvPr id="1" name=""/>
+        <p:cNvGrpSpPr/>
+        <p:nvPr/>
+      </p:nvGrpSpPr>
+      <p:grpSpPr>
+        <a:xfrm>
+          <a:off x="0" y="0"/>
+          <a:ext cx="0" cy="0"/>
+          <a:chOff x="0" y="0"/>
+          <a:chExt cx="0" cy="0"/>
+        </a:xfrm>
+      </p:grpSpPr>
+      <p:sp>
+        <p:nvSpPr>
+          <p:cNvPr id="2" name="Titre 1"/>
+          <p:cNvSpPr>
+            <a:spLocks noGrp="1"/>
+          </p:cNvSpPr>
+          <p:nvPr>
+            <p:ph type="title"/>
+          </p:nvPr>
+        </p:nvSpPr>
+        <p:spPr/>
+        <p:txBody>
+          <a:bodyPr/>
+          <a:lstStyle/>
+          <a:p>
+            <a:r>
+              <a:rPr lang="fr-FR" dirty="0" smtClean="0"/>
+              <a:t>Organisation du travail</a:t>
+            </a:r>
+            <a:endParaRPr lang="en-US" dirty="0"/>
+          </a:p>
+        </p:txBody>
+      </p:sp>
+      <p:sp>
+        <p:nvSpPr>
+          <p:cNvPr id="3" name="Espace réservé du contenu 2"/>
+          <p:cNvSpPr>
+            <a:spLocks noGrp="1"/>
+          </p:cNvSpPr>
+          <p:nvPr>
+            <p:ph idx="1"/>
+          </p:nvPr>
+        </p:nvSpPr>
+        <p:spPr>
+          <a:xfrm>
+            <a:off x="254000" y="2250659"/>
+            <a:ext cx="2199832" cy="4386263"/>
+          </a:xfrm>
+        </p:spPr>
+        <p:txBody>
+          <a:bodyPr>
+            <a:normAutofit/>
+          </a:bodyPr>
+          <a:lstStyle/>
+          <a:p>
+            <a:r>
+              <a:rPr lang="fr-FR" sz="1800" dirty="0" smtClean="0"/>
+              <a:t>Prise en main du </a:t>
+            </a:r>
+            <a:r>
+              <a:rPr lang="fr-FR" sz="1800" dirty="0" err="1" smtClean="0"/>
+              <a:t>framework</a:t>
+            </a:r>
+            <a:endParaRPr lang="fr-FR" sz="1800" dirty="0" smtClean="0"/>
+          </a:p>
+          <a:p>
+            <a:endParaRPr lang="fr-FR" sz="1800" dirty="0"/>
+          </a:p>
+          <a:p>
+            <a:r>
+              <a:rPr lang="fr-FR" sz="1800" dirty="0" smtClean="0"/>
+              <a:t>Administration du serveur</a:t>
+            </a:r>
+          </a:p>
+          <a:p>
+            <a:endParaRPr lang="fr-FR" sz="1800" dirty="0"/>
+          </a:p>
+          <a:p>
+            <a:r>
+              <a:rPr lang="fr-FR" sz="1800" dirty="0" smtClean="0"/>
+              <a:t>Documentation</a:t>
+            </a:r>
+            <a:endParaRPr lang="en-US" sz="1800" dirty="0"/>
+          </a:p>
+        </p:txBody>
+      </p:sp>
+      <p:sp>
+        <p:nvSpPr>
+          <p:cNvPr id="4" name="Espace réservé du numéro de diapositive 3"/>
+          <p:cNvSpPr>
+            <a:spLocks noGrp="1"/>
+          </p:cNvSpPr>
+          <p:nvPr>
+            <p:ph type="sldNum" sz="quarter" idx="12"/>
+          </p:nvPr>
+        </p:nvSpPr>
+        <p:spPr/>
+        <p:txBody>
+          <a:bodyPr/>
+          <a:lstStyle/>
+          <a:p>
+            <a:fld id="{87D9652F-9609-4EC6-8E0A-C96E14B58A2A}" type="slidenum">
+              <a:rPr lang="fr-FR" smtClean="0"/>
+              <a:pPr/>
+              <a:t>12</a:t>
+            </a:fld>
+            <a:endParaRPr lang="fr-FR" dirty="0"/>
+          </a:p>
+        </p:txBody>
+      </p:sp>
+      <p:sp>
+        <p:nvSpPr>
+          <p:cNvPr id="5" name="Rectangle 4"/>
+          <p:cNvSpPr/>
+          <p:nvPr/>
+        </p:nvSpPr>
+        <p:spPr>
+          <a:xfrm>
+            <a:off x="2453832" y="2250659"/>
+            <a:ext cx="1979271" cy="636607"/>
+          </a:xfrm>
+          <a:prstGeom prst="rect">
+            <a:avLst/>
+          </a:prstGeom>
+        </p:spPr>
+        <p:style>
+          <a:lnRef idx="2">
+            <a:schemeClr val="accent1">
+              <a:shade val="50000"/>
+            </a:schemeClr>
+          </a:lnRef>
+          <a:fillRef idx="1">
+            <a:schemeClr val="accent1"/>
+          </a:fillRef>
+          <a:effectRef idx="0">
+            <a:schemeClr val="accent1"/>
+          </a:effectRef>
+          <a:fontRef idx="minor">
+            <a:schemeClr val="lt1"/>
+          </a:fontRef>
+        </p:style>
+        <p:txBody>
+          <a:bodyPr rtlCol="0" anchor="ctr"/>
+          <a:lstStyle/>
+          <a:p>
+            <a:pPr algn="ctr"/>
+            <a:endParaRPr lang="en-US"/>
+          </a:p>
+        </p:txBody>
+      </p:sp>
+      <p:sp>
+        <p:nvSpPr>
+          <p:cNvPr id="6" name="Rectangle 5"/>
+          <p:cNvSpPr/>
+          <p:nvPr/>
+        </p:nvSpPr>
+        <p:spPr>
+          <a:xfrm>
+            <a:off x="3842795" y="3347224"/>
+            <a:ext cx="1979271" cy="636607"/>
+          </a:xfrm>
+          <a:prstGeom prst="rect">
+            <a:avLst/>
+          </a:prstGeom>
+        </p:spPr>
+        <p:style>
+          <a:lnRef idx="2">
+            <a:schemeClr val="accent1">
+              <a:shade val="50000"/>
+            </a:schemeClr>
+          </a:lnRef>
+          <a:fillRef idx="1">
+            <a:schemeClr val="accent1"/>
+          </a:fillRef>
+          <a:effectRef idx="0">
+            <a:schemeClr val="accent1"/>
+          </a:effectRef>
+          <a:fontRef idx="minor">
+            <a:schemeClr val="lt1"/>
+          </a:fontRef>
+        </p:style>
+        <p:txBody>
+          <a:bodyPr rtlCol="0" anchor="ctr"/>
+          <a:lstStyle/>
+          <a:p>
+            <a:pPr algn="ctr"/>
+            <a:endParaRPr lang="en-US"/>
+          </a:p>
+        </p:txBody>
+      </p:sp>
+      <p:sp>
+        <p:nvSpPr>
+          <p:cNvPr id="7" name="Rectangle 6"/>
+          <p:cNvSpPr/>
+          <p:nvPr/>
+        </p:nvSpPr>
+        <p:spPr>
+          <a:xfrm>
+            <a:off x="5127585" y="4125486"/>
+            <a:ext cx="1979271" cy="636607"/>
+          </a:xfrm>
+          <a:prstGeom prst="rect">
+            <a:avLst/>
+          </a:prstGeom>
+        </p:spPr>
+        <p:style>
+          <a:lnRef idx="2">
+            <a:schemeClr val="accent1">
+              <a:shade val="50000"/>
+            </a:schemeClr>
+          </a:lnRef>
+          <a:fillRef idx="1">
+            <a:schemeClr val="accent1"/>
+          </a:fillRef>
+          <a:effectRef idx="0">
+            <a:schemeClr val="accent1"/>
+          </a:effectRef>
+          <a:fontRef idx="minor">
+            <a:schemeClr val="lt1"/>
+          </a:fontRef>
+        </p:style>
+        <p:txBody>
+          <a:bodyPr rtlCol="0" anchor="ctr"/>
+          <a:lstStyle/>
+          <a:p>
+            <a:pPr algn="ctr"/>
+            <a:endParaRPr lang="en-US"/>
+          </a:p>
+        </p:txBody>
+      </p:sp>
+      <p:sp>
+        <p:nvSpPr>
+          <p:cNvPr id="8" name="Rectangle 7"/>
+          <p:cNvSpPr/>
+          <p:nvPr/>
+        </p:nvSpPr>
+        <p:spPr>
+          <a:xfrm>
+            <a:off x="6690689" y="4929782"/>
+            <a:ext cx="1979271" cy="636607"/>
+          </a:xfrm>
+          <a:prstGeom prst="rect">
+            <a:avLst/>
+          </a:prstGeom>
+        </p:spPr>
+        <p:style>
+          <a:lnRef idx="2">
+            <a:schemeClr val="accent1">
+              <a:shade val="50000"/>
+            </a:schemeClr>
+          </a:lnRef>
+          <a:fillRef idx="1">
+            <a:schemeClr val="accent1"/>
+          </a:fillRef>
+          <a:effectRef idx="0">
+            <a:schemeClr val="accent1"/>
+          </a:effectRef>
+          <a:fontRef idx="minor">
+            <a:schemeClr val="lt1"/>
+          </a:fontRef>
+        </p:style>
+        <p:txBody>
+          <a:bodyPr rtlCol="0" anchor="ctr"/>
+          <a:lstStyle/>
+          <a:p>
+            <a:pPr algn="ctr"/>
+            <a:endParaRPr lang="en-US"/>
+          </a:p>
+        </p:txBody>
+      </p:sp>
+    </p:spTree>
+    <p:extLst>
+      <p:ext uri="{BB962C8B-B14F-4D97-AF65-F5344CB8AC3E}">
+        <p14:creationId xmlns:p14="http://schemas.microsoft.com/office/powerpoint/2010/main" val="1290625596"/>
+      </p:ext>
+    </p:extLst>
+  </p:cSld>
+  <p:clrMapOvr>
+    <a:masterClrMapping/>
+  </p:clrMapOvr>
+</p:sld>
+</file>
+
+<file path=ppt/slides/slide13.xml><?xml version="1.0" encoding="utf-8"?>
+<p:sld xmlns:a="http://schemas.openxmlformats.org/drawingml/2006/main" xmlns:r="http://schemas.openxmlformats.org/officeDocument/2006/relationships" xmlns:p="http://schemas.openxmlformats.org/presentationml/2006/main">
+  <p:cSld>
+    <p:spTree>
+      <p:nvGrpSpPr>
+        <p:cNvPr id="1" name=""/>
+        <p:cNvGrpSpPr/>
+        <p:nvPr/>
+      </p:nvGrpSpPr>
+      <p:grpSpPr>
+        <a:xfrm>
+          <a:off x="0" y="0"/>
+          <a:ext cx="0" cy="0"/>
+          <a:chOff x="0" y="0"/>
+          <a:chExt cx="0" cy="0"/>
+        </a:xfrm>
+      </p:grpSpPr>
+      <p:sp>
+        <p:nvSpPr>
+          <p:cNvPr id="2" name="Titre 1"/>
+          <p:cNvSpPr>
+            <a:spLocks noGrp="1"/>
+          </p:cNvSpPr>
+          <p:nvPr>
+            <p:ph type="title"/>
+          </p:nvPr>
+        </p:nvSpPr>
+        <p:spPr/>
+        <p:txBody>
+          <a:bodyPr/>
+          <a:lstStyle/>
+          <a:p>
+            <a:r>
+              <a:rPr lang="fr-FR" dirty="0" smtClean="0"/>
+              <a:t>Prise en main du </a:t>
+            </a:r>
+            <a:r>
+              <a:rPr lang="fr-FR" dirty="0" err="1" smtClean="0"/>
+              <a:t>framework</a:t>
+            </a:r>
+            <a:endParaRPr lang="en-US" dirty="0"/>
+          </a:p>
+        </p:txBody>
+      </p:sp>
+      <p:sp>
+        <p:nvSpPr>
+          <p:cNvPr id="3" name="Espace réservé du contenu 2"/>
+          <p:cNvSpPr>
+            <a:spLocks noGrp="1"/>
+          </p:cNvSpPr>
+          <p:nvPr>
+            <p:ph idx="1"/>
+          </p:nvPr>
+        </p:nvSpPr>
+        <p:spPr/>
+        <p:txBody>
+          <a:bodyPr/>
+          <a:lstStyle/>
+          <a:p>
+            <a:r>
+              <a:rPr lang="fr-FR" dirty="0" err="1" smtClean="0"/>
+              <a:t>Overview</a:t>
+            </a:r>
+            <a:r>
+              <a:rPr lang="fr-FR" dirty="0" smtClean="0"/>
+              <a:t> :</a:t>
+            </a:r>
+          </a:p>
+          <a:p>
+            <a:pPr lvl="1"/>
+            <a:endParaRPr lang="fr-FR" dirty="0" smtClean="0"/>
+          </a:p>
+          <a:p>
+            <a:endParaRPr lang="fr-FR" dirty="0"/>
+          </a:p>
+          <a:p>
+            <a:r>
+              <a:rPr lang="fr-FR" dirty="0" smtClean="0"/>
+              <a:t>Problèmes :</a:t>
+            </a:r>
+          </a:p>
+          <a:p>
+            <a:pPr lvl="1"/>
+            <a:r>
+              <a:rPr lang="fr-FR" dirty="0" smtClean="0"/>
+              <a:t>Projet </a:t>
+            </a:r>
+            <a:r>
+              <a:rPr lang="fr-FR" dirty="0" err="1" smtClean="0"/>
+              <a:t>Netbeans</a:t>
+            </a:r>
+            <a:r>
+              <a:rPr lang="fr-FR" dirty="0" smtClean="0"/>
+              <a:t> ne compile pas:</a:t>
+            </a:r>
+          </a:p>
+          <a:p>
+            <a:pPr lvl="2"/>
+            <a:r>
+              <a:rPr lang="fr-FR" dirty="0" smtClean="0"/>
+              <a:t>Dépendances (bibliothèques) non incluses par l’auteur</a:t>
+            </a:r>
+            <a:endParaRPr lang="en-US" dirty="0"/>
+          </a:p>
+        </p:txBody>
+      </p:sp>
+      <p:sp>
+        <p:nvSpPr>
+          <p:cNvPr id="4" name="Espace réservé du numéro de diapositive 3"/>
+          <p:cNvSpPr>
+            <a:spLocks noGrp="1"/>
+          </p:cNvSpPr>
+          <p:nvPr>
+            <p:ph type="sldNum" sz="quarter" idx="12"/>
+          </p:nvPr>
+        </p:nvSpPr>
+        <p:spPr/>
+        <p:txBody>
+          <a:bodyPr/>
+          <a:lstStyle/>
+          <a:p>
+            <a:fld id="{87D9652F-9609-4EC6-8E0A-C96E14B58A2A}" type="slidenum">
+              <a:rPr lang="fr-FR" smtClean="0"/>
+              <a:pPr/>
+              <a:t>13</a:t>
+            </a:fld>
+            <a:endParaRPr lang="fr-FR" dirty="0"/>
+          </a:p>
+        </p:txBody>
+      </p:sp>
+    </p:spTree>
+    <p:extLst>
+      <p:ext uri="{BB962C8B-B14F-4D97-AF65-F5344CB8AC3E}">
+        <p14:creationId xmlns:p14="http://schemas.microsoft.com/office/powerpoint/2010/main" val="4048983730"/>
+      </p:ext>
+    </p:extLst>
+  </p:cSld>
+  <p:clrMapOvr>
+    <a:masterClrMapping/>
+  </p:clrMapOvr>
+</p:sld>
+</file>
+
 <file path=ppt/slides/slide2.xml><?xml version="1.0" encoding="utf-8"?>
 <p:sld xmlns:a="http://schemas.openxmlformats.org/drawingml/2006/main" xmlns:r="http://schemas.openxmlformats.org/officeDocument/2006/relationships" xmlns:p="http://schemas.openxmlformats.org/presentationml/2006/main">
   <p:cSld>
@@ -5040,9 +5675,85 @@
           <a:p>
             <a:r>
               <a:rPr lang="fr-FR" dirty="0" smtClean="0"/>
-              <a:t>Contexte</a:t>
+              <a:t>Rappel des points d’intervention</a:t>
             </a:r>
             <a:endParaRPr lang="fr-FR" dirty="0"/>
+          </a:p>
+        </p:txBody>
+      </p:sp>
+      <p:sp>
+        <p:nvSpPr>
+          <p:cNvPr id="3" name="Espace réservé du contenu 2"/>
+          <p:cNvSpPr>
+            <a:spLocks noGrp="1"/>
+          </p:cNvSpPr>
+          <p:nvPr>
+            <p:ph idx="1"/>
+          </p:nvPr>
+        </p:nvSpPr>
+        <p:spPr>
+          <a:xfrm>
+            <a:off x="254000" y="1538869"/>
+            <a:ext cx="8648700" cy="2118731"/>
+          </a:xfrm>
+          <a:solidFill>
+            <a:schemeClr val="accent6">
+              <a:lumMod val="40000"/>
+              <a:lumOff val="60000"/>
+            </a:schemeClr>
+          </a:solidFill>
+          <a:ln>
+            <a:noFill/>
+          </a:ln>
+        </p:spPr>
+        <p:txBody>
+          <a:bodyPr>
+            <a:noAutofit/>
+          </a:bodyPr>
+          <a:lstStyle/>
+          <a:p>
+            <a:r>
+              <a:rPr lang="fr-FR" sz="2400" b="1" dirty="0" smtClean="0"/>
+              <a:t>Tâches initiales</a:t>
+            </a:r>
+          </a:p>
+          <a:p>
+            <a:pPr lvl="1"/>
+            <a:r>
+              <a:rPr lang="fr-FR" sz="2000" dirty="0" smtClean="0"/>
+              <a:t>Rupture de la collecte</a:t>
+            </a:r>
+          </a:p>
+          <a:p>
+            <a:pPr lvl="1"/>
+            <a:r>
+              <a:rPr lang="fr-FR" sz="2000" dirty="0" smtClean="0"/>
+              <a:t>Extraction des données</a:t>
+            </a:r>
+          </a:p>
+          <a:p>
+            <a:pPr lvl="2"/>
+            <a:r>
+              <a:rPr lang="fr-FR" dirty="0" smtClean="0"/>
+              <a:t>Téléchargement impossible</a:t>
+            </a:r>
+          </a:p>
+          <a:p>
+            <a:pPr lvl="2"/>
+            <a:r>
+              <a:rPr lang="fr-FR" dirty="0" smtClean="0"/>
+              <a:t>Extraction incomplète</a:t>
+            </a:r>
+          </a:p>
+          <a:p>
+            <a:pPr lvl="1"/>
+            <a:r>
+              <a:rPr lang="fr-FR" sz="2000" dirty="0" smtClean="0"/>
+              <a:t>Ergonomie de l’interface</a:t>
+            </a:r>
+          </a:p>
+          <a:p>
+            <a:endParaRPr lang="en-US" sz="1800" dirty="0"/>
           </a:p>
         </p:txBody>
       </p:sp>
@@ -5070,10 +5781,269 @@
           </a:p>
         </p:txBody>
       </p:sp>
+      <p:sp>
+        <p:nvSpPr>
+          <p:cNvPr id="6" name="Espace réservé du contenu 2"/>
+          <p:cNvSpPr txBox="1">
+            <a:spLocks/>
+          </p:cNvSpPr>
+          <p:nvPr/>
+        </p:nvSpPr>
+        <p:spPr>
+          <a:xfrm>
+            <a:off x="254000" y="3895342"/>
+            <a:ext cx="8648700" cy="2338189"/>
+          </a:xfrm>
+          <a:prstGeom prst="rect">
+            <a:avLst/>
+          </a:prstGeom>
+          <a:solidFill>
+            <a:schemeClr val="accent3">
+              <a:lumMod val="20000"/>
+              <a:lumOff val="80000"/>
+            </a:schemeClr>
+          </a:solidFill>
+          <a:ln>
+            <a:noFill/>
+          </a:ln>
+        </p:spPr>
+        <p:txBody>
+          <a:bodyPr vert="horz" lIns="91440" tIns="45720" rIns="91440" bIns="45720" rtlCol="0">
+            <a:noAutofit/>
+          </a:bodyPr>
+          <a:lstStyle>
+            <a:lvl1pPr marL="228600" indent="-228600" algn="l" defTabSz="914400" rtl="0" eaLnBrk="1" latinLnBrk="0" hangingPunct="1">
+              <a:lnSpc>
+                <a:spcPct val="90000"/>
+              </a:lnSpc>
+              <a:spcBef>
+                <a:spcPts val="1000"/>
+              </a:spcBef>
+              <a:buFont typeface="Arial" panose="020B0604020202020204" pitchFamily="34" charset="0"/>
+              <a:buChar char="•"/>
+              <a:defRPr sz="2800" kern="1200">
+                <a:solidFill>
+                  <a:schemeClr val="tx1"/>
+                </a:solidFill>
+                <a:latin typeface="+mn-lt"/>
+                <a:ea typeface="+mn-ea"/>
+                <a:cs typeface="+mn-cs"/>
+              </a:defRPr>
+            </a:lvl1pPr>
+            <a:lvl2pPr marL="685800" indent="-228600" algn="l" defTabSz="914400" rtl="0" eaLnBrk="1" latinLnBrk="0" hangingPunct="1">
+              <a:lnSpc>
+                <a:spcPct val="90000"/>
+              </a:lnSpc>
+              <a:spcBef>
+                <a:spcPts val="500"/>
+              </a:spcBef>
+              <a:buFont typeface="Arial" panose="020B0604020202020204" pitchFamily="34" charset="0"/>
+              <a:buChar char="•"/>
+              <a:defRPr sz="2400" kern="1200">
+                <a:solidFill>
+                  <a:schemeClr val="tx1"/>
+                </a:solidFill>
+                <a:latin typeface="+mn-lt"/>
+                <a:ea typeface="+mn-ea"/>
+                <a:cs typeface="+mn-cs"/>
+              </a:defRPr>
+            </a:lvl2pPr>
+            <a:lvl3pPr marL="1143000" indent="-228600" algn="l" defTabSz="914400" rtl="0" eaLnBrk="1" latinLnBrk="0" hangingPunct="1">
+              <a:lnSpc>
+                <a:spcPct val="90000"/>
+              </a:lnSpc>
+              <a:spcBef>
+                <a:spcPts val="500"/>
+              </a:spcBef>
+              <a:buFont typeface="Arial" panose="020B0604020202020204" pitchFamily="34" charset="0"/>
+              <a:buChar char="•"/>
+              <a:defRPr sz="2000" kern="1200">
+                <a:solidFill>
+                  <a:schemeClr val="tx1"/>
+                </a:solidFill>
+                <a:latin typeface="+mn-lt"/>
+                <a:ea typeface="+mn-ea"/>
+                <a:cs typeface="+mn-cs"/>
+              </a:defRPr>
+            </a:lvl3pPr>
+            <a:lvl4pPr marL="1600200" indent="-228600" algn="l" defTabSz="914400" rtl="0" eaLnBrk="1" latinLnBrk="0" hangingPunct="1">
+              <a:lnSpc>
+                <a:spcPct val="90000"/>
+              </a:lnSpc>
+              <a:spcBef>
+                <a:spcPts val="500"/>
+              </a:spcBef>
+              <a:buFont typeface="Arial" panose="020B0604020202020204" pitchFamily="34" charset="0"/>
+              <a:buChar char="•"/>
+              <a:defRPr sz="1800" kern="1200">
+                <a:solidFill>
+                  <a:schemeClr val="tx1"/>
+                </a:solidFill>
+                <a:latin typeface="+mn-lt"/>
+                <a:ea typeface="+mn-ea"/>
+                <a:cs typeface="+mn-cs"/>
+              </a:defRPr>
+            </a:lvl4pPr>
+            <a:lvl5pPr marL="2057400" indent="-228600" algn="l" defTabSz="914400" rtl="0" eaLnBrk="1" latinLnBrk="0" hangingPunct="1">
+              <a:lnSpc>
+                <a:spcPct val="90000"/>
+              </a:lnSpc>
+              <a:spcBef>
+                <a:spcPts val="500"/>
+              </a:spcBef>
+              <a:buFont typeface="Arial" panose="020B0604020202020204" pitchFamily="34" charset="0"/>
+              <a:buChar char="•"/>
+              <a:defRPr sz="1800" kern="1200">
+                <a:solidFill>
+                  <a:schemeClr val="tx1"/>
+                </a:solidFill>
+                <a:latin typeface="+mn-lt"/>
+                <a:ea typeface="+mn-ea"/>
+                <a:cs typeface="+mn-cs"/>
+              </a:defRPr>
+            </a:lvl5pPr>
+            <a:lvl6pPr marL="2514600" indent="-228600" algn="l" defTabSz="914400" rtl="0" eaLnBrk="1" latinLnBrk="0" hangingPunct="1">
+              <a:lnSpc>
+                <a:spcPct val="90000"/>
+              </a:lnSpc>
+              <a:spcBef>
+                <a:spcPts val="500"/>
+              </a:spcBef>
+              <a:buFont typeface="Arial" panose="020B0604020202020204" pitchFamily="34" charset="0"/>
+              <a:buChar char="•"/>
+              <a:defRPr sz="1800" kern="1200">
+                <a:solidFill>
+                  <a:schemeClr val="tx1"/>
+                </a:solidFill>
+                <a:latin typeface="+mn-lt"/>
+                <a:ea typeface="+mn-ea"/>
+                <a:cs typeface="+mn-cs"/>
+              </a:defRPr>
+            </a:lvl6pPr>
+            <a:lvl7pPr marL="2971800" indent="-228600" algn="l" defTabSz="914400" rtl="0" eaLnBrk="1" latinLnBrk="0" hangingPunct="1">
+              <a:lnSpc>
+                <a:spcPct val="90000"/>
+              </a:lnSpc>
+              <a:spcBef>
+                <a:spcPts val="500"/>
+              </a:spcBef>
+              <a:buFont typeface="Arial" panose="020B0604020202020204" pitchFamily="34" charset="0"/>
+              <a:buChar char="•"/>
+              <a:defRPr sz="1800" kern="1200">
+                <a:solidFill>
+                  <a:schemeClr val="tx1"/>
+                </a:solidFill>
+                <a:latin typeface="+mn-lt"/>
+                <a:ea typeface="+mn-ea"/>
+                <a:cs typeface="+mn-cs"/>
+              </a:defRPr>
+            </a:lvl7pPr>
+            <a:lvl8pPr marL="3429000" indent="-228600" algn="l" defTabSz="914400" rtl="0" eaLnBrk="1" latinLnBrk="0" hangingPunct="1">
+              <a:lnSpc>
+                <a:spcPct val="90000"/>
+              </a:lnSpc>
+              <a:spcBef>
+                <a:spcPts val="500"/>
+              </a:spcBef>
+              <a:buFont typeface="Arial" panose="020B0604020202020204" pitchFamily="34" charset="0"/>
+              <a:buChar char="•"/>
+              <a:defRPr sz="1800" kern="1200">
+                <a:solidFill>
+                  <a:schemeClr val="tx1"/>
+                </a:solidFill>
+                <a:latin typeface="+mn-lt"/>
+                <a:ea typeface="+mn-ea"/>
+                <a:cs typeface="+mn-cs"/>
+              </a:defRPr>
+            </a:lvl8pPr>
+            <a:lvl9pPr marL="3886200" indent="-228600" algn="l" defTabSz="914400" rtl="0" eaLnBrk="1" latinLnBrk="0" hangingPunct="1">
+              <a:lnSpc>
+                <a:spcPct val="90000"/>
+              </a:lnSpc>
+              <a:spcBef>
+                <a:spcPts val="500"/>
+              </a:spcBef>
+              <a:buFont typeface="Arial" panose="020B0604020202020204" pitchFamily="34" charset="0"/>
+              <a:buChar char="•"/>
+              <a:defRPr sz="1800" kern="1200">
+                <a:solidFill>
+                  <a:schemeClr val="tx1"/>
+                </a:solidFill>
+                <a:latin typeface="+mn-lt"/>
+                <a:ea typeface="+mn-ea"/>
+                <a:cs typeface="+mn-cs"/>
+              </a:defRPr>
+            </a:lvl9pPr>
+          </a:lstStyle>
+          <a:p>
+            <a:r>
+              <a:rPr lang="fr-FR" sz="2400" b="1" dirty="0" smtClean="0"/>
+              <a:t>Tâches décelées à postériori</a:t>
+            </a:r>
+          </a:p>
+          <a:p>
+            <a:pPr lvl="1"/>
+            <a:r>
+              <a:rPr lang="fr-FR" sz="2000" dirty="0" smtClean="0"/>
+              <a:t>Réutilisabilité </a:t>
+            </a:r>
+            <a:r>
+              <a:rPr lang="fr-FR" sz="2000" dirty="0"/>
+              <a:t>de l’application</a:t>
+            </a:r>
+          </a:p>
+          <a:p>
+            <a:pPr lvl="2"/>
+            <a:r>
+              <a:rPr lang="fr-FR" sz="1800" dirty="0"/>
+              <a:t>Gestion de versions</a:t>
+            </a:r>
+          </a:p>
+          <a:p>
+            <a:pPr lvl="2"/>
+            <a:r>
+              <a:rPr lang="fr-FR" sz="1800" dirty="0"/>
+              <a:t>« </a:t>
+            </a:r>
+            <a:r>
+              <a:rPr lang="fr-FR" sz="1800" dirty="0" err="1"/>
+              <a:t>Compilabilité</a:t>
+            </a:r>
+            <a:r>
+              <a:rPr lang="fr-FR" sz="1800" dirty="0"/>
+              <a:t> »</a:t>
+            </a:r>
+          </a:p>
+          <a:p>
+            <a:pPr lvl="2"/>
+            <a:r>
+              <a:rPr lang="fr-FR" sz="1800" dirty="0"/>
+              <a:t>Facilitation de l’installation et la configuration</a:t>
+            </a:r>
+          </a:p>
+          <a:p>
+            <a:pPr lvl="2"/>
+            <a:r>
+              <a:rPr lang="fr-FR" sz="1800" dirty="0"/>
+              <a:t>Documentation</a:t>
+            </a:r>
+          </a:p>
+          <a:p>
+            <a:pPr lvl="1"/>
+            <a:r>
+              <a:rPr lang="fr-FR" sz="2000" dirty="0"/>
+              <a:t>Co-administration du serveur</a:t>
+            </a:r>
+          </a:p>
+          <a:p>
+            <a:endParaRPr lang="en-US" sz="1800" dirty="0"/>
+          </a:p>
+        </p:txBody>
+      </p:sp>
     </p:spTree>
     <p:extLst>
       <p:ext uri="{BB962C8B-B14F-4D97-AF65-F5344CB8AC3E}">
-        <p14:creationId xmlns:p14="http://schemas.microsoft.com/office/powerpoint/2010/main" val="3126080252"/>
+        <p14:creationId xmlns:p14="http://schemas.microsoft.com/office/powerpoint/2010/main" val="3844956798"/>
       </p:ext>
     </p:extLst>
   </p:cSld>
@@ -5119,12 +6089,1869 @@
         </p:nvSpPr>
         <p:spPr/>
         <p:txBody>
+          <a:bodyPr/>
+          <a:lstStyle/>
+          <a:p>
+            <a:r>
+              <a:rPr lang="fr-FR" dirty="0" smtClean="0"/>
+              <a:t>1) Réutilisabilité de l’application</a:t>
+            </a:r>
+            <a:endParaRPr lang="en-US" dirty="0"/>
+          </a:p>
+        </p:txBody>
+      </p:sp>
+      <p:sp>
+        <p:nvSpPr>
+          <p:cNvPr id="3" name="Espace réservé du contenu 2"/>
+          <p:cNvSpPr>
+            <a:spLocks noGrp="1"/>
+          </p:cNvSpPr>
+          <p:nvPr>
+            <p:ph idx="1"/>
+          </p:nvPr>
+        </p:nvSpPr>
+        <p:spPr>
+          <a:xfrm>
+            <a:off x="254000" y="2783158"/>
+            <a:ext cx="8648700" cy="1989563"/>
+          </a:xfrm>
+          <a:solidFill>
+            <a:schemeClr val="accent2">
+              <a:lumMod val="20000"/>
+              <a:lumOff val="80000"/>
+            </a:schemeClr>
+          </a:solidFill>
+        </p:spPr>
+        <p:txBody>
           <a:bodyPr>
             <a:normAutofit/>
           </a:bodyPr>
           <a:lstStyle/>
           <a:p>
             <a:r>
+              <a:rPr lang="fr-FR" b="1" dirty="0" smtClean="0"/>
+              <a:t>Problèmes encourus: </a:t>
+            </a:r>
+            <a:r>
+              <a:rPr lang="fr-FR" dirty="0" smtClean="0"/>
+              <a:t>plus de deux semaines pour « prendre en main » l’application!</a:t>
+            </a:r>
+          </a:p>
+          <a:p>
+            <a:pPr lvl="1"/>
+            <a:r>
+              <a:rPr lang="fr-FR" dirty="0" smtClean="0"/>
+              <a:t>Rendre les sources compilables</a:t>
+            </a:r>
+          </a:p>
+          <a:p>
+            <a:pPr lvl="1"/>
+            <a:r>
+              <a:rPr lang="fr-FR" dirty="0" smtClean="0"/>
+              <a:t>Configurer, installer l’application et la faire tourner sur un serveur de développement</a:t>
+            </a:r>
+          </a:p>
+        </p:txBody>
+      </p:sp>
+      <p:sp>
+        <p:nvSpPr>
+          <p:cNvPr id="4" name="Espace réservé du numéro de diapositive 3"/>
+          <p:cNvSpPr>
+            <a:spLocks noGrp="1"/>
+          </p:cNvSpPr>
+          <p:nvPr>
+            <p:ph type="sldNum" sz="quarter" idx="12"/>
+          </p:nvPr>
+        </p:nvSpPr>
+        <p:spPr/>
+        <p:txBody>
+          <a:bodyPr/>
+          <a:lstStyle/>
+          <a:p>
+            <a:fld id="{87D9652F-9609-4EC6-8E0A-C96E14B58A2A}" type="slidenum">
+              <a:rPr lang="fr-FR" smtClean="0"/>
+              <a:pPr/>
+              <a:t>3</a:t>
+            </a:fld>
+            <a:endParaRPr lang="fr-FR" dirty="0"/>
+          </a:p>
+        </p:txBody>
+      </p:sp>
+    </p:spTree>
+    <p:extLst>
+      <p:ext uri="{BB962C8B-B14F-4D97-AF65-F5344CB8AC3E}">
+        <p14:creationId xmlns:p14="http://schemas.microsoft.com/office/powerpoint/2010/main" val="562068747"/>
+      </p:ext>
+    </p:extLst>
+  </p:cSld>
+  <p:clrMapOvr>
+    <a:masterClrMapping/>
+  </p:clrMapOvr>
+  <p:timing>
+    <p:tnLst>
+      <p:par>
+        <p:cTn id="1" dur="indefinite" restart="never" nodeType="tmRoot"/>
+      </p:par>
+    </p:tnLst>
+  </p:timing>
+</p:sld>
+</file>
+
+<file path=ppt/slides/slide4.xml><?xml version="1.0" encoding="utf-8"?>
+<p:sld xmlns:a="http://schemas.openxmlformats.org/drawingml/2006/main" xmlns:r="http://schemas.openxmlformats.org/officeDocument/2006/relationships" xmlns:p="http://schemas.openxmlformats.org/presentationml/2006/main">
+  <p:cSld>
+    <p:spTree>
+      <p:nvGrpSpPr>
+        <p:cNvPr id="1" name=""/>
+        <p:cNvGrpSpPr/>
+        <p:nvPr/>
+      </p:nvGrpSpPr>
+      <p:grpSpPr>
+        <a:xfrm>
+          <a:off x="0" y="0"/>
+          <a:ext cx="0" cy="0"/>
+          <a:chOff x="0" y="0"/>
+          <a:chExt cx="0" cy="0"/>
+        </a:xfrm>
+      </p:grpSpPr>
+      <p:sp>
+        <p:nvSpPr>
+          <p:cNvPr id="2" name="Titre 1"/>
+          <p:cNvSpPr>
+            <a:spLocks noGrp="1"/>
+          </p:cNvSpPr>
+          <p:nvPr>
+            <p:ph type="title"/>
+          </p:nvPr>
+        </p:nvSpPr>
+        <p:spPr/>
+        <p:txBody>
+          <a:bodyPr/>
+          <a:lstStyle/>
+          <a:p>
+            <a:r>
+              <a:rPr lang="fr-FR" dirty="0" smtClean="0"/>
+              <a:t>1) Causes?</a:t>
+            </a:r>
+            <a:endParaRPr lang="en-US" dirty="0"/>
+          </a:p>
+        </p:txBody>
+      </p:sp>
+      <p:sp>
+        <p:nvSpPr>
+          <p:cNvPr id="3" name="Espace réservé du contenu 2"/>
+          <p:cNvSpPr>
+            <a:spLocks noGrp="1"/>
+          </p:cNvSpPr>
+          <p:nvPr>
+            <p:ph idx="1"/>
+          </p:nvPr>
+        </p:nvSpPr>
+        <p:spPr>
+          <a:xfrm>
+            <a:off x="254000" y="1790701"/>
+            <a:ext cx="8648700" cy="1387398"/>
+          </a:xfrm>
+          <a:solidFill>
+            <a:schemeClr val="bg2"/>
+          </a:solidFill>
+        </p:spPr>
+        <p:txBody>
+          <a:bodyPr>
+            <a:normAutofit fontScale="92500" lnSpcReduction="20000"/>
+          </a:bodyPr>
+          <a:lstStyle/>
+          <a:p>
+            <a:r>
+              <a:rPr lang="fr-FR" b="1" dirty="0" smtClean="0"/>
+              <a:t>Pas </a:t>
+            </a:r>
+            <a:r>
+              <a:rPr lang="fr-FR" b="1" dirty="0"/>
+              <a:t>de version/de release </a:t>
+            </a:r>
+            <a:r>
+              <a:rPr lang="fr-FR" b="1" dirty="0" smtClean="0"/>
+              <a:t>officielle</a:t>
+            </a:r>
+          </a:p>
+          <a:p>
+            <a:pPr lvl="1"/>
+            <a:r>
+              <a:rPr lang="fr-FR" dirty="0" smtClean="0"/>
+              <a:t>A </a:t>
+            </a:r>
+            <a:r>
+              <a:rPr lang="fr-FR" dirty="0"/>
+              <a:t>quoi correspondent les sources fournies</a:t>
+            </a:r>
+            <a:r>
+              <a:rPr lang="fr-FR" dirty="0" smtClean="0"/>
+              <a:t>?</a:t>
+            </a:r>
+          </a:p>
+          <a:p>
+            <a:pPr lvl="1"/>
+            <a:r>
+              <a:rPr lang="fr-FR" dirty="0" smtClean="0"/>
+              <a:t>Pas d’historique du développement</a:t>
+            </a:r>
+          </a:p>
+          <a:p>
+            <a:pPr lvl="1"/>
+            <a:r>
+              <a:rPr lang="fr-FR" dirty="0" smtClean="0"/>
+              <a:t>Sources fournies ne compilent pas</a:t>
+            </a:r>
+            <a:endParaRPr lang="fr-FR" dirty="0"/>
+          </a:p>
+        </p:txBody>
+      </p:sp>
+      <p:sp>
+        <p:nvSpPr>
+          <p:cNvPr id="4" name="Espace réservé du numéro de diapositive 3"/>
+          <p:cNvSpPr>
+            <a:spLocks noGrp="1"/>
+          </p:cNvSpPr>
+          <p:nvPr>
+            <p:ph type="sldNum" sz="quarter" idx="12"/>
+          </p:nvPr>
+        </p:nvSpPr>
+        <p:spPr/>
+        <p:txBody>
+          <a:bodyPr/>
+          <a:lstStyle/>
+          <a:p>
+            <a:fld id="{87D9652F-9609-4EC6-8E0A-C96E14B58A2A}" type="slidenum">
+              <a:rPr lang="fr-FR" smtClean="0"/>
+              <a:pPr/>
+              <a:t>4</a:t>
+            </a:fld>
+            <a:endParaRPr lang="fr-FR" dirty="0"/>
+          </a:p>
+        </p:txBody>
+      </p:sp>
+      <p:sp>
+        <p:nvSpPr>
+          <p:cNvPr id="6" name="Espace réservé du contenu 2"/>
+          <p:cNvSpPr txBox="1">
+            <a:spLocks/>
+          </p:cNvSpPr>
+          <p:nvPr/>
+        </p:nvSpPr>
+        <p:spPr>
+          <a:xfrm>
+            <a:off x="254000" y="3401279"/>
+            <a:ext cx="8648700" cy="2007063"/>
+          </a:xfrm>
+          <a:prstGeom prst="rect">
+            <a:avLst/>
+          </a:prstGeom>
+          <a:solidFill>
+            <a:schemeClr val="bg2"/>
+          </a:solidFill>
+        </p:spPr>
+        <p:txBody>
+          <a:bodyPr vert="horz" lIns="91440" tIns="45720" rIns="91440" bIns="45720" rtlCol="0">
+            <a:normAutofit fontScale="85000" lnSpcReduction="20000"/>
+          </a:bodyPr>
+          <a:lstStyle>
+            <a:lvl1pPr marL="228600" indent="-228600" algn="l" defTabSz="914400" rtl="0" eaLnBrk="1" latinLnBrk="0" hangingPunct="1">
+              <a:lnSpc>
+                <a:spcPct val="90000"/>
+              </a:lnSpc>
+              <a:spcBef>
+                <a:spcPts val="1000"/>
+              </a:spcBef>
+              <a:buFont typeface="Arial" panose="020B0604020202020204" pitchFamily="34" charset="0"/>
+              <a:buChar char="•"/>
+              <a:defRPr sz="2800" kern="1200">
+                <a:solidFill>
+                  <a:schemeClr val="tx1"/>
+                </a:solidFill>
+                <a:latin typeface="+mn-lt"/>
+                <a:ea typeface="+mn-ea"/>
+                <a:cs typeface="+mn-cs"/>
+              </a:defRPr>
+            </a:lvl1pPr>
+            <a:lvl2pPr marL="685800" indent="-228600" algn="l" defTabSz="914400" rtl="0" eaLnBrk="1" latinLnBrk="0" hangingPunct="1">
+              <a:lnSpc>
+                <a:spcPct val="90000"/>
+              </a:lnSpc>
+              <a:spcBef>
+                <a:spcPts val="500"/>
+              </a:spcBef>
+              <a:buFont typeface="Arial" panose="020B0604020202020204" pitchFamily="34" charset="0"/>
+              <a:buChar char="•"/>
+              <a:defRPr sz="2400" kern="1200">
+                <a:solidFill>
+                  <a:schemeClr val="tx1"/>
+                </a:solidFill>
+                <a:latin typeface="+mn-lt"/>
+                <a:ea typeface="+mn-ea"/>
+                <a:cs typeface="+mn-cs"/>
+              </a:defRPr>
+            </a:lvl2pPr>
+            <a:lvl3pPr marL="1143000" indent="-228600" algn="l" defTabSz="914400" rtl="0" eaLnBrk="1" latinLnBrk="0" hangingPunct="1">
+              <a:lnSpc>
+                <a:spcPct val="90000"/>
+              </a:lnSpc>
+              <a:spcBef>
+                <a:spcPts val="500"/>
+              </a:spcBef>
+              <a:buFont typeface="Arial" panose="020B0604020202020204" pitchFamily="34" charset="0"/>
+              <a:buChar char="•"/>
+              <a:defRPr sz="2000" kern="1200">
+                <a:solidFill>
+                  <a:schemeClr val="tx1"/>
+                </a:solidFill>
+                <a:latin typeface="+mn-lt"/>
+                <a:ea typeface="+mn-ea"/>
+                <a:cs typeface="+mn-cs"/>
+              </a:defRPr>
+            </a:lvl3pPr>
+            <a:lvl4pPr marL="1600200" indent="-228600" algn="l" defTabSz="914400" rtl="0" eaLnBrk="1" latinLnBrk="0" hangingPunct="1">
+              <a:lnSpc>
+                <a:spcPct val="90000"/>
+              </a:lnSpc>
+              <a:spcBef>
+                <a:spcPts val="500"/>
+              </a:spcBef>
+              <a:buFont typeface="Arial" panose="020B0604020202020204" pitchFamily="34" charset="0"/>
+              <a:buChar char="•"/>
+              <a:defRPr sz="1800" kern="1200">
+                <a:solidFill>
+                  <a:schemeClr val="tx1"/>
+                </a:solidFill>
+                <a:latin typeface="+mn-lt"/>
+                <a:ea typeface="+mn-ea"/>
+                <a:cs typeface="+mn-cs"/>
+              </a:defRPr>
+            </a:lvl4pPr>
+            <a:lvl5pPr marL="2057400" indent="-228600" algn="l" defTabSz="914400" rtl="0" eaLnBrk="1" latinLnBrk="0" hangingPunct="1">
+              <a:lnSpc>
+                <a:spcPct val="90000"/>
+              </a:lnSpc>
+              <a:spcBef>
+                <a:spcPts val="500"/>
+              </a:spcBef>
+              <a:buFont typeface="Arial" panose="020B0604020202020204" pitchFamily="34" charset="0"/>
+              <a:buChar char="•"/>
+              <a:defRPr sz="1800" kern="1200">
+                <a:solidFill>
+                  <a:schemeClr val="tx1"/>
+                </a:solidFill>
+                <a:latin typeface="+mn-lt"/>
+                <a:ea typeface="+mn-ea"/>
+                <a:cs typeface="+mn-cs"/>
+              </a:defRPr>
+            </a:lvl5pPr>
+            <a:lvl6pPr marL="2514600" indent="-228600" algn="l" defTabSz="914400" rtl="0" eaLnBrk="1" latinLnBrk="0" hangingPunct="1">
+              <a:lnSpc>
+                <a:spcPct val="90000"/>
+              </a:lnSpc>
+              <a:spcBef>
+                <a:spcPts val="500"/>
+              </a:spcBef>
+              <a:buFont typeface="Arial" panose="020B0604020202020204" pitchFamily="34" charset="0"/>
+              <a:buChar char="•"/>
+              <a:defRPr sz="1800" kern="1200">
+                <a:solidFill>
+                  <a:schemeClr val="tx1"/>
+                </a:solidFill>
+                <a:latin typeface="+mn-lt"/>
+                <a:ea typeface="+mn-ea"/>
+                <a:cs typeface="+mn-cs"/>
+              </a:defRPr>
+            </a:lvl6pPr>
+            <a:lvl7pPr marL="2971800" indent="-228600" algn="l" defTabSz="914400" rtl="0" eaLnBrk="1" latinLnBrk="0" hangingPunct="1">
+              <a:lnSpc>
+                <a:spcPct val="90000"/>
+              </a:lnSpc>
+              <a:spcBef>
+                <a:spcPts val="500"/>
+              </a:spcBef>
+              <a:buFont typeface="Arial" panose="020B0604020202020204" pitchFamily="34" charset="0"/>
+              <a:buChar char="•"/>
+              <a:defRPr sz="1800" kern="1200">
+                <a:solidFill>
+                  <a:schemeClr val="tx1"/>
+                </a:solidFill>
+                <a:latin typeface="+mn-lt"/>
+                <a:ea typeface="+mn-ea"/>
+                <a:cs typeface="+mn-cs"/>
+              </a:defRPr>
+            </a:lvl7pPr>
+            <a:lvl8pPr marL="3429000" indent="-228600" algn="l" defTabSz="914400" rtl="0" eaLnBrk="1" latinLnBrk="0" hangingPunct="1">
+              <a:lnSpc>
+                <a:spcPct val="90000"/>
+              </a:lnSpc>
+              <a:spcBef>
+                <a:spcPts val="500"/>
+              </a:spcBef>
+              <a:buFont typeface="Arial" panose="020B0604020202020204" pitchFamily="34" charset="0"/>
+              <a:buChar char="•"/>
+              <a:defRPr sz="1800" kern="1200">
+                <a:solidFill>
+                  <a:schemeClr val="tx1"/>
+                </a:solidFill>
+                <a:latin typeface="+mn-lt"/>
+                <a:ea typeface="+mn-ea"/>
+                <a:cs typeface="+mn-cs"/>
+              </a:defRPr>
+            </a:lvl8pPr>
+            <a:lvl9pPr marL="3886200" indent="-228600" algn="l" defTabSz="914400" rtl="0" eaLnBrk="1" latinLnBrk="0" hangingPunct="1">
+              <a:lnSpc>
+                <a:spcPct val="90000"/>
+              </a:lnSpc>
+              <a:spcBef>
+                <a:spcPts val="500"/>
+              </a:spcBef>
+              <a:buFont typeface="Arial" panose="020B0604020202020204" pitchFamily="34" charset="0"/>
+              <a:buChar char="•"/>
+              <a:defRPr sz="1800" kern="1200">
+                <a:solidFill>
+                  <a:schemeClr val="tx1"/>
+                </a:solidFill>
+                <a:latin typeface="+mn-lt"/>
+                <a:ea typeface="+mn-ea"/>
+                <a:cs typeface="+mn-cs"/>
+              </a:defRPr>
+            </a:lvl9pPr>
+          </a:lstStyle>
+          <a:p>
+            <a:r>
+              <a:rPr lang="fr-FR" sz="3300" b="1" dirty="0"/>
+              <a:t>Structure de l’application: </a:t>
+            </a:r>
+          </a:p>
+          <a:p>
+            <a:pPr lvl="1"/>
+            <a:r>
+              <a:rPr lang="fr-FR" dirty="0" smtClean="0"/>
+              <a:t>Fichiers </a:t>
+            </a:r>
+            <a:r>
+              <a:rPr lang="fr-FR" dirty="0"/>
+              <a:t>de configuration nombreux</a:t>
+            </a:r>
+          </a:p>
+          <a:p>
+            <a:pPr lvl="1"/>
+            <a:r>
+              <a:rPr lang="fr-FR" dirty="0" smtClean="0"/>
+              <a:t>Fichiers </a:t>
+            </a:r>
+            <a:r>
+              <a:rPr lang="fr-FR" dirty="0"/>
+              <a:t>générés (log, </a:t>
+            </a:r>
+            <a:r>
+              <a:rPr lang="fr-FR" dirty="0" err="1"/>
+              <a:t>still</a:t>
+            </a:r>
+            <a:r>
+              <a:rPr lang="fr-FR" dirty="0"/>
+              <a:t> alive, extraction, </a:t>
+            </a:r>
+            <a:r>
+              <a:rPr lang="fr-FR" dirty="0" err="1"/>
+              <a:t>db</a:t>
+            </a:r>
+            <a:r>
+              <a:rPr lang="fr-FR" dirty="0"/>
+              <a:t>) à de multiples endroits</a:t>
+            </a:r>
+          </a:p>
+          <a:p>
+            <a:pPr lvl="1"/>
+            <a:r>
+              <a:rPr lang="fr-FR" dirty="0" smtClean="0"/>
+              <a:t>Asymétrie </a:t>
+            </a:r>
+            <a:r>
+              <a:rPr lang="fr-FR" dirty="0"/>
+              <a:t>entre la version de développement et la version de production</a:t>
+            </a:r>
+          </a:p>
+          <a:p>
+            <a:pPr lvl="1"/>
+            <a:r>
+              <a:rPr lang="fr-FR" dirty="0" smtClean="0"/>
+              <a:t>Organisation </a:t>
+            </a:r>
+            <a:r>
+              <a:rPr lang="fr-FR" dirty="0"/>
+              <a:t>anarchique des répertoires/fichiers sur le </a:t>
+            </a:r>
+            <a:r>
+              <a:rPr lang="fr-FR" dirty="0" smtClean="0"/>
+              <a:t>serveur</a:t>
+            </a:r>
+            <a:endParaRPr lang="fr-FR" dirty="0"/>
+          </a:p>
+        </p:txBody>
+      </p:sp>
+      <p:sp>
+        <p:nvSpPr>
+          <p:cNvPr id="7" name="Espace réservé du contenu 2"/>
+          <p:cNvSpPr txBox="1">
+            <a:spLocks/>
+          </p:cNvSpPr>
+          <p:nvPr/>
+        </p:nvSpPr>
+        <p:spPr>
+          <a:xfrm>
+            <a:off x="254000" y="5653668"/>
+            <a:ext cx="8648700" cy="479503"/>
+          </a:xfrm>
+          <a:prstGeom prst="rect">
+            <a:avLst/>
+          </a:prstGeom>
+          <a:solidFill>
+            <a:schemeClr val="bg2"/>
+          </a:solidFill>
+        </p:spPr>
+        <p:txBody>
+          <a:bodyPr vert="horz" lIns="91440" tIns="45720" rIns="91440" bIns="45720" rtlCol="0">
+            <a:normAutofit/>
+          </a:bodyPr>
+          <a:lstStyle>
+            <a:lvl1pPr marL="228600" indent="-228600" algn="l" defTabSz="914400" rtl="0" eaLnBrk="1" latinLnBrk="0" hangingPunct="1">
+              <a:lnSpc>
+                <a:spcPct val="90000"/>
+              </a:lnSpc>
+              <a:spcBef>
+                <a:spcPts val="1000"/>
+              </a:spcBef>
+              <a:buFont typeface="Arial" panose="020B0604020202020204" pitchFamily="34" charset="0"/>
+              <a:buChar char="•"/>
+              <a:defRPr sz="2800" kern="1200">
+                <a:solidFill>
+                  <a:schemeClr val="tx1"/>
+                </a:solidFill>
+                <a:latin typeface="+mn-lt"/>
+                <a:ea typeface="+mn-ea"/>
+                <a:cs typeface="+mn-cs"/>
+              </a:defRPr>
+            </a:lvl1pPr>
+            <a:lvl2pPr marL="685800" indent="-228600" algn="l" defTabSz="914400" rtl="0" eaLnBrk="1" latinLnBrk="0" hangingPunct="1">
+              <a:lnSpc>
+                <a:spcPct val="90000"/>
+              </a:lnSpc>
+              <a:spcBef>
+                <a:spcPts val="500"/>
+              </a:spcBef>
+              <a:buFont typeface="Arial" panose="020B0604020202020204" pitchFamily="34" charset="0"/>
+              <a:buChar char="•"/>
+              <a:defRPr sz="2400" kern="1200">
+                <a:solidFill>
+                  <a:schemeClr val="tx1"/>
+                </a:solidFill>
+                <a:latin typeface="+mn-lt"/>
+                <a:ea typeface="+mn-ea"/>
+                <a:cs typeface="+mn-cs"/>
+              </a:defRPr>
+            </a:lvl2pPr>
+            <a:lvl3pPr marL="1143000" indent="-228600" algn="l" defTabSz="914400" rtl="0" eaLnBrk="1" latinLnBrk="0" hangingPunct="1">
+              <a:lnSpc>
+                <a:spcPct val="90000"/>
+              </a:lnSpc>
+              <a:spcBef>
+                <a:spcPts val="500"/>
+              </a:spcBef>
+              <a:buFont typeface="Arial" panose="020B0604020202020204" pitchFamily="34" charset="0"/>
+              <a:buChar char="•"/>
+              <a:defRPr sz="2000" kern="1200">
+                <a:solidFill>
+                  <a:schemeClr val="tx1"/>
+                </a:solidFill>
+                <a:latin typeface="+mn-lt"/>
+                <a:ea typeface="+mn-ea"/>
+                <a:cs typeface="+mn-cs"/>
+              </a:defRPr>
+            </a:lvl3pPr>
+            <a:lvl4pPr marL="1600200" indent="-228600" algn="l" defTabSz="914400" rtl="0" eaLnBrk="1" latinLnBrk="0" hangingPunct="1">
+              <a:lnSpc>
+                <a:spcPct val="90000"/>
+              </a:lnSpc>
+              <a:spcBef>
+                <a:spcPts val="500"/>
+              </a:spcBef>
+              <a:buFont typeface="Arial" panose="020B0604020202020204" pitchFamily="34" charset="0"/>
+              <a:buChar char="•"/>
+              <a:defRPr sz="1800" kern="1200">
+                <a:solidFill>
+                  <a:schemeClr val="tx1"/>
+                </a:solidFill>
+                <a:latin typeface="+mn-lt"/>
+                <a:ea typeface="+mn-ea"/>
+                <a:cs typeface="+mn-cs"/>
+              </a:defRPr>
+            </a:lvl4pPr>
+            <a:lvl5pPr marL="2057400" indent="-228600" algn="l" defTabSz="914400" rtl="0" eaLnBrk="1" latinLnBrk="0" hangingPunct="1">
+              <a:lnSpc>
+                <a:spcPct val="90000"/>
+              </a:lnSpc>
+              <a:spcBef>
+                <a:spcPts val="500"/>
+              </a:spcBef>
+              <a:buFont typeface="Arial" panose="020B0604020202020204" pitchFamily="34" charset="0"/>
+              <a:buChar char="•"/>
+              <a:defRPr sz="1800" kern="1200">
+                <a:solidFill>
+                  <a:schemeClr val="tx1"/>
+                </a:solidFill>
+                <a:latin typeface="+mn-lt"/>
+                <a:ea typeface="+mn-ea"/>
+                <a:cs typeface="+mn-cs"/>
+              </a:defRPr>
+            </a:lvl5pPr>
+            <a:lvl6pPr marL="2514600" indent="-228600" algn="l" defTabSz="914400" rtl="0" eaLnBrk="1" latinLnBrk="0" hangingPunct="1">
+              <a:lnSpc>
+                <a:spcPct val="90000"/>
+              </a:lnSpc>
+              <a:spcBef>
+                <a:spcPts val="500"/>
+              </a:spcBef>
+              <a:buFont typeface="Arial" panose="020B0604020202020204" pitchFamily="34" charset="0"/>
+              <a:buChar char="•"/>
+              <a:defRPr sz="1800" kern="1200">
+                <a:solidFill>
+                  <a:schemeClr val="tx1"/>
+                </a:solidFill>
+                <a:latin typeface="+mn-lt"/>
+                <a:ea typeface="+mn-ea"/>
+                <a:cs typeface="+mn-cs"/>
+              </a:defRPr>
+            </a:lvl6pPr>
+            <a:lvl7pPr marL="2971800" indent="-228600" algn="l" defTabSz="914400" rtl="0" eaLnBrk="1" latinLnBrk="0" hangingPunct="1">
+              <a:lnSpc>
+                <a:spcPct val="90000"/>
+              </a:lnSpc>
+              <a:spcBef>
+                <a:spcPts val="500"/>
+              </a:spcBef>
+              <a:buFont typeface="Arial" panose="020B0604020202020204" pitchFamily="34" charset="0"/>
+              <a:buChar char="•"/>
+              <a:defRPr sz="1800" kern="1200">
+                <a:solidFill>
+                  <a:schemeClr val="tx1"/>
+                </a:solidFill>
+                <a:latin typeface="+mn-lt"/>
+                <a:ea typeface="+mn-ea"/>
+                <a:cs typeface="+mn-cs"/>
+              </a:defRPr>
+            </a:lvl7pPr>
+            <a:lvl8pPr marL="3429000" indent="-228600" algn="l" defTabSz="914400" rtl="0" eaLnBrk="1" latinLnBrk="0" hangingPunct="1">
+              <a:lnSpc>
+                <a:spcPct val="90000"/>
+              </a:lnSpc>
+              <a:spcBef>
+                <a:spcPts val="500"/>
+              </a:spcBef>
+              <a:buFont typeface="Arial" panose="020B0604020202020204" pitchFamily="34" charset="0"/>
+              <a:buChar char="•"/>
+              <a:defRPr sz="1800" kern="1200">
+                <a:solidFill>
+                  <a:schemeClr val="tx1"/>
+                </a:solidFill>
+                <a:latin typeface="+mn-lt"/>
+                <a:ea typeface="+mn-ea"/>
+                <a:cs typeface="+mn-cs"/>
+              </a:defRPr>
+            </a:lvl8pPr>
+            <a:lvl9pPr marL="3886200" indent="-228600" algn="l" defTabSz="914400" rtl="0" eaLnBrk="1" latinLnBrk="0" hangingPunct="1">
+              <a:lnSpc>
+                <a:spcPct val="90000"/>
+              </a:lnSpc>
+              <a:spcBef>
+                <a:spcPts val="500"/>
+              </a:spcBef>
+              <a:buFont typeface="Arial" panose="020B0604020202020204" pitchFamily="34" charset="0"/>
+              <a:buChar char="•"/>
+              <a:defRPr sz="1800" kern="1200">
+                <a:solidFill>
+                  <a:schemeClr val="tx1"/>
+                </a:solidFill>
+                <a:latin typeface="+mn-lt"/>
+                <a:ea typeface="+mn-ea"/>
+                <a:cs typeface="+mn-cs"/>
+              </a:defRPr>
+            </a:lvl9pPr>
+          </a:lstStyle>
+          <a:p>
+            <a:r>
+              <a:rPr lang="fr-FR" b="1" dirty="0"/>
+              <a:t>Documentation très sommaire</a:t>
+            </a:r>
+            <a:endParaRPr lang="en-US" b="1" dirty="0"/>
+          </a:p>
+        </p:txBody>
+      </p:sp>
+    </p:spTree>
+    <p:extLst>
+      <p:ext uri="{BB962C8B-B14F-4D97-AF65-F5344CB8AC3E}">
+        <p14:creationId xmlns:p14="http://schemas.microsoft.com/office/powerpoint/2010/main" val="2054130074"/>
+      </p:ext>
+    </p:extLst>
+  </p:cSld>
+  <p:clrMapOvr>
+    <a:masterClrMapping/>
+  </p:clrMapOvr>
+  <p:timing>
+    <p:tnLst>
+      <p:par>
+        <p:cTn id="1" dur="indefinite" restart="never" nodeType="tmRoot"/>
+      </p:par>
+    </p:tnLst>
+  </p:timing>
+</p:sld>
+</file>
+
+<file path=ppt/slides/slide5.xml><?xml version="1.0" encoding="utf-8"?>
+<p:sld xmlns:a="http://schemas.openxmlformats.org/drawingml/2006/main" xmlns:r="http://schemas.openxmlformats.org/officeDocument/2006/relationships" xmlns:p="http://schemas.openxmlformats.org/presentationml/2006/main">
+  <p:cSld>
+    <p:spTree>
+      <p:nvGrpSpPr>
+        <p:cNvPr id="1" name=""/>
+        <p:cNvGrpSpPr/>
+        <p:nvPr/>
+      </p:nvGrpSpPr>
+      <p:grpSpPr>
+        <a:xfrm>
+          <a:off x="0" y="0"/>
+          <a:ext cx="0" cy="0"/>
+          <a:chOff x="0" y="0"/>
+          <a:chExt cx="0" cy="0"/>
+        </a:xfrm>
+      </p:grpSpPr>
+      <p:pic>
+        <p:nvPicPr>
+          <p:cNvPr id="1026" name="Picture 2" descr="Afficher l'image d'origine"/>
+          <p:cNvPicPr>
+            <a:picLocks noChangeAspect="1" noChangeArrowheads="1"/>
+          </p:cNvPicPr>
+          <p:nvPr/>
+        </p:nvPicPr>
+        <p:blipFill>
+          <a:blip r:embed="rId2" cstate="print">
+            <a:extLst>
+              <a:ext uri="{28A0092B-C50C-407E-A947-70E740481C1C}">
+                <a14:useLocalDpi xmlns:a14="http://schemas.microsoft.com/office/drawing/2010/main" val="0"/>
+              </a:ext>
+            </a:extLst>
+          </a:blip>
+          <a:srcRect/>
+          <a:stretch>
+            <a:fillRect/>
+          </a:stretch>
+        </p:blipFill>
+        <p:spPr bwMode="auto">
+          <a:xfrm>
+            <a:off x="7680325" y="1611312"/>
+            <a:ext cx="625012" cy="625012"/>
+          </a:xfrm>
+          <a:prstGeom prst="rect">
+            <a:avLst/>
+          </a:prstGeom>
+          <a:noFill/>
+          <a:extLst>
+            <a:ext uri="{909E8E84-426E-40DD-AFC4-6F175D3DCCD1}">
+              <a14:hiddenFill xmlns:a14="http://schemas.microsoft.com/office/drawing/2010/main">
+                <a:solidFill>
+                  <a:srgbClr val="FFFFFF"/>
+                </a:solidFill>
+              </a14:hiddenFill>
+            </a:ext>
+          </a:extLst>
+        </p:spPr>
+      </p:pic>
+      <mc:AlternateContent xmlns:mc="http://schemas.openxmlformats.org/markup-compatibility/2006">
+        <mc:Choice xmlns:a14="http://schemas.microsoft.com/office/drawing/2010/main" Requires="a14">
+          <p:sp>
+            <p:nvSpPr>
+              <p:cNvPr id="3" name="Espace réservé du contenu 2"/>
+              <p:cNvSpPr>
+                <a:spLocks noGrp="1"/>
+              </p:cNvSpPr>
+              <p:nvPr>
+                <p:ph idx="1"/>
+              </p:nvPr>
+            </p:nvSpPr>
+            <p:spPr/>
+            <p:txBody>
+              <a:bodyPr>
+                <a:normAutofit lnSpcReduction="10000"/>
+              </a:bodyPr>
+              <a:lstStyle/>
+              <a:p>
+                <a:r>
+                  <a:rPr lang="fr-FR" sz="2400" dirty="0" smtClean="0"/>
+                  <a:t>Mise en place d’une gestion de versions sur </a:t>
+                </a:r>
+                <a:r>
+                  <a:rPr lang="fr-FR" sz="2400" b="1" dirty="0" err="1" smtClean="0"/>
+                  <a:t>Github</a:t>
+                </a:r>
+                <a:endParaRPr lang="fr-FR" sz="2400" b="1" dirty="0" smtClean="0"/>
+              </a:p>
+              <a:p>
+                <a:pPr marL="457200" lvl="1" indent="0">
+                  <a:buNone/>
+                </a:pPr>
+                <a:r>
+                  <a:rPr lang="fr-FR" dirty="0">
+                    <a:solidFill>
+                      <a:schemeClr val="accent1">
+                        <a:lumMod val="75000"/>
+                      </a:schemeClr>
+                    </a:solidFill>
+                  </a:rPr>
+                  <a:t>https://github.com/geomedia</a:t>
+                </a:r>
+                <a:endParaRPr lang="fr-FR" dirty="0" smtClean="0">
+                  <a:solidFill>
+                    <a:schemeClr val="accent1">
+                      <a:lumMod val="75000"/>
+                    </a:schemeClr>
+                  </a:solidFill>
+                </a:endParaRPr>
+              </a:p>
+              <a:p>
+                <a:pPr lvl="1"/>
+                <a:r>
+                  <a:rPr lang="fr-FR" b="1" dirty="0" smtClean="0">
+                    <a:solidFill>
+                      <a:srgbClr val="00B050"/>
+                    </a:solidFill>
+                  </a:rPr>
+                  <a:t>Avantages:</a:t>
+                </a:r>
+              </a:p>
+              <a:p>
+                <a:pPr lvl="2"/>
+                <a:r>
+                  <a:rPr lang="fr-FR" dirty="0" smtClean="0"/>
+                  <a:t>Séparer les différents dépôts pour plus de clarté</a:t>
+                </a:r>
+              </a:p>
+              <a:p>
+                <a:pPr lvl="2"/>
+                <a:r>
+                  <a:rPr lang="fr-FR" dirty="0" err="1" smtClean="0"/>
+                  <a:t>Bugtracking</a:t>
+                </a:r>
+                <a:r>
+                  <a:rPr lang="fr-FR" dirty="0" smtClean="0"/>
+                  <a:t> sous forme d’« issues »: centralisation et archivage de l’information, des discussions</a:t>
+                </a:r>
+              </a:p>
+              <a:p>
+                <a:pPr lvl="2"/>
+                <a:r>
+                  <a:rPr lang="fr-FR" dirty="0" smtClean="0"/>
+                  <a:t>Wikis</a:t>
+                </a:r>
+              </a:p>
+              <a:p>
+                <a:pPr lvl="2"/>
+                <a:r>
+                  <a:rPr lang="fr-FR" dirty="0" smtClean="0"/>
+                  <a:t>Outils de management de projets et d’attribution de tâches</a:t>
+                </a:r>
+              </a:p>
+              <a:p>
+                <a:pPr lvl="1"/>
+                <a:r>
+                  <a:rPr lang="fr-FR" b="1" dirty="0" smtClean="0">
+                    <a:solidFill>
+                      <a:srgbClr val="FF0000"/>
+                    </a:solidFill>
+                  </a:rPr>
+                  <a:t>Désavantages:</a:t>
+                </a:r>
+              </a:p>
+              <a:p>
+                <a:pPr lvl="2"/>
+                <a:r>
+                  <a:rPr lang="fr-FR" dirty="0" smtClean="0"/>
+                  <a:t>Entreprise privée: pérennité? </a:t>
+                </a:r>
+                <a14:m>
+                  <m:oMath xmlns:m="http://schemas.openxmlformats.org/officeDocument/2006/math">
+                    <m:r>
+                      <a:rPr lang="fr-FR" b="0" i="1" smtClean="0">
+                        <a:latin typeface="Cambria Math" panose="02040503050406030204" pitchFamily="18" charset="0"/>
+                      </a:rPr>
+                      <m:t>→</m:t>
+                    </m:r>
+                  </m:oMath>
+                </a14:m>
+                <a:r>
+                  <a:rPr lang="fr-FR" b="0" dirty="0" smtClean="0"/>
+                  <a:t> git est décentralisé</a:t>
+                </a:r>
+              </a:p>
+              <a:p>
+                <a:pPr lvl="2"/>
+                <a:r>
+                  <a:rPr lang="fr-FR" dirty="0" smtClean="0"/>
+                  <a:t>Sources publiques </a:t>
+                </a:r>
+                <a14:m>
+                  <m:oMath xmlns:m="http://schemas.openxmlformats.org/officeDocument/2006/math">
+                    <m:r>
+                      <a:rPr lang="fr-FR" b="0" i="1" smtClean="0">
+                        <a:latin typeface="Cambria Math" panose="02040503050406030204" pitchFamily="18" charset="0"/>
+                      </a:rPr>
+                      <m:t>→</m:t>
+                    </m:r>
+                  </m:oMath>
+                </a14:m>
+                <a:r>
+                  <a:rPr lang="fr-FR" b="0" dirty="0" smtClean="0"/>
+                  <a:t> </a:t>
+                </a:r>
+                <a:r>
+                  <a:rPr lang="fr-FR" b="1" dirty="0" smtClean="0"/>
+                  <a:t>ne jamais mettre de mot de passe dans un dépôt, même privé!</a:t>
+                </a:r>
+              </a:p>
+              <a:p>
+                <a:pPr lvl="2"/>
+                <a:r>
+                  <a:rPr lang="fr-FR" b="0" dirty="0" smtClean="0"/>
+                  <a:t>Chevauchement avec le projet existant sur la forge </a:t>
+                </a:r>
+                <a:r>
+                  <a:rPr lang="fr-FR" dirty="0" err="1"/>
+                  <a:t>I</a:t>
+                </a:r>
+                <a:r>
+                  <a:rPr lang="fr-FR" b="0" dirty="0" err="1" smtClean="0"/>
+                  <a:t>nria</a:t>
+                </a:r>
+                <a:endParaRPr lang="fr-FR" b="0" dirty="0" smtClean="0"/>
+              </a:p>
+              <a:p>
+                <a:pPr lvl="2"/>
+                <a:endParaRPr lang="fr-FR" dirty="0" smtClean="0"/>
+              </a:p>
+              <a:p>
+                <a:pPr marL="1371600" lvl="3" indent="0">
+                  <a:buNone/>
+                </a:pPr>
+                <a:endParaRPr lang="fr-FR" dirty="0" smtClean="0"/>
+              </a:p>
+              <a:p>
+                <a:pPr lvl="2"/>
+                <a:endParaRPr lang="fr-FR" dirty="0" smtClean="0"/>
+              </a:p>
+            </p:txBody>
+          </p:sp>
+        </mc:Choice>
+        <mc:Fallback>
+          <p:sp>
+            <p:nvSpPr>
+              <p:cNvPr id="3" name="Espace réservé du contenu 2"/>
+              <p:cNvSpPr>
+                <a:spLocks noGrp="1" noRot="1" noChangeAspect="1" noMove="1" noResize="1" noEditPoints="1" noAdjustHandles="1" noChangeArrowheads="1" noChangeShapeType="1" noTextEdit="1"/>
+              </p:cNvSpPr>
+              <p:nvPr>
+                <p:ph idx="1"/>
+              </p:nvPr>
+            </p:nvSpPr>
+            <p:spPr>
+              <a:blipFill rotWithShape="0">
+                <a:blip r:embed="rId3"/>
+                <a:stretch>
+                  <a:fillRect l="-987" t="-2782" r="-1269"/>
+                </a:stretch>
+              </a:blipFill>
+            </p:spPr>
+            <p:txBody>
+              <a:bodyPr/>
+              <a:lstStyle/>
+              <a:p>
+                <a:r>
+                  <a:rPr lang="en-US">
+                    <a:noFill/>
+                  </a:rPr>
+                  <a:t> </a:t>
+                </a:r>
+              </a:p>
+            </p:txBody>
+          </p:sp>
+        </mc:Fallback>
+      </mc:AlternateContent>
+      <p:sp>
+        <p:nvSpPr>
+          <p:cNvPr id="2" name="Titre 1"/>
+          <p:cNvSpPr>
+            <a:spLocks noGrp="1"/>
+          </p:cNvSpPr>
+          <p:nvPr>
+            <p:ph type="title"/>
+          </p:nvPr>
+        </p:nvSpPr>
+        <p:spPr/>
+        <p:txBody>
+          <a:bodyPr/>
+          <a:lstStyle/>
+          <a:p>
+            <a:r>
+              <a:rPr lang="fr-FR" dirty="0" smtClean="0"/>
+              <a:t>1) Actions : gestion de version</a:t>
+            </a:r>
+            <a:endParaRPr lang="en-US" dirty="0"/>
+          </a:p>
+        </p:txBody>
+      </p:sp>
+      <p:sp>
+        <p:nvSpPr>
+          <p:cNvPr id="4" name="Espace réservé du numéro de diapositive 3"/>
+          <p:cNvSpPr>
+            <a:spLocks noGrp="1"/>
+          </p:cNvSpPr>
+          <p:nvPr>
+            <p:ph type="sldNum" sz="quarter" idx="12"/>
+          </p:nvPr>
+        </p:nvSpPr>
+        <p:spPr/>
+        <p:txBody>
+          <a:bodyPr/>
+          <a:lstStyle/>
+          <a:p>
+            <a:fld id="{87D9652F-9609-4EC6-8E0A-C96E14B58A2A}" type="slidenum">
+              <a:rPr lang="fr-FR" smtClean="0"/>
+              <a:pPr/>
+              <a:t>5</a:t>
+            </a:fld>
+            <a:endParaRPr lang="fr-FR" dirty="0"/>
+          </a:p>
+        </p:txBody>
+      </p:sp>
+    </p:spTree>
+    <p:extLst>
+      <p:ext uri="{BB962C8B-B14F-4D97-AF65-F5344CB8AC3E}">
+        <p14:creationId xmlns:p14="http://schemas.microsoft.com/office/powerpoint/2010/main" val="1029783245"/>
+      </p:ext>
+    </p:extLst>
+  </p:cSld>
+  <p:clrMapOvr>
+    <a:masterClrMapping/>
+  </p:clrMapOvr>
+  <p:timing>
+    <p:tnLst>
+      <p:par>
+        <p:cTn id="1" dur="indefinite" restart="never" nodeType="tmRoot"/>
+      </p:par>
+    </p:tnLst>
+  </p:timing>
+</p:sld>
+</file>
+
+<file path=ppt/slides/slide6.xml><?xml version="1.0" encoding="utf-8"?>
+<p:sld xmlns:a="http://schemas.openxmlformats.org/drawingml/2006/main" xmlns:r="http://schemas.openxmlformats.org/officeDocument/2006/relationships" xmlns:p="http://schemas.openxmlformats.org/presentationml/2006/main">
+  <p:cSld>
+    <p:spTree>
+      <p:nvGrpSpPr>
+        <p:cNvPr id="1" name=""/>
+        <p:cNvGrpSpPr/>
+        <p:nvPr/>
+      </p:nvGrpSpPr>
+      <p:grpSpPr>
+        <a:xfrm>
+          <a:off x="0" y="0"/>
+          <a:ext cx="0" cy="0"/>
+          <a:chOff x="0" y="0"/>
+          <a:chExt cx="0" cy="0"/>
+        </a:xfrm>
+      </p:grpSpPr>
+      <mc:AlternateContent xmlns:mc="http://schemas.openxmlformats.org/markup-compatibility/2006">
+        <mc:Choice xmlns:a14="http://schemas.microsoft.com/office/drawing/2010/main" Requires="a14">
+          <p:sp>
+            <p:nvSpPr>
+              <p:cNvPr id="3" name="Espace réservé du contenu 2"/>
+              <p:cNvSpPr>
+                <a:spLocks noGrp="1"/>
+              </p:cNvSpPr>
+              <p:nvPr>
+                <p:ph idx="1"/>
+              </p:nvPr>
+            </p:nvSpPr>
+            <p:spPr>
+              <a:xfrm>
+                <a:off x="254000" y="1790700"/>
+                <a:ext cx="8648700" cy="2101076"/>
+              </a:xfrm>
+              <a:solidFill>
+                <a:schemeClr val="accent1">
+                  <a:lumMod val="20000"/>
+                  <a:lumOff val="80000"/>
+                </a:schemeClr>
+              </a:solidFill>
+            </p:spPr>
+            <p:txBody>
+              <a:bodyPr>
+                <a:normAutofit/>
+              </a:bodyPr>
+              <a:lstStyle/>
+              <a:p>
+                <a:r>
+                  <a:rPr lang="fr-FR" sz="2400" b="1" dirty="0" smtClean="0"/>
+                  <a:t>Mise en conformité des sources</a:t>
+                </a:r>
+              </a:p>
+              <a:p>
+                <a:pPr lvl="1"/>
+                <a:r>
+                  <a:rPr lang="fr-FR" sz="2000" dirty="0" smtClean="0"/>
+                  <a:t>Incorporation des bibliothèques manquantes (accès à partir du chemin relatif)</a:t>
+                </a:r>
+              </a:p>
+              <a:p>
+                <a:pPr lvl="1"/>
+                <a:r>
+                  <a:rPr lang="fr-FR" sz="2000" dirty="0" smtClean="0"/>
+                  <a:t>Suppression des tests qui ne compilent pas</a:t>
+                </a:r>
+              </a:p>
+              <a:p>
+                <a:pPr lvl="1"/>
+                <a:r>
+                  <a:rPr lang="fr-FR" sz="2000" dirty="0" err="1" smtClean="0"/>
+                  <a:t>Renommage</a:t>
+                </a:r>
+                <a:r>
+                  <a:rPr lang="fr-FR" sz="2000" dirty="0" smtClean="0"/>
+                  <a:t> de l’application: </a:t>
+                </a:r>
+                <a:r>
+                  <a:rPr lang="fr-FR" sz="2000" dirty="0" err="1" smtClean="0"/>
+                  <a:t>RSSAgregate</a:t>
+                </a:r>
+                <a:r>
+                  <a:rPr lang="fr-FR" sz="2000" dirty="0" smtClean="0"/>
+                  <a:t> </a:t>
+                </a:r>
+                <a14:m>
+                  <m:oMath xmlns:m="http://schemas.openxmlformats.org/officeDocument/2006/math">
+                    <m:r>
+                      <a:rPr lang="fr-FR" sz="2000" b="0" i="1" smtClean="0">
+                        <a:latin typeface="Cambria Math" panose="02040503050406030204" pitchFamily="18" charset="0"/>
+                      </a:rPr>
+                      <m:t>→</m:t>
+                    </m:r>
+                    <m:r>
+                      <a:rPr lang="fr-FR" sz="2000" b="0" i="0" smtClean="0">
+                        <a:latin typeface="Cambria Math" panose="02040503050406030204" pitchFamily="18" charset="0"/>
+                      </a:rPr>
+                      <m:t> </m:t>
+                    </m:r>
+                  </m:oMath>
+                </a14:m>
+                <a:r>
+                  <a:rPr lang="fr-FR" sz="2000" dirty="0" smtClean="0"/>
+                  <a:t>rssaggregate</a:t>
+                </a:r>
+              </a:p>
+              <a:p>
+                <a:pPr lvl="1"/>
+                <a:r>
+                  <a:rPr lang="fr-FR" sz="2000" dirty="0" smtClean="0"/>
+                  <a:t>Nettoyage du dépôt</a:t>
+                </a:r>
+                <a:endParaRPr lang="fr-FR" dirty="0" smtClean="0"/>
+              </a:p>
+              <a:p>
+                <a:pPr lvl="2"/>
+                <a:endParaRPr lang="fr-FR" dirty="0" smtClean="0"/>
+              </a:p>
+            </p:txBody>
+          </p:sp>
+        </mc:Choice>
+        <mc:Fallback>
+          <p:sp>
+            <p:nvSpPr>
+              <p:cNvPr id="3" name="Espace réservé du contenu 2"/>
+              <p:cNvSpPr>
+                <a:spLocks noGrp="1" noRot="1" noChangeAspect="1" noMove="1" noResize="1" noEditPoints="1" noAdjustHandles="1" noChangeArrowheads="1" noChangeShapeType="1" noTextEdit="1"/>
+              </p:cNvSpPr>
+              <p:nvPr>
+                <p:ph idx="1"/>
+              </p:nvPr>
+            </p:nvSpPr>
+            <p:spPr>
+              <a:xfrm>
+                <a:off x="254000" y="1790700"/>
+                <a:ext cx="8648700" cy="2101076"/>
+              </a:xfrm>
+              <a:blipFill rotWithShape="0">
+                <a:blip r:embed="rId2"/>
+                <a:stretch>
+                  <a:fillRect l="-987" t="-4360" b="-2616"/>
+                </a:stretch>
+              </a:blipFill>
+            </p:spPr>
+            <p:txBody>
+              <a:bodyPr/>
+              <a:lstStyle/>
+              <a:p>
+                <a:r>
+                  <a:rPr lang="en-US">
+                    <a:noFill/>
+                  </a:rPr>
+                  <a:t> </a:t>
+                </a:r>
+              </a:p>
+            </p:txBody>
+          </p:sp>
+        </mc:Fallback>
+      </mc:AlternateContent>
+      <p:sp>
+        <p:nvSpPr>
+          <p:cNvPr id="2" name="Titre 1"/>
+          <p:cNvSpPr>
+            <a:spLocks noGrp="1"/>
+          </p:cNvSpPr>
+          <p:nvPr>
+            <p:ph type="title"/>
+          </p:nvPr>
+        </p:nvSpPr>
+        <p:spPr/>
+        <p:txBody>
+          <a:bodyPr/>
+          <a:lstStyle/>
+          <a:p>
+            <a:r>
+              <a:rPr lang="fr-FR" dirty="0"/>
+              <a:t>1</a:t>
+            </a:r>
+            <a:r>
+              <a:rPr lang="fr-FR" dirty="0" smtClean="0"/>
+              <a:t>) Actions : compilation</a:t>
+            </a:r>
+            <a:endParaRPr lang="en-US" dirty="0"/>
+          </a:p>
+        </p:txBody>
+      </p:sp>
+      <p:sp>
+        <p:nvSpPr>
+          <p:cNvPr id="4" name="Espace réservé du numéro de diapositive 3"/>
+          <p:cNvSpPr>
+            <a:spLocks noGrp="1"/>
+          </p:cNvSpPr>
+          <p:nvPr>
+            <p:ph type="sldNum" sz="quarter" idx="12"/>
+          </p:nvPr>
+        </p:nvSpPr>
+        <p:spPr/>
+        <p:txBody>
+          <a:bodyPr/>
+          <a:lstStyle/>
+          <a:p>
+            <a:fld id="{87D9652F-9609-4EC6-8E0A-C96E14B58A2A}" type="slidenum">
+              <a:rPr lang="fr-FR" smtClean="0"/>
+              <a:pPr/>
+              <a:t>6</a:t>
+            </a:fld>
+            <a:endParaRPr lang="fr-FR" dirty="0"/>
+          </a:p>
+        </p:txBody>
+      </p:sp>
+      <p:sp>
+        <p:nvSpPr>
+          <p:cNvPr id="6" name="Espace réservé du contenu 2"/>
+          <p:cNvSpPr txBox="1">
+            <a:spLocks/>
+          </p:cNvSpPr>
+          <p:nvPr/>
+        </p:nvSpPr>
+        <p:spPr>
+          <a:xfrm>
+            <a:off x="254000" y="4073525"/>
+            <a:ext cx="8648700" cy="2101076"/>
+          </a:xfrm>
+          <a:prstGeom prst="rect">
+            <a:avLst/>
+          </a:prstGeom>
+          <a:solidFill>
+            <a:schemeClr val="accent3">
+              <a:lumMod val="20000"/>
+              <a:lumOff val="80000"/>
+            </a:schemeClr>
+          </a:solidFill>
+        </p:spPr>
+        <p:txBody>
+          <a:bodyPr vert="horz" lIns="91440" tIns="45720" rIns="91440" bIns="45720" rtlCol="0">
+            <a:normAutofit lnSpcReduction="10000"/>
+          </a:bodyPr>
+          <a:lstStyle>
+            <a:lvl1pPr marL="228600" indent="-228600" algn="l" defTabSz="914400" rtl="0" eaLnBrk="1" latinLnBrk="0" hangingPunct="1">
+              <a:lnSpc>
+                <a:spcPct val="90000"/>
+              </a:lnSpc>
+              <a:spcBef>
+                <a:spcPts val="1000"/>
+              </a:spcBef>
+              <a:buFont typeface="Arial" panose="020B0604020202020204" pitchFamily="34" charset="0"/>
+              <a:buChar char="•"/>
+              <a:defRPr sz="2800" kern="1200">
+                <a:solidFill>
+                  <a:schemeClr val="tx1"/>
+                </a:solidFill>
+                <a:latin typeface="+mn-lt"/>
+                <a:ea typeface="+mn-ea"/>
+                <a:cs typeface="+mn-cs"/>
+              </a:defRPr>
+            </a:lvl1pPr>
+            <a:lvl2pPr marL="685800" indent="-228600" algn="l" defTabSz="914400" rtl="0" eaLnBrk="1" latinLnBrk="0" hangingPunct="1">
+              <a:lnSpc>
+                <a:spcPct val="90000"/>
+              </a:lnSpc>
+              <a:spcBef>
+                <a:spcPts val="500"/>
+              </a:spcBef>
+              <a:buFont typeface="Arial" panose="020B0604020202020204" pitchFamily="34" charset="0"/>
+              <a:buChar char="•"/>
+              <a:defRPr sz="2400" kern="1200">
+                <a:solidFill>
+                  <a:schemeClr val="tx1"/>
+                </a:solidFill>
+                <a:latin typeface="+mn-lt"/>
+                <a:ea typeface="+mn-ea"/>
+                <a:cs typeface="+mn-cs"/>
+              </a:defRPr>
+            </a:lvl2pPr>
+            <a:lvl3pPr marL="1143000" indent="-228600" algn="l" defTabSz="914400" rtl="0" eaLnBrk="1" latinLnBrk="0" hangingPunct="1">
+              <a:lnSpc>
+                <a:spcPct val="90000"/>
+              </a:lnSpc>
+              <a:spcBef>
+                <a:spcPts val="500"/>
+              </a:spcBef>
+              <a:buFont typeface="Arial" panose="020B0604020202020204" pitchFamily="34" charset="0"/>
+              <a:buChar char="•"/>
+              <a:defRPr sz="2000" kern="1200">
+                <a:solidFill>
+                  <a:schemeClr val="tx1"/>
+                </a:solidFill>
+                <a:latin typeface="+mn-lt"/>
+                <a:ea typeface="+mn-ea"/>
+                <a:cs typeface="+mn-cs"/>
+              </a:defRPr>
+            </a:lvl3pPr>
+            <a:lvl4pPr marL="1600200" indent="-228600" algn="l" defTabSz="914400" rtl="0" eaLnBrk="1" latinLnBrk="0" hangingPunct="1">
+              <a:lnSpc>
+                <a:spcPct val="90000"/>
+              </a:lnSpc>
+              <a:spcBef>
+                <a:spcPts val="500"/>
+              </a:spcBef>
+              <a:buFont typeface="Arial" panose="020B0604020202020204" pitchFamily="34" charset="0"/>
+              <a:buChar char="•"/>
+              <a:defRPr sz="1800" kern="1200">
+                <a:solidFill>
+                  <a:schemeClr val="tx1"/>
+                </a:solidFill>
+                <a:latin typeface="+mn-lt"/>
+                <a:ea typeface="+mn-ea"/>
+                <a:cs typeface="+mn-cs"/>
+              </a:defRPr>
+            </a:lvl4pPr>
+            <a:lvl5pPr marL="2057400" indent="-228600" algn="l" defTabSz="914400" rtl="0" eaLnBrk="1" latinLnBrk="0" hangingPunct="1">
+              <a:lnSpc>
+                <a:spcPct val="90000"/>
+              </a:lnSpc>
+              <a:spcBef>
+                <a:spcPts val="500"/>
+              </a:spcBef>
+              <a:buFont typeface="Arial" panose="020B0604020202020204" pitchFamily="34" charset="0"/>
+              <a:buChar char="•"/>
+              <a:defRPr sz="1800" kern="1200">
+                <a:solidFill>
+                  <a:schemeClr val="tx1"/>
+                </a:solidFill>
+                <a:latin typeface="+mn-lt"/>
+                <a:ea typeface="+mn-ea"/>
+                <a:cs typeface="+mn-cs"/>
+              </a:defRPr>
+            </a:lvl5pPr>
+            <a:lvl6pPr marL="2514600" indent="-228600" algn="l" defTabSz="914400" rtl="0" eaLnBrk="1" latinLnBrk="0" hangingPunct="1">
+              <a:lnSpc>
+                <a:spcPct val="90000"/>
+              </a:lnSpc>
+              <a:spcBef>
+                <a:spcPts val="500"/>
+              </a:spcBef>
+              <a:buFont typeface="Arial" panose="020B0604020202020204" pitchFamily="34" charset="0"/>
+              <a:buChar char="•"/>
+              <a:defRPr sz="1800" kern="1200">
+                <a:solidFill>
+                  <a:schemeClr val="tx1"/>
+                </a:solidFill>
+                <a:latin typeface="+mn-lt"/>
+                <a:ea typeface="+mn-ea"/>
+                <a:cs typeface="+mn-cs"/>
+              </a:defRPr>
+            </a:lvl6pPr>
+            <a:lvl7pPr marL="2971800" indent="-228600" algn="l" defTabSz="914400" rtl="0" eaLnBrk="1" latinLnBrk="0" hangingPunct="1">
+              <a:lnSpc>
+                <a:spcPct val="90000"/>
+              </a:lnSpc>
+              <a:spcBef>
+                <a:spcPts val="500"/>
+              </a:spcBef>
+              <a:buFont typeface="Arial" panose="020B0604020202020204" pitchFamily="34" charset="0"/>
+              <a:buChar char="•"/>
+              <a:defRPr sz="1800" kern="1200">
+                <a:solidFill>
+                  <a:schemeClr val="tx1"/>
+                </a:solidFill>
+                <a:latin typeface="+mn-lt"/>
+                <a:ea typeface="+mn-ea"/>
+                <a:cs typeface="+mn-cs"/>
+              </a:defRPr>
+            </a:lvl7pPr>
+            <a:lvl8pPr marL="3429000" indent="-228600" algn="l" defTabSz="914400" rtl="0" eaLnBrk="1" latinLnBrk="0" hangingPunct="1">
+              <a:lnSpc>
+                <a:spcPct val="90000"/>
+              </a:lnSpc>
+              <a:spcBef>
+                <a:spcPts val="500"/>
+              </a:spcBef>
+              <a:buFont typeface="Arial" panose="020B0604020202020204" pitchFamily="34" charset="0"/>
+              <a:buChar char="•"/>
+              <a:defRPr sz="1800" kern="1200">
+                <a:solidFill>
+                  <a:schemeClr val="tx1"/>
+                </a:solidFill>
+                <a:latin typeface="+mn-lt"/>
+                <a:ea typeface="+mn-ea"/>
+                <a:cs typeface="+mn-cs"/>
+              </a:defRPr>
+            </a:lvl8pPr>
+            <a:lvl9pPr marL="3886200" indent="-228600" algn="l" defTabSz="914400" rtl="0" eaLnBrk="1" latinLnBrk="0" hangingPunct="1">
+              <a:lnSpc>
+                <a:spcPct val="90000"/>
+              </a:lnSpc>
+              <a:spcBef>
+                <a:spcPts val="500"/>
+              </a:spcBef>
+              <a:buFont typeface="Arial" panose="020B0604020202020204" pitchFamily="34" charset="0"/>
+              <a:buChar char="•"/>
+              <a:defRPr sz="1800" kern="1200">
+                <a:solidFill>
+                  <a:schemeClr val="tx1"/>
+                </a:solidFill>
+                <a:latin typeface="+mn-lt"/>
+                <a:ea typeface="+mn-ea"/>
+                <a:cs typeface="+mn-cs"/>
+              </a:defRPr>
+            </a:lvl9pPr>
+          </a:lstStyle>
+          <a:p>
+            <a:r>
+              <a:rPr lang="fr-FR" sz="2400" b="1" dirty="0" smtClean="0"/>
+              <a:t>Bonnes pratiques pour le futur</a:t>
+            </a:r>
+          </a:p>
+          <a:p>
+            <a:pPr lvl="1"/>
+            <a:r>
+              <a:rPr lang="fr-FR" sz="2000" dirty="0" smtClean="0"/>
+              <a:t>Utiliser </a:t>
+            </a:r>
+            <a:r>
+              <a:rPr lang="fr-FR" sz="2000" b="1" dirty="0" err="1" smtClean="0"/>
+              <a:t>maven</a:t>
+            </a:r>
+            <a:r>
+              <a:rPr lang="fr-FR" sz="2000" dirty="0" smtClean="0"/>
+              <a:t> pour gérer les dépendances avec des bibliothèques externes</a:t>
+            </a:r>
+          </a:p>
+          <a:p>
+            <a:pPr lvl="1"/>
+            <a:r>
+              <a:rPr lang="fr-FR" sz="2000" dirty="0" smtClean="0"/>
+              <a:t>Utiliser les branches de git pour gérer les différentes versions du projet</a:t>
+            </a:r>
+          </a:p>
+          <a:p>
+            <a:pPr lvl="1"/>
+            <a:r>
+              <a:rPr lang="fr-FR" sz="2000" dirty="0" smtClean="0"/>
+              <a:t>NE JAMAIS PUSHER sur le master une version avec des erreurs empêchant la compilation!!!</a:t>
+            </a:r>
+            <a:endParaRPr lang="fr-FR" dirty="0" smtClean="0"/>
+          </a:p>
+          <a:p>
+            <a:pPr marL="1371600" lvl="3" indent="0">
+              <a:buFont typeface="Arial" panose="020B0604020202020204" pitchFamily="34" charset="0"/>
+              <a:buNone/>
+            </a:pPr>
+            <a:endParaRPr lang="fr-FR" dirty="0" smtClean="0"/>
+          </a:p>
+          <a:p>
+            <a:pPr lvl="2"/>
+            <a:endParaRPr lang="fr-FR" dirty="0" smtClean="0"/>
+          </a:p>
+        </p:txBody>
+      </p:sp>
+    </p:spTree>
+    <p:extLst>
+      <p:ext uri="{BB962C8B-B14F-4D97-AF65-F5344CB8AC3E}">
+        <p14:creationId xmlns:p14="http://schemas.microsoft.com/office/powerpoint/2010/main" val="2971094374"/>
+      </p:ext>
+    </p:extLst>
+  </p:cSld>
+  <p:clrMapOvr>
+    <a:masterClrMapping/>
+  </p:clrMapOvr>
+  <p:timing>
+    <p:tnLst>
+      <p:par>
+        <p:cTn id="1" dur="indefinite" restart="never" nodeType="tmRoot"/>
+      </p:par>
+    </p:tnLst>
+  </p:timing>
+</p:sld>
+</file>
+
+<file path=ppt/slides/slide7.xml><?xml version="1.0" encoding="utf-8"?>
+<p:sld xmlns:a="http://schemas.openxmlformats.org/drawingml/2006/main" xmlns:r="http://schemas.openxmlformats.org/officeDocument/2006/relationships" xmlns:p="http://schemas.openxmlformats.org/presentationml/2006/main">
+  <p:cSld>
+    <p:spTree>
+      <p:nvGrpSpPr>
+        <p:cNvPr id="1" name=""/>
+        <p:cNvGrpSpPr/>
+        <p:nvPr/>
+      </p:nvGrpSpPr>
+      <p:grpSpPr>
+        <a:xfrm>
+          <a:off x="0" y="0"/>
+          <a:ext cx="0" cy="0"/>
+          <a:chOff x="0" y="0"/>
+          <a:chExt cx="0" cy="0"/>
+        </a:xfrm>
+      </p:grpSpPr>
+      <p:sp>
+        <p:nvSpPr>
+          <p:cNvPr id="3" name="Espace réservé du contenu 2"/>
+          <p:cNvSpPr>
+            <a:spLocks noGrp="1"/>
+          </p:cNvSpPr>
+          <p:nvPr>
+            <p:ph idx="1"/>
+          </p:nvPr>
+        </p:nvSpPr>
+        <p:spPr>
+          <a:xfrm>
+            <a:off x="254000" y="2437471"/>
+            <a:ext cx="8648700" cy="2101076"/>
+          </a:xfrm>
+          <a:solidFill>
+            <a:schemeClr val="accent1">
+              <a:lumMod val="20000"/>
+              <a:lumOff val="80000"/>
+            </a:schemeClr>
+          </a:solidFill>
+        </p:spPr>
+        <p:txBody>
+          <a:bodyPr>
+            <a:normAutofit/>
+          </a:bodyPr>
+          <a:lstStyle/>
+          <a:p>
+            <a:r>
+              <a:rPr lang="fr-FR" sz="2400" b="1" dirty="0" smtClean="0"/>
+              <a:t>Mise en place de scripts de configuration et d’installation</a:t>
+            </a:r>
+            <a:endParaRPr lang="fr-FR" dirty="0" smtClean="0"/>
+          </a:p>
+          <a:p>
+            <a:pPr lvl="1"/>
+            <a:r>
+              <a:rPr lang="fr-FR" dirty="0" smtClean="0"/>
+              <a:t>Permet d’installer l’application (</a:t>
+            </a:r>
+            <a:r>
+              <a:rPr lang="fr-FR" dirty="0" err="1" smtClean="0"/>
+              <a:t>prod</a:t>
+            </a:r>
+            <a:r>
+              <a:rPr lang="fr-FR" dirty="0" smtClean="0"/>
+              <a:t> ou </a:t>
+            </a:r>
+            <a:r>
+              <a:rPr lang="fr-FR" dirty="0" err="1" smtClean="0"/>
+              <a:t>dev</a:t>
+            </a:r>
+            <a:r>
+              <a:rPr lang="fr-FR" dirty="0" smtClean="0"/>
+              <a:t>) sur le serveur à partir d’une simple commande</a:t>
+            </a:r>
+          </a:p>
+          <a:p>
+            <a:pPr lvl="1"/>
+            <a:r>
+              <a:rPr lang="fr-FR" dirty="0" smtClean="0"/>
+              <a:t>Centralise l’ensemble des fichiers à configurer dans un seul répertoire</a:t>
+            </a:r>
+          </a:p>
+        </p:txBody>
+      </p:sp>
+      <p:sp>
+        <p:nvSpPr>
+          <p:cNvPr id="2" name="Titre 1"/>
+          <p:cNvSpPr>
+            <a:spLocks noGrp="1"/>
+          </p:cNvSpPr>
+          <p:nvPr>
+            <p:ph type="title"/>
+          </p:nvPr>
+        </p:nvSpPr>
+        <p:spPr/>
+        <p:txBody>
+          <a:bodyPr>
+            <a:normAutofit/>
+          </a:bodyPr>
+          <a:lstStyle/>
+          <a:p>
+            <a:r>
+              <a:rPr lang="fr-FR" sz="3600" dirty="0"/>
+              <a:t>1) </a:t>
+            </a:r>
+            <a:r>
+              <a:rPr lang="fr-FR" sz="3600" dirty="0" smtClean="0"/>
+              <a:t>Actions : installation, configuration</a:t>
+            </a:r>
+            <a:endParaRPr lang="en-US" sz="3600" dirty="0"/>
+          </a:p>
+        </p:txBody>
+      </p:sp>
+      <p:sp>
+        <p:nvSpPr>
+          <p:cNvPr id="4" name="Espace réservé du numéro de diapositive 3"/>
+          <p:cNvSpPr>
+            <a:spLocks noGrp="1"/>
+          </p:cNvSpPr>
+          <p:nvPr>
+            <p:ph type="sldNum" sz="quarter" idx="12"/>
+          </p:nvPr>
+        </p:nvSpPr>
+        <p:spPr/>
+        <p:txBody>
+          <a:bodyPr/>
+          <a:lstStyle/>
+          <a:p>
+            <a:fld id="{87D9652F-9609-4EC6-8E0A-C96E14B58A2A}" type="slidenum">
+              <a:rPr lang="fr-FR" smtClean="0"/>
+              <a:pPr/>
+              <a:t>7</a:t>
+            </a:fld>
+            <a:endParaRPr lang="fr-FR" dirty="0"/>
+          </a:p>
+        </p:txBody>
+      </p:sp>
+    </p:spTree>
+    <p:extLst>
+      <p:ext uri="{BB962C8B-B14F-4D97-AF65-F5344CB8AC3E}">
+        <p14:creationId xmlns:p14="http://schemas.microsoft.com/office/powerpoint/2010/main" val="406485457"/>
+      </p:ext>
+    </p:extLst>
+  </p:cSld>
+  <p:clrMapOvr>
+    <a:masterClrMapping/>
+  </p:clrMapOvr>
+  <p:timing>
+    <p:tnLst>
+      <p:par>
+        <p:cTn id="1" dur="indefinite" restart="never" nodeType="tmRoot"/>
+      </p:par>
+    </p:tnLst>
+  </p:timing>
+</p:sld>
+</file>
+
+<file path=ppt/slides/slide8.xml><?xml version="1.0" encoding="utf-8"?>
+<p:sld xmlns:a="http://schemas.openxmlformats.org/drawingml/2006/main" xmlns:r="http://schemas.openxmlformats.org/officeDocument/2006/relationships" xmlns:p="http://schemas.openxmlformats.org/presentationml/2006/main">
+  <p:cSld>
+    <p:spTree>
+      <p:nvGrpSpPr>
+        <p:cNvPr id="1" name=""/>
+        <p:cNvGrpSpPr/>
+        <p:nvPr/>
+      </p:nvGrpSpPr>
+      <p:grpSpPr>
+        <a:xfrm>
+          <a:off x="0" y="0"/>
+          <a:ext cx="0" cy="0"/>
+          <a:chOff x="0" y="0"/>
+          <a:chExt cx="0" cy="0"/>
+        </a:xfrm>
+      </p:grpSpPr>
+      <p:sp>
+        <p:nvSpPr>
+          <p:cNvPr id="3" name="Espace réservé du contenu 2"/>
+          <p:cNvSpPr>
+            <a:spLocks noGrp="1"/>
+          </p:cNvSpPr>
+          <p:nvPr>
+            <p:ph idx="1"/>
+          </p:nvPr>
+        </p:nvSpPr>
+        <p:spPr>
+          <a:xfrm>
+            <a:off x="254000" y="2437471"/>
+            <a:ext cx="8648700" cy="2101076"/>
+          </a:xfrm>
+          <a:solidFill>
+            <a:schemeClr val="accent1">
+              <a:lumMod val="20000"/>
+              <a:lumOff val="80000"/>
+            </a:schemeClr>
+          </a:solidFill>
+        </p:spPr>
+        <p:txBody>
+          <a:bodyPr>
+            <a:normAutofit/>
+          </a:bodyPr>
+          <a:lstStyle/>
+          <a:p>
+            <a:r>
+              <a:rPr lang="fr-FR" sz="2400" dirty="0" smtClean="0"/>
+              <a:t>Rédaction de pages wiki expliquant comment prendre en main le </a:t>
+            </a:r>
+            <a:r>
+              <a:rPr lang="fr-FR" sz="2400" dirty="0" err="1" smtClean="0"/>
+              <a:t>framework</a:t>
+            </a:r>
+            <a:r>
+              <a:rPr lang="fr-FR" sz="2400" dirty="0"/>
+              <a:t>: </a:t>
+            </a:r>
+            <a:r>
+              <a:rPr lang="fr-FR" sz="2400" dirty="0">
+                <a:solidFill>
+                  <a:schemeClr val="accent1"/>
+                </a:solidFill>
+              </a:rPr>
+              <a:t>https://github.com/geomedia/rssaggregate/wiki</a:t>
+            </a:r>
+          </a:p>
+          <a:p>
+            <a:endParaRPr lang="fr-FR" sz="2400" dirty="0" smtClean="0"/>
+          </a:p>
+        </p:txBody>
+      </p:sp>
+      <p:sp>
+        <p:nvSpPr>
+          <p:cNvPr id="2" name="Titre 1"/>
+          <p:cNvSpPr>
+            <a:spLocks noGrp="1"/>
+          </p:cNvSpPr>
+          <p:nvPr>
+            <p:ph type="title"/>
+          </p:nvPr>
+        </p:nvSpPr>
+        <p:spPr/>
+        <p:txBody>
+          <a:bodyPr>
+            <a:normAutofit/>
+          </a:bodyPr>
+          <a:lstStyle/>
+          <a:p>
+            <a:r>
+              <a:rPr lang="fr-FR" dirty="0" smtClean="0"/>
+              <a:t>1) Actions : documentation</a:t>
+            </a:r>
+            <a:endParaRPr lang="en-US" dirty="0"/>
+          </a:p>
+        </p:txBody>
+      </p:sp>
+      <p:sp>
+        <p:nvSpPr>
+          <p:cNvPr id="4" name="Espace réservé du numéro de diapositive 3"/>
+          <p:cNvSpPr>
+            <a:spLocks noGrp="1"/>
+          </p:cNvSpPr>
+          <p:nvPr>
+            <p:ph type="sldNum" sz="quarter" idx="12"/>
+          </p:nvPr>
+        </p:nvSpPr>
+        <p:spPr/>
+        <p:txBody>
+          <a:bodyPr/>
+          <a:lstStyle/>
+          <a:p>
+            <a:fld id="{87D9652F-9609-4EC6-8E0A-C96E14B58A2A}" type="slidenum">
+              <a:rPr lang="fr-FR" smtClean="0"/>
+              <a:pPr/>
+              <a:t>8</a:t>
+            </a:fld>
+            <a:endParaRPr lang="fr-FR" dirty="0"/>
+          </a:p>
+        </p:txBody>
+      </p:sp>
+    </p:spTree>
+    <p:extLst>
+      <p:ext uri="{BB962C8B-B14F-4D97-AF65-F5344CB8AC3E}">
+        <p14:creationId xmlns:p14="http://schemas.microsoft.com/office/powerpoint/2010/main" val="3826943158"/>
+      </p:ext>
+    </p:extLst>
+  </p:cSld>
+  <p:clrMapOvr>
+    <a:masterClrMapping/>
+  </p:clrMapOvr>
+  <p:timing>
+    <p:tnLst>
+      <p:par>
+        <p:cTn id="1" dur="indefinite" restart="never" nodeType="tmRoot"/>
+      </p:par>
+    </p:tnLst>
+  </p:timing>
+</p:sld>
+</file>
+
+<file path=ppt/slides/slide9.xml><?xml version="1.0" encoding="utf-8"?>
+<p:sld xmlns:a="http://schemas.openxmlformats.org/drawingml/2006/main" xmlns:r="http://schemas.openxmlformats.org/officeDocument/2006/relationships" xmlns:p="http://schemas.openxmlformats.org/presentationml/2006/main">
+  <p:cSld>
+    <p:spTree>
+      <p:nvGrpSpPr>
+        <p:cNvPr id="1" name=""/>
+        <p:cNvGrpSpPr/>
+        <p:nvPr/>
+      </p:nvGrpSpPr>
+      <p:grpSpPr>
+        <a:xfrm>
+          <a:off x="0" y="0"/>
+          <a:ext cx="0" cy="0"/>
+          <a:chOff x="0" y="0"/>
+          <a:chExt cx="0" cy="0"/>
+        </a:xfrm>
+      </p:grpSpPr>
+      <p:sp>
+        <p:nvSpPr>
+          <p:cNvPr id="2" name="Titre 1"/>
+          <p:cNvSpPr>
+            <a:spLocks noGrp="1"/>
+          </p:cNvSpPr>
+          <p:nvPr>
+            <p:ph type="title"/>
+          </p:nvPr>
+        </p:nvSpPr>
+        <p:spPr/>
+        <p:txBody>
+          <a:bodyPr>
+            <a:normAutofit/>
+          </a:bodyPr>
+          <a:lstStyle/>
+          <a:p>
+            <a:r>
               <a:rPr lang="fr-FR" sz="3600" dirty="0" smtClean="0"/>
               <a:t>Problème 1 : interruption de la collecte</a:t>
             </a:r>
@@ -5150,7 +7977,7 @@
             <a:fld id="{87D9652F-9609-4EC6-8E0A-C96E14B58A2A}" type="slidenum">
               <a:rPr lang="fr-FR" smtClean="0"/>
               <a:pPr/>
-              <a:t>3</a:t>
+              <a:t>9</a:t>
             </a:fld>
             <a:endParaRPr lang="fr-FR" dirty="0"/>
           </a:p>
@@ -5214,635 +8041,6 @@
       </p:par>
     </p:tnLst>
   </p:timing>
-</p:sld>
-</file>
-
-<file path=ppt/slides/slide4.xml><?xml version="1.0" encoding="utf-8"?>
-<p:sld xmlns:a="http://schemas.openxmlformats.org/drawingml/2006/main" xmlns:r="http://schemas.openxmlformats.org/officeDocument/2006/relationships" xmlns:p="http://schemas.openxmlformats.org/presentationml/2006/main">
-  <p:cSld>
-    <p:spTree>
-      <p:nvGrpSpPr>
-        <p:cNvPr id="1" name=""/>
-        <p:cNvGrpSpPr/>
-        <p:nvPr/>
-      </p:nvGrpSpPr>
-      <p:grpSpPr>
-        <a:xfrm>
-          <a:off x="0" y="0"/>
-          <a:ext cx="0" cy="0"/>
-          <a:chOff x="0" y="0"/>
-          <a:chExt cx="0" cy="0"/>
-        </a:xfrm>
-      </p:grpSpPr>
-      <p:sp>
-        <p:nvSpPr>
-          <p:cNvPr id="2" name="Titre 1"/>
-          <p:cNvSpPr>
-            <a:spLocks noGrp="1"/>
-          </p:cNvSpPr>
-          <p:nvPr>
-            <p:ph type="title"/>
-          </p:nvPr>
-        </p:nvSpPr>
-        <p:spPr/>
-        <p:txBody>
-          <a:bodyPr>
-            <a:normAutofit/>
-          </a:bodyPr>
-          <a:lstStyle/>
-          <a:p>
-            <a:r>
-              <a:rPr lang="fr-FR" sz="3600" dirty="0" smtClean="0"/>
-              <a:t>Problème 2 : extractions incohérentes</a:t>
-            </a:r>
-            <a:endParaRPr lang="en-US" sz="3600" dirty="0"/>
-          </a:p>
-        </p:txBody>
-      </p:sp>
-      <p:sp>
-        <p:nvSpPr>
-          <p:cNvPr id="3" name="Espace réservé du contenu 2"/>
-          <p:cNvSpPr>
-            <a:spLocks noGrp="1"/>
-          </p:cNvSpPr>
-          <p:nvPr>
-            <p:ph idx="1"/>
-          </p:nvPr>
-        </p:nvSpPr>
-        <p:spPr/>
-        <p:txBody>
-          <a:bodyPr/>
-          <a:lstStyle/>
-          <a:p>
-            <a:endParaRPr lang="en-US"/>
-          </a:p>
-        </p:txBody>
-      </p:sp>
-      <p:sp>
-        <p:nvSpPr>
-          <p:cNvPr id="4" name="Espace réservé du numéro de diapositive 3"/>
-          <p:cNvSpPr>
-            <a:spLocks noGrp="1"/>
-          </p:cNvSpPr>
-          <p:nvPr>
-            <p:ph type="sldNum" sz="quarter" idx="12"/>
-          </p:nvPr>
-        </p:nvSpPr>
-        <p:spPr/>
-        <p:txBody>
-          <a:bodyPr/>
-          <a:lstStyle/>
-          <a:p>
-            <a:fld id="{87D9652F-9609-4EC6-8E0A-C96E14B58A2A}" type="slidenum">
-              <a:rPr lang="fr-FR" smtClean="0"/>
-              <a:pPr/>
-              <a:t>4</a:t>
-            </a:fld>
-            <a:endParaRPr lang="fr-FR" dirty="0"/>
-          </a:p>
-        </p:txBody>
-      </p:sp>
-    </p:spTree>
-    <p:extLst>
-      <p:ext uri="{BB962C8B-B14F-4D97-AF65-F5344CB8AC3E}">
-        <p14:creationId xmlns:p14="http://schemas.microsoft.com/office/powerpoint/2010/main" val="3439093969"/>
-      </p:ext>
-    </p:extLst>
-  </p:cSld>
-  <p:clrMapOvr>
-    <a:masterClrMapping/>
-  </p:clrMapOvr>
-</p:sld>
-</file>
-
-<file path=ppt/slides/slide5.xml><?xml version="1.0" encoding="utf-8"?>
-<p:sld xmlns:a="http://schemas.openxmlformats.org/drawingml/2006/main" xmlns:r="http://schemas.openxmlformats.org/officeDocument/2006/relationships" xmlns:p="http://schemas.openxmlformats.org/presentationml/2006/main">
-  <p:cSld>
-    <p:spTree>
-      <p:nvGrpSpPr>
-        <p:cNvPr id="1" name=""/>
-        <p:cNvGrpSpPr/>
-        <p:nvPr/>
-      </p:nvGrpSpPr>
-      <p:grpSpPr>
-        <a:xfrm>
-          <a:off x="0" y="0"/>
-          <a:ext cx="0" cy="0"/>
-          <a:chOff x="0" y="0"/>
-          <a:chExt cx="0" cy="0"/>
-        </a:xfrm>
-      </p:grpSpPr>
-      <p:sp>
-        <p:nvSpPr>
-          <p:cNvPr id="2" name="Titre 1"/>
-          <p:cNvSpPr>
-            <a:spLocks noGrp="1"/>
-          </p:cNvSpPr>
-          <p:nvPr>
-            <p:ph type="title"/>
-          </p:nvPr>
-        </p:nvSpPr>
-        <p:spPr/>
-        <p:txBody>
-          <a:bodyPr>
-            <a:noAutofit/>
-          </a:bodyPr>
-          <a:lstStyle/>
-          <a:p>
-            <a:r>
-              <a:rPr lang="fr-FR" sz="3200" dirty="0" smtClean="0"/>
-              <a:t>Problème 3 : interface peu fonctionnelle</a:t>
-            </a:r>
-            <a:endParaRPr lang="en-US" sz="3200" dirty="0"/>
-          </a:p>
-        </p:txBody>
-      </p:sp>
-      <p:sp>
-        <p:nvSpPr>
-          <p:cNvPr id="3" name="Espace réservé du contenu 2"/>
-          <p:cNvSpPr>
-            <a:spLocks noGrp="1"/>
-          </p:cNvSpPr>
-          <p:nvPr>
-            <p:ph idx="1"/>
-          </p:nvPr>
-        </p:nvSpPr>
-        <p:spPr/>
-        <p:txBody>
-          <a:bodyPr/>
-          <a:lstStyle/>
-          <a:p>
-            <a:endParaRPr lang="en-US"/>
-          </a:p>
-        </p:txBody>
-      </p:sp>
-      <p:sp>
-        <p:nvSpPr>
-          <p:cNvPr id="4" name="Espace réservé du numéro de diapositive 3"/>
-          <p:cNvSpPr>
-            <a:spLocks noGrp="1"/>
-          </p:cNvSpPr>
-          <p:nvPr>
-            <p:ph type="sldNum" sz="quarter" idx="12"/>
-          </p:nvPr>
-        </p:nvSpPr>
-        <p:spPr/>
-        <p:txBody>
-          <a:bodyPr/>
-          <a:lstStyle/>
-          <a:p>
-            <a:fld id="{87D9652F-9609-4EC6-8E0A-C96E14B58A2A}" type="slidenum">
-              <a:rPr lang="fr-FR" smtClean="0"/>
-              <a:pPr/>
-              <a:t>5</a:t>
-            </a:fld>
-            <a:endParaRPr lang="fr-FR" dirty="0"/>
-          </a:p>
-        </p:txBody>
-      </p:sp>
-    </p:spTree>
-    <p:extLst>
-      <p:ext uri="{BB962C8B-B14F-4D97-AF65-F5344CB8AC3E}">
-        <p14:creationId xmlns:p14="http://schemas.microsoft.com/office/powerpoint/2010/main" val="1955911785"/>
-      </p:ext>
-    </p:extLst>
-  </p:cSld>
-  <p:clrMapOvr>
-    <a:masterClrMapping/>
-  </p:clrMapOvr>
-</p:sld>
-</file>
-
-<file path=ppt/slides/slide6.xml><?xml version="1.0" encoding="utf-8"?>
-<p:sld xmlns:a="http://schemas.openxmlformats.org/drawingml/2006/main" xmlns:r="http://schemas.openxmlformats.org/officeDocument/2006/relationships" xmlns:p="http://schemas.openxmlformats.org/presentationml/2006/main">
-  <p:cSld>
-    <p:spTree>
-      <p:nvGrpSpPr>
-        <p:cNvPr id="1" name=""/>
-        <p:cNvGrpSpPr/>
-        <p:nvPr/>
-      </p:nvGrpSpPr>
-      <p:grpSpPr>
-        <a:xfrm>
-          <a:off x="0" y="0"/>
-          <a:ext cx="0" cy="0"/>
-          <a:chOff x="0" y="0"/>
-          <a:chExt cx="0" cy="0"/>
-        </a:xfrm>
-      </p:grpSpPr>
-      <p:sp>
-        <p:nvSpPr>
-          <p:cNvPr id="2" name="Titre 1"/>
-          <p:cNvSpPr>
-            <a:spLocks noGrp="1"/>
-          </p:cNvSpPr>
-          <p:nvPr>
-            <p:ph type="title"/>
-          </p:nvPr>
-        </p:nvSpPr>
-        <p:spPr/>
-        <p:txBody>
-          <a:bodyPr/>
-          <a:lstStyle/>
-          <a:p>
-            <a:r>
-              <a:rPr lang="fr-FR" dirty="0" smtClean="0"/>
-              <a:t>Organisation du travail</a:t>
-            </a:r>
-            <a:endParaRPr lang="en-US" dirty="0"/>
-          </a:p>
-        </p:txBody>
-      </p:sp>
-      <p:sp>
-        <p:nvSpPr>
-          <p:cNvPr id="3" name="Espace réservé du contenu 2"/>
-          <p:cNvSpPr>
-            <a:spLocks noGrp="1"/>
-          </p:cNvSpPr>
-          <p:nvPr>
-            <p:ph idx="1"/>
-          </p:nvPr>
-        </p:nvSpPr>
-        <p:spPr>
-          <a:xfrm>
-            <a:off x="254000" y="2250659"/>
-            <a:ext cx="2199832" cy="4386263"/>
-          </a:xfrm>
-        </p:spPr>
-        <p:txBody>
-          <a:bodyPr>
-            <a:normAutofit/>
-          </a:bodyPr>
-          <a:lstStyle/>
-          <a:p>
-            <a:r>
-              <a:rPr lang="fr-FR" sz="1800" dirty="0" smtClean="0"/>
-              <a:t>Prise en main du </a:t>
-            </a:r>
-            <a:r>
-              <a:rPr lang="fr-FR" sz="1800" dirty="0" err="1" smtClean="0"/>
-              <a:t>framework</a:t>
-            </a:r>
-            <a:endParaRPr lang="fr-FR" sz="1800" dirty="0" smtClean="0"/>
-          </a:p>
-          <a:p>
-            <a:endParaRPr lang="fr-FR" sz="1800" dirty="0"/>
-          </a:p>
-          <a:p>
-            <a:r>
-              <a:rPr lang="fr-FR" sz="1800" dirty="0" smtClean="0"/>
-              <a:t>Administration du serveur</a:t>
-            </a:r>
-          </a:p>
-          <a:p>
-            <a:endParaRPr lang="fr-FR" sz="1800" dirty="0"/>
-          </a:p>
-          <a:p>
-            <a:r>
-              <a:rPr lang="fr-FR" sz="1800" dirty="0" smtClean="0"/>
-              <a:t>Documentation</a:t>
-            </a:r>
-            <a:endParaRPr lang="en-US" sz="1800" dirty="0"/>
-          </a:p>
-        </p:txBody>
-      </p:sp>
-      <p:sp>
-        <p:nvSpPr>
-          <p:cNvPr id="4" name="Espace réservé du numéro de diapositive 3"/>
-          <p:cNvSpPr>
-            <a:spLocks noGrp="1"/>
-          </p:cNvSpPr>
-          <p:nvPr>
-            <p:ph type="sldNum" sz="quarter" idx="12"/>
-          </p:nvPr>
-        </p:nvSpPr>
-        <p:spPr/>
-        <p:txBody>
-          <a:bodyPr/>
-          <a:lstStyle/>
-          <a:p>
-            <a:fld id="{87D9652F-9609-4EC6-8E0A-C96E14B58A2A}" type="slidenum">
-              <a:rPr lang="fr-FR" smtClean="0"/>
-              <a:pPr/>
-              <a:t>6</a:t>
-            </a:fld>
-            <a:endParaRPr lang="fr-FR" dirty="0"/>
-          </a:p>
-        </p:txBody>
-      </p:sp>
-      <p:sp>
-        <p:nvSpPr>
-          <p:cNvPr id="5" name="Rectangle 4"/>
-          <p:cNvSpPr/>
-          <p:nvPr/>
-        </p:nvSpPr>
-        <p:spPr>
-          <a:xfrm>
-            <a:off x="2453832" y="2250659"/>
-            <a:ext cx="1979271" cy="636607"/>
-          </a:xfrm>
-          <a:prstGeom prst="rect">
-            <a:avLst/>
-          </a:prstGeom>
-        </p:spPr>
-        <p:style>
-          <a:lnRef idx="2">
-            <a:schemeClr val="accent1">
-              <a:shade val="50000"/>
-            </a:schemeClr>
-          </a:lnRef>
-          <a:fillRef idx="1">
-            <a:schemeClr val="accent1"/>
-          </a:fillRef>
-          <a:effectRef idx="0">
-            <a:schemeClr val="accent1"/>
-          </a:effectRef>
-          <a:fontRef idx="minor">
-            <a:schemeClr val="lt1"/>
-          </a:fontRef>
-        </p:style>
-        <p:txBody>
-          <a:bodyPr rtlCol="0" anchor="ctr"/>
-          <a:lstStyle/>
-          <a:p>
-            <a:pPr algn="ctr"/>
-            <a:endParaRPr lang="en-US"/>
-          </a:p>
-        </p:txBody>
-      </p:sp>
-      <p:sp>
-        <p:nvSpPr>
-          <p:cNvPr id="6" name="Rectangle 5"/>
-          <p:cNvSpPr/>
-          <p:nvPr/>
-        </p:nvSpPr>
-        <p:spPr>
-          <a:xfrm>
-            <a:off x="3842795" y="3347224"/>
-            <a:ext cx="1979271" cy="636607"/>
-          </a:xfrm>
-          <a:prstGeom prst="rect">
-            <a:avLst/>
-          </a:prstGeom>
-        </p:spPr>
-        <p:style>
-          <a:lnRef idx="2">
-            <a:schemeClr val="accent1">
-              <a:shade val="50000"/>
-            </a:schemeClr>
-          </a:lnRef>
-          <a:fillRef idx="1">
-            <a:schemeClr val="accent1"/>
-          </a:fillRef>
-          <a:effectRef idx="0">
-            <a:schemeClr val="accent1"/>
-          </a:effectRef>
-          <a:fontRef idx="minor">
-            <a:schemeClr val="lt1"/>
-          </a:fontRef>
-        </p:style>
-        <p:txBody>
-          <a:bodyPr rtlCol="0" anchor="ctr"/>
-          <a:lstStyle/>
-          <a:p>
-            <a:pPr algn="ctr"/>
-            <a:endParaRPr lang="en-US"/>
-          </a:p>
-        </p:txBody>
-      </p:sp>
-      <p:sp>
-        <p:nvSpPr>
-          <p:cNvPr id="7" name="Rectangle 6"/>
-          <p:cNvSpPr/>
-          <p:nvPr/>
-        </p:nvSpPr>
-        <p:spPr>
-          <a:xfrm>
-            <a:off x="5127585" y="4125486"/>
-            <a:ext cx="1979271" cy="636607"/>
-          </a:xfrm>
-          <a:prstGeom prst="rect">
-            <a:avLst/>
-          </a:prstGeom>
-        </p:spPr>
-        <p:style>
-          <a:lnRef idx="2">
-            <a:schemeClr val="accent1">
-              <a:shade val="50000"/>
-            </a:schemeClr>
-          </a:lnRef>
-          <a:fillRef idx="1">
-            <a:schemeClr val="accent1"/>
-          </a:fillRef>
-          <a:effectRef idx="0">
-            <a:schemeClr val="accent1"/>
-          </a:effectRef>
-          <a:fontRef idx="minor">
-            <a:schemeClr val="lt1"/>
-          </a:fontRef>
-        </p:style>
-        <p:txBody>
-          <a:bodyPr rtlCol="0" anchor="ctr"/>
-          <a:lstStyle/>
-          <a:p>
-            <a:pPr algn="ctr"/>
-            <a:endParaRPr lang="en-US"/>
-          </a:p>
-        </p:txBody>
-      </p:sp>
-      <p:sp>
-        <p:nvSpPr>
-          <p:cNvPr id="8" name="Rectangle 7"/>
-          <p:cNvSpPr/>
-          <p:nvPr/>
-        </p:nvSpPr>
-        <p:spPr>
-          <a:xfrm>
-            <a:off x="6690689" y="4929782"/>
-            <a:ext cx="1979271" cy="636607"/>
-          </a:xfrm>
-          <a:prstGeom prst="rect">
-            <a:avLst/>
-          </a:prstGeom>
-        </p:spPr>
-        <p:style>
-          <a:lnRef idx="2">
-            <a:schemeClr val="accent1">
-              <a:shade val="50000"/>
-            </a:schemeClr>
-          </a:lnRef>
-          <a:fillRef idx="1">
-            <a:schemeClr val="accent1"/>
-          </a:fillRef>
-          <a:effectRef idx="0">
-            <a:schemeClr val="accent1"/>
-          </a:effectRef>
-          <a:fontRef idx="minor">
-            <a:schemeClr val="lt1"/>
-          </a:fontRef>
-        </p:style>
-        <p:txBody>
-          <a:bodyPr rtlCol="0" anchor="ctr"/>
-          <a:lstStyle/>
-          <a:p>
-            <a:pPr algn="ctr"/>
-            <a:endParaRPr lang="en-US"/>
-          </a:p>
-        </p:txBody>
-      </p:sp>
-    </p:spTree>
-    <p:extLst>
-      <p:ext uri="{BB962C8B-B14F-4D97-AF65-F5344CB8AC3E}">
-        <p14:creationId xmlns:p14="http://schemas.microsoft.com/office/powerpoint/2010/main" val="1290625596"/>
-      </p:ext>
-    </p:extLst>
-  </p:cSld>
-  <p:clrMapOvr>
-    <a:masterClrMapping/>
-  </p:clrMapOvr>
-</p:sld>
-</file>
-
-<file path=ppt/slides/slide7.xml><?xml version="1.0" encoding="utf-8"?>
-<p:sld xmlns:a="http://schemas.openxmlformats.org/drawingml/2006/main" xmlns:r="http://schemas.openxmlformats.org/officeDocument/2006/relationships" xmlns:p="http://schemas.openxmlformats.org/presentationml/2006/main">
-  <p:cSld>
-    <p:spTree>
-      <p:nvGrpSpPr>
-        <p:cNvPr id="1" name=""/>
-        <p:cNvGrpSpPr/>
-        <p:nvPr/>
-      </p:nvGrpSpPr>
-      <p:grpSpPr>
-        <a:xfrm>
-          <a:off x="0" y="0"/>
-          <a:ext cx="0" cy="0"/>
-          <a:chOff x="0" y="0"/>
-          <a:chExt cx="0" cy="0"/>
-        </a:xfrm>
-      </p:grpSpPr>
-      <p:sp>
-        <p:nvSpPr>
-          <p:cNvPr id="2" name="Titre 1"/>
-          <p:cNvSpPr>
-            <a:spLocks noGrp="1"/>
-          </p:cNvSpPr>
-          <p:nvPr>
-            <p:ph type="title"/>
-          </p:nvPr>
-        </p:nvSpPr>
-        <p:spPr/>
-        <p:txBody>
-          <a:bodyPr/>
-          <a:lstStyle/>
-          <a:p>
-            <a:r>
-              <a:rPr lang="fr-FR" dirty="0" smtClean="0"/>
-              <a:t>Prise en main du </a:t>
-            </a:r>
-            <a:r>
-              <a:rPr lang="fr-FR" dirty="0" err="1" smtClean="0"/>
-              <a:t>framework</a:t>
-            </a:r>
-            <a:endParaRPr lang="en-US" dirty="0"/>
-          </a:p>
-        </p:txBody>
-      </p:sp>
-      <p:sp>
-        <p:nvSpPr>
-          <p:cNvPr id="3" name="Espace réservé du contenu 2"/>
-          <p:cNvSpPr>
-            <a:spLocks noGrp="1"/>
-          </p:cNvSpPr>
-          <p:nvPr>
-            <p:ph idx="1"/>
-          </p:nvPr>
-        </p:nvSpPr>
-        <p:spPr/>
-        <p:txBody>
-          <a:bodyPr/>
-          <a:lstStyle/>
-          <a:p>
-            <a:r>
-              <a:rPr lang="fr-FR" dirty="0" err="1" smtClean="0"/>
-              <a:t>Overview</a:t>
-            </a:r>
-            <a:r>
-              <a:rPr lang="fr-FR" dirty="0" smtClean="0"/>
-              <a:t> :</a:t>
-            </a:r>
-          </a:p>
-          <a:p>
-            <a:pPr lvl="1"/>
-            <a:endParaRPr lang="fr-FR" dirty="0" smtClean="0"/>
-          </a:p>
-          <a:p>
-            <a:endParaRPr lang="fr-FR" dirty="0"/>
-          </a:p>
-          <a:p>
-            <a:r>
-              <a:rPr lang="fr-FR" dirty="0" smtClean="0"/>
-              <a:t>Problèmes :</a:t>
-            </a:r>
-          </a:p>
-          <a:p>
-            <a:pPr lvl="1"/>
-            <a:r>
-              <a:rPr lang="fr-FR" dirty="0" smtClean="0"/>
-              <a:t>Projet </a:t>
-            </a:r>
-            <a:r>
-              <a:rPr lang="fr-FR" dirty="0" err="1" smtClean="0"/>
-              <a:t>Netbeans</a:t>
-            </a:r>
-            <a:r>
-              <a:rPr lang="fr-FR" dirty="0" smtClean="0"/>
-              <a:t> ne compile pas:</a:t>
-            </a:r>
-          </a:p>
-          <a:p>
-            <a:pPr lvl="2"/>
-            <a:r>
-              <a:rPr lang="fr-FR" dirty="0" smtClean="0"/>
-              <a:t>Dépendances (bibliothèques) non incluses par l’auteur</a:t>
-            </a:r>
-            <a:endParaRPr lang="en-US" dirty="0"/>
-          </a:p>
-        </p:txBody>
-      </p:sp>
-      <p:sp>
-        <p:nvSpPr>
-          <p:cNvPr id="4" name="Espace réservé du numéro de diapositive 3"/>
-          <p:cNvSpPr>
-            <a:spLocks noGrp="1"/>
-          </p:cNvSpPr>
-          <p:nvPr>
-            <p:ph type="sldNum" sz="quarter" idx="12"/>
-          </p:nvPr>
-        </p:nvSpPr>
-        <p:spPr/>
-        <p:txBody>
-          <a:bodyPr/>
-          <a:lstStyle/>
-          <a:p>
-            <a:fld id="{87D9652F-9609-4EC6-8E0A-C96E14B58A2A}" type="slidenum">
-              <a:rPr lang="fr-FR" smtClean="0"/>
-              <a:pPr/>
-              <a:t>7</a:t>
-            </a:fld>
-            <a:endParaRPr lang="fr-FR" dirty="0"/>
-          </a:p>
-        </p:txBody>
-      </p:sp>
-    </p:spTree>
-    <p:extLst>
-      <p:ext uri="{BB962C8B-B14F-4D97-AF65-F5344CB8AC3E}">
-        <p14:creationId xmlns:p14="http://schemas.microsoft.com/office/powerpoint/2010/main" val="4048983730"/>
-      </p:ext>
-    </p:extLst>
-  </p:cSld>
-  <p:clrMapOvr>
-    <a:masterClrMapping/>
-  </p:clrMapOvr>
 </p:sld>
 </file>
 

--- a/slides.pptx
+++ b/slides.pptx
@@ -5,7 +5,7 @@
     <p:sldMasterId id="2147483696" r:id="rId1"/>
   </p:sldMasterIdLst>
   <p:notesMasterIdLst>
-    <p:notesMasterId r:id="rId15"/>
+    <p:notesMasterId r:id="rId22"/>
   </p:notesMasterIdLst>
   <p:sldIdLst>
     <p:sldId id="256" r:id="rId2"/>
@@ -14,13 +14,20 @@
     <p:sldId id="683" r:id="rId5"/>
     <p:sldId id="684" r:id="rId6"/>
     <p:sldId id="685" r:id="rId7"/>
-    <p:sldId id="686" r:id="rId8"/>
-    <p:sldId id="687" r:id="rId9"/>
-    <p:sldId id="676" r:id="rId10"/>
-    <p:sldId id="677" r:id="rId11"/>
-    <p:sldId id="678" r:id="rId12"/>
-    <p:sldId id="679" r:id="rId13"/>
-    <p:sldId id="680" r:id="rId14"/>
+    <p:sldId id="689" r:id="rId8"/>
+    <p:sldId id="686" r:id="rId9"/>
+    <p:sldId id="687" r:id="rId10"/>
+    <p:sldId id="690" r:id="rId11"/>
+    <p:sldId id="688" r:id="rId12"/>
+    <p:sldId id="691" r:id="rId13"/>
+    <p:sldId id="692" r:id="rId14"/>
+    <p:sldId id="694" r:id="rId15"/>
+    <p:sldId id="693" r:id="rId16"/>
+    <p:sldId id="676" r:id="rId17"/>
+    <p:sldId id="677" r:id="rId18"/>
+    <p:sldId id="678" r:id="rId19"/>
+    <p:sldId id="679" r:id="rId20"/>
+    <p:sldId id="680" r:id="rId21"/>
   </p:sldIdLst>
   <p:sldSz cx="9144000" cy="6858000" type="screen4x3"/>
   <p:notesSz cx="6858000" cy="9144000"/>
@@ -746,7 +753,7 @@
           <a:p>
             <a:fld id="{7F421A2B-D86A-438C-8636-6AD70572CBB6}" type="slidenum">
               <a:rPr lang="fr-FR" smtClean="0"/>
-              <a:t>9</a:t>
+              <a:t>16</a:t>
             </a:fld>
             <a:endParaRPr lang="fr-FR"/>
           </a:p>
@@ -5042,34 +5049,19 @@
         <p:spPr/>
         <p:txBody>
           <a:bodyPr>
-            <a:normAutofit/>
+            <a:normAutofit fontScale="90000"/>
           </a:bodyPr>
           <a:lstStyle/>
           <a:p>
             <a:r>
-              <a:rPr lang="fr-FR" sz="3600" dirty="0" smtClean="0"/>
-              <a:t>Problème 2 : extractions incohérentes</a:t>
-            </a:r>
-            <a:endParaRPr lang="en-US" sz="3600" dirty="0"/>
-          </a:p>
-        </p:txBody>
-      </p:sp>
-      <p:sp>
-        <p:nvSpPr>
-          <p:cNvPr id="3" name="Espace réservé du contenu 2"/>
-          <p:cNvSpPr>
-            <a:spLocks noGrp="1"/>
-          </p:cNvSpPr>
-          <p:nvPr>
-            <p:ph idx="1"/>
-          </p:nvPr>
-        </p:nvSpPr>
-        <p:spPr/>
-        <p:txBody>
-          <a:bodyPr/>
-          <a:lstStyle/>
-          <a:p>
-            <a:endParaRPr lang="en-US"/>
+              <a:rPr lang="fr-FR" dirty="0"/>
+              <a:t>1</a:t>
+            </a:r>
+            <a:r>
+              <a:rPr lang="fr-FR" dirty="0" smtClean="0"/>
+              <a:t>) Préconisations : documentation</a:t>
+            </a:r>
+            <a:endParaRPr lang="en-US" dirty="0"/>
           </a:p>
         </p:txBody>
       </p:sp>
@@ -5097,16 +5089,248 @@
           </a:p>
         </p:txBody>
       </p:sp>
+      <p:sp>
+        <p:nvSpPr>
+          <p:cNvPr id="6" name="Espace réservé du contenu 2"/>
+          <p:cNvSpPr txBox="1">
+            <a:spLocks/>
+          </p:cNvSpPr>
+          <p:nvPr/>
+        </p:nvSpPr>
+        <p:spPr>
+          <a:xfrm>
+            <a:off x="247650" y="2389691"/>
+            <a:ext cx="8648700" cy="2101076"/>
+          </a:xfrm>
+          <a:prstGeom prst="rect">
+            <a:avLst/>
+          </a:prstGeom>
+          <a:solidFill>
+            <a:schemeClr val="accent3">
+              <a:lumMod val="20000"/>
+              <a:lumOff val="80000"/>
+            </a:schemeClr>
+          </a:solidFill>
+        </p:spPr>
+        <p:txBody>
+          <a:bodyPr vert="horz" lIns="91440" tIns="45720" rIns="91440" bIns="45720" rtlCol="0">
+            <a:normAutofit/>
+          </a:bodyPr>
+          <a:lstStyle>
+            <a:lvl1pPr marL="228600" indent="-228600" algn="l" defTabSz="914400" rtl="0" eaLnBrk="1" latinLnBrk="0" hangingPunct="1">
+              <a:lnSpc>
+                <a:spcPct val="90000"/>
+              </a:lnSpc>
+              <a:spcBef>
+                <a:spcPts val="1000"/>
+              </a:spcBef>
+              <a:buFont typeface="Arial" panose="020B0604020202020204" pitchFamily="34" charset="0"/>
+              <a:buChar char="•"/>
+              <a:defRPr sz="2800" kern="1200">
+                <a:solidFill>
+                  <a:schemeClr val="tx1"/>
+                </a:solidFill>
+                <a:latin typeface="+mn-lt"/>
+                <a:ea typeface="+mn-ea"/>
+                <a:cs typeface="+mn-cs"/>
+              </a:defRPr>
+            </a:lvl1pPr>
+            <a:lvl2pPr marL="685800" indent="-228600" algn="l" defTabSz="914400" rtl="0" eaLnBrk="1" latinLnBrk="0" hangingPunct="1">
+              <a:lnSpc>
+                <a:spcPct val="90000"/>
+              </a:lnSpc>
+              <a:spcBef>
+                <a:spcPts val="500"/>
+              </a:spcBef>
+              <a:buFont typeface="Arial" panose="020B0604020202020204" pitchFamily="34" charset="0"/>
+              <a:buChar char="•"/>
+              <a:defRPr sz="2400" kern="1200">
+                <a:solidFill>
+                  <a:schemeClr val="tx1"/>
+                </a:solidFill>
+                <a:latin typeface="+mn-lt"/>
+                <a:ea typeface="+mn-ea"/>
+                <a:cs typeface="+mn-cs"/>
+              </a:defRPr>
+            </a:lvl2pPr>
+            <a:lvl3pPr marL="1143000" indent="-228600" algn="l" defTabSz="914400" rtl="0" eaLnBrk="1" latinLnBrk="0" hangingPunct="1">
+              <a:lnSpc>
+                <a:spcPct val="90000"/>
+              </a:lnSpc>
+              <a:spcBef>
+                <a:spcPts val="500"/>
+              </a:spcBef>
+              <a:buFont typeface="Arial" panose="020B0604020202020204" pitchFamily="34" charset="0"/>
+              <a:buChar char="•"/>
+              <a:defRPr sz="2000" kern="1200">
+                <a:solidFill>
+                  <a:schemeClr val="tx1"/>
+                </a:solidFill>
+                <a:latin typeface="+mn-lt"/>
+                <a:ea typeface="+mn-ea"/>
+                <a:cs typeface="+mn-cs"/>
+              </a:defRPr>
+            </a:lvl3pPr>
+            <a:lvl4pPr marL="1600200" indent="-228600" algn="l" defTabSz="914400" rtl="0" eaLnBrk="1" latinLnBrk="0" hangingPunct="1">
+              <a:lnSpc>
+                <a:spcPct val="90000"/>
+              </a:lnSpc>
+              <a:spcBef>
+                <a:spcPts val="500"/>
+              </a:spcBef>
+              <a:buFont typeface="Arial" panose="020B0604020202020204" pitchFamily="34" charset="0"/>
+              <a:buChar char="•"/>
+              <a:defRPr sz="1800" kern="1200">
+                <a:solidFill>
+                  <a:schemeClr val="tx1"/>
+                </a:solidFill>
+                <a:latin typeface="+mn-lt"/>
+                <a:ea typeface="+mn-ea"/>
+                <a:cs typeface="+mn-cs"/>
+              </a:defRPr>
+            </a:lvl4pPr>
+            <a:lvl5pPr marL="2057400" indent="-228600" algn="l" defTabSz="914400" rtl="0" eaLnBrk="1" latinLnBrk="0" hangingPunct="1">
+              <a:lnSpc>
+                <a:spcPct val="90000"/>
+              </a:lnSpc>
+              <a:spcBef>
+                <a:spcPts val="500"/>
+              </a:spcBef>
+              <a:buFont typeface="Arial" panose="020B0604020202020204" pitchFamily="34" charset="0"/>
+              <a:buChar char="•"/>
+              <a:defRPr sz="1800" kern="1200">
+                <a:solidFill>
+                  <a:schemeClr val="tx1"/>
+                </a:solidFill>
+                <a:latin typeface="+mn-lt"/>
+                <a:ea typeface="+mn-ea"/>
+                <a:cs typeface="+mn-cs"/>
+              </a:defRPr>
+            </a:lvl5pPr>
+            <a:lvl6pPr marL="2514600" indent="-228600" algn="l" defTabSz="914400" rtl="0" eaLnBrk="1" latinLnBrk="0" hangingPunct="1">
+              <a:lnSpc>
+                <a:spcPct val="90000"/>
+              </a:lnSpc>
+              <a:spcBef>
+                <a:spcPts val="500"/>
+              </a:spcBef>
+              <a:buFont typeface="Arial" panose="020B0604020202020204" pitchFamily="34" charset="0"/>
+              <a:buChar char="•"/>
+              <a:defRPr sz="1800" kern="1200">
+                <a:solidFill>
+                  <a:schemeClr val="tx1"/>
+                </a:solidFill>
+                <a:latin typeface="+mn-lt"/>
+                <a:ea typeface="+mn-ea"/>
+                <a:cs typeface="+mn-cs"/>
+              </a:defRPr>
+            </a:lvl6pPr>
+            <a:lvl7pPr marL="2971800" indent="-228600" algn="l" defTabSz="914400" rtl="0" eaLnBrk="1" latinLnBrk="0" hangingPunct="1">
+              <a:lnSpc>
+                <a:spcPct val="90000"/>
+              </a:lnSpc>
+              <a:spcBef>
+                <a:spcPts val="500"/>
+              </a:spcBef>
+              <a:buFont typeface="Arial" panose="020B0604020202020204" pitchFamily="34" charset="0"/>
+              <a:buChar char="•"/>
+              <a:defRPr sz="1800" kern="1200">
+                <a:solidFill>
+                  <a:schemeClr val="tx1"/>
+                </a:solidFill>
+                <a:latin typeface="+mn-lt"/>
+                <a:ea typeface="+mn-ea"/>
+                <a:cs typeface="+mn-cs"/>
+              </a:defRPr>
+            </a:lvl7pPr>
+            <a:lvl8pPr marL="3429000" indent="-228600" algn="l" defTabSz="914400" rtl="0" eaLnBrk="1" latinLnBrk="0" hangingPunct="1">
+              <a:lnSpc>
+                <a:spcPct val="90000"/>
+              </a:lnSpc>
+              <a:spcBef>
+                <a:spcPts val="500"/>
+              </a:spcBef>
+              <a:buFont typeface="Arial" panose="020B0604020202020204" pitchFamily="34" charset="0"/>
+              <a:buChar char="•"/>
+              <a:defRPr sz="1800" kern="1200">
+                <a:solidFill>
+                  <a:schemeClr val="tx1"/>
+                </a:solidFill>
+                <a:latin typeface="+mn-lt"/>
+                <a:ea typeface="+mn-ea"/>
+                <a:cs typeface="+mn-cs"/>
+              </a:defRPr>
+            </a:lvl8pPr>
+            <a:lvl9pPr marL="3886200" indent="-228600" algn="l" defTabSz="914400" rtl="0" eaLnBrk="1" latinLnBrk="0" hangingPunct="1">
+              <a:lnSpc>
+                <a:spcPct val="90000"/>
+              </a:lnSpc>
+              <a:spcBef>
+                <a:spcPts val="500"/>
+              </a:spcBef>
+              <a:buFont typeface="Arial" panose="020B0604020202020204" pitchFamily="34" charset="0"/>
+              <a:buChar char="•"/>
+              <a:defRPr sz="1800" kern="1200">
+                <a:solidFill>
+                  <a:schemeClr val="tx1"/>
+                </a:solidFill>
+                <a:latin typeface="+mn-lt"/>
+                <a:ea typeface="+mn-ea"/>
+                <a:cs typeface="+mn-cs"/>
+              </a:defRPr>
+            </a:lvl9pPr>
+          </a:lstStyle>
+          <a:p>
+            <a:r>
+              <a:rPr lang="fr-FR" sz="2400" dirty="0" smtClean="0"/>
+              <a:t>Mettre à jour la documentation le plus souvent possible</a:t>
+            </a:r>
+          </a:p>
+          <a:p>
+            <a:r>
+              <a:rPr lang="fr-FR" sz="2400" dirty="0" smtClean="0"/>
+              <a:t>Indiquer les bugs ou les fonctionnalités à implémenter en utilisant les </a:t>
+            </a:r>
+            <a:r>
+              <a:rPr lang="fr-FR" sz="2400" b="1" dirty="0" smtClean="0"/>
+              <a:t>issues</a:t>
+            </a:r>
+            <a:endParaRPr lang="fr-FR" sz="2000" b="1" dirty="0" smtClean="0"/>
+          </a:p>
+          <a:p>
+            <a:pPr lvl="1"/>
+            <a:endParaRPr lang="fr-FR" dirty="0" smtClean="0"/>
+          </a:p>
+          <a:p>
+            <a:pPr marL="1371600" lvl="3" indent="0">
+              <a:buFont typeface="Arial" panose="020B0604020202020204" pitchFamily="34" charset="0"/>
+              <a:buNone/>
+            </a:pPr>
+            <a:endParaRPr lang="fr-FR" dirty="0" smtClean="0"/>
+          </a:p>
+          <a:p>
+            <a:pPr lvl="2"/>
+            <a:endParaRPr lang="fr-FR" dirty="0" smtClean="0"/>
+          </a:p>
+        </p:txBody>
+      </p:sp>
     </p:spTree>
     <p:extLst>
       <p:ext uri="{BB962C8B-B14F-4D97-AF65-F5344CB8AC3E}">
-        <p14:creationId xmlns:p14="http://schemas.microsoft.com/office/powerpoint/2010/main" val="3439093969"/>
+        <p14:creationId xmlns:p14="http://schemas.microsoft.com/office/powerpoint/2010/main" val="1700437151"/>
       </p:ext>
     </p:extLst>
   </p:cSld>
   <p:clrMapOvr>
     <a:masterClrMapping/>
   </p:clrMapOvr>
+  <p:timing>
+    <p:tnLst>
+      <p:par>
+        <p:cTn id="1" dur="indefinite" restart="never" nodeType="tmRoot"/>
+      </p:par>
+    </p:tnLst>
+  </p:timing>
 </p:sld>
 </file>
 
@@ -5139,35 +5363,172 @@
         </p:nvSpPr>
         <p:spPr/>
         <p:txBody>
+          <a:bodyPr/>
+          <a:lstStyle/>
+          <a:p>
+            <a:r>
+              <a:rPr lang="fr-FR" dirty="0"/>
+              <a:t>2</a:t>
+            </a:r>
+            <a:r>
+              <a:rPr lang="fr-FR" dirty="0" smtClean="0"/>
+              <a:t>) Co-administration du serveur</a:t>
+            </a:r>
+            <a:endParaRPr lang="en-US" dirty="0"/>
+          </a:p>
+        </p:txBody>
+      </p:sp>
+      <p:sp>
+        <p:nvSpPr>
+          <p:cNvPr id="3" name="Espace réservé du contenu 2"/>
+          <p:cNvSpPr>
+            <a:spLocks noGrp="1"/>
+          </p:cNvSpPr>
+          <p:nvPr>
+            <p:ph idx="1"/>
+          </p:nvPr>
+        </p:nvSpPr>
+        <p:spPr>
+          <a:xfrm>
+            <a:off x="247650" y="1842663"/>
+            <a:ext cx="8648700" cy="4257054"/>
+          </a:xfrm>
+          <a:solidFill>
+            <a:schemeClr val="accent2">
+              <a:lumMod val="20000"/>
+              <a:lumOff val="80000"/>
+            </a:schemeClr>
+          </a:solidFill>
+        </p:spPr>
+        <p:txBody>
           <a:bodyPr>
-            <a:noAutofit/>
+            <a:normAutofit lnSpcReduction="10000"/>
           </a:bodyPr>
           <a:lstStyle/>
           <a:p>
             <a:r>
-              <a:rPr lang="fr-FR" sz="3200" dirty="0" smtClean="0"/>
-              <a:t>Problème 3 : interface peu fonctionnelle</a:t>
-            </a:r>
-            <a:endParaRPr lang="en-US" sz="3200" dirty="0"/>
-          </a:p>
-        </p:txBody>
-      </p:sp>
-      <p:sp>
-        <p:nvSpPr>
-          <p:cNvPr id="3" name="Espace réservé du contenu 2"/>
-          <p:cNvSpPr>
-            <a:spLocks noGrp="1"/>
-          </p:cNvSpPr>
-          <p:nvPr>
-            <p:ph idx="1"/>
-          </p:nvPr>
-        </p:nvSpPr>
-        <p:spPr/>
-        <p:txBody>
-          <a:bodyPr/>
-          <a:lstStyle/>
-          <a:p>
-            <a:endParaRPr lang="en-US"/>
+              <a:rPr lang="fr-FR" b="1" dirty="0" smtClean="0"/>
+              <a:t>Problèmes soulevés par </a:t>
+            </a:r>
+            <a:r>
+              <a:rPr lang="fr-FR" b="1" dirty="0" err="1" smtClean="0"/>
+              <a:t>Huma-num</a:t>
+            </a:r>
+            <a:r>
+              <a:rPr lang="fr-FR" b="1" dirty="0" smtClean="0"/>
+              <a:t> et H. </a:t>
+            </a:r>
+            <a:r>
+              <a:rPr lang="fr-FR" b="1" dirty="0" err="1" smtClean="0"/>
+              <a:t>Pecout</a:t>
+            </a:r>
+            <a:r>
+              <a:rPr lang="fr-FR" b="1" dirty="0" smtClean="0"/>
+              <a:t> :</a:t>
+            </a:r>
+          </a:p>
+          <a:p>
+            <a:pPr lvl="1"/>
+            <a:r>
+              <a:rPr lang="fr-FR" b="1" dirty="0" smtClean="0"/>
+              <a:t>Organisation des répertoires anarchique :</a:t>
+            </a:r>
+          </a:p>
+          <a:p>
+            <a:pPr lvl="2"/>
+            <a:r>
+              <a:rPr lang="fr-FR" dirty="0" smtClean="0"/>
+              <a:t>Asymétrie entre les versions de </a:t>
+            </a:r>
+            <a:r>
+              <a:rPr lang="fr-FR" dirty="0" err="1" smtClean="0"/>
+              <a:t>dev</a:t>
+            </a:r>
+            <a:r>
+              <a:rPr lang="fr-FR" dirty="0" smtClean="0"/>
+              <a:t> et de </a:t>
+            </a:r>
+            <a:r>
+              <a:rPr lang="fr-FR" dirty="0" err="1" smtClean="0"/>
+              <a:t>prod</a:t>
+            </a:r>
+            <a:endParaRPr lang="fr-FR" dirty="0" smtClean="0"/>
+          </a:p>
+          <a:p>
+            <a:pPr lvl="2"/>
+            <a:r>
+              <a:rPr lang="fr-FR" dirty="0" smtClean="0"/>
+              <a:t>Présence d’une multitude de reliquats</a:t>
+            </a:r>
+          </a:p>
+          <a:p>
+            <a:pPr lvl="2"/>
+            <a:r>
+              <a:rPr lang="fr-FR" dirty="0" smtClean="0"/>
+              <a:t>Structure/nom/rôle des répertoires parfois obscurs</a:t>
+            </a:r>
+          </a:p>
+          <a:p>
+            <a:pPr lvl="2"/>
+            <a:r>
+              <a:rPr lang="fr-FR" dirty="0" smtClean="0"/>
+              <a:t>Dépendance avec les fichiers de configuration non/mal identifiée</a:t>
+            </a:r>
+          </a:p>
+          <a:p>
+            <a:pPr lvl="2"/>
+            <a:r>
+              <a:rPr lang="fr-FR" dirty="0" smtClean="0"/>
+              <a:t>Fichiers générés à de multiples endroits</a:t>
+            </a:r>
+          </a:p>
+          <a:p>
+            <a:pPr lvl="1"/>
+            <a:r>
+              <a:rPr lang="fr-FR" b="1" dirty="0" smtClean="0"/>
+              <a:t>Volume des fichiers générés pouvant atteindre des dizaines de Go</a:t>
+            </a:r>
+          </a:p>
+          <a:p>
+            <a:pPr lvl="2"/>
+            <a:r>
+              <a:rPr lang="fr-FR" dirty="0" smtClean="0"/>
+              <a:t>Logs (</a:t>
+            </a:r>
+            <a:r>
+              <a:rPr lang="fr-FR" dirty="0" err="1" smtClean="0"/>
+              <a:t>tomcat</a:t>
+            </a:r>
+            <a:r>
+              <a:rPr lang="fr-FR" dirty="0" smtClean="0"/>
+              <a:t>, application, connexions </a:t>
+            </a:r>
+            <a:r>
+              <a:rPr lang="fr-FR" dirty="0" err="1" smtClean="0"/>
+              <a:t>users</a:t>
+            </a:r>
+            <a:r>
+              <a:rPr lang="fr-FR" dirty="0" smtClean="0"/>
+              <a:t>, etc.)</a:t>
+            </a:r>
+          </a:p>
+          <a:p>
+            <a:pPr lvl="2"/>
+            <a:r>
+              <a:rPr lang="fr-FR" dirty="0" smtClean="0"/>
+              <a:t>Extractions</a:t>
+            </a:r>
+          </a:p>
+          <a:p>
+            <a:pPr lvl="2"/>
+            <a:r>
+              <a:rPr lang="fr-FR" dirty="0" smtClean="0"/>
+              <a:t>Dumps de la DB</a:t>
+            </a:r>
+          </a:p>
+          <a:p>
+            <a:pPr lvl="2"/>
+            <a:endParaRPr lang="fr-FR" dirty="0" smtClean="0"/>
           </a:p>
         </p:txBody>
       </p:sp>
@@ -5198,13 +5559,20 @@
     </p:spTree>
     <p:extLst>
       <p:ext uri="{BB962C8B-B14F-4D97-AF65-F5344CB8AC3E}">
-        <p14:creationId xmlns:p14="http://schemas.microsoft.com/office/powerpoint/2010/main" val="1955911785"/>
+        <p14:creationId xmlns:p14="http://schemas.microsoft.com/office/powerpoint/2010/main" val="3566530558"/>
       </p:ext>
     </p:extLst>
   </p:cSld>
   <p:clrMapOvr>
     <a:masterClrMapping/>
   </p:clrMapOvr>
+  <p:timing>
+    <p:tnLst>
+      <p:par>
+        <p:cTn id="1" dur="indefinite" restart="never" nodeType="tmRoot"/>
+      </p:par>
+    </p:tnLst>
+  </p:timing>
 </p:sld>
 </file>
 
@@ -5227,6 +5595,1413 @@
       </p:grpSpPr>
       <p:sp>
         <p:nvSpPr>
+          <p:cNvPr id="3" name="Espace réservé du contenu 2"/>
+          <p:cNvSpPr>
+            <a:spLocks noGrp="1"/>
+          </p:cNvSpPr>
+          <p:nvPr>
+            <p:ph idx="1"/>
+          </p:nvPr>
+        </p:nvSpPr>
+        <p:spPr>
+          <a:xfrm>
+            <a:off x="254000" y="2437470"/>
+            <a:ext cx="8648700" cy="2837057"/>
+          </a:xfrm>
+          <a:solidFill>
+            <a:schemeClr val="accent1">
+              <a:lumMod val="20000"/>
+              <a:lumOff val="80000"/>
+            </a:schemeClr>
+          </a:solidFill>
+        </p:spPr>
+        <p:txBody>
+          <a:bodyPr>
+            <a:normAutofit fontScale="85000" lnSpcReduction="20000"/>
+          </a:bodyPr>
+          <a:lstStyle/>
+          <a:p>
+            <a:r>
+              <a:rPr lang="fr-FR" sz="2400" dirty="0" smtClean="0"/>
+              <a:t>L’organisation des répertoires des versions de </a:t>
+            </a:r>
+            <a:r>
+              <a:rPr lang="fr-FR" sz="2400" dirty="0" err="1" smtClean="0"/>
+              <a:t>dev</a:t>
+            </a:r>
+            <a:r>
+              <a:rPr lang="fr-FR" sz="2400" dirty="0" smtClean="0"/>
+              <a:t> et de </a:t>
+            </a:r>
+            <a:r>
+              <a:rPr lang="fr-FR" sz="2400" dirty="0" err="1" smtClean="0"/>
+              <a:t>prod</a:t>
+            </a:r>
+            <a:r>
+              <a:rPr lang="fr-FR" sz="2400" dirty="0" smtClean="0"/>
+              <a:t> est désormais symétrique</a:t>
+            </a:r>
+          </a:p>
+          <a:p>
+            <a:r>
+              <a:rPr lang="fr-FR" sz="2400" dirty="0" smtClean="0"/>
+              <a:t>Les répertoires obsolètes ont été supprimés (mais il existe des backups sur </a:t>
+            </a:r>
+            <a:r>
+              <a:rPr lang="fr-FR" sz="2400" dirty="0" err="1" smtClean="0"/>
+              <a:t>github</a:t>
+            </a:r>
+            <a:r>
+              <a:rPr lang="fr-FR" sz="2400" dirty="0" smtClean="0"/>
+              <a:t>)</a:t>
+            </a:r>
+          </a:p>
+          <a:p>
+            <a:r>
+              <a:rPr lang="fr-FR" sz="2400" dirty="0" smtClean="0"/>
+              <a:t>Les fichiers de configuration contenant des dépendances ont été identifiés et mis à jour. Ils sont documentés dans le wiki.</a:t>
+            </a:r>
+          </a:p>
+          <a:p>
+            <a:r>
+              <a:rPr lang="fr-FR" sz="2400" dirty="0" smtClean="0"/>
+              <a:t>Logs générés dans un répertoire spécifique</a:t>
+            </a:r>
+          </a:p>
+          <a:p>
+            <a:r>
+              <a:rPr lang="fr-FR" sz="2400" dirty="0" smtClean="0"/>
+              <a:t>Correction de la redirection de la </a:t>
+            </a:r>
+            <a:r>
+              <a:rPr lang="fr-FR" sz="2400" dirty="0"/>
+              <a:t>page d’accueil: </a:t>
+            </a:r>
+            <a:r>
+              <a:rPr lang="fr-FR" sz="2400" dirty="0">
+                <a:hlinkClick r:id="rId2"/>
+              </a:rPr>
+              <a:t>http://geomedia.huma-num.fr</a:t>
+            </a:r>
+            <a:r>
+              <a:rPr lang="fr-FR" sz="2400" dirty="0" smtClean="0">
+                <a:hlinkClick r:id="rId2"/>
+              </a:rPr>
+              <a:t>/</a:t>
+            </a:r>
+            <a:r>
+              <a:rPr lang="fr-FR" sz="2400" dirty="0" smtClean="0"/>
+              <a:t> </a:t>
+            </a:r>
+            <a:r>
+              <a:rPr lang="fr-FR" sz="2400" dirty="0"/>
+              <a:t>pointe vers </a:t>
+            </a:r>
+            <a:r>
+              <a:rPr lang="fr-FR" sz="2400" dirty="0">
+                <a:hlinkClick r:id="rId3"/>
+              </a:rPr>
+              <a:t>http://</a:t>
+            </a:r>
+            <a:r>
+              <a:rPr lang="fr-FR" sz="2400" dirty="0" smtClean="0">
+                <a:hlinkClick r:id="rId3"/>
+              </a:rPr>
+              <a:t>geomedia.huma-num.fr/RSSAgregate</a:t>
+            </a:r>
+            <a:r>
+              <a:rPr lang="fr-FR" sz="2400" dirty="0" smtClean="0"/>
+              <a:t> </a:t>
+            </a:r>
+            <a:endParaRPr lang="fr-FR" dirty="0" smtClean="0"/>
+          </a:p>
+        </p:txBody>
+      </p:sp>
+      <p:sp>
+        <p:nvSpPr>
+          <p:cNvPr id="2" name="Titre 1"/>
+          <p:cNvSpPr>
+            <a:spLocks noGrp="1"/>
+          </p:cNvSpPr>
+          <p:nvPr>
+            <p:ph type="title"/>
+          </p:nvPr>
+        </p:nvSpPr>
+        <p:spPr/>
+        <p:txBody>
+          <a:bodyPr>
+            <a:normAutofit fontScale="90000"/>
+          </a:bodyPr>
+          <a:lstStyle/>
+          <a:p>
+            <a:r>
+              <a:rPr lang="fr-FR" sz="3600" dirty="0" smtClean="0"/>
+              <a:t>2) Actions : réorganisation de la structure des répertoires sur le serveur</a:t>
+            </a:r>
+            <a:endParaRPr lang="en-US" sz="3600" dirty="0"/>
+          </a:p>
+        </p:txBody>
+      </p:sp>
+      <p:sp>
+        <p:nvSpPr>
+          <p:cNvPr id="4" name="Espace réservé du numéro de diapositive 3"/>
+          <p:cNvSpPr>
+            <a:spLocks noGrp="1"/>
+          </p:cNvSpPr>
+          <p:nvPr>
+            <p:ph type="sldNum" sz="quarter" idx="12"/>
+          </p:nvPr>
+        </p:nvSpPr>
+        <p:spPr/>
+        <p:txBody>
+          <a:bodyPr/>
+          <a:lstStyle/>
+          <a:p>
+            <a:fld id="{87D9652F-9609-4EC6-8E0A-C96E14B58A2A}" type="slidenum">
+              <a:rPr lang="fr-FR" smtClean="0"/>
+              <a:pPr/>
+              <a:t>12</a:t>
+            </a:fld>
+            <a:endParaRPr lang="fr-FR" dirty="0"/>
+          </a:p>
+        </p:txBody>
+      </p:sp>
+    </p:spTree>
+    <p:extLst>
+      <p:ext uri="{BB962C8B-B14F-4D97-AF65-F5344CB8AC3E}">
+        <p14:creationId xmlns:p14="http://schemas.microsoft.com/office/powerpoint/2010/main" val="3755783889"/>
+      </p:ext>
+    </p:extLst>
+  </p:cSld>
+  <p:clrMapOvr>
+    <a:masterClrMapping/>
+  </p:clrMapOvr>
+  <p:timing>
+    <p:tnLst>
+      <p:par>
+        <p:cTn id="1" dur="indefinite" restart="never" nodeType="tmRoot"/>
+      </p:par>
+    </p:tnLst>
+  </p:timing>
+</p:sld>
+</file>
+
+<file path=ppt/slides/slide13.xml><?xml version="1.0" encoding="utf-8"?>
+<p:sld xmlns:a="http://schemas.openxmlformats.org/drawingml/2006/main" xmlns:r="http://schemas.openxmlformats.org/officeDocument/2006/relationships" xmlns:p="http://schemas.openxmlformats.org/presentationml/2006/main">
+  <p:cSld>
+    <p:spTree>
+      <p:nvGrpSpPr>
+        <p:cNvPr id="1" name=""/>
+        <p:cNvGrpSpPr/>
+        <p:nvPr/>
+      </p:nvGrpSpPr>
+      <p:grpSpPr>
+        <a:xfrm>
+          <a:off x="0" y="0"/>
+          <a:ext cx="0" cy="0"/>
+          <a:chOff x="0" y="0"/>
+          <a:chExt cx="0" cy="0"/>
+        </a:xfrm>
+      </p:grpSpPr>
+      <p:sp>
+        <p:nvSpPr>
+          <p:cNvPr id="2" name="Titre 1"/>
+          <p:cNvSpPr>
+            <a:spLocks noGrp="1"/>
+          </p:cNvSpPr>
+          <p:nvPr>
+            <p:ph type="title"/>
+          </p:nvPr>
+        </p:nvSpPr>
+        <p:spPr/>
+        <p:txBody>
+          <a:bodyPr>
+            <a:noAutofit/>
+          </a:bodyPr>
+          <a:lstStyle/>
+          <a:p>
+            <a:r>
+              <a:rPr lang="fr-FR" sz="3200" dirty="0" smtClean="0"/>
+              <a:t>2) Préconisations : </a:t>
+            </a:r>
+            <a:r>
+              <a:rPr lang="fr-FR" sz="3200" dirty="0"/>
+              <a:t>réorganisation de la structure des répertoires sur le serveur</a:t>
+            </a:r>
+            <a:endParaRPr lang="en-US" sz="3200" dirty="0"/>
+          </a:p>
+        </p:txBody>
+      </p:sp>
+      <p:sp>
+        <p:nvSpPr>
+          <p:cNvPr id="4" name="Espace réservé du numéro de diapositive 3"/>
+          <p:cNvSpPr>
+            <a:spLocks noGrp="1"/>
+          </p:cNvSpPr>
+          <p:nvPr>
+            <p:ph type="sldNum" sz="quarter" idx="12"/>
+          </p:nvPr>
+        </p:nvSpPr>
+        <p:spPr/>
+        <p:txBody>
+          <a:bodyPr/>
+          <a:lstStyle/>
+          <a:p>
+            <a:fld id="{87D9652F-9609-4EC6-8E0A-C96E14B58A2A}" type="slidenum">
+              <a:rPr lang="fr-FR" smtClean="0"/>
+              <a:pPr/>
+              <a:t>13</a:t>
+            </a:fld>
+            <a:endParaRPr lang="fr-FR" dirty="0"/>
+          </a:p>
+        </p:txBody>
+      </p:sp>
+      <p:sp>
+        <p:nvSpPr>
+          <p:cNvPr id="6" name="Espace réservé du contenu 2"/>
+          <p:cNvSpPr txBox="1">
+            <a:spLocks/>
+          </p:cNvSpPr>
+          <p:nvPr/>
+        </p:nvSpPr>
+        <p:spPr>
+          <a:xfrm>
+            <a:off x="247650" y="2389691"/>
+            <a:ext cx="8648700" cy="3152466"/>
+          </a:xfrm>
+          <a:prstGeom prst="rect">
+            <a:avLst/>
+          </a:prstGeom>
+          <a:solidFill>
+            <a:schemeClr val="accent3">
+              <a:lumMod val="20000"/>
+              <a:lumOff val="80000"/>
+            </a:schemeClr>
+          </a:solidFill>
+        </p:spPr>
+        <p:txBody>
+          <a:bodyPr vert="horz" lIns="91440" tIns="45720" rIns="91440" bIns="45720" rtlCol="0">
+            <a:normAutofit/>
+          </a:bodyPr>
+          <a:lstStyle>
+            <a:lvl1pPr marL="228600" indent="-228600" algn="l" defTabSz="914400" rtl="0" eaLnBrk="1" latinLnBrk="0" hangingPunct="1">
+              <a:lnSpc>
+                <a:spcPct val="90000"/>
+              </a:lnSpc>
+              <a:spcBef>
+                <a:spcPts val="1000"/>
+              </a:spcBef>
+              <a:buFont typeface="Arial" panose="020B0604020202020204" pitchFamily="34" charset="0"/>
+              <a:buChar char="•"/>
+              <a:defRPr sz="2800" kern="1200">
+                <a:solidFill>
+                  <a:schemeClr val="tx1"/>
+                </a:solidFill>
+                <a:latin typeface="+mn-lt"/>
+                <a:ea typeface="+mn-ea"/>
+                <a:cs typeface="+mn-cs"/>
+              </a:defRPr>
+            </a:lvl1pPr>
+            <a:lvl2pPr marL="685800" indent="-228600" algn="l" defTabSz="914400" rtl="0" eaLnBrk="1" latinLnBrk="0" hangingPunct="1">
+              <a:lnSpc>
+                <a:spcPct val="90000"/>
+              </a:lnSpc>
+              <a:spcBef>
+                <a:spcPts val="500"/>
+              </a:spcBef>
+              <a:buFont typeface="Arial" panose="020B0604020202020204" pitchFamily="34" charset="0"/>
+              <a:buChar char="•"/>
+              <a:defRPr sz="2400" kern="1200">
+                <a:solidFill>
+                  <a:schemeClr val="tx1"/>
+                </a:solidFill>
+                <a:latin typeface="+mn-lt"/>
+                <a:ea typeface="+mn-ea"/>
+                <a:cs typeface="+mn-cs"/>
+              </a:defRPr>
+            </a:lvl2pPr>
+            <a:lvl3pPr marL="1143000" indent="-228600" algn="l" defTabSz="914400" rtl="0" eaLnBrk="1" latinLnBrk="0" hangingPunct="1">
+              <a:lnSpc>
+                <a:spcPct val="90000"/>
+              </a:lnSpc>
+              <a:spcBef>
+                <a:spcPts val="500"/>
+              </a:spcBef>
+              <a:buFont typeface="Arial" panose="020B0604020202020204" pitchFamily="34" charset="0"/>
+              <a:buChar char="•"/>
+              <a:defRPr sz="2000" kern="1200">
+                <a:solidFill>
+                  <a:schemeClr val="tx1"/>
+                </a:solidFill>
+                <a:latin typeface="+mn-lt"/>
+                <a:ea typeface="+mn-ea"/>
+                <a:cs typeface="+mn-cs"/>
+              </a:defRPr>
+            </a:lvl3pPr>
+            <a:lvl4pPr marL="1600200" indent="-228600" algn="l" defTabSz="914400" rtl="0" eaLnBrk="1" latinLnBrk="0" hangingPunct="1">
+              <a:lnSpc>
+                <a:spcPct val="90000"/>
+              </a:lnSpc>
+              <a:spcBef>
+                <a:spcPts val="500"/>
+              </a:spcBef>
+              <a:buFont typeface="Arial" panose="020B0604020202020204" pitchFamily="34" charset="0"/>
+              <a:buChar char="•"/>
+              <a:defRPr sz="1800" kern="1200">
+                <a:solidFill>
+                  <a:schemeClr val="tx1"/>
+                </a:solidFill>
+                <a:latin typeface="+mn-lt"/>
+                <a:ea typeface="+mn-ea"/>
+                <a:cs typeface="+mn-cs"/>
+              </a:defRPr>
+            </a:lvl4pPr>
+            <a:lvl5pPr marL="2057400" indent="-228600" algn="l" defTabSz="914400" rtl="0" eaLnBrk="1" latinLnBrk="0" hangingPunct="1">
+              <a:lnSpc>
+                <a:spcPct val="90000"/>
+              </a:lnSpc>
+              <a:spcBef>
+                <a:spcPts val="500"/>
+              </a:spcBef>
+              <a:buFont typeface="Arial" panose="020B0604020202020204" pitchFamily="34" charset="0"/>
+              <a:buChar char="•"/>
+              <a:defRPr sz="1800" kern="1200">
+                <a:solidFill>
+                  <a:schemeClr val="tx1"/>
+                </a:solidFill>
+                <a:latin typeface="+mn-lt"/>
+                <a:ea typeface="+mn-ea"/>
+                <a:cs typeface="+mn-cs"/>
+              </a:defRPr>
+            </a:lvl5pPr>
+            <a:lvl6pPr marL="2514600" indent="-228600" algn="l" defTabSz="914400" rtl="0" eaLnBrk="1" latinLnBrk="0" hangingPunct="1">
+              <a:lnSpc>
+                <a:spcPct val="90000"/>
+              </a:lnSpc>
+              <a:spcBef>
+                <a:spcPts val="500"/>
+              </a:spcBef>
+              <a:buFont typeface="Arial" panose="020B0604020202020204" pitchFamily="34" charset="0"/>
+              <a:buChar char="•"/>
+              <a:defRPr sz="1800" kern="1200">
+                <a:solidFill>
+                  <a:schemeClr val="tx1"/>
+                </a:solidFill>
+                <a:latin typeface="+mn-lt"/>
+                <a:ea typeface="+mn-ea"/>
+                <a:cs typeface="+mn-cs"/>
+              </a:defRPr>
+            </a:lvl6pPr>
+            <a:lvl7pPr marL="2971800" indent="-228600" algn="l" defTabSz="914400" rtl="0" eaLnBrk="1" latinLnBrk="0" hangingPunct="1">
+              <a:lnSpc>
+                <a:spcPct val="90000"/>
+              </a:lnSpc>
+              <a:spcBef>
+                <a:spcPts val="500"/>
+              </a:spcBef>
+              <a:buFont typeface="Arial" panose="020B0604020202020204" pitchFamily="34" charset="0"/>
+              <a:buChar char="•"/>
+              <a:defRPr sz="1800" kern="1200">
+                <a:solidFill>
+                  <a:schemeClr val="tx1"/>
+                </a:solidFill>
+                <a:latin typeface="+mn-lt"/>
+                <a:ea typeface="+mn-ea"/>
+                <a:cs typeface="+mn-cs"/>
+              </a:defRPr>
+            </a:lvl7pPr>
+            <a:lvl8pPr marL="3429000" indent="-228600" algn="l" defTabSz="914400" rtl="0" eaLnBrk="1" latinLnBrk="0" hangingPunct="1">
+              <a:lnSpc>
+                <a:spcPct val="90000"/>
+              </a:lnSpc>
+              <a:spcBef>
+                <a:spcPts val="500"/>
+              </a:spcBef>
+              <a:buFont typeface="Arial" panose="020B0604020202020204" pitchFamily="34" charset="0"/>
+              <a:buChar char="•"/>
+              <a:defRPr sz="1800" kern="1200">
+                <a:solidFill>
+                  <a:schemeClr val="tx1"/>
+                </a:solidFill>
+                <a:latin typeface="+mn-lt"/>
+                <a:ea typeface="+mn-ea"/>
+                <a:cs typeface="+mn-cs"/>
+              </a:defRPr>
+            </a:lvl8pPr>
+            <a:lvl9pPr marL="3886200" indent="-228600" algn="l" defTabSz="914400" rtl="0" eaLnBrk="1" latinLnBrk="0" hangingPunct="1">
+              <a:lnSpc>
+                <a:spcPct val="90000"/>
+              </a:lnSpc>
+              <a:spcBef>
+                <a:spcPts val="500"/>
+              </a:spcBef>
+              <a:buFont typeface="Arial" panose="020B0604020202020204" pitchFamily="34" charset="0"/>
+              <a:buChar char="•"/>
+              <a:defRPr sz="1800" kern="1200">
+                <a:solidFill>
+                  <a:schemeClr val="tx1"/>
+                </a:solidFill>
+                <a:latin typeface="+mn-lt"/>
+                <a:ea typeface="+mn-ea"/>
+                <a:cs typeface="+mn-cs"/>
+              </a:defRPr>
+            </a:lvl9pPr>
+          </a:lstStyle>
+          <a:p>
+            <a:r>
+              <a:rPr lang="fr-FR" sz="2400" dirty="0" smtClean="0"/>
+              <a:t>Nécessité de pousser cette action plus loin : </a:t>
+            </a:r>
+          </a:p>
+          <a:p>
+            <a:pPr lvl="1"/>
+            <a:r>
+              <a:rPr lang="fr-FR" sz="1800" dirty="0" smtClean="0"/>
+              <a:t>Rassembler tous les types de logs dans un seul endroit (serveur, application, etc.), en séparant ceux de la version de </a:t>
+            </a:r>
+            <a:r>
+              <a:rPr lang="fr-FR" sz="1800" dirty="0" err="1" smtClean="0"/>
+              <a:t>dev</a:t>
+            </a:r>
+            <a:r>
+              <a:rPr lang="fr-FR" sz="1800" dirty="0" smtClean="0"/>
+              <a:t> et ceux de la version de </a:t>
+            </a:r>
+            <a:r>
+              <a:rPr lang="fr-FR" sz="1800" dirty="0" err="1" smtClean="0"/>
+              <a:t>prod</a:t>
+            </a:r>
+            <a:endParaRPr lang="fr-FR" sz="1800" dirty="0" smtClean="0"/>
+          </a:p>
+          <a:p>
+            <a:pPr lvl="1"/>
+            <a:r>
+              <a:rPr lang="fr-FR" sz="1800" dirty="0" smtClean="0"/>
+              <a:t>Séparer complètement :</a:t>
+            </a:r>
+          </a:p>
+          <a:p>
+            <a:pPr lvl="2"/>
+            <a:r>
+              <a:rPr lang="fr-FR" sz="1400" dirty="0" smtClean="0"/>
+              <a:t>Les fichiers de configuration</a:t>
+            </a:r>
+          </a:p>
+          <a:p>
+            <a:pPr lvl="2"/>
+            <a:r>
+              <a:rPr lang="fr-FR" sz="1400" dirty="0" smtClean="0"/>
+              <a:t>Les fichiers générés par l’application (</a:t>
+            </a:r>
+            <a:r>
+              <a:rPr lang="fr-FR" sz="1400" dirty="0" err="1" smtClean="0"/>
+              <a:t>still</a:t>
+            </a:r>
+            <a:r>
+              <a:rPr lang="fr-FR" sz="1400" dirty="0" smtClean="0"/>
+              <a:t> alive, verrous, etc.)</a:t>
+            </a:r>
+          </a:p>
+          <a:p>
+            <a:pPr lvl="2"/>
+            <a:r>
+              <a:rPr lang="fr-FR" sz="1400" dirty="0" smtClean="0"/>
+              <a:t>Les logs</a:t>
+            </a:r>
+          </a:p>
+          <a:p>
+            <a:pPr lvl="1"/>
+            <a:r>
+              <a:rPr lang="fr-FR" sz="1800" dirty="0" smtClean="0"/>
+              <a:t>Les extractions devraient être dans un répertoire spécifique hors du répertoire de l’application. </a:t>
+            </a:r>
+          </a:p>
+          <a:p>
+            <a:pPr lvl="2"/>
+            <a:endParaRPr lang="fr-FR" dirty="0" smtClean="0"/>
+          </a:p>
+        </p:txBody>
+      </p:sp>
+    </p:spTree>
+    <p:extLst>
+      <p:ext uri="{BB962C8B-B14F-4D97-AF65-F5344CB8AC3E}">
+        <p14:creationId xmlns:p14="http://schemas.microsoft.com/office/powerpoint/2010/main" val="1741948368"/>
+      </p:ext>
+    </p:extLst>
+  </p:cSld>
+  <p:clrMapOvr>
+    <a:masterClrMapping/>
+  </p:clrMapOvr>
+  <p:timing>
+    <p:tnLst>
+      <p:par>
+        <p:cTn id="1" dur="indefinite" restart="never" nodeType="tmRoot"/>
+      </p:par>
+    </p:tnLst>
+  </p:timing>
+</p:sld>
+</file>
+
+<file path=ppt/slides/slide14.xml><?xml version="1.0" encoding="utf-8"?>
+<p:sld xmlns:a="http://schemas.openxmlformats.org/drawingml/2006/main" xmlns:r="http://schemas.openxmlformats.org/officeDocument/2006/relationships" xmlns:p="http://schemas.openxmlformats.org/presentationml/2006/main">
+  <p:cSld>
+    <p:spTree>
+      <p:nvGrpSpPr>
+        <p:cNvPr id="1" name=""/>
+        <p:cNvGrpSpPr/>
+        <p:nvPr/>
+      </p:nvGrpSpPr>
+      <p:grpSpPr>
+        <a:xfrm>
+          <a:off x="0" y="0"/>
+          <a:ext cx="0" cy="0"/>
+          <a:chOff x="0" y="0"/>
+          <a:chExt cx="0" cy="0"/>
+        </a:xfrm>
+      </p:grpSpPr>
+      <p:sp>
+        <p:nvSpPr>
+          <p:cNvPr id="3" name="Espace réservé du contenu 2"/>
+          <p:cNvSpPr>
+            <a:spLocks noGrp="1"/>
+          </p:cNvSpPr>
+          <p:nvPr>
+            <p:ph idx="1"/>
+          </p:nvPr>
+        </p:nvSpPr>
+        <p:spPr>
+          <a:xfrm>
+            <a:off x="254000" y="2437470"/>
+            <a:ext cx="8648700" cy="2837057"/>
+          </a:xfrm>
+          <a:solidFill>
+            <a:schemeClr val="accent1">
+              <a:lumMod val="20000"/>
+              <a:lumOff val="80000"/>
+            </a:schemeClr>
+          </a:solidFill>
+        </p:spPr>
+        <p:txBody>
+          <a:bodyPr>
+            <a:normAutofit/>
+          </a:bodyPr>
+          <a:lstStyle/>
+          <a:p>
+            <a:r>
+              <a:rPr lang="fr-FR" sz="2400" dirty="0" smtClean="0"/>
+              <a:t>Suppression des logs de la version de </a:t>
+            </a:r>
+            <a:r>
+              <a:rPr lang="fr-FR" sz="2400" dirty="0" err="1" smtClean="0"/>
+              <a:t>dev</a:t>
+            </a:r>
+            <a:endParaRPr lang="fr-FR" sz="2400" dirty="0" smtClean="0"/>
+          </a:p>
+          <a:p>
+            <a:r>
+              <a:rPr lang="fr-FR" sz="2400" dirty="0" smtClean="0"/>
+              <a:t>Les logs de la version de </a:t>
+            </a:r>
+            <a:r>
+              <a:rPr lang="fr-FR" sz="2400" dirty="0" err="1" smtClean="0"/>
+              <a:t>prod</a:t>
+            </a:r>
+            <a:r>
+              <a:rPr lang="fr-FR" sz="2400" dirty="0" smtClean="0"/>
+              <a:t> ont été gardés</a:t>
+            </a:r>
+          </a:p>
+          <a:p>
+            <a:r>
+              <a:rPr lang="fr-FR" sz="2400" dirty="0" smtClean="0"/>
+              <a:t>Suppression des dumps de la DB effectués </a:t>
+            </a:r>
+            <a:r>
+              <a:rPr lang="fr-FR" sz="2400" smtClean="0"/>
+              <a:t>par l’utilisateur</a:t>
+            </a:r>
+            <a:endParaRPr lang="fr-FR" dirty="0" smtClean="0"/>
+          </a:p>
+        </p:txBody>
+      </p:sp>
+      <p:sp>
+        <p:nvSpPr>
+          <p:cNvPr id="2" name="Titre 1"/>
+          <p:cNvSpPr>
+            <a:spLocks noGrp="1"/>
+          </p:cNvSpPr>
+          <p:nvPr>
+            <p:ph type="title"/>
+          </p:nvPr>
+        </p:nvSpPr>
+        <p:spPr/>
+        <p:txBody>
+          <a:bodyPr>
+            <a:normAutofit/>
+          </a:bodyPr>
+          <a:lstStyle/>
+          <a:p>
+            <a:r>
+              <a:rPr lang="fr-FR" sz="3600" dirty="0" smtClean="0"/>
+              <a:t>2) Actions : Volume des fichiers générés</a:t>
+            </a:r>
+            <a:endParaRPr lang="en-US" sz="3600" dirty="0"/>
+          </a:p>
+        </p:txBody>
+      </p:sp>
+      <p:sp>
+        <p:nvSpPr>
+          <p:cNvPr id="4" name="Espace réservé du numéro de diapositive 3"/>
+          <p:cNvSpPr>
+            <a:spLocks noGrp="1"/>
+          </p:cNvSpPr>
+          <p:nvPr>
+            <p:ph type="sldNum" sz="quarter" idx="12"/>
+          </p:nvPr>
+        </p:nvSpPr>
+        <p:spPr/>
+        <p:txBody>
+          <a:bodyPr/>
+          <a:lstStyle/>
+          <a:p>
+            <a:fld id="{87D9652F-9609-4EC6-8E0A-C96E14B58A2A}" type="slidenum">
+              <a:rPr lang="fr-FR" smtClean="0"/>
+              <a:pPr/>
+              <a:t>14</a:t>
+            </a:fld>
+            <a:endParaRPr lang="fr-FR" dirty="0"/>
+          </a:p>
+        </p:txBody>
+      </p:sp>
+    </p:spTree>
+    <p:extLst>
+      <p:ext uri="{BB962C8B-B14F-4D97-AF65-F5344CB8AC3E}">
+        <p14:creationId xmlns:p14="http://schemas.microsoft.com/office/powerpoint/2010/main" val="181566839"/>
+      </p:ext>
+    </p:extLst>
+  </p:cSld>
+  <p:clrMapOvr>
+    <a:masterClrMapping/>
+  </p:clrMapOvr>
+  <p:timing>
+    <p:tnLst>
+      <p:par>
+        <p:cTn id="1" dur="indefinite" restart="never" nodeType="tmRoot"/>
+      </p:par>
+    </p:tnLst>
+  </p:timing>
+</p:sld>
+</file>
+
+<file path=ppt/slides/slide15.xml><?xml version="1.0" encoding="utf-8"?>
+<p:sld xmlns:a="http://schemas.openxmlformats.org/drawingml/2006/main" xmlns:r="http://schemas.openxmlformats.org/officeDocument/2006/relationships" xmlns:p="http://schemas.openxmlformats.org/presentationml/2006/main">
+  <p:cSld>
+    <p:spTree>
+      <p:nvGrpSpPr>
+        <p:cNvPr id="1" name=""/>
+        <p:cNvGrpSpPr/>
+        <p:nvPr/>
+      </p:nvGrpSpPr>
+      <p:grpSpPr>
+        <a:xfrm>
+          <a:off x="0" y="0"/>
+          <a:ext cx="0" cy="0"/>
+          <a:chOff x="0" y="0"/>
+          <a:chExt cx="0" cy="0"/>
+        </a:xfrm>
+      </p:grpSpPr>
+      <p:sp>
+        <p:nvSpPr>
+          <p:cNvPr id="2" name="Titre 1"/>
+          <p:cNvSpPr>
+            <a:spLocks noGrp="1"/>
+          </p:cNvSpPr>
+          <p:nvPr>
+            <p:ph type="title"/>
+          </p:nvPr>
+        </p:nvSpPr>
+        <p:spPr/>
+        <p:txBody>
+          <a:bodyPr>
+            <a:noAutofit/>
+          </a:bodyPr>
+          <a:lstStyle/>
+          <a:p>
+            <a:r>
+              <a:rPr lang="fr-FR" sz="3200" dirty="0" smtClean="0"/>
+              <a:t>2) Préconisations : </a:t>
+            </a:r>
+            <a:r>
+              <a:rPr lang="fr-FR" sz="3200" dirty="0"/>
+              <a:t>réorganisation de la structure des répertoires sur le serveur</a:t>
+            </a:r>
+            <a:endParaRPr lang="en-US" sz="3200" dirty="0"/>
+          </a:p>
+        </p:txBody>
+      </p:sp>
+      <p:sp>
+        <p:nvSpPr>
+          <p:cNvPr id="4" name="Espace réservé du numéro de diapositive 3"/>
+          <p:cNvSpPr>
+            <a:spLocks noGrp="1"/>
+          </p:cNvSpPr>
+          <p:nvPr>
+            <p:ph type="sldNum" sz="quarter" idx="12"/>
+          </p:nvPr>
+        </p:nvSpPr>
+        <p:spPr/>
+        <p:txBody>
+          <a:bodyPr/>
+          <a:lstStyle/>
+          <a:p>
+            <a:fld id="{87D9652F-9609-4EC6-8E0A-C96E14B58A2A}" type="slidenum">
+              <a:rPr lang="fr-FR" smtClean="0"/>
+              <a:pPr/>
+              <a:t>15</a:t>
+            </a:fld>
+            <a:endParaRPr lang="fr-FR" dirty="0"/>
+          </a:p>
+        </p:txBody>
+      </p:sp>
+      <p:sp>
+        <p:nvSpPr>
+          <p:cNvPr id="6" name="Espace réservé du contenu 2"/>
+          <p:cNvSpPr txBox="1">
+            <a:spLocks/>
+          </p:cNvSpPr>
+          <p:nvPr/>
+        </p:nvSpPr>
+        <p:spPr>
+          <a:xfrm>
+            <a:off x="247650" y="2389690"/>
+            <a:ext cx="8648700" cy="3698875"/>
+          </a:xfrm>
+          <a:prstGeom prst="rect">
+            <a:avLst/>
+          </a:prstGeom>
+          <a:solidFill>
+            <a:schemeClr val="accent3">
+              <a:lumMod val="20000"/>
+              <a:lumOff val="80000"/>
+            </a:schemeClr>
+          </a:solidFill>
+        </p:spPr>
+        <p:txBody>
+          <a:bodyPr vert="horz" lIns="91440" tIns="45720" rIns="91440" bIns="45720" rtlCol="0">
+            <a:normAutofit/>
+          </a:bodyPr>
+          <a:lstStyle>
+            <a:lvl1pPr marL="228600" indent="-228600" algn="l" defTabSz="914400" rtl="0" eaLnBrk="1" latinLnBrk="0" hangingPunct="1">
+              <a:lnSpc>
+                <a:spcPct val="90000"/>
+              </a:lnSpc>
+              <a:spcBef>
+                <a:spcPts val="1000"/>
+              </a:spcBef>
+              <a:buFont typeface="Arial" panose="020B0604020202020204" pitchFamily="34" charset="0"/>
+              <a:buChar char="•"/>
+              <a:defRPr sz="2800" kern="1200">
+                <a:solidFill>
+                  <a:schemeClr val="tx1"/>
+                </a:solidFill>
+                <a:latin typeface="+mn-lt"/>
+                <a:ea typeface="+mn-ea"/>
+                <a:cs typeface="+mn-cs"/>
+              </a:defRPr>
+            </a:lvl1pPr>
+            <a:lvl2pPr marL="685800" indent="-228600" algn="l" defTabSz="914400" rtl="0" eaLnBrk="1" latinLnBrk="0" hangingPunct="1">
+              <a:lnSpc>
+                <a:spcPct val="90000"/>
+              </a:lnSpc>
+              <a:spcBef>
+                <a:spcPts val="500"/>
+              </a:spcBef>
+              <a:buFont typeface="Arial" panose="020B0604020202020204" pitchFamily="34" charset="0"/>
+              <a:buChar char="•"/>
+              <a:defRPr sz="2400" kern="1200">
+                <a:solidFill>
+                  <a:schemeClr val="tx1"/>
+                </a:solidFill>
+                <a:latin typeface="+mn-lt"/>
+                <a:ea typeface="+mn-ea"/>
+                <a:cs typeface="+mn-cs"/>
+              </a:defRPr>
+            </a:lvl2pPr>
+            <a:lvl3pPr marL="1143000" indent="-228600" algn="l" defTabSz="914400" rtl="0" eaLnBrk="1" latinLnBrk="0" hangingPunct="1">
+              <a:lnSpc>
+                <a:spcPct val="90000"/>
+              </a:lnSpc>
+              <a:spcBef>
+                <a:spcPts val="500"/>
+              </a:spcBef>
+              <a:buFont typeface="Arial" panose="020B0604020202020204" pitchFamily="34" charset="0"/>
+              <a:buChar char="•"/>
+              <a:defRPr sz="2000" kern="1200">
+                <a:solidFill>
+                  <a:schemeClr val="tx1"/>
+                </a:solidFill>
+                <a:latin typeface="+mn-lt"/>
+                <a:ea typeface="+mn-ea"/>
+                <a:cs typeface="+mn-cs"/>
+              </a:defRPr>
+            </a:lvl3pPr>
+            <a:lvl4pPr marL="1600200" indent="-228600" algn="l" defTabSz="914400" rtl="0" eaLnBrk="1" latinLnBrk="0" hangingPunct="1">
+              <a:lnSpc>
+                <a:spcPct val="90000"/>
+              </a:lnSpc>
+              <a:spcBef>
+                <a:spcPts val="500"/>
+              </a:spcBef>
+              <a:buFont typeface="Arial" panose="020B0604020202020204" pitchFamily="34" charset="0"/>
+              <a:buChar char="•"/>
+              <a:defRPr sz="1800" kern="1200">
+                <a:solidFill>
+                  <a:schemeClr val="tx1"/>
+                </a:solidFill>
+                <a:latin typeface="+mn-lt"/>
+                <a:ea typeface="+mn-ea"/>
+                <a:cs typeface="+mn-cs"/>
+              </a:defRPr>
+            </a:lvl4pPr>
+            <a:lvl5pPr marL="2057400" indent="-228600" algn="l" defTabSz="914400" rtl="0" eaLnBrk="1" latinLnBrk="0" hangingPunct="1">
+              <a:lnSpc>
+                <a:spcPct val="90000"/>
+              </a:lnSpc>
+              <a:spcBef>
+                <a:spcPts val="500"/>
+              </a:spcBef>
+              <a:buFont typeface="Arial" panose="020B0604020202020204" pitchFamily="34" charset="0"/>
+              <a:buChar char="•"/>
+              <a:defRPr sz="1800" kern="1200">
+                <a:solidFill>
+                  <a:schemeClr val="tx1"/>
+                </a:solidFill>
+                <a:latin typeface="+mn-lt"/>
+                <a:ea typeface="+mn-ea"/>
+                <a:cs typeface="+mn-cs"/>
+              </a:defRPr>
+            </a:lvl5pPr>
+            <a:lvl6pPr marL="2514600" indent="-228600" algn="l" defTabSz="914400" rtl="0" eaLnBrk="1" latinLnBrk="0" hangingPunct="1">
+              <a:lnSpc>
+                <a:spcPct val="90000"/>
+              </a:lnSpc>
+              <a:spcBef>
+                <a:spcPts val="500"/>
+              </a:spcBef>
+              <a:buFont typeface="Arial" panose="020B0604020202020204" pitchFamily="34" charset="0"/>
+              <a:buChar char="•"/>
+              <a:defRPr sz="1800" kern="1200">
+                <a:solidFill>
+                  <a:schemeClr val="tx1"/>
+                </a:solidFill>
+                <a:latin typeface="+mn-lt"/>
+                <a:ea typeface="+mn-ea"/>
+                <a:cs typeface="+mn-cs"/>
+              </a:defRPr>
+            </a:lvl6pPr>
+            <a:lvl7pPr marL="2971800" indent="-228600" algn="l" defTabSz="914400" rtl="0" eaLnBrk="1" latinLnBrk="0" hangingPunct="1">
+              <a:lnSpc>
+                <a:spcPct val="90000"/>
+              </a:lnSpc>
+              <a:spcBef>
+                <a:spcPts val="500"/>
+              </a:spcBef>
+              <a:buFont typeface="Arial" panose="020B0604020202020204" pitchFamily="34" charset="0"/>
+              <a:buChar char="•"/>
+              <a:defRPr sz="1800" kern="1200">
+                <a:solidFill>
+                  <a:schemeClr val="tx1"/>
+                </a:solidFill>
+                <a:latin typeface="+mn-lt"/>
+                <a:ea typeface="+mn-ea"/>
+                <a:cs typeface="+mn-cs"/>
+              </a:defRPr>
+            </a:lvl7pPr>
+            <a:lvl8pPr marL="3429000" indent="-228600" algn="l" defTabSz="914400" rtl="0" eaLnBrk="1" latinLnBrk="0" hangingPunct="1">
+              <a:lnSpc>
+                <a:spcPct val="90000"/>
+              </a:lnSpc>
+              <a:spcBef>
+                <a:spcPts val="500"/>
+              </a:spcBef>
+              <a:buFont typeface="Arial" panose="020B0604020202020204" pitchFamily="34" charset="0"/>
+              <a:buChar char="•"/>
+              <a:defRPr sz="1800" kern="1200">
+                <a:solidFill>
+                  <a:schemeClr val="tx1"/>
+                </a:solidFill>
+                <a:latin typeface="+mn-lt"/>
+                <a:ea typeface="+mn-ea"/>
+                <a:cs typeface="+mn-cs"/>
+              </a:defRPr>
+            </a:lvl8pPr>
+            <a:lvl9pPr marL="3886200" indent="-228600" algn="l" defTabSz="914400" rtl="0" eaLnBrk="1" latinLnBrk="0" hangingPunct="1">
+              <a:lnSpc>
+                <a:spcPct val="90000"/>
+              </a:lnSpc>
+              <a:spcBef>
+                <a:spcPts val="500"/>
+              </a:spcBef>
+              <a:buFont typeface="Arial" panose="020B0604020202020204" pitchFamily="34" charset="0"/>
+              <a:buChar char="•"/>
+              <a:defRPr sz="1800" kern="1200">
+                <a:solidFill>
+                  <a:schemeClr val="tx1"/>
+                </a:solidFill>
+                <a:latin typeface="+mn-lt"/>
+                <a:ea typeface="+mn-ea"/>
+                <a:cs typeface="+mn-cs"/>
+              </a:defRPr>
+            </a:lvl9pPr>
+          </a:lstStyle>
+          <a:p>
+            <a:r>
+              <a:rPr lang="fr-FR" sz="2400" dirty="0" smtClean="0"/>
+              <a:t>Nécessité de pousser cette action plus loin : </a:t>
+            </a:r>
+          </a:p>
+          <a:p>
+            <a:pPr lvl="1"/>
+            <a:r>
+              <a:rPr lang="fr-FR" sz="1800" dirty="0" smtClean="0"/>
+              <a:t>Rassembler tous les types de logs dans un seul endroit (serveur, application, etc.), en séparant ceux de la version de </a:t>
+            </a:r>
+            <a:r>
+              <a:rPr lang="fr-FR" sz="1800" dirty="0" err="1" smtClean="0"/>
+              <a:t>dev</a:t>
+            </a:r>
+            <a:r>
+              <a:rPr lang="fr-FR" sz="1800" dirty="0" smtClean="0"/>
+              <a:t> et ceux de la version de </a:t>
+            </a:r>
+            <a:r>
+              <a:rPr lang="fr-FR" sz="1800" dirty="0" err="1" smtClean="0"/>
+              <a:t>prod</a:t>
+            </a:r>
+            <a:endParaRPr lang="fr-FR" sz="1800" dirty="0" smtClean="0"/>
+          </a:p>
+          <a:p>
+            <a:pPr lvl="1"/>
+            <a:r>
+              <a:rPr lang="fr-FR" sz="1800" dirty="0" smtClean="0"/>
+              <a:t>Séparer complètement :</a:t>
+            </a:r>
+          </a:p>
+          <a:p>
+            <a:pPr lvl="2"/>
+            <a:r>
+              <a:rPr lang="fr-FR" sz="1400" dirty="0" smtClean="0"/>
+              <a:t>Les fichiers de configuration</a:t>
+            </a:r>
+          </a:p>
+          <a:p>
+            <a:pPr lvl="2"/>
+            <a:r>
+              <a:rPr lang="fr-FR" sz="1400" dirty="0" smtClean="0"/>
+              <a:t>Les fichiers générés par l’application (</a:t>
+            </a:r>
+            <a:r>
+              <a:rPr lang="fr-FR" sz="1400" dirty="0" err="1" smtClean="0"/>
+              <a:t>still</a:t>
+            </a:r>
+            <a:r>
+              <a:rPr lang="fr-FR" sz="1400" dirty="0" smtClean="0"/>
+              <a:t> alive, verrous, etc.)</a:t>
+            </a:r>
+          </a:p>
+          <a:p>
+            <a:pPr lvl="2"/>
+            <a:r>
+              <a:rPr lang="fr-FR" sz="1400" dirty="0" smtClean="0"/>
+              <a:t>Les logs</a:t>
+            </a:r>
+          </a:p>
+          <a:p>
+            <a:pPr lvl="1"/>
+            <a:r>
+              <a:rPr lang="fr-FR" sz="1800" dirty="0" smtClean="0"/>
+              <a:t>Les extractions devraient être dans un répertoire spécifique hors du répertoire de l’application. </a:t>
+            </a:r>
+          </a:p>
+          <a:p>
+            <a:pPr lvl="1"/>
+            <a:endParaRPr lang="fr-FR" dirty="0" smtClean="0"/>
+          </a:p>
+          <a:p>
+            <a:pPr marL="1371600" lvl="3" indent="0">
+              <a:buFont typeface="Arial" panose="020B0604020202020204" pitchFamily="34" charset="0"/>
+              <a:buNone/>
+            </a:pPr>
+            <a:endParaRPr lang="fr-FR" dirty="0" smtClean="0"/>
+          </a:p>
+          <a:p>
+            <a:pPr lvl="2"/>
+            <a:endParaRPr lang="fr-FR" dirty="0" smtClean="0"/>
+          </a:p>
+        </p:txBody>
+      </p:sp>
+    </p:spTree>
+    <p:extLst>
+      <p:ext uri="{BB962C8B-B14F-4D97-AF65-F5344CB8AC3E}">
+        <p14:creationId xmlns:p14="http://schemas.microsoft.com/office/powerpoint/2010/main" val="3592590718"/>
+      </p:ext>
+    </p:extLst>
+  </p:cSld>
+  <p:clrMapOvr>
+    <a:masterClrMapping/>
+  </p:clrMapOvr>
+  <p:timing>
+    <p:tnLst>
+      <p:par>
+        <p:cTn id="1" dur="indefinite" restart="never" nodeType="tmRoot"/>
+      </p:par>
+    </p:tnLst>
+  </p:timing>
+</p:sld>
+</file>
+
+<file path=ppt/slides/slide16.xml><?xml version="1.0" encoding="utf-8"?>
+<p:sld xmlns:a="http://schemas.openxmlformats.org/drawingml/2006/main" xmlns:r="http://schemas.openxmlformats.org/officeDocument/2006/relationships" xmlns:p="http://schemas.openxmlformats.org/presentationml/2006/main">
+  <p:cSld>
+    <p:spTree>
+      <p:nvGrpSpPr>
+        <p:cNvPr id="1" name=""/>
+        <p:cNvGrpSpPr/>
+        <p:nvPr/>
+      </p:nvGrpSpPr>
+      <p:grpSpPr>
+        <a:xfrm>
+          <a:off x="0" y="0"/>
+          <a:ext cx="0" cy="0"/>
+          <a:chOff x="0" y="0"/>
+          <a:chExt cx="0" cy="0"/>
+        </a:xfrm>
+      </p:grpSpPr>
+      <p:sp>
+        <p:nvSpPr>
+          <p:cNvPr id="2" name="Titre 1"/>
+          <p:cNvSpPr>
+            <a:spLocks noGrp="1"/>
+          </p:cNvSpPr>
+          <p:nvPr>
+            <p:ph type="title"/>
+          </p:nvPr>
+        </p:nvSpPr>
+        <p:spPr/>
+        <p:txBody>
+          <a:bodyPr>
+            <a:normAutofit/>
+          </a:bodyPr>
+          <a:lstStyle/>
+          <a:p>
+            <a:r>
+              <a:rPr lang="fr-FR" sz="3600" dirty="0" smtClean="0"/>
+              <a:t>Problème 1 : interruption de la collecte</a:t>
+            </a:r>
+            <a:endParaRPr lang="fr-FR" sz="3600" dirty="0"/>
+          </a:p>
+        </p:txBody>
+      </p:sp>
+      <p:sp>
+        <p:nvSpPr>
+          <p:cNvPr id="4" name="Espace réservé du numéro de diapositive 3"/>
+          <p:cNvSpPr>
+            <a:spLocks noGrp="1"/>
+          </p:cNvSpPr>
+          <p:nvPr>
+            <p:ph type="sldNum" sz="quarter" idx="12"/>
+          </p:nvPr>
+        </p:nvSpPr>
+        <p:spPr/>
+        <p:txBody>
+          <a:bodyPr/>
+          <a:lstStyle/>
+          <a:p>
+            <a:fld id="{87D9652F-9609-4EC6-8E0A-C96E14B58A2A}" type="slidenum">
+              <a:rPr lang="fr-FR" smtClean="0"/>
+              <a:pPr/>
+              <a:t>16</a:t>
+            </a:fld>
+            <a:endParaRPr lang="fr-FR" dirty="0"/>
+          </a:p>
+        </p:txBody>
+      </p:sp>
+      <p:pic>
+        <p:nvPicPr>
+          <p:cNvPr id="160770" name="Picture 2" descr="https://cloud.githubusercontent.com/assets/13257120/8598515/5c1982ae-265b-11e5-9e84-3b1538f732fc.PNG"/>
+          <p:cNvPicPr>
+            <a:picLocks noChangeAspect="1" noChangeArrowheads="1"/>
+          </p:cNvPicPr>
+          <p:nvPr/>
+        </p:nvPicPr>
+        <p:blipFill>
+          <a:blip r:embed="rId3">
+            <a:extLst>
+              <a:ext uri="{28A0092B-C50C-407E-A947-70E740481C1C}">
+                <a14:useLocalDpi xmlns:a14="http://schemas.microsoft.com/office/drawing/2010/main" val="0"/>
+              </a:ext>
+            </a:extLst>
+          </a:blip>
+          <a:srcRect/>
+          <a:stretch>
+            <a:fillRect/>
+          </a:stretch>
+        </p:blipFill>
+        <p:spPr bwMode="auto">
+          <a:xfrm>
+            <a:off x="560413" y="1198603"/>
+            <a:ext cx="7768094" cy="5522873"/>
+          </a:xfrm>
+          <a:prstGeom prst="rect">
+            <a:avLst/>
+          </a:prstGeom>
+          <a:noFill/>
+          <a:extLst>
+            <a:ext uri="{909E8E84-426E-40DD-AFC4-6F175D3DCCD1}">
+              <a14:hiddenFill xmlns:a14="http://schemas.microsoft.com/office/drawing/2010/main">
+                <a:solidFill>
+                  <a:srgbClr val="FFFFFF"/>
+                </a:solidFill>
+              </a14:hiddenFill>
+            </a:ext>
+          </a:extLst>
+        </p:spPr>
+      </p:pic>
+    </p:spTree>
+    <p:extLst>
+      <p:ext uri="{BB962C8B-B14F-4D97-AF65-F5344CB8AC3E}">
+        <p14:creationId xmlns:p14="http://schemas.microsoft.com/office/powerpoint/2010/main" val="4222871554"/>
+      </p:ext>
+    </p:extLst>
+  </p:cSld>
+  <p:clrMapOvr>
+    <a:masterClrMapping/>
+  </p:clrMapOvr>
+  <p:timing>
+    <p:tnLst>
+      <p:par>
+        <p:cTn id="1" dur="indefinite" restart="never" nodeType="tmRoot"/>
+      </p:par>
+    </p:tnLst>
+  </p:timing>
+</p:sld>
+</file>
+
+<file path=ppt/slides/slide17.xml><?xml version="1.0" encoding="utf-8"?>
+<p:sld xmlns:a="http://schemas.openxmlformats.org/drawingml/2006/main" xmlns:r="http://schemas.openxmlformats.org/officeDocument/2006/relationships" xmlns:p="http://schemas.openxmlformats.org/presentationml/2006/main">
+  <p:cSld>
+    <p:spTree>
+      <p:nvGrpSpPr>
+        <p:cNvPr id="1" name=""/>
+        <p:cNvGrpSpPr/>
+        <p:nvPr/>
+      </p:nvGrpSpPr>
+      <p:grpSpPr>
+        <a:xfrm>
+          <a:off x="0" y="0"/>
+          <a:ext cx="0" cy="0"/>
+          <a:chOff x="0" y="0"/>
+          <a:chExt cx="0" cy="0"/>
+        </a:xfrm>
+      </p:grpSpPr>
+      <p:sp>
+        <p:nvSpPr>
+          <p:cNvPr id="2" name="Titre 1"/>
+          <p:cNvSpPr>
+            <a:spLocks noGrp="1"/>
+          </p:cNvSpPr>
+          <p:nvPr>
+            <p:ph type="title"/>
+          </p:nvPr>
+        </p:nvSpPr>
+        <p:spPr/>
+        <p:txBody>
+          <a:bodyPr>
+            <a:normAutofit/>
+          </a:bodyPr>
+          <a:lstStyle/>
+          <a:p>
+            <a:r>
+              <a:rPr lang="fr-FR" sz="3600" dirty="0" smtClean="0"/>
+              <a:t>Problème 2 : extractions incohérentes</a:t>
+            </a:r>
+            <a:endParaRPr lang="en-US" sz="3600" dirty="0"/>
+          </a:p>
+        </p:txBody>
+      </p:sp>
+      <p:sp>
+        <p:nvSpPr>
+          <p:cNvPr id="3" name="Espace réservé du contenu 2"/>
+          <p:cNvSpPr>
+            <a:spLocks noGrp="1"/>
+          </p:cNvSpPr>
+          <p:nvPr>
+            <p:ph idx="1"/>
+          </p:nvPr>
+        </p:nvSpPr>
+        <p:spPr/>
+        <p:txBody>
+          <a:bodyPr/>
+          <a:lstStyle/>
+          <a:p>
+            <a:endParaRPr lang="en-US"/>
+          </a:p>
+        </p:txBody>
+      </p:sp>
+      <p:sp>
+        <p:nvSpPr>
+          <p:cNvPr id="4" name="Espace réservé du numéro de diapositive 3"/>
+          <p:cNvSpPr>
+            <a:spLocks noGrp="1"/>
+          </p:cNvSpPr>
+          <p:nvPr>
+            <p:ph type="sldNum" sz="quarter" idx="12"/>
+          </p:nvPr>
+        </p:nvSpPr>
+        <p:spPr/>
+        <p:txBody>
+          <a:bodyPr/>
+          <a:lstStyle/>
+          <a:p>
+            <a:fld id="{87D9652F-9609-4EC6-8E0A-C96E14B58A2A}" type="slidenum">
+              <a:rPr lang="fr-FR" smtClean="0"/>
+              <a:pPr/>
+              <a:t>17</a:t>
+            </a:fld>
+            <a:endParaRPr lang="fr-FR" dirty="0"/>
+          </a:p>
+        </p:txBody>
+      </p:sp>
+    </p:spTree>
+    <p:extLst>
+      <p:ext uri="{BB962C8B-B14F-4D97-AF65-F5344CB8AC3E}">
+        <p14:creationId xmlns:p14="http://schemas.microsoft.com/office/powerpoint/2010/main" val="3439093969"/>
+      </p:ext>
+    </p:extLst>
+  </p:cSld>
+  <p:clrMapOvr>
+    <a:masterClrMapping/>
+  </p:clrMapOvr>
+</p:sld>
+</file>
+
+<file path=ppt/slides/slide18.xml><?xml version="1.0" encoding="utf-8"?>
+<p:sld xmlns:a="http://schemas.openxmlformats.org/drawingml/2006/main" xmlns:r="http://schemas.openxmlformats.org/officeDocument/2006/relationships" xmlns:p="http://schemas.openxmlformats.org/presentationml/2006/main">
+  <p:cSld>
+    <p:spTree>
+      <p:nvGrpSpPr>
+        <p:cNvPr id="1" name=""/>
+        <p:cNvGrpSpPr/>
+        <p:nvPr/>
+      </p:nvGrpSpPr>
+      <p:grpSpPr>
+        <a:xfrm>
+          <a:off x="0" y="0"/>
+          <a:ext cx="0" cy="0"/>
+          <a:chOff x="0" y="0"/>
+          <a:chExt cx="0" cy="0"/>
+        </a:xfrm>
+      </p:grpSpPr>
+      <p:sp>
+        <p:nvSpPr>
+          <p:cNvPr id="2" name="Titre 1"/>
+          <p:cNvSpPr>
+            <a:spLocks noGrp="1"/>
+          </p:cNvSpPr>
+          <p:nvPr>
+            <p:ph type="title"/>
+          </p:nvPr>
+        </p:nvSpPr>
+        <p:spPr/>
+        <p:txBody>
+          <a:bodyPr>
+            <a:noAutofit/>
+          </a:bodyPr>
+          <a:lstStyle/>
+          <a:p>
+            <a:r>
+              <a:rPr lang="fr-FR" sz="3200" dirty="0" smtClean="0"/>
+              <a:t>Problème 3 : interface peu fonctionnelle</a:t>
+            </a:r>
+            <a:endParaRPr lang="en-US" sz="3200" dirty="0"/>
+          </a:p>
+        </p:txBody>
+      </p:sp>
+      <p:sp>
+        <p:nvSpPr>
+          <p:cNvPr id="3" name="Espace réservé du contenu 2"/>
+          <p:cNvSpPr>
+            <a:spLocks noGrp="1"/>
+          </p:cNvSpPr>
+          <p:nvPr>
+            <p:ph idx="1"/>
+          </p:nvPr>
+        </p:nvSpPr>
+        <p:spPr/>
+        <p:txBody>
+          <a:bodyPr/>
+          <a:lstStyle/>
+          <a:p>
+            <a:endParaRPr lang="en-US"/>
+          </a:p>
+        </p:txBody>
+      </p:sp>
+      <p:sp>
+        <p:nvSpPr>
+          <p:cNvPr id="4" name="Espace réservé du numéro de diapositive 3"/>
+          <p:cNvSpPr>
+            <a:spLocks noGrp="1"/>
+          </p:cNvSpPr>
+          <p:nvPr>
+            <p:ph type="sldNum" sz="quarter" idx="12"/>
+          </p:nvPr>
+        </p:nvSpPr>
+        <p:spPr/>
+        <p:txBody>
+          <a:bodyPr/>
+          <a:lstStyle/>
+          <a:p>
+            <a:fld id="{87D9652F-9609-4EC6-8E0A-C96E14B58A2A}" type="slidenum">
+              <a:rPr lang="fr-FR" smtClean="0"/>
+              <a:pPr/>
+              <a:t>18</a:t>
+            </a:fld>
+            <a:endParaRPr lang="fr-FR" dirty="0"/>
+          </a:p>
+        </p:txBody>
+      </p:sp>
+    </p:spTree>
+    <p:extLst>
+      <p:ext uri="{BB962C8B-B14F-4D97-AF65-F5344CB8AC3E}">
+        <p14:creationId xmlns:p14="http://schemas.microsoft.com/office/powerpoint/2010/main" val="1955911785"/>
+      </p:ext>
+    </p:extLst>
+  </p:cSld>
+  <p:clrMapOvr>
+    <a:masterClrMapping/>
+  </p:clrMapOvr>
+</p:sld>
+</file>
+
+<file path=ppt/slides/slide19.xml><?xml version="1.0" encoding="utf-8"?>
+<p:sld xmlns:a="http://schemas.openxmlformats.org/drawingml/2006/main" xmlns:r="http://schemas.openxmlformats.org/officeDocument/2006/relationships" xmlns:p="http://schemas.openxmlformats.org/presentationml/2006/main">
+  <p:cSld>
+    <p:spTree>
+      <p:nvGrpSpPr>
+        <p:cNvPr id="1" name=""/>
+        <p:cNvGrpSpPr/>
+        <p:nvPr/>
+      </p:nvGrpSpPr>
+      <p:grpSpPr>
+        <a:xfrm>
+          <a:off x="0" y="0"/>
+          <a:ext cx="0" cy="0"/>
+          <a:chOff x="0" y="0"/>
+          <a:chExt cx="0" cy="0"/>
+        </a:xfrm>
+      </p:grpSpPr>
+      <p:sp>
+        <p:nvSpPr>
           <p:cNvPr id="2" name="Titre 1"/>
           <p:cNvSpPr>
             <a:spLocks noGrp="1"/>
@@ -5319,7 +7094,7 @@
             <a:fld id="{87D9652F-9609-4EC6-8E0A-C96E14B58A2A}" type="slidenum">
               <a:rPr lang="fr-FR" smtClean="0"/>
               <a:pPr/>
-              <a:t>12</a:t>
+              <a:t>19</a:t>
             </a:fld>
             <a:endParaRPr lang="fr-FR" dirty="0"/>
           </a:p>
@@ -5489,149 +7264,6 @@
     <p:extLst>
       <p:ext uri="{BB962C8B-B14F-4D97-AF65-F5344CB8AC3E}">
         <p14:creationId xmlns:p14="http://schemas.microsoft.com/office/powerpoint/2010/main" val="1290625596"/>
-      </p:ext>
-    </p:extLst>
-  </p:cSld>
-  <p:clrMapOvr>
-    <a:masterClrMapping/>
-  </p:clrMapOvr>
-</p:sld>
-</file>
-
-<file path=ppt/slides/slide13.xml><?xml version="1.0" encoding="utf-8"?>
-<p:sld xmlns:a="http://schemas.openxmlformats.org/drawingml/2006/main" xmlns:r="http://schemas.openxmlformats.org/officeDocument/2006/relationships" xmlns:p="http://schemas.openxmlformats.org/presentationml/2006/main">
-  <p:cSld>
-    <p:spTree>
-      <p:nvGrpSpPr>
-        <p:cNvPr id="1" name=""/>
-        <p:cNvGrpSpPr/>
-        <p:nvPr/>
-      </p:nvGrpSpPr>
-      <p:grpSpPr>
-        <a:xfrm>
-          <a:off x="0" y="0"/>
-          <a:ext cx="0" cy="0"/>
-          <a:chOff x="0" y="0"/>
-          <a:chExt cx="0" cy="0"/>
-        </a:xfrm>
-      </p:grpSpPr>
-      <p:sp>
-        <p:nvSpPr>
-          <p:cNvPr id="2" name="Titre 1"/>
-          <p:cNvSpPr>
-            <a:spLocks noGrp="1"/>
-          </p:cNvSpPr>
-          <p:nvPr>
-            <p:ph type="title"/>
-          </p:nvPr>
-        </p:nvSpPr>
-        <p:spPr/>
-        <p:txBody>
-          <a:bodyPr/>
-          <a:lstStyle/>
-          <a:p>
-            <a:r>
-              <a:rPr lang="fr-FR" dirty="0" smtClean="0"/>
-              <a:t>Prise en main du </a:t>
-            </a:r>
-            <a:r>
-              <a:rPr lang="fr-FR" dirty="0" err="1" smtClean="0"/>
-              <a:t>framework</a:t>
-            </a:r>
-            <a:endParaRPr lang="en-US" dirty="0"/>
-          </a:p>
-        </p:txBody>
-      </p:sp>
-      <p:sp>
-        <p:nvSpPr>
-          <p:cNvPr id="3" name="Espace réservé du contenu 2"/>
-          <p:cNvSpPr>
-            <a:spLocks noGrp="1"/>
-          </p:cNvSpPr>
-          <p:nvPr>
-            <p:ph idx="1"/>
-          </p:nvPr>
-        </p:nvSpPr>
-        <p:spPr/>
-        <p:txBody>
-          <a:bodyPr/>
-          <a:lstStyle/>
-          <a:p>
-            <a:r>
-              <a:rPr lang="fr-FR" dirty="0" err="1" smtClean="0"/>
-              <a:t>Overview</a:t>
-            </a:r>
-            <a:r>
-              <a:rPr lang="fr-FR" dirty="0" smtClean="0"/>
-              <a:t> :</a:t>
-            </a:r>
-          </a:p>
-          <a:p>
-            <a:pPr lvl="1"/>
-            <a:endParaRPr lang="fr-FR" dirty="0" smtClean="0"/>
-          </a:p>
-          <a:p>
-            <a:endParaRPr lang="fr-FR" dirty="0"/>
-          </a:p>
-          <a:p>
-            <a:r>
-              <a:rPr lang="fr-FR" dirty="0" smtClean="0"/>
-              <a:t>Problèmes :</a:t>
-            </a:r>
-          </a:p>
-          <a:p>
-            <a:pPr lvl="1"/>
-            <a:r>
-              <a:rPr lang="fr-FR" dirty="0" smtClean="0"/>
-              <a:t>Projet </a:t>
-            </a:r>
-            <a:r>
-              <a:rPr lang="fr-FR" dirty="0" err="1" smtClean="0"/>
-              <a:t>Netbeans</a:t>
-            </a:r>
-            <a:r>
-              <a:rPr lang="fr-FR" dirty="0" smtClean="0"/>
-              <a:t> ne compile pas:</a:t>
-            </a:r>
-          </a:p>
-          <a:p>
-            <a:pPr lvl="2"/>
-            <a:r>
-              <a:rPr lang="fr-FR" dirty="0" smtClean="0"/>
-              <a:t>Dépendances (bibliothèques) non incluses par l’auteur</a:t>
-            </a:r>
-            <a:endParaRPr lang="en-US" dirty="0"/>
-          </a:p>
-        </p:txBody>
-      </p:sp>
-      <p:sp>
-        <p:nvSpPr>
-          <p:cNvPr id="4" name="Espace réservé du numéro de diapositive 3"/>
-          <p:cNvSpPr>
-            <a:spLocks noGrp="1"/>
-          </p:cNvSpPr>
-          <p:nvPr>
-            <p:ph type="sldNum" sz="quarter" idx="12"/>
-          </p:nvPr>
-        </p:nvSpPr>
-        <p:spPr/>
-        <p:txBody>
-          <a:bodyPr/>
-          <a:lstStyle/>
-          <a:p>
-            <a:fld id="{87D9652F-9609-4EC6-8E0A-C96E14B58A2A}" type="slidenum">
-              <a:rPr lang="fr-FR" smtClean="0"/>
-              <a:pPr/>
-              <a:t>13</a:t>
-            </a:fld>
-            <a:endParaRPr lang="fr-FR" dirty="0"/>
-          </a:p>
-        </p:txBody>
-      </p:sp>
-    </p:spTree>
-    <p:extLst>
-      <p:ext uri="{BB962C8B-B14F-4D97-AF65-F5344CB8AC3E}">
-        <p14:creationId xmlns:p14="http://schemas.microsoft.com/office/powerpoint/2010/main" val="4048983730"/>
       </p:ext>
     </p:extLst>
   </p:cSld>
@@ -6060,6 +7692,149 @@
 </p:sld>
 </file>
 
+<file path=ppt/slides/slide20.xml><?xml version="1.0" encoding="utf-8"?>
+<p:sld xmlns:a="http://schemas.openxmlformats.org/drawingml/2006/main" xmlns:r="http://schemas.openxmlformats.org/officeDocument/2006/relationships" xmlns:p="http://schemas.openxmlformats.org/presentationml/2006/main">
+  <p:cSld>
+    <p:spTree>
+      <p:nvGrpSpPr>
+        <p:cNvPr id="1" name=""/>
+        <p:cNvGrpSpPr/>
+        <p:nvPr/>
+      </p:nvGrpSpPr>
+      <p:grpSpPr>
+        <a:xfrm>
+          <a:off x="0" y="0"/>
+          <a:ext cx="0" cy="0"/>
+          <a:chOff x="0" y="0"/>
+          <a:chExt cx="0" cy="0"/>
+        </a:xfrm>
+      </p:grpSpPr>
+      <p:sp>
+        <p:nvSpPr>
+          <p:cNvPr id="2" name="Titre 1"/>
+          <p:cNvSpPr>
+            <a:spLocks noGrp="1"/>
+          </p:cNvSpPr>
+          <p:nvPr>
+            <p:ph type="title"/>
+          </p:nvPr>
+        </p:nvSpPr>
+        <p:spPr/>
+        <p:txBody>
+          <a:bodyPr/>
+          <a:lstStyle/>
+          <a:p>
+            <a:r>
+              <a:rPr lang="fr-FR" dirty="0" smtClean="0"/>
+              <a:t>Prise en main du </a:t>
+            </a:r>
+            <a:r>
+              <a:rPr lang="fr-FR" dirty="0" err="1" smtClean="0"/>
+              <a:t>framework</a:t>
+            </a:r>
+            <a:endParaRPr lang="en-US" dirty="0"/>
+          </a:p>
+        </p:txBody>
+      </p:sp>
+      <p:sp>
+        <p:nvSpPr>
+          <p:cNvPr id="3" name="Espace réservé du contenu 2"/>
+          <p:cNvSpPr>
+            <a:spLocks noGrp="1"/>
+          </p:cNvSpPr>
+          <p:nvPr>
+            <p:ph idx="1"/>
+          </p:nvPr>
+        </p:nvSpPr>
+        <p:spPr/>
+        <p:txBody>
+          <a:bodyPr/>
+          <a:lstStyle/>
+          <a:p>
+            <a:r>
+              <a:rPr lang="fr-FR" dirty="0" err="1" smtClean="0"/>
+              <a:t>Overview</a:t>
+            </a:r>
+            <a:r>
+              <a:rPr lang="fr-FR" dirty="0" smtClean="0"/>
+              <a:t> :</a:t>
+            </a:r>
+          </a:p>
+          <a:p>
+            <a:pPr lvl="1"/>
+            <a:endParaRPr lang="fr-FR" dirty="0" smtClean="0"/>
+          </a:p>
+          <a:p>
+            <a:endParaRPr lang="fr-FR" dirty="0"/>
+          </a:p>
+          <a:p>
+            <a:r>
+              <a:rPr lang="fr-FR" dirty="0" smtClean="0"/>
+              <a:t>Problèmes :</a:t>
+            </a:r>
+          </a:p>
+          <a:p>
+            <a:pPr lvl="1"/>
+            <a:r>
+              <a:rPr lang="fr-FR" dirty="0" smtClean="0"/>
+              <a:t>Projet </a:t>
+            </a:r>
+            <a:r>
+              <a:rPr lang="fr-FR" dirty="0" err="1" smtClean="0"/>
+              <a:t>Netbeans</a:t>
+            </a:r>
+            <a:r>
+              <a:rPr lang="fr-FR" dirty="0" smtClean="0"/>
+              <a:t> ne compile pas:</a:t>
+            </a:r>
+          </a:p>
+          <a:p>
+            <a:pPr lvl="2"/>
+            <a:r>
+              <a:rPr lang="fr-FR" dirty="0" smtClean="0"/>
+              <a:t>Dépendances (bibliothèques) non incluses par l’auteur</a:t>
+            </a:r>
+            <a:endParaRPr lang="en-US" dirty="0"/>
+          </a:p>
+        </p:txBody>
+      </p:sp>
+      <p:sp>
+        <p:nvSpPr>
+          <p:cNvPr id="4" name="Espace réservé du numéro de diapositive 3"/>
+          <p:cNvSpPr>
+            <a:spLocks noGrp="1"/>
+          </p:cNvSpPr>
+          <p:nvPr>
+            <p:ph type="sldNum" sz="quarter" idx="12"/>
+          </p:nvPr>
+        </p:nvSpPr>
+        <p:spPr/>
+        <p:txBody>
+          <a:bodyPr/>
+          <a:lstStyle/>
+          <a:p>
+            <a:fld id="{87D9652F-9609-4EC6-8E0A-C96E14B58A2A}" type="slidenum">
+              <a:rPr lang="fr-FR" smtClean="0"/>
+              <a:pPr/>
+              <a:t>20</a:t>
+            </a:fld>
+            <a:endParaRPr lang="fr-FR" dirty="0"/>
+          </a:p>
+        </p:txBody>
+      </p:sp>
+    </p:spTree>
+    <p:extLst>
+      <p:ext uri="{BB962C8B-B14F-4D97-AF65-F5344CB8AC3E}">
+        <p14:creationId xmlns:p14="http://schemas.microsoft.com/office/powerpoint/2010/main" val="4048983730"/>
+      </p:ext>
+    </p:extLst>
+  </p:cSld>
+  <p:clrMapOvr>
+    <a:masterClrMapping/>
+  </p:clrMapOvr>
+</p:sld>
+</file>
+
 <file path=ppt/slides/slide3.xml><?xml version="1.0" encoding="utf-8"?>
 <p:sld xmlns:a="http://schemas.openxmlformats.org/drawingml/2006/main" xmlns:r="http://schemas.openxmlformats.org/officeDocument/2006/relationships" xmlns:p="http://schemas.openxmlformats.org/presentationml/2006/main">
   <p:cSld>
@@ -6112,7 +7887,7 @@
         </p:nvSpPr>
         <p:spPr>
           <a:xfrm>
-            <a:off x="254000" y="2783158"/>
+            <a:off x="247650" y="1842663"/>
             <a:ext cx="8648700" cy="1989563"/>
           </a:xfrm>
           <a:solidFill>
@@ -6130,7 +7905,7 @@
           <a:p>
             <a:r>
               <a:rPr lang="fr-FR" b="1" dirty="0" smtClean="0"/>
-              <a:t>Problèmes encourus: </a:t>
+              <a:t>Problèmes encourus : </a:t>
             </a:r>
             <a:r>
               <a:rPr lang="fr-FR" dirty="0" smtClean="0"/>
@@ -6174,6 +7949,210 @@
               <a:t>3</a:t>
             </a:fld>
             <a:endParaRPr lang="fr-FR" dirty="0"/>
+          </a:p>
+        </p:txBody>
+      </p:sp>
+      <p:sp>
+        <p:nvSpPr>
+          <p:cNvPr id="5" name="Espace réservé du contenu 2"/>
+          <p:cNvSpPr txBox="1">
+            <a:spLocks/>
+          </p:cNvSpPr>
+          <p:nvPr/>
+        </p:nvSpPr>
+        <p:spPr>
+          <a:xfrm>
+            <a:off x="254000" y="4099507"/>
+            <a:ext cx="8648700" cy="1219625"/>
+          </a:xfrm>
+          <a:prstGeom prst="rect">
+            <a:avLst/>
+          </a:prstGeom>
+          <a:solidFill>
+            <a:schemeClr val="accent6">
+              <a:lumMod val="40000"/>
+              <a:lumOff val="60000"/>
+            </a:schemeClr>
+          </a:solidFill>
+        </p:spPr>
+        <p:txBody>
+          <a:bodyPr vert="horz" lIns="91440" tIns="45720" rIns="91440" bIns="45720" rtlCol="0">
+            <a:normAutofit lnSpcReduction="10000"/>
+          </a:bodyPr>
+          <a:lstStyle>
+            <a:lvl1pPr marL="228600" indent="-228600" algn="l" defTabSz="914400" rtl="0" eaLnBrk="1" latinLnBrk="0" hangingPunct="1">
+              <a:lnSpc>
+                <a:spcPct val="90000"/>
+              </a:lnSpc>
+              <a:spcBef>
+                <a:spcPts val="1000"/>
+              </a:spcBef>
+              <a:buFont typeface="Arial" panose="020B0604020202020204" pitchFamily="34" charset="0"/>
+              <a:buChar char="•"/>
+              <a:defRPr sz="2800" kern="1200">
+                <a:solidFill>
+                  <a:schemeClr val="tx1"/>
+                </a:solidFill>
+                <a:latin typeface="+mn-lt"/>
+                <a:ea typeface="+mn-ea"/>
+                <a:cs typeface="+mn-cs"/>
+              </a:defRPr>
+            </a:lvl1pPr>
+            <a:lvl2pPr marL="685800" indent="-228600" algn="l" defTabSz="914400" rtl="0" eaLnBrk="1" latinLnBrk="0" hangingPunct="1">
+              <a:lnSpc>
+                <a:spcPct val="90000"/>
+              </a:lnSpc>
+              <a:spcBef>
+                <a:spcPts val="500"/>
+              </a:spcBef>
+              <a:buFont typeface="Arial" panose="020B0604020202020204" pitchFamily="34" charset="0"/>
+              <a:buChar char="•"/>
+              <a:defRPr sz="2400" kern="1200">
+                <a:solidFill>
+                  <a:schemeClr val="tx1"/>
+                </a:solidFill>
+                <a:latin typeface="+mn-lt"/>
+                <a:ea typeface="+mn-ea"/>
+                <a:cs typeface="+mn-cs"/>
+              </a:defRPr>
+            </a:lvl2pPr>
+            <a:lvl3pPr marL="1143000" indent="-228600" algn="l" defTabSz="914400" rtl="0" eaLnBrk="1" latinLnBrk="0" hangingPunct="1">
+              <a:lnSpc>
+                <a:spcPct val="90000"/>
+              </a:lnSpc>
+              <a:spcBef>
+                <a:spcPts val="500"/>
+              </a:spcBef>
+              <a:buFont typeface="Arial" panose="020B0604020202020204" pitchFamily="34" charset="0"/>
+              <a:buChar char="•"/>
+              <a:defRPr sz="2000" kern="1200">
+                <a:solidFill>
+                  <a:schemeClr val="tx1"/>
+                </a:solidFill>
+                <a:latin typeface="+mn-lt"/>
+                <a:ea typeface="+mn-ea"/>
+                <a:cs typeface="+mn-cs"/>
+              </a:defRPr>
+            </a:lvl3pPr>
+            <a:lvl4pPr marL="1600200" indent="-228600" algn="l" defTabSz="914400" rtl="0" eaLnBrk="1" latinLnBrk="0" hangingPunct="1">
+              <a:lnSpc>
+                <a:spcPct val="90000"/>
+              </a:lnSpc>
+              <a:spcBef>
+                <a:spcPts val="500"/>
+              </a:spcBef>
+              <a:buFont typeface="Arial" panose="020B0604020202020204" pitchFamily="34" charset="0"/>
+              <a:buChar char="•"/>
+              <a:defRPr sz="1800" kern="1200">
+                <a:solidFill>
+                  <a:schemeClr val="tx1"/>
+                </a:solidFill>
+                <a:latin typeface="+mn-lt"/>
+                <a:ea typeface="+mn-ea"/>
+                <a:cs typeface="+mn-cs"/>
+              </a:defRPr>
+            </a:lvl4pPr>
+            <a:lvl5pPr marL="2057400" indent="-228600" algn="l" defTabSz="914400" rtl="0" eaLnBrk="1" latinLnBrk="0" hangingPunct="1">
+              <a:lnSpc>
+                <a:spcPct val="90000"/>
+              </a:lnSpc>
+              <a:spcBef>
+                <a:spcPts val="500"/>
+              </a:spcBef>
+              <a:buFont typeface="Arial" panose="020B0604020202020204" pitchFamily="34" charset="0"/>
+              <a:buChar char="•"/>
+              <a:defRPr sz="1800" kern="1200">
+                <a:solidFill>
+                  <a:schemeClr val="tx1"/>
+                </a:solidFill>
+                <a:latin typeface="+mn-lt"/>
+                <a:ea typeface="+mn-ea"/>
+                <a:cs typeface="+mn-cs"/>
+              </a:defRPr>
+            </a:lvl5pPr>
+            <a:lvl6pPr marL="2514600" indent="-228600" algn="l" defTabSz="914400" rtl="0" eaLnBrk="1" latinLnBrk="0" hangingPunct="1">
+              <a:lnSpc>
+                <a:spcPct val="90000"/>
+              </a:lnSpc>
+              <a:spcBef>
+                <a:spcPts val="500"/>
+              </a:spcBef>
+              <a:buFont typeface="Arial" panose="020B0604020202020204" pitchFamily="34" charset="0"/>
+              <a:buChar char="•"/>
+              <a:defRPr sz="1800" kern="1200">
+                <a:solidFill>
+                  <a:schemeClr val="tx1"/>
+                </a:solidFill>
+                <a:latin typeface="+mn-lt"/>
+                <a:ea typeface="+mn-ea"/>
+                <a:cs typeface="+mn-cs"/>
+              </a:defRPr>
+            </a:lvl6pPr>
+            <a:lvl7pPr marL="2971800" indent="-228600" algn="l" defTabSz="914400" rtl="0" eaLnBrk="1" latinLnBrk="0" hangingPunct="1">
+              <a:lnSpc>
+                <a:spcPct val="90000"/>
+              </a:lnSpc>
+              <a:spcBef>
+                <a:spcPts val="500"/>
+              </a:spcBef>
+              <a:buFont typeface="Arial" panose="020B0604020202020204" pitchFamily="34" charset="0"/>
+              <a:buChar char="•"/>
+              <a:defRPr sz="1800" kern="1200">
+                <a:solidFill>
+                  <a:schemeClr val="tx1"/>
+                </a:solidFill>
+                <a:latin typeface="+mn-lt"/>
+                <a:ea typeface="+mn-ea"/>
+                <a:cs typeface="+mn-cs"/>
+              </a:defRPr>
+            </a:lvl7pPr>
+            <a:lvl8pPr marL="3429000" indent="-228600" algn="l" defTabSz="914400" rtl="0" eaLnBrk="1" latinLnBrk="0" hangingPunct="1">
+              <a:lnSpc>
+                <a:spcPct val="90000"/>
+              </a:lnSpc>
+              <a:spcBef>
+                <a:spcPts val="500"/>
+              </a:spcBef>
+              <a:buFont typeface="Arial" panose="020B0604020202020204" pitchFamily="34" charset="0"/>
+              <a:buChar char="•"/>
+              <a:defRPr sz="1800" kern="1200">
+                <a:solidFill>
+                  <a:schemeClr val="tx1"/>
+                </a:solidFill>
+                <a:latin typeface="+mn-lt"/>
+                <a:ea typeface="+mn-ea"/>
+                <a:cs typeface="+mn-cs"/>
+              </a:defRPr>
+            </a:lvl8pPr>
+            <a:lvl9pPr marL="3886200" indent="-228600" algn="l" defTabSz="914400" rtl="0" eaLnBrk="1" latinLnBrk="0" hangingPunct="1">
+              <a:lnSpc>
+                <a:spcPct val="90000"/>
+              </a:lnSpc>
+              <a:spcBef>
+                <a:spcPts val="500"/>
+              </a:spcBef>
+              <a:buFont typeface="Arial" panose="020B0604020202020204" pitchFamily="34" charset="0"/>
+              <a:buChar char="•"/>
+              <a:defRPr sz="1800" kern="1200">
+                <a:solidFill>
+                  <a:schemeClr val="tx1"/>
+                </a:solidFill>
+                <a:latin typeface="+mn-lt"/>
+                <a:ea typeface="+mn-ea"/>
+                <a:cs typeface="+mn-cs"/>
+              </a:defRPr>
+            </a:lvl9pPr>
+          </a:lstStyle>
+          <a:p>
+            <a:r>
+              <a:rPr lang="fr-FR" b="1" dirty="0" smtClean="0"/>
+              <a:t>Objectif :  </a:t>
+            </a:r>
+            <a:r>
+              <a:rPr lang="fr-FR" dirty="0" smtClean="0"/>
+              <a:t>fournir aux futurs développeurs le matériel capable de diminuer drastiquement le temps de prise en main</a:t>
+            </a:r>
+            <a:endParaRPr lang="fr-FR" dirty="0" smtClean="0"/>
           </a:p>
         </p:txBody>
       </p:sp>
@@ -7183,7 +9162,7 @@
             </p:nvSpPr>
             <p:spPr>
               <a:xfrm>
-                <a:off x="254000" y="1790700"/>
+                <a:off x="247650" y="2482076"/>
                 <a:ext cx="8648700" cy="2101076"/>
               </a:xfrm>
               <a:solidFill>
@@ -7285,13 +9264,13 @@
             </p:nvSpPr>
             <p:spPr>
               <a:xfrm>
-                <a:off x="254000" y="1790700"/>
+                <a:off x="247650" y="2482076"/>
                 <a:ext cx="8648700" cy="2101076"/>
               </a:xfrm>
               <a:blipFill rotWithShape="0">
                 <a:blip r:embed="rId2"/>
                 <a:stretch>
-                  <a:fillRect l="-987" t="-4360" b="-2616"/>
+                  <a:fillRect l="-987" t="-4348" b="-2319"/>
                 </a:stretch>
               </a:blipFill>
             </p:spPr>
@@ -7358,246 +9337,6 @@
               <a:t>6</a:t>
             </a:fld>
             <a:endParaRPr lang="fr-FR" dirty="0"/>
-          </a:p>
-        </p:txBody>
-      </p:sp>
-      <p:sp>
-        <p:nvSpPr>
-          <p:cNvPr id="6" name="Espace réservé du contenu 2"/>
-          <p:cNvSpPr txBox="1">
-            <a:spLocks/>
-          </p:cNvSpPr>
-          <p:nvPr/>
-        </p:nvSpPr>
-        <p:spPr>
-          <a:xfrm>
-            <a:off x="254000" y="4073525"/>
-            <a:ext cx="8648700" cy="2101076"/>
-          </a:xfrm>
-          <a:prstGeom prst="rect">
-            <a:avLst/>
-          </a:prstGeom>
-          <a:solidFill>
-            <a:schemeClr val="accent3">
-              <a:lumMod val="20000"/>
-              <a:lumOff val="80000"/>
-            </a:schemeClr>
-          </a:solidFill>
-        </p:spPr>
-        <p:txBody>
-          <a:bodyPr vert="horz" lIns="91440" tIns="45720" rIns="91440" bIns="45720" rtlCol="0">
-            <a:normAutofit lnSpcReduction="10000"/>
-          </a:bodyPr>
-          <a:lstStyle>
-            <a:lvl1pPr marL="228600" indent="-228600" algn="l" defTabSz="914400" rtl="0" eaLnBrk="1" latinLnBrk="0" hangingPunct="1">
-              <a:lnSpc>
-                <a:spcPct val="90000"/>
-              </a:lnSpc>
-              <a:spcBef>
-                <a:spcPts val="1000"/>
-              </a:spcBef>
-              <a:buFont typeface="Arial" panose="020B0604020202020204" pitchFamily="34" charset="0"/>
-              <a:buChar char="•"/>
-              <a:defRPr sz="2800" kern="1200">
-                <a:solidFill>
-                  <a:schemeClr val="tx1"/>
-                </a:solidFill>
-                <a:latin typeface="+mn-lt"/>
-                <a:ea typeface="+mn-ea"/>
-                <a:cs typeface="+mn-cs"/>
-              </a:defRPr>
-            </a:lvl1pPr>
-            <a:lvl2pPr marL="685800" indent="-228600" algn="l" defTabSz="914400" rtl="0" eaLnBrk="1" latinLnBrk="0" hangingPunct="1">
-              <a:lnSpc>
-                <a:spcPct val="90000"/>
-              </a:lnSpc>
-              <a:spcBef>
-                <a:spcPts val="500"/>
-              </a:spcBef>
-              <a:buFont typeface="Arial" panose="020B0604020202020204" pitchFamily="34" charset="0"/>
-              <a:buChar char="•"/>
-              <a:defRPr sz="2400" kern="1200">
-                <a:solidFill>
-                  <a:schemeClr val="tx1"/>
-                </a:solidFill>
-                <a:latin typeface="+mn-lt"/>
-                <a:ea typeface="+mn-ea"/>
-                <a:cs typeface="+mn-cs"/>
-              </a:defRPr>
-            </a:lvl2pPr>
-            <a:lvl3pPr marL="1143000" indent="-228600" algn="l" defTabSz="914400" rtl="0" eaLnBrk="1" latinLnBrk="0" hangingPunct="1">
-              <a:lnSpc>
-                <a:spcPct val="90000"/>
-              </a:lnSpc>
-              <a:spcBef>
-                <a:spcPts val="500"/>
-              </a:spcBef>
-              <a:buFont typeface="Arial" panose="020B0604020202020204" pitchFamily="34" charset="0"/>
-              <a:buChar char="•"/>
-              <a:defRPr sz="2000" kern="1200">
-                <a:solidFill>
-                  <a:schemeClr val="tx1"/>
-                </a:solidFill>
-                <a:latin typeface="+mn-lt"/>
-                <a:ea typeface="+mn-ea"/>
-                <a:cs typeface="+mn-cs"/>
-              </a:defRPr>
-            </a:lvl3pPr>
-            <a:lvl4pPr marL="1600200" indent="-228600" algn="l" defTabSz="914400" rtl="0" eaLnBrk="1" latinLnBrk="0" hangingPunct="1">
-              <a:lnSpc>
-                <a:spcPct val="90000"/>
-              </a:lnSpc>
-              <a:spcBef>
-                <a:spcPts val="500"/>
-              </a:spcBef>
-              <a:buFont typeface="Arial" panose="020B0604020202020204" pitchFamily="34" charset="0"/>
-              <a:buChar char="•"/>
-              <a:defRPr sz="1800" kern="1200">
-                <a:solidFill>
-                  <a:schemeClr val="tx1"/>
-                </a:solidFill>
-                <a:latin typeface="+mn-lt"/>
-                <a:ea typeface="+mn-ea"/>
-                <a:cs typeface="+mn-cs"/>
-              </a:defRPr>
-            </a:lvl4pPr>
-            <a:lvl5pPr marL="2057400" indent="-228600" algn="l" defTabSz="914400" rtl="0" eaLnBrk="1" latinLnBrk="0" hangingPunct="1">
-              <a:lnSpc>
-                <a:spcPct val="90000"/>
-              </a:lnSpc>
-              <a:spcBef>
-                <a:spcPts val="500"/>
-              </a:spcBef>
-              <a:buFont typeface="Arial" panose="020B0604020202020204" pitchFamily="34" charset="0"/>
-              <a:buChar char="•"/>
-              <a:defRPr sz="1800" kern="1200">
-                <a:solidFill>
-                  <a:schemeClr val="tx1"/>
-                </a:solidFill>
-                <a:latin typeface="+mn-lt"/>
-                <a:ea typeface="+mn-ea"/>
-                <a:cs typeface="+mn-cs"/>
-              </a:defRPr>
-            </a:lvl5pPr>
-            <a:lvl6pPr marL="2514600" indent="-228600" algn="l" defTabSz="914400" rtl="0" eaLnBrk="1" latinLnBrk="0" hangingPunct="1">
-              <a:lnSpc>
-                <a:spcPct val="90000"/>
-              </a:lnSpc>
-              <a:spcBef>
-                <a:spcPts val="500"/>
-              </a:spcBef>
-              <a:buFont typeface="Arial" panose="020B0604020202020204" pitchFamily="34" charset="0"/>
-              <a:buChar char="•"/>
-              <a:defRPr sz="1800" kern="1200">
-                <a:solidFill>
-                  <a:schemeClr val="tx1"/>
-                </a:solidFill>
-                <a:latin typeface="+mn-lt"/>
-                <a:ea typeface="+mn-ea"/>
-                <a:cs typeface="+mn-cs"/>
-              </a:defRPr>
-            </a:lvl6pPr>
-            <a:lvl7pPr marL="2971800" indent="-228600" algn="l" defTabSz="914400" rtl="0" eaLnBrk="1" latinLnBrk="0" hangingPunct="1">
-              <a:lnSpc>
-                <a:spcPct val="90000"/>
-              </a:lnSpc>
-              <a:spcBef>
-                <a:spcPts val="500"/>
-              </a:spcBef>
-              <a:buFont typeface="Arial" panose="020B0604020202020204" pitchFamily="34" charset="0"/>
-              <a:buChar char="•"/>
-              <a:defRPr sz="1800" kern="1200">
-                <a:solidFill>
-                  <a:schemeClr val="tx1"/>
-                </a:solidFill>
-                <a:latin typeface="+mn-lt"/>
-                <a:ea typeface="+mn-ea"/>
-                <a:cs typeface="+mn-cs"/>
-              </a:defRPr>
-            </a:lvl7pPr>
-            <a:lvl8pPr marL="3429000" indent="-228600" algn="l" defTabSz="914400" rtl="0" eaLnBrk="1" latinLnBrk="0" hangingPunct="1">
-              <a:lnSpc>
-                <a:spcPct val="90000"/>
-              </a:lnSpc>
-              <a:spcBef>
-                <a:spcPts val="500"/>
-              </a:spcBef>
-              <a:buFont typeface="Arial" panose="020B0604020202020204" pitchFamily="34" charset="0"/>
-              <a:buChar char="•"/>
-              <a:defRPr sz="1800" kern="1200">
-                <a:solidFill>
-                  <a:schemeClr val="tx1"/>
-                </a:solidFill>
-                <a:latin typeface="+mn-lt"/>
-                <a:ea typeface="+mn-ea"/>
-                <a:cs typeface="+mn-cs"/>
-              </a:defRPr>
-            </a:lvl8pPr>
-            <a:lvl9pPr marL="3886200" indent="-228600" algn="l" defTabSz="914400" rtl="0" eaLnBrk="1" latinLnBrk="0" hangingPunct="1">
-              <a:lnSpc>
-                <a:spcPct val="90000"/>
-              </a:lnSpc>
-              <a:spcBef>
-                <a:spcPts val="500"/>
-              </a:spcBef>
-              <a:buFont typeface="Arial" panose="020B0604020202020204" pitchFamily="34" charset="0"/>
-              <a:buChar char="•"/>
-              <a:defRPr sz="1800" kern="1200">
-                <a:solidFill>
-                  <a:schemeClr val="tx1"/>
-                </a:solidFill>
-                <a:latin typeface="+mn-lt"/>
-                <a:ea typeface="+mn-ea"/>
-                <a:cs typeface="+mn-cs"/>
-              </a:defRPr>
-            </a:lvl9pPr>
-          </a:lstStyle>
-          <a:p>
-            <a:r>
-              <a:rPr lang="fr-FR" sz="2400" b="1" dirty="0" smtClean="0"/>
-              <a:t>Bonnes pratiques pour le futur</a:t>
-            </a:r>
-          </a:p>
-          <a:p>
-            <a:pPr lvl="1"/>
-            <a:r>
-              <a:rPr lang="fr-FR" sz="2000" dirty="0" smtClean="0"/>
-              <a:t>Utiliser </a:t>
-            </a:r>
-            <a:r>
-              <a:rPr lang="fr-FR" sz="2000" b="1" dirty="0" err="1" smtClean="0"/>
-              <a:t>maven</a:t>
-            </a:r>
-            <a:r>
-              <a:rPr lang="fr-FR" sz="2000" dirty="0" smtClean="0"/>
-              <a:t> pour gérer les dépendances avec des bibliothèques externes</a:t>
-            </a:r>
-          </a:p>
-          <a:p>
-            <a:pPr lvl="1"/>
-            <a:r>
-              <a:rPr lang="fr-FR" sz="2000" dirty="0" smtClean="0"/>
-              <a:t>Utiliser les branches de git pour gérer les différentes versions du projet</a:t>
-            </a:r>
-          </a:p>
-          <a:p>
-            <a:pPr lvl="1"/>
-            <a:r>
-              <a:rPr lang="fr-FR" sz="2000" dirty="0" smtClean="0"/>
-              <a:t>NE JAMAIS PUSHER sur le master une version avec des erreurs empêchant la compilation!!!</a:t>
-            </a:r>
-            <a:endParaRPr lang="fr-FR" dirty="0" smtClean="0"/>
-          </a:p>
-          <a:p>
-            <a:pPr marL="1371600" lvl="3" indent="0">
-              <a:buFont typeface="Arial" panose="020B0604020202020204" pitchFamily="34" charset="0"/>
-              <a:buNone/>
-            </a:pPr>
-            <a:endParaRPr lang="fr-FR" dirty="0" smtClean="0"/>
-          </a:p>
-          <a:p>
-            <a:pPr lvl="2"/>
-            <a:endParaRPr lang="fr-FR" dirty="0" smtClean="0"/>
           </a:p>
         </p:txBody>
       </p:sp>
@@ -7640,127 +9379,302 @@
       </p:grpSpPr>
       <p:sp>
         <p:nvSpPr>
-          <p:cNvPr id="3" name="Espace réservé du contenu 2"/>
-          <p:cNvSpPr>
-            <a:spLocks noGrp="1"/>
-          </p:cNvSpPr>
-          <p:nvPr>
-            <p:ph idx="1"/>
-          </p:nvPr>
+          <p:cNvPr id="2" name="Titre 1"/>
+          <p:cNvSpPr>
+            <a:spLocks noGrp="1"/>
+          </p:cNvSpPr>
+          <p:nvPr>
+            <p:ph type="title"/>
+          </p:nvPr>
+        </p:nvSpPr>
+        <p:spPr/>
+        <p:txBody>
+          <a:bodyPr/>
+          <a:lstStyle/>
+          <a:p>
+            <a:r>
+              <a:rPr lang="fr-FR" dirty="0"/>
+              <a:t>1</a:t>
+            </a:r>
+            <a:r>
+              <a:rPr lang="fr-FR" dirty="0" smtClean="0"/>
+              <a:t>) Préconisations : compilation</a:t>
+            </a:r>
+            <a:endParaRPr lang="en-US" dirty="0"/>
+          </a:p>
+        </p:txBody>
+      </p:sp>
+      <p:sp>
+        <p:nvSpPr>
+          <p:cNvPr id="4" name="Espace réservé du numéro de diapositive 3"/>
+          <p:cNvSpPr>
+            <a:spLocks noGrp="1"/>
+          </p:cNvSpPr>
+          <p:nvPr>
+            <p:ph type="sldNum" sz="quarter" idx="12"/>
+          </p:nvPr>
+        </p:nvSpPr>
+        <p:spPr/>
+        <p:txBody>
+          <a:bodyPr/>
+          <a:lstStyle/>
+          <a:p>
+            <a:fld id="{87D9652F-9609-4EC6-8E0A-C96E14B58A2A}" type="slidenum">
+              <a:rPr lang="fr-FR" smtClean="0"/>
+              <a:pPr/>
+              <a:t>7</a:t>
+            </a:fld>
+            <a:endParaRPr lang="fr-FR" dirty="0"/>
+          </a:p>
+        </p:txBody>
+      </p:sp>
+      <p:sp>
+        <p:nvSpPr>
+          <p:cNvPr id="6" name="Espace réservé du contenu 2"/>
+          <p:cNvSpPr txBox="1">
+            <a:spLocks/>
+          </p:cNvSpPr>
+          <p:nvPr/>
         </p:nvSpPr>
         <p:spPr>
           <a:xfrm>
-            <a:off x="254000" y="2437471"/>
+            <a:off x="247650" y="2389691"/>
             <a:ext cx="8648700" cy="2101076"/>
           </a:xfrm>
+          <a:prstGeom prst="rect">
+            <a:avLst/>
+          </a:prstGeom>
           <a:solidFill>
-            <a:schemeClr val="accent1">
+            <a:schemeClr val="accent3">
               <a:lumMod val="20000"/>
               <a:lumOff val="80000"/>
             </a:schemeClr>
           </a:solidFill>
         </p:spPr>
         <p:txBody>
-          <a:bodyPr>
-            <a:normAutofit/>
+          <a:bodyPr vert="horz" lIns="91440" tIns="45720" rIns="91440" bIns="45720" rtlCol="0">
+            <a:normAutofit lnSpcReduction="10000"/>
           </a:bodyPr>
-          <a:lstStyle/>
+          <a:lstStyle>
+            <a:lvl1pPr marL="228600" indent="-228600" algn="l" defTabSz="914400" rtl="0" eaLnBrk="1" latinLnBrk="0" hangingPunct="1">
+              <a:lnSpc>
+                <a:spcPct val="90000"/>
+              </a:lnSpc>
+              <a:spcBef>
+                <a:spcPts val="1000"/>
+              </a:spcBef>
+              <a:buFont typeface="Arial" panose="020B0604020202020204" pitchFamily="34" charset="0"/>
+              <a:buChar char="•"/>
+              <a:defRPr sz="2800" kern="1200">
+                <a:solidFill>
+                  <a:schemeClr val="tx1"/>
+                </a:solidFill>
+                <a:latin typeface="+mn-lt"/>
+                <a:ea typeface="+mn-ea"/>
+                <a:cs typeface="+mn-cs"/>
+              </a:defRPr>
+            </a:lvl1pPr>
+            <a:lvl2pPr marL="685800" indent="-228600" algn="l" defTabSz="914400" rtl="0" eaLnBrk="1" latinLnBrk="0" hangingPunct="1">
+              <a:lnSpc>
+                <a:spcPct val="90000"/>
+              </a:lnSpc>
+              <a:spcBef>
+                <a:spcPts val="500"/>
+              </a:spcBef>
+              <a:buFont typeface="Arial" panose="020B0604020202020204" pitchFamily="34" charset="0"/>
+              <a:buChar char="•"/>
+              <a:defRPr sz="2400" kern="1200">
+                <a:solidFill>
+                  <a:schemeClr val="tx1"/>
+                </a:solidFill>
+                <a:latin typeface="+mn-lt"/>
+                <a:ea typeface="+mn-ea"/>
+                <a:cs typeface="+mn-cs"/>
+              </a:defRPr>
+            </a:lvl2pPr>
+            <a:lvl3pPr marL="1143000" indent="-228600" algn="l" defTabSz="914400" rtl="0" eaLnBrk="1" latinLnBrk="0" hangingPunct="1">
+              <a:lnSpc>
+                <a:spcPct val="90000"/>
+              </a:lnSpc>
+              <a:spcBef>
+                <a:spcPts val="500"/>
+              </a:spcBef>
+              <a:buFont typeface="Arial" panose="020B0604020202020204" pitchFamily="34" charset="0"/>
+              <a:buChar char="•"/>
+              <a:defRPr sz="2000" kern="1200">
+                <a:solidFill>
+                  <a:schemeClr val="tx1"/>
+                </a:solidFill>
+                <a:latin typeface="+mn-lt"/>
+                <a:ea typeface="+mn-ea"/>
+                <a:cs typeface="+mn-cs"/>
+              </a:defRPr>
+            </a:lvl3pPr>
+            <a:lvl4pPr marL="1600200" indent="-228600" algn="l" defTabSz="914400" rtl="0" eaLnBrk="1" latinLnBrk="0" hangingPunct="1">
+              <a:lnSpc>
+                <a:spcPct val="90000"/>
+              </a:lnSpc>
+              <a:spcBef>
+                <a:spcPts val="500"/>
+              </a:spcBef>
+              <a:buFont typeface="Arial" panose="020B0604020202020204" pitchFamily="34" charset="0"/>
+              <a:buChar char="•"/>
+              <a:defRPr sz="1800" kern="1200">
+                <a:solidFill>
+                  <a:schemeClr val="tx1"/>
+                </a:solidFill>
+                <a:latin typeface="+mn-lt"/>
+                <a:ea typeface="+mn-ea"/>
+                <a:cs typeface="+mn-cs"/>
+              </a:defRPr>
+            </a:lvl4pPr>
+            <a:lvl5pPr marL="2057400" indent="-228600" algn="l" defTabSz="914400" rtl="0" eaLnBrk="1" latinLnBrk="0" hangingPunct="1">
+              <a:lnSpc>
+                <a:spcPct val="90000"/>
+              </a:lnSpc>
+              <a:spcBef>
+                <a:spcPts val="500"/>
+              </a:spcBef>
+              <a:buFont typeface="Arial" panose="020B0604020202020204" pitchFamily="34" charset="0"/>
+              <a:buChar char="•"/>
+              <a:defRPr sz="1800" kern="1200">
+                <a:solidFill>
+                  <a:schemeClr val="tx1"/>
+                </a:solidFill>
+                <a:latin typeface="+mn-lt"/>
+                <a:ea typeface="+mn-ea"/>
+                <a:cs typeface="+mn-cs"/>
+              </a:defRPr>
+            </a:lvl5pPr>
+            <a:lvl6pPr marL="2514600" indent="-228600" algn="l" defTabSz="914400" rtl="0" eaLnBrk="1" latinLnBrk="0" hangingPunct="1">
+              <a:lnSpc>
+                <a:spcPct val="90000"/>
+              </a:lnSpc>
+              <a:spcBef>
+                <a:spcPts val="500"/>
+              </a:spcBef>
+              <a:buFont typeface="Arial" panose="020B0604020202020204" pitchFamily="34" charset="0"/>
+              <a:buChar char="•"/>
+              <a:defRPr sz="1800" kern="1200">
+                <a:solidFill>
+                  <a:schemeClr val="tx1"/>
+                </a:solidFill>
+                <a:latin typeface="+mn-lt"/>
+                <a:ea typeface="+mn-ea"/>
+                <a:cs typeface="+mn-cs"/>
+              </a:defRPr>
+            </a:lvl6pPr>
+            <a:lvl7pPr marL="2971800" indent="-228600" algn="l" defTabSz="914400" rtl="0" eaLnBrk="1" latinLnBrk="0" hangingPunct="1">
+              <a:lnSpc>
+                <a:spcPct val="90000"/>
+              </a:lnSpc>
+              <a:spcBef>
+                <a:spcPts val="500"/>
+              </a:spcBef>
+              <a:buFont typeface="Arial" panose="020B0604020202020204" pitchFamily="34" charset="0"/>
+              <a:buChar char="•"/>
+              <a:defRPr sz="1800" kern="1200">
+                <a:solidFill>
+                  <a:schemeClr val="tx1"/>
+                </a:solidFill>
+                <a:latin typeface="+mn-lt"/>
+                <a:ea typeface="+mn-ea"/>
+                <a:cs typeface="+mn-cs"/>
+              </a:defRPr>
+            </a:lvl7pPr>
+            <a:lvl8pPr marL="3429000" indent="-228600" algn="l" defTabSz="914400" rtl="0" eaLnBrk="1" latinLnBrk="0" hangingPunct="1">
+              <a:lnSpc>
+                <a:spcPct val="90000"/>
+              </a:lnSpc>
+              <a:spcBef>
+                <a:spcPts val="500"/>
+              </a:spcBef>
+              <a:buFont typeface="Arial" panose="020B0604020202020204" pitchFamily="34" charset="0"/>
+              <a:buChar char="•"/>
+              <a:defRPr sz="1800" kern="1200">
+                <a:solidFill>
+                  <a:schemeClr val="tx1"/>
+                </a:solidFill>
+                <a:latin typeface="+mn-lt"/>
+                <a:ea typeface="+mn-ea"/>
+                <a:cs typeface="+mn-cs"/>
+              </a:defRPr>
+            </a:lvl8pPr>
+            <a:lvl9pPr marL="3886200" indent="-228600" algn="l" defTabSz="914400" rtl="0" eaLnBrk="1" latinLnBrk="0" hangingPunct="1">
+              <a:lnSpc>
+                <a:spcPct val="90000"/>
+              </a:lnSpc>
+              <a:spcBef>
+                <a:spcPts val="500"/>
+              </a:spcBef>
+              <a:buFont typeface="Arial" panose="020B0604020202020204" pitchFamily="34" charset="0"/>
+              <a:buChar char="•"/>
+              <a:defRPr sz="1800" kern="1200">
+                <a:solidFill>
+                  <a:schemeClr val="tx1"/>
+                </a:solidFill>
+                <a:latin typeface="+mn-lt"/>
+                <a:ea typeface="+mn-ea"/>
+                <a:cs typeface="+mn-cs"/>
+              </a:defRPr>
+            </a:lvl9pPr>
+          </a:lstStyle>
           <a:p>
             <a:r>
               <a:rPr lang="fr-FR" sz="2400" b="1" dirty="0" smtClean="0"/>
-              <a:t>Mise en place de scripts de configuration et d’installation</a:t>
-            </a:r>
+              <a:t>Bonnes pratiques </a:t>
+            </a:r>
+          </a:p>
+          <a:p>
+            <a:pPr lvl="1"/>
+            <a:r>
+              <a:rPr lang="fr-FR" sz="2000" dirty="0" smtClean="0"/>
+              <a:t>Utiliser </a:t>
+            </a:r>
+            <a:r>
+              <a:rPr lang="fr-FR" sz="2000" b="1" dirty="0" err="1" smtClean="0"/>
+              <a:t>maven</a:t>
+            </a:r>
+            <a:r>
+              <a:rPr lang="fr-FR" sz="2000" dirty="0" smtClean="0"/>
+              <a:t> pour gérer les dépendances avec des bibliothèques externes</a:t>
+            </a:r>
+          </a:p>
+          <a:p>
+            <a:pPr lvl="1"/>
+            <a:r>
+              <a:rPr lang="fr-FR" sz="2000" dirty="0" smtClean="0"/>
+              <a:t>Utiliser les branches de git pour gérer les différentes versions du projet</a:t>
+            </a:r>
+          </a:p>
+          <a:p>
+            <a:pPr lvl="1"/>
+            <a:r>
+              <a:rPr lang="fr-FR" sz="2000" dirty="0" smtClean="0"/>
+              <a:t>NE JAMAIS PUSHER sur le master une version avec des erreurs empêchant la compilation!!!</a:t>
+            </a:r>
+          </a:p>
+          <a:p>
+            <a:pPr lvl="1"/>
             <a:endParaRPr lang="fr-FR" dirty="0" smtClean="0"/>
           </a:p>
           <a:p>
-            <a:pPr lvl="1"/>
-            <a:r>
-              <a:rPr lang="fr-FR" dirty="0" smtClean="0"/>
-              <a:t>Permet d’installer l’application (</a:t>
-            </a:r>
-            <a:r>
-              <a:rPr lang="fr-FR" dirty="0" err="1" smtClean="0"/>
-              <a:t>prod</a:t>
-            </a:r>
-            <a:r>
-              <a:rPr lang="fr-FR" dirty="0" smtClean="0"/>
-              <a:t> ou </a:t>
-            </a:r>
-            <a:r>
-              <a:rPr lang="fr-FR" dirty="0" err="1" smtClean="0"/>
-              <a:t>dev</a:t>
-            </a:r>
-            <a:r>
-              <a:rPr lang="fr-FR" dirty="0" smtClean="0"/>
-              <a:t>) sur le serveur à partir d’une simple commande</a:t>
-            </a:r>
-          </a:p>
-          <a:p>
-            <a:pPr lvl="1"/>
-            <a:r>
-              <a:rPr lang="fr-FR" dirty="0" smtClean="0"/>
-              <a:t>Centralise l’ensemble des fichiers à configurer dans un seul répertoire</a:t>
-            </a:r>
-          </a:p>
-        </p:txBody>
-      </p:sp>
-      <p:sp>
-        <p:nvSpPr>
-          <p:cNvPr id="2" name="Titre 1"/>
-          <p:cNvSpPr>
-            <a:spLocks noGrp="1"/>
-          </p:cNvSpPr>
-          <p:nvPr>
-            <p:ph type="title"/>
-          </p:nvPr>
-        </p:nvSpPr>
-        <p:spPr/>
-        <p:txBody>
-          <a:bodyPr>
-            <a:normAutofit/>
-          </a:bodyPr>
-          <a:lstStyle/>
-          <a:p>
-            <a:r>
-              <a:rPr lang="fr-FR" sz="3600" dirty="0"/>
-              <a:t>1) </a:t>
-            </a:r>
-            <a:r>
-              <a:rPr lang="fr-FR" sz="3600" dirty="0" smtClean="0"/>
-              <a:t>Actions : installation, configuration</a:t>
-            </a:r>
-            <a:endParaRPr lang="en-US" sz="3600" dirty="0"/>
-          </a:p>
-        </p:txBody>
-      </p:sp>
-      <p:sp>
-        <p:nvSpPr>
-          <p:cNvPr id="4" name="Espace réservé du numéro de diapositive 3"/>
-          <p:cNvSpPr>
-            <a:spLocks noGrp="1"/>
-          </p:cNvSpPr>
-          <p:nvPr>
-            <p:ph type="sldNum" sz="quarter" idx="12"/>
-          </p:nvPr>
-        </p:nvSpPr>
-        <p:spPr/>
-        <p:txBody>
-          <a:bodyPr/>
-          <a:lstStyle/>
-          <a:p>
-            <a:fld id="{87D9652F-9609-4EC6-8E0A-C96E14B58A2A}" type="slidenum">
-              <a:rPr lang="fr-FR" smtClean="0"/>
-              <a:pPr/>
-              <a:t>7</a:t>
-            </a:fld>
-            <a:endParaRPr lang="fr-FR" dirty="0"/>
+            <a:pPr marL="1371600" lvl="3" indent="0">
+              <a:buFont typeface="Arial" panose="020B0604020202020204" pitchFamily="34" charset="0"/>
+              <a:buNone/>
+            </a:pPr>
+            <a:endParaRPr lang="fr-FR" dirty="0" smtClean="0"/>
+          </a:p>
+          <a:p>
+            <a:pPr lvl="2"/>
+            <a:endParaRPr lang="fr-FR" dirty="0" smtClean="0"/>
           </a:p>
         </p:txBody>
       </p:sp>
     </p:spTree>
     <p:extLst>
       <p:ext uri="{BB962C8B-B14F-4D97-AF65-F5344CB8AC3E}">
-        <p14:creationId xmlns:p14="http://schemas.microsoft.com/office/powerpoint/2010/main" val="406485457"/>
+        <p14:creationId xmlns:p14="http://schemas.microsoft.com/office/powerpoint/2010/main" val="2949290606"/>
       </p:ext>
     </p:extLst>
   </p:cSld>
@@ -7823,28 +9737,40 @@
           <a:lstStyle/>
           <a:p>
             <a:r>
-              <a:rPr lang="fr-FR" sz="2400" dirty="0" smtClean="0"/>
-              <a:t>Rédaction de pages wiki expliquant comment prendre en main le </a:t>
-            </a:r>
-            <a:r>
-              <a:rPr lang="fr-FR" sz="2400" dirty="0" err="1" smtClean="0"/>
-              <a:t>framework</a:t>
-            </a:r>
-            <a:r>
-              <a:rPr lang="fr-FR" sz="2400" dirty="0"/>
-              <a:t>: </a:t>
-            </a:r>
-            <a:r>
-              <a:rPr lang="fr-FR" sz="2400" dirty="0">
-                <a:solidFill>
-                  <a:schemeClr val="accent1"/>
-                </a:solidFill>
-              </a:rPr>
-              <a:t>https://github.com/geomedia/rssaggregate/wiki</a:t>
-            </a:r>
-          </a:p>
-          <a:p>
-            <a:endParaRPr lang="fr-FR" sz="2400" dirty="0" smtClean="0"/>
+              <a:rPr lang="fr-FR" sz="2400" b="1" dirty="0" smtClean="0"/>
+              <a:t>Mise en place de scripts de configuration et d’installation</a:t>
+            </a:r>
+            <a:endParaRPr lang="fr-FR" dirty="0" smtClean="0"/>
+          </a:p>
+          <a:p>
+            <a:pPr lvl="1"/>
+            <a:r>
+              <a:rPr lang="fr-FR" dirty="0" smtClean="0"/>
+              <a:t>Permet d’installer l’application (</a:t>
+            </a:r>
+            <a:r>
+              <a:rPr lang="fr-FR" dirty="0" err="1" smtClean="0"/>
+              <a:t>prod</a:t>
+            </a:r>
+            <a:r>
+              <a:rPr lang="fr-FR" dirty="0" smtClean="0"/>
+              <a:t> ou </a:t>
+            </a:r>
+            <a:r>
+              <a:rPr lang="fr-FR" dirty="0" err="1" smtClean="0"/>
+              <a:t>dev</a:t>
+            </a:r>
+            <a:r>
+              <a:rPr lang="fr-FR" dirty="0" smtClean="0"/>
+              <a:t>) sur le serveur à partir d’une simple commande</a:t>
+            </a:r>
+          </a:p>
+          <a:p>
+            <a:pPr lvl="1"/>
+            <a:r>
+              <a:rPr lang="fr-FR" dirty="0" smtClean="0"/>
+              <a:t>Centralise l’ensemble des fichiers à configurer dans un seul répertoire.</a:t>
+            </a:r>
           </a:p>
         </p:txBody>
       </p:sp>
@@ -7866,10 +9792,14 @@
           <a:lstStyle/>
           <a:p>
             <a:r>
-              <a:rPr lang="fr-FR" dirty="0" smtClean="0"/>
-              <a:t>1) Actions : documentation</a:t>
-            </a:r>
-            <a:endParaRPr lang="en-US" dirty="0"/>
+              <a:rPr lang="fr-FR" sz="3600" dirty="0"/>
+              <a:t>1) </a:t>
+            </a:r>
+            <a:r>
+              <a:rPr lang="fr-FR" sz="3600" dirty="0" smtClean="0"/>
+              <a:t>Actions : installation, configuration</a:t>
+            </a:r>
+            <a:endParaRPr lang="en-US" sz="3600" dirty="0"/>
           </a:p>
         </p:txBody>
       </p:sp>
@@ -7900,7 +9830,7 @@
     </p:spTree>
     <p:extLst>
       <p:ext uri="{BB962C8B-B14F-4D97-AF65-F5344CB8AC3E}">
-        <p14:creationId xmlns:p14="http://schemas.microsoft.com/office/powerpoint/2010/main" val="3826943158"/>
+        <p14:creationId xmlns:p14="http://schemas.microsoft.com/office/powerpoint/2010/main" val="406485457"/>
       </p:ext>
     </p:extLst>
   </p:cSld>
@@ -7936,15 +9866,26 @@
       </p:grpSpPr>
       <p:sp>
         <p:nvSpPr>
-          <p:cNvPr id="2" name="Titre 1"/>
-          <p:cNvSpPr>
-            <a:spLocks noGrp="1"/>
-          </p:cNvSpPr>
-          <p:nvPr>
-            <p:ph type="title"/>
-          </p:nvPr>
-        </p:nvSpPr>
-        <p:spPr/>
+          <p:cNvPr id="3" name="Espace réservé du contenu 2"/>
+          <p:cNvSpPr>
+            <a:spLocks noGrp="1"/>
+          </p:cNvSpPr>
+          <p:nvPr>
+            <p:ph idx="1"/>
+          </p:nvPr>
+        </p:nvSpPr>
+        <p:spPr>
+          <a:xfrm>
+            <a:off x="254000" y="2437471"/>
+            <a:ext cx="8648700" cy="1208978"/>
+          </a:xfrm>
+          <a:solidFill>
+            <a:schemeClr val="accent1">
+              <a:lumMod val="20000"/>
+              <a:lumOff val="80000"/>
+            </a:schemeClr>
+          </a:solidFill>
+        </p:spPr>
         <p:txBody>
           <a:bodyPr>
             <a:normAutofit/>
@@ -7952,10 +9893,53 @@
           <a:lstStyle/>
           <a:p>
             <a:r>
-              <a:rPr lang="fr-FR" sz="3600" dirty="0" smtClean="0"/>
-              <a:t>Problème 1 : interruption de la collecte</a:t>
-            </a:r>
-            <a:endParaRPr lang="fr-FR" sz="3600" dirty="0"/>
+              <a:rPr lang="fr-FR" sz="2400" dirty="0" smtClean="0"/>
+              <a:t>Rédaction de pages wiki expliquant comment prendre en main le </a:t>
+            </a:r>
+            <a:r>
+              <a:rPr lang="fr-FR" sz="2400" dirty="0" err="1" smtClean="0"/>
+              <a:t>framework</a:t>
+            </a:r>
+            <a:r>
+              <a:rPr lang="fr-FR" sz="2400" dirty="0" smtClean="0"/>
+              <a:t> : </a:t>
+            </a:r>
+            <a:r>
+              <a:rPr lang="fr-FR" sz="2400" dirty="0">
+                <a:solidFill>
+                  <a:schemeClr val="accent1"/>
+                </a:solidFill>
+              </a:rPr>
+              <a:t>https://github.com/geomedia/rssaggregate/wiki</a:t>
+            </a:r>
+          </a:p>
+          <a:p>
+            <a:endParaRPr lang="fr-FR" sz="2400" dirty="0" smtClean="0"/>
+          </a:p>
+        </p:txBody>
+      </p:sp>
+      <p:sp>
+        <p:nvSpPr>
+          <p:cNvPr id="2" name="Titre 1"/>
+          <p:cNvSpPr>
+            <a:spLocks noGrp="1"/>
+          </p:cNvSpPr>
+          <p:nvPr>
+            <p:ph type="title"/>
+          </p:nvPr>
+        </p:nvSpPr>
+        <p:spPr/>
+        <p:txBody>
+          <a:bodyPr>
+            <a:normAutofit/>
+          </a:bodyPr>
+          <a:lstStyle/>
+          <a:p>
+            <a:r>
+              <a:rPr lang="fr-FR" dirty="0" smtClean="0"/>
+              <a:t>1) Actions : documentation</a:t>
+            </a:r>
+            <a:endParaRPr lang="en-US" dirty="0"/>
           </a:p>
         </p:txBody>
       </p:sp>
@@ -7983,51 +9967,10 @@
           </a:p>
         </p:txBody>
       </p:sp>
-      <p:pic>
-        <p:nvPicPr>
-          <p:cNvPr id="160770" name="Picture 2" descr="https://cloud.githubusercontent.com/assets/13257120/8598515/5c1982ae-265b-11e5-9e84-3b1538f732fc.PNG"/>
-          <p:cNvPicPr>
-            <a:picLocks noChangeAspect="1" noChangeArrowheads="1"/>
-          </p:cNvPicPr>
-          <p:nvPr/>
-        </p:nvPicPr>
-        <p:blipFill>
-          <a:blip r:embed="rId3">
-            <a:extLst>
-              <a:ext uri="{28A0092B-C50C-407E-A947-70E740481C1C}">
-                <a14:useLocalDpi xmlns:a14="http://schemas.microsoft.com/office/drawing/2010/main" val="0"/>
-              </a:ext>
-            </a:extLst>
-          </a:blip>
-          <a:srcRect/>
-          <a:stretch>
-            <a:fillRect/>
-          </a:stretch>
-        </p:blipFill>
-        <p:spPr bwMode="auto">
-          <a:xfrm>
-            <a:off x="560413" y="1198603"/>
-            <a:ext cx="7768094" cy="5522873"/>
-          </a:xfrm>
-          <a:prstGeom prst="rect">
-            <a:avLst/>
-          </a:prstGeom>
-          <a:noFill/>
-          <a:extLst>
-            <a:ext uri="{909E8E84-426E-40DD-AFC4-6F175D3DCCD1}">
-              <a14:hiddenFill xmlns:a14="http://schemas.microsoft.com/office/drawing/2010/main">
-                <a:solidFill>
-                  <a:srgbClr val="FFFFFF"/>
-                </a:solidFill>
-              </a14:hiddenFill>
-            </a:ext>
-          </a:extLst>
-        </p:spPr>
-      </p:pic>
     </p:spTree>
     <p:extLst>
       <p:ext uri="{BB962C8B-B14F-4D97-AF65-F5344CB8AC3E}">
-        <p14:creationId xmlns:p14="http://schemas.microsoft.com/office/powerpoint/2010/main" val="4222871554"/>
+        <p14:creationId xmlns:p14="http://schemas.microsoft.com/office/powerpoint/2010/main" val="3826943158"/>
       </p:ext>
     </p:extLst>
   </p:cSld>

--- a/slides.pptx
+++ b/slides.pptx
@@ -5,7 +5,7 @@
     <p:sldMasterId id="2147483696" r:id="rId1"/>
   </p:sldMasterIdLst>
   <p:notesMasterIdLst>
-    <p:notesMasterId r:id="rId22"/>
+    <p:notesMasterId r:id="rId25"/>
   </p:notesMasterIdLst>
   <p:sldIdLst>
     <p:sldId id="256" r:id="rId2"/>
@@ -24,10 +24,13 @@
     <p:sldId id="694" r:id="rId15"/>
     <p:sldId id="693" r:id="rId16"/>
     <p:sldId id="676" r:id="rId17"/>
-    <p:sldId id="677" r:id="rId18"/>
-    <p:sldId id="678" r:id="rId19"/>
-    <p:sldId id="679" r:id="rId20"/>
-    <p:sldId id="680" r:id="rId21"/>
+    <p:sldId id="695" r:id="rId18"/>
+    <p:sldId id="696" r:id="rId19"/>
+    <p:sldId id="697" r:id="rId20"/>
+    <p:sldId id="700" r:id="rId21"/>
+    <p:sldId id="698" r:id="rId22"/>
+    <p:sldId id="699" r:id="rId23"/>
+    <p:sldId id="680" r:id="rId24"/>
   </p:sldIdLst>
   <p:sldSz cx="9144000" cy="6858000" type="screen4x3"/>
   <p:notesSz cx="6858000" cy="9144000"/>
@@ -5866,8 +5869,8 @@
         </p:nvSpPr>
         <p:spPr>
           <a:xfrm>
-            <a:off x="247650" y="2389691"/>
-            <a:ext cx="8648700" cy="3152466"/>
+            <a:off x="247650" y="2389690"/>
+            <a:ext cx="8648700" cy="3397793"/>
           </a:xfrm>
           <a:prstGeom prst="rect">
             <a:avLst/>
@@ -6049,70 +6052,70 @@
           </a:lstStyle>
           <a:p>
             <a:r>
-              <a:rPr lang="fr-FR" sz="2400" dirty="0" smtClean="0"/>
+              <a:rPr lang="fr-FR" dirty="0" smtClean="0"/>
               <a:t>Nécessité de pousser cette action plus loin : </a:t>
             </a:r>
           </a:p>
           <a:p>
             <a:pPr lvl="1"/>
             <a:r>
-              <a:rPr lang="fr-FR" sz="1800" dirty="0" smtClean="0"/>
+              <a:rPr lang="fr-FR" sz="2000" dirty="0" smtClean="0"/>
               <a:t>Rassembler tous les types de logs dans un seul endroit (serveur, application, etc.), en séparant ceux de la version de </a:t>
             </a:r>
             <a:r>
-              <a:rPr lang="fr-FR" sz="1800" dirty="0" err="1" smtClean="0"/>
+              <a:rPr lang="fr-FR" sz="2000" dirty="0" err="1" smtClean="0"/>
               <a:t>dev</a:t>
             </a:r>
             <a:r>
-              <a:rPr lang="fr-FR" sz="1800" dirty="0" smtClean="0"/>
+              <a:rPr lang="fr-FR" sz="2000" dirty="0" smtClean="0"/>
               <a:t> et ceux de la version de </a:t>
             </a:r>
             <a:r>
-              <a:rPr lang="fr-FR" sz="1800" dirty="0" err="1" smtClean="0"/>
+              <a:rPr lang="fr-FR" sz="2000" dirty="0" err="1" smtClean="0"/>
               <a:t>prod</a:t>
             </a:r>
-            <a:endParaRPr lang="fr-FR" sz="1800" dirty="0" smtClean="0"/>
+            <a:endParaRPr lang="fr-FR" sz="2000" dirty="0" smtClean="0"/>
           </a:p>
           <a:p>
             <a:pPr lvl="1"/>
             <a:r>
-              <a:rPr lang="fr-FR" sz="1800" dirty="0" smtClean="0"/>
+              <a:rPr lang="fr-FR" sz="2000" dirty="0" smtClean="0"/>
               <a:t>Séparer complètement :</a:t>
             </a:r>
           </a:p>
           <a:p>
             <a:pPr lvl="2"/>
             <a:r>
-              <a:rPr lang="fr-FR" sz="1400" dirty="0" smtClean="0"/>
+              <a:rPr lang="fr-FR" sz="1600" dirty="0" smtClean="0"/>
               <a:t>Les fichiers de configuration</a:t>
             </a:r>
           </a:p>
           <a:p>
             <a:pPr lvl="2"/>
             <a:r>
-              <a:rPr lang="fr-FR" sz="1400" dirty="0" smtClean="0"/>
+              <a:rPr lang="fr-FR" sz="1600" dirty="0" smtClean="0"/>
               <a:t>Les fichiers générés par l’application (</a:t>
             </a:r>
             <a:r>
-              <a:rPr lang="fr-FR" sz="1400" dirty="0" err="1" smtClean="0"/>
+              <a:rPr lang="fr-FR" sz="1600" dirty="0" err="1" smtClean="0"/>
               <a:t>still</a:t>
             </a:r>
             <a:r>
-              <a:rPr lang="fr-FR" sz="1400" dirty="0" smtClean="0"/>
+              <a:rPr lang="fr-FR" sz="1600" dirty="0" smtClean="0"/>
               <a:t> alive, verrous, etc.)</a:t>
             </a:r>
           </a:p>
           <a:p>
             <a:pPr lvl="2"/>
             <a:r>
-              <a:rPr lang="fr-FR" sz="1400" dirty="0" smtClean="0"/>
+              <a:rPr lang="fr-FR" sz="1600" dirty="0" smtClean="0"/>
               <a:t>Les logs</a:t>
             </a:r>
           </a:p>
           <a:p>
             <a:pPr lvl="1"/>
             <a:r>
-              <a:rPr lang="fr-FR" sz="1800" dirty="0" smtClean="0"/>
+              <a:rPr lang="fr-FR" sz="2000" dirty="0" smtClean="0"/>
               <a:t>Les extractions devraient être dans un répertoire spécifique hors du répertoire de l’application. </a:t>
             </a:r>
           </a:p>
@@ -6171,8 +6174,8 @@
         </p:nvSpPr>
         <p:spPr>
           <a:xfrm>
-            <a:off x="254000" y="2437470"/>
-            <a:ext cx="8648700" cy="2837057"/>
+            <a:off x="254000" y="2437471"/>
+            <a:ext cx="8648700" cy="2346402"/>
           </a:xfrm>
           <a:solidFill>
             <a:schemeClr val="accent1">
@@ -6183,7 +6186,7 @@
         </p:spPr>
         <p:txBody>
           <a:bodyPr>
-            <a:normAutofit/>
+            <a:normAutofit lnSpcReduction="10000"/>
           </a:bodyPr>
           <a:lstStyle/>
           <a:p>
@@ -6214,11 +6217,13 @@
           <a:p>
             <a:r>
               <a:rPr lang="fr-FR" sz="2400" dirty="0" smtClean="0"/>
-              <a:t>Suppression des dumps de la DB effectués </a:t>
-            </a:r>
-            <a:r>
-              <a:rPr lang="fr-FR" sz="2400" smtClean="0"/>
-              <a:t>par l’utilisateur</a:t>
+              <a:t>Suppression des dumps de la DB effectués par le développeur original</a:t>
+            </a:r>
+          </a:p>
+          <a:p>
+            <a:r>
+              <a:rPr lang="fr-FR" sz="2400" dirty="0" smtClean="0"/>
+              <a:t>Correction d’un bug de l’application qui empêchait la suppression automatique des extractions</a:t>
             </a:r>
             <a:endParaRPr lang="fr-FR" dirty="0" smtClean="0"/>
           </a:p>
@@ -6329,13 +6334,13 @@
           <a:p>
             <a:r>
               <a:rPr lang="fr-FR" sz="3200" dirty="0" smtClean="0"/>
-              <a:t>2) Préconisations : </a:t>
-            </a:r>
-            <a:r>
-              <a:rPr lang="fr-FR" sz="3200" dirty="0"/>
-              <a:t>réorganisation de la structure des répertoires sur le serveur</a:t>
-            </a:r>
-            <a:endParaRPr lang="en-US" sz="3200" dirty="0"/>
+              <a:t>2) </a:t>
+            </a:r>
+            <a:r>
+              <a:rPr lang="fr-FR" sz="2800" dirty="0" smtClean="0"/>
+              <a:t>Préconisations : volume des fichiers générés</a:t>
+            </a:r>
+            <a:endParaRPr lang="en-US" sz="2800" dirty="0"/>
           </a:p>
         </p:txBody>
       </p:sp>
@@ -6374,7 +6379,7 @@
         <p:spPr>
           <a:xfrm>
             <a:off x="247650" y="2389690"/>
-            <a:ext cx="8648700" cy="3698875"/>
+            <a:ext cx="8648700" cy="2505695"/>
           </a:xfrm>
           <a:prstGeom prst="rect">
             <a:avLst/>
@@ -6557,71 +6562,38 @@
           <a:p>
             <a:r>
               <a:rPr lang="fr-FR" sz="2400" dirty="0" smtClean="0"/>
-              <a:t>Nécessité de pousser cette action plus loin : </a:t>
-            </a:r>
-          </a:p>
-          <a:p>
-            <a:pPr lvl="1"/>
-            <a:r>
-              <a:rPr lang="fr-FR" sz="1800" dirty="0" smtClean="0"/>
-              <a:t>Rassembler tous les types de logs dans un seul endroit (serveur, application, etc.), en séparant ceux de la version de </a:t>
-            </a:r>
-            <a:r>
-              <a:rPr lang="fr-FR" sz="1800" dirty="0" err="1" smtClean="0"/>
-              <a:t>dev</a:t>
-            </a:r>
-            <a:r>
-              <a:rPr lang="fr-FR" sz="1800" dirty="0" smtClean="0"/>
-              <a:t> et ceux de la version de </a:t>
-            </a:r>
-            <a:r>
-              <a:rPr lang="fr-FR" sz="1800" dirty="0" err="1" smtClean="0"/>
-              <a:t>prod</a:t>
-            </a:r>
+              <a:t>Définir une politique claire de sauvegarde/suppression des fichiers</a:t>
+            </a:r>
+          </a:p>
+          <a:p>
+            <a:r>
+              <a:rPr lang="fr-FR" sz="2400" dirty="0" smtClean="0"/>
+              <a:t>Supprimer les fichiers régulièrement à l’aide de scripts, en particulier </a:t>
+            </a:r>
+            <a:r>
+              <a:rPr lang="fr-FR" sz="2400" b="1" dirty="0" smtClean="0"/>
+              <a:t>les extractions</a:t>
+            </a:r>
+          </a:p>
+          <a:p>
+            <a:r>
+              <a:rPr lang="fr-FR" sz="2400" dirty="0" smtClean="0"/>
+              <a:t>Etablir une </a:t>
+            </a:r>
+            <a:r>
+              <a:rPr lang="fr-FR" sz="2400" b="1" dirty="0" smtClean="0"/>
+              <a:t>cartographie</a:t>
+            </a:r>
+            <a:r>
+              <a:rPr lang="fr-FR" sz="2400" dirty="0" smtClean="0"/>
+              <a:t> précise des répertoires qui contiennent ces fichiers</a:t>
+            </a:r>
+          </a:p>
+          <a:p>
+            <a:endParaRPr lang="fr-FR" sz="2400" dirty="0"/>
+          </a:p>
+          <a:p>
             <a:endParaRPr lang="fr-FR" sz="1800" dirty="0" smtClean="0"/>
-          </a:p>
-          <a:p>
-            <a:pPr lvl="1"/>
-            <a:r>
-              <a:rPr lang="fr-FR" sz="1800" dirty="0" smtClean="0"/>
-              <a:t>Séparer complètement :</a:t>
-            </a:r>
-          </a:p>
-          <a:p>
-            <a:pPr lvl="2"/>
-            <a:r>
-              <a:rPr lang="fr-FR" sz="1400" dirty="0" smtClean="0"/>
-              <a:t>Les fichiers de configuration</a:t>
-            </a:r>
-          </a:p>
-          <a:p>
-            <a:pPr lvl="2"/>
-            <a:r>
-              <a:rPr lang="fr-FR" sz="1400" dirty="0" smtClean="0"/>
-              <a:t>Les fichiers générés par l’application (</a:t>
-            </a:r>
-            <a:r>
-              <a:rPr lang="fr-FR" sz="1400" dirty="0" err="1" smtClean="0"/>
-              <a:t>still</a:t>
-            </a:r>
-            <a:r>
-              <a:rPr lang="fr-FR" sz="1400" dirty="0" smtClean="0"/>
-              <a:t> alive, verrous, etc.)</a:t>
-            </a:r>
-          </a:p>
-          <a:p>
-            <a:pPr lvl="2"/>
-            <a:r>
-              <a:rPr lang="fr-FR" sz="1400" dirty="0" smtClean="0"/>
-              <a:t>Les logs</a:t>
-            </a:r>
-          </a:p>
-          <a:p>
-            <a:pPr lvl="1"/>
-            <a:r>
-              <a:rPr lang="fr-FR" sz="1800" dirty="0" smtClean="0"/>
-              <a:t>Les extractions devraient être dans un répertoire spécifique hors du répertoire de l’application. </a:t>
-            </a:r>
           </a:p>
           <a:p>
             <a:pPr lvl="1"/>
@@ -6696,7 +6668,11 @@
           <a:p>
             <a:r>
               <a:rPr lang="fr-FR" sz="3600" dirty="0" smtClean="0"/>
-              <a:t>Problème 1 : interruption de la collecte</a:t>
+              <a:t>3) Interruption </a:t>
+            </a:r>
+            <a:r>
+              <a:rPr lang="fr-FR" sz="3600" dirty="0" smtClean="0"/>
+              <a:t>de la collecte</a:t>
             </a:r>
             <a:endParaRPr lang="fr-FR" sz="3600" dirty="0"/>
           </a:p>
@@ -6816,16 +6792,14 @@
         </p:nvSpPr>
         <p:spPr/>
         <p:txBody>
-          <a:bodyPr>
-            <a:normAutofit/>
-          </a:bodyPr>
-          <a:lstStyle/>
-          <a:p>
-            <a:r>
-              <a:rPr lang="fr-FR" sz="3600" dirty="0" smtClean="0"/>
-              <a:t>Problème 2 : extractions incohérentes</a:t>
-            </a:r>
-            <a:endParaRPr lang="en-US" sz="3600" dirty="0"/>
+          <a:bodyPr/>
+          <a:lstStyle/>
+          <a:p>
+            <a:r>
+              <a:rPr lang="fr-FR" dirty="0" smtClean="0"/>
+              <a:t>3) Interruption de la collecte</a:t>
+            </a:r>
+            <a:endParaRPr lang="en-US" dirty="0"/>
           </a:p>
         </p:txBody>
       </p:sp>
@@ -6844,7 +6818,86 @@
           <a:bodyPr/>
           <a:lstStyle/>
           <a:p>
-            <a:endParaRPr lang="en-US"/>
+            <a:r>
+              <a:rPr lang="fr-FR" dirty="0" smtClean="0"/>
+              <a:t>Informations de départ :</a:t>
+            </a:r>
+          </a:p>
+          <a:p>
+            <a:pPr lvl="1"/>
+            <a:r>
+              <a:rPr lang="fr-FR" dirty="0" smtClean="0"/>
+              <a:t>Ruptures allant de plusieurs minutes à plusieurs jours</a:t>
+            </a:r>
+          </a:p>
+          <a:p>
+            <a:pPr lvl="1"/>
+            <a:r>
+              <a:rPr lang="fr-FR" dirty="0" smtClean="0"/>
+              <a:t>Certains flux sont parfois épargnés</a:t>
+            </a:r>
+          </a:p>
+          <a:p>
+            <a:pPr lvl="1"/>
+            <a:r>
+              <a:rPr lang="fr-FR" dirty="0" smtClean="0"/>
+              <a:t>Observation faite à partir des dates de récupération</a:t>
+            </a:r>
+          </a:p>
+          <a:p>
+            <a:pPr lvl="1"/>
+            <a:r>
+              <a:rPr lang="fr-FR" dirty="0" smtClean="0"/>
+              <a:t>Visible après extraction, ou avec les </a:t>
+            </a:r>
+            <a:r>
+              <a:rPr lang="fr-FR" dirty="0" err="1" smtClean="0"/>
+              <a:t>charts</a:t>
+            </a:r>
+            <a:r>
+              <a:rPr lang="fr-FR" dirty="0" smtClean="0"/>
+              <a:t> de la web </a:t>
+            </a:r>
+            <a:r>
+              <a:rPr lang="fr-FR" dirty="0" err="1" smtClean="0"/>
+              <a:t>app</a:t>
+            </a:r>
+            <a:endParaRPr lang="fr-FR" dirty="0" smtClean="0"/>
+          </a:p>
+          <a:p>
+            <a:pPr lvl="1"/>
+            <a:r>
+              <a:rPr lang="fr-FR" dirty="0" smtClean="0"/>
+              <a:t>Script </a:t>
+            </a:r>
+            <a:r>
+              <a:rPr lang="fr-FR" dirty="0" err="1" smtClean="0"/>
+              <a:t>Huma-num</a:t>
+            </a:r>
+            <a:r>
+              <a:rPr lang="fr-FR" dirty="0" smtClean="0"/>
+              <a:t> permet de détecter coupures en évaluant la date du dernier item</a:t>
+            </a:r>
+          </a:p>
+          <a:p>
+            <a:pPr lvl="1"/>
+            <a:r>
+              <a:rPr lang="fr-FR" dirty="0" smtClean="0"/>
+              <a:t>Si deux applications sont actives, les coupures ne surviennent pas de manière </a:t>
+            </a:r>
+            <a:r>
+              <a:rPr lang="fr-FR" dirty="0" err="1" smtClean="0"/>
+              <a:t>concomittantes</a:t>
+            </a:r>
+            <a:endParaRPr lang="fr-FR" dirty="0" smtClean="0"/>
+          </a:p>
+          <a:p>
+            <a:pPr lvl="1"/>
+            <a:r>
+              <a:rPr lang="fr-FR" dirty="0" smtClean="0"/>
+              <a:t>Ne semble pas relié à un évènement externe particulier</a:t>
+            </a:r>
+            <a:endParaRPr lang="en-US" dirty="0"/>
           </a:p>
         </p:txBody>
       </p:sp>
@@ -6875,13 +6928,20 @@
     </p:spTree>
     <p:extLst>
       <p:ext uri="{BB962C8B-B14F-4D97-AF65-F5344CB8AC3E}">
-        <p14:creationId xmlns:p14="http://schemas.microsoft.com/office/powerpoint/2010/main" val="3439093969"/>
+        <p14:creationId xmlns:p14="http://schemas.microsoft.com/office/powerpoint/2010/main" val="545098750"/>
       </p:ext>
     </p:extLst>
   </p:cSld>
   <p:clrMapOvr>
     <a:masterClrMapping/>
   </p:clrMapOvr>
+  <p:timing>
+    <p:tnLst>
+      <p:par>
+        <p:cTn id="1" dur="indefinite" restart="never" nodeType="tmRoot"/>
+      </p:par>
+    </p:tnLst>
+  </p:timing>
 </p:sld>
 </file>
 
@@ -6914,16 +6974,14 @@
         </p:nvSpPr>
         <p:spPr/>
         <p:txBody>
-          <a:bodyPr>
-            <a:noAutofit/>
-          </a:bodyPr>
-          <a:lstStyle/>
-          <a:p>
-            <a:r>
-              <a:rPr lang="fr-FR" sz="3200" dirty="0" smtClean="0"/>
-              <a:t>Problème 3 : interface peu fonctionnelle</a:t>
-            </a:r>
-            <a:endParaRPr lang="en-US" sz="3200" dirty="0"/>
+          <a:bodyPr/>
+          <a:lstStyle/>
+          <a:p>
+            <a:r>
+              <a:rPr lang="fr-FR" dirty="0" smtClean="0"/>
+              <a:t>3) Interruption de la collecte</a:t>
+            </a:r>
+            <a:endParaRPr lang="en-US" dirty="0"/>
           </a:p>
         </p:txBody>
       </p:sp>
@@ -6937,12 +6995,84 @@
             <p:ph idx="1"/>
           </p:nvPr>
         </p:nvSpPr>
-        <p:spPr/>
+        <p:spPr>
+          <a:solidFill>
+            <a:schemeClr val="accent2">
+              <a:lumMod val="20000"/>
+              <a:lumOff val="80000"/>
+            </a:schemeClr>
+          </a:solidFill>
+        </p:spPr>
         <p:txBody>
           <a:bodyPr/>
           <a:lstStyle/>
           <a:p>
-            <a:endParaRPr lang="en-US"/>
+            <a:r>
+              <a:rPr lang="fr-FR" dirty="0" smtClean="0"/>
+              <a:t>Hypothèses invalides :</a:t>
+            </a:r>
+          </a:p>
+          <a:p>
+            <a:pPr lvl="1"/>
+            <a:r>
+              <a:rPr lang="fr-FR" dirty="0" smtClean="0">
+                <a:solidFill>
+                  <a:srgbClr val="FF0000"/>
+                </a:solidFill>
+              </a:rPr>
+              <a:t>Coupure du serveur : </a:t>
+            </a:r>
+            <a:r>
+              <a:rPr lang="fr-FR" dirty="0" smtClean="0"/>
+              <a:t>certains flux sont récupérés, des logs sont toujours générés</a:t>
+            </a:r>
+          </a:p>
+          <a:p>
+            <a:pPr lvl="1"/>
+            <a:r>
+              <a:rPr lang="fr-FR" dirty="0" smtClean="0">
+                <a:solidFill>
+                  <a:srgbClr val="FF0000"/>
+                </a:solidFill>
+              </a:rPr>
+              <a:t>Coupure du réseau : </a:t>
+            </a:r>
+            <a:r>
+              <a:rPr lang="fr-FR" dirty="0" smtClean="0"/>
+              <a:t>l’application reste accessible pendant les périodes de trouble</a:t>
+            </a:r>
+          </a:p>
+          <a:p>
+            <a:pPr lvl="1"/>
+            <a:r>
+              <a:rPr lang="fr-FR" dirty="0" smtClean="0">
+                <a:solidFill>
+                  <a:srgbClr val="FF0000"/>
+                </a:solidFill>
+              </a:rPr>
+              <a:t>Erreur d’assignation de la date : </a:t>
+            </a:r>
+            <a:r>
+              <a:rPr lang="fr-FR" dirty="0" smtClean="0"/>
+              <a:t>les logs </a:t>
+            </a:r>
+            <a:r>
+              <a:rPr lang="fr-FR" dirty="0" err="1" smtClean="0"/>
+              <a:t>errors</a:t>
+            </a:r>
+            <a:r>
+              <a:rPr lang="fr-FR" dirty="0" smtClean="0"/>
+              <a:t> de l’application montrent un état anormal de l’application : débute par une grande quantité d’exceptions, puis les tâches de collecte de flux ne donnent plus de signes de vie</a:t>
+            </a:r>
+            <a:endParaRPr lang="fr-FR" dirty="0" smtClean="0">
+              <a:solidFill>
+                <a:srgbClr val="FF0000"/>
+              </a:solidFill>
+            </a:endParaRPr>
+          </a:p>
+          <a:p>
+            <a:pPr lvl="2"/>
+            <a:endParaRPr lang="en-US" dirty="0"/>
           </a:p>
         </p:txBody>
       </p:sp>
@@ -6973,13 +7103,20 @@
     </p:spTree>
     <p:extLst>
       <p:ext uri="{BB962C8B-B14F-4D97-AF65-F5344CB8AC3E}">
-        <p14:creationId xmlns:p14="http://schemas.microsoft.com/office/powerpoint/2010/main" val="1955911785"/>
+        <p14:creationId xmlns:p14="http://schemas.microsoft.com/office/powerpoint/2010/main" val="715778149"/>
       </p:ext>
     </p:extLst>
   </p:cSld>
   <p:clrMapOvr>
     <a:masterClrMapping/>
   </p:clrMapOvr>
+  <p:timing>
+    <p:tnLst>
+      <p:par>
+        <p:cTn id="1" dur="indefinite" restart="never" nodeType="tmRoot"/>
+      </p:par>
+    </p:tnLst>
+  </p:timing>
 </p:sld>
 </file>
 
@@ -7017,7 +7154,7 @@
           <a:p>
             <a:r>
               <a:rPr lang="fr-FR" dirty="0" smtClean="0"/>
-              <a:t>Organisation du travail</a:t>
+              <a:t>3) Interruption de la collecte</a:t>
             </a:r>
             <a:endParaRPr lang="en-US" dirty="0"/>
           </a:p>
@@ -7034,45 +7171,132 @@
           </p:nvPr>
         </p:nvSpPr>
         <p:spPr>
-          <a:xfrm>
-            <a:off x="254000" y="2250659"/>
-            <a:ext cx="2199832" cy="4386263"/>
-          </a:xfrm>
+          <a:solidFill>
+            <a:schemeClr val="accent6">
+              <a:lumMod val="20000"/>
+              <a:lumOff val="80000"/>
+            </a:schemeClr>
+          </a:solidFill>
         </p:spPr>
         <p:txBody>
-          <a:bodyPr>
-            <a:normAutofit/>
-          </a:bodyPr>
-          <a:lstStyle/>
-          <a:p>
-            <a:r>
-              <a:rPr lang="fr-FR" sz="1800" dirty="0" smtClean="0"/>
-              <a:t>Prise en main du </a:t>
-            </a:r>
-            <a:r>
-              <a:rPr lang="fr-FR" sz="1800" dirty="0" err="1" smtClean="0"/>
-              <a:t>framework</a:t>
-            </a:r>
-            <a:endParaRPr lang="fr-FR" sz="1800" dirty="0" smtClean="0"/>
-          </a:p>
-          <a:p>
-            <a:endParaRPr lang="fr-FR" sz="1800" dirty="0"/>
-          </a:p>
-          <a:p>
-            <a:r>
-              <a:rPr lang="fr-FR" sz="1800" dirty="0" smtClean="0"/>
-              <a:t>Administration du serveur</a:t>
-            </a:r>
-          </a:p>
-          <a:p>
-            <a:endParaRPr lang="fr-FR" sz="1800" dirty="0"/>
-          </a:p>
-          <a:p>
-            <a:r>
-              <a:rPr lang="fr-FR" sz="1800" dirty="0" smtClean="0"/>
-              <a:t>Documentation</a:t>
-            </a:r>
-            <a:endParaRPr lang="en-US" sz="1800" dirty="0"/>
+          <a:bodyPr/>
+          <a:lstStyle/>
+          <a:p>
+            <a:r>
+              <a:rPr lang="fr-FR" dirty="0" smtClean="0"/>
+              <a:t>Hypothèses plausibles</a:t>
+            </a:r>
+            <a:endParaRPr lang="en-US" dirty="0" smtClean="0"/>
+          </a:p>
+          <a:p>
+            <a:pPr lvl="1"/>
+            <a:r>
+              <a:rPr lang="fr-FR" dirty="0" smtClean="0">
+                <a:solidFill>
+                  <a:schemeClr val="accent6">
+                    <a:lumMod val="75000"/>
+                  </a:schemeClr>
+                </a:solidFill>
+              </a:rPr>
+              <a:t>Problème de synchronisation : </a:t>
+            </a:r>
+            <a:r>
+              <a:rPr lang="fr-FR" dirty="0" err="1" smtClean="0">
+                <a:solidFill>
+                  <a:schemeClr val="accent6">
+                    <a:lumMod val="75000"/>
+                  </a:schemeClr>
+                </a:solidFill>
+              </a:rPr>
+              <a:t>interblocage</a:t>
+            </a:r>
+            <a:r>
+              <a:rPr lang="fr-FR" dirty="0" smtClean="0">
+                <a:solidFill>
+                  <a:schemeClr val="accent6">
+                    <a:lumMod val="75000"/>
+                  </a:schemeClr>
+                </a:solidFill>
+              </a:rPr>
+              <a:t> des tâches de collecte. </a:t>
+            </a:r>
+          </a:p>
+          <a:p>
+            <a:pPr lvl="2"/>
+            <a:r>
+              <a:rPr lang="fr-FR" dirty="0" smtClean="0"/>
+              <a:t>La présence d’items avec des id similaires montre qu’il existe des problèmes critiques au niveau de la synchronisation des tâches et de l’accès à la DB. </a:t>
+            </a:r>
+          </a:p>
+          <a:p>
+            <a:pPr lvl="2"/>
+            <a:r>
+              <a:rPr lang="fr-FR" dirty="0" smtClean="0"/>
+              <a:t>Peut également expliquer la grande quantité d’exceptions de type timeout trouvés dans les logs lors des perturbations</a:t>
+            </a:r>
+          </a:p>
+          <a:p>
+            <a:pPr lvl="1"/>
+            <a:r>
+              <a:rPr lang="fr-FR" dirty="0" smtClean="0">
+                <a:solidFill>
+                  <a:schemeClr val="accent6">
+                    <a:lumMod val="75000"/>
+                  </a:schemeClr>
+                </a:solidFill>
+              </a:rPr>
+              <a:t>Mauvaise configuration des timeouts</a:t>
+            </a:r>
+          </a:p>
+          <a:p>
+            <a:pPr lvl="1"/>
+            <a:r>
+              <a:rPr lang="fr-FR" dirty="0" smtClean="0">
+                <a:solidFill>
+                  <a:schemeClr val="accent6">
+                    <a:lumMod val="75000"/>
+                  </a:schemeClr>
+                </a:solidFill>
+              </a:rPr>
+              <a:t>Pas de mécanisme de rétrocontrôle : </a:t>
+            </a:r>
+            <a:r>
+              <a:rPr lang="fr-FR" dirty="0" smtClean="0"/>
+              <a:t>les traces d’un mécanisme de détection d’</a:t>
+            </a:r>
+            <a:r>
+              <a:rPr lang="fr-FR" dirty="0" err="1" smtClean="0"/>
+              <a:t>interblocages</a:t>
+            </a:r>
+            <a:r>
+              <a:rPr lang="fr-FR" dirty="0" smtClean="0"/>
+              <a:t> sont visibles dans le code, mais il n’est plus actif.</a:t>
+            </a:r>
+            <a:endParaRPr lang="fr-FR" dirty="0" smtClean="0">
+              <a:solidFill>
+                <a:schemeClr val="accent6">
+                  <a:lumMod val="75000"/>
+                </a:schemeClr>
+              </a:solidFill>
+            </a:endParaRPr>
+          </a:p>
+          <a:p>
+            <a:pPr lvl="1"/>
+            <a:endParaRPr lang="fr-FR" dirty="0" smtClean="0">
+              <a:solidFill>
+                <a:schemeClr val="accent6">
+                  <a:lumMod val="75000"/>
+                </a:schemeClr>
+              </a:solidFill>
+            </a:endParaRPr>
+          </a:p>
+          <a:p>
+            <a:pPr lvl="1"/>
+            <a:endParaRPr lang="fr-FR" dirty="0" smtClean="0">
+              <a:solidFill>
+                <a:srgbClr val="C89800"/>
+              </a:solidFill>
+            </a:endParaRPr>
           </a:p>
         </p:txBody>
       </p:sp>
@@ -7100,176 +7324,23 @@
           </a:p>
         </p:txBody>
       </p:sp>
-      <p:sp>
-        <p:nvSpPr>
-          <p:cNvPr id="5" name="Rectangle 4"/>
-          <p:cNvSpPr/>
-          <p:nvPr/>
-        </p:nvSpPr>
-        <p:spPr>
-          <a:xfrm>
-            <a:off x="2453832" y="2250659"/>
-            <a:ext cx="1979271" cy="636607"/>
-          </a:xfrm>
-          <a:prstGeom prst="rect">
-            <a:avLst/>
-          </a:prstGeom>
-        </p:spPr>
-        <p:style>
-          <a:lnRef idx="2">
-            <a:schemeClr val="accent1">
-              <a:shade val="50000"/>
-            </a:schemeClr>
-          </a:lnRef>
-          <a:fillRef idx="1">
-            <a:schemeClr val="accent1"/>
-          </a:fillRef>
-          <a:effectRef idx="0">
-            <a:schemeClr val="accent1"/>
-          </a:effectRef>
-          <a:fontRef idx="minor">
-            <a:schemeClr val="lt1"/>
-          </a:fontRef>
-        </p:style>
-        <p:txBody>
-          <a:bodyPr rtlCol="0" anchor="ctr"/>
-          <a:lstStyle/>
-          <a:p>
-            <a:pPr algn="ctr"/>
-            <a:endParaRPr lang="en-US"/>
-          </a:p>
-        </p:txBody>
-      </p:sp>
-      <p:sp>
-        <p:nvSpPr>
-          <p:cNvPr id="6" name="Rectangle 5"/>
-          <p:cNvSpPr/>
-          <p:nvPr/>
-        </p:nvSpPr>
-        <p:spPr>
-          <a:xfrm>
-            <a:off x="3842795" y="3347224"/>
-            <a:ext cx="1979271" cy="636607"/>
-          </a:xfrm>
-          <a:prstGeom prst="rect">
-            <a:avLst/>
-          </a:prstGeom>
-        </p:spPr>
-        <p:style>
-          <a:lnRef idx="2">
-            <a:schemeClr val="accent1">
-              <a:shade val="50000"/>
-            </a:schemeClr>
-          </a:lnRef>
-          <a:fillRef idx="1">
-            <a:schemeClr val="accent1"/>
-          </a:fillRef>
-          <a:effectRef idx="0">
-            <a:schemeClr val="accent1"/>
-          </a:effectRef>
-          <a:fontRef idx="minor">
-            <a:schemeClr val="lt1"/>
-          </a:fontRef>
-        </p:style>
-        <p:txBody>
-          <a:bodyPr rtlCol="0" anchor="ctr"/>
-          <a:lstStyle/>
-          <a:p>
-            <a:pPr algn="ctr"/>
-            <a:endParaRPr lang="en-US"/>
-          </a:p>
-        </p:txBody>
-      </p:sp>
-      <p:sp>
-        <p:nvSpPr>
-          <p:cNvPr id="7" name="Rectangle 6"/>
-          <p:cNvSpPr/>
-          <p:nvPr/>
-        </p:nvSpPr>
-        <p:spPr>
-          <a:xfrm>
-            <a:off x="5127585" y="4125486"/>
-            <a:ext cx="1979271" cy="636607"/>
-          </a:xfrm>
-          <a:prstGeom prst="rect">
-            <a:avLst/>
-          </a:prstGeom>
-        </p:spPr>
-        <p:style>
-          <a:lnRef idx="2">
-            <a:schemeClr val="accent1">
-              <a:shade val="50000"/>
-            </a:schemeClr>
-          </a:lnRef>
-          <a:fillRef idx="1">
-            <a:schemeClr val="accent1"/>
-          </a:fillRef>
-          <a:effectRef idx="0">
-            <a:schemeClr val="accent1"/>
-          </a:effectRef>
-          <a:fontRef idx="minor">
-            <a:schemeClr val="lt1"/>
-          </a:fontRef>
-        </p:style>
-        <p:txBody>
-          <a:bodyPr rtlCol="0" anchor="ctr"/>
-          <a:lstStyle/>
-          <a:p>
-            <a:pPr algn="ctr"/>
-            <a:endParaRPr lang="en-US"/>
-          </a:p>
-        </p:txBody>
-      </p:sp>
-      <p:sp>
-        <p:nvSpPr>
-          <p:cNvPr id="8" name="Rectangle 7"/>
-          <p:cNvSpPr/>
-          <p:nvPr/>
-        </p:nvSpPr>
-        <p:spPr>
-          <a:xfrm>
-            <a:off x="6690689" y="4929782"/>
-            <a:ext cx="1979271" cy="636607"/>
-          </a:xfrm>
-          <a:prstGeom prst="rect">
-            <a:avLst/>
-          </a:prstGeom>
-        </p:spPr>
-        <p:style>
-          <a:lnRef idx="2">
-            <a:schemeClr val="accent1">
-              <a:shade val="50000"/>
-            </a:schemeClr>
-          </a:lnRef>
-          <a:fillRef idx="1">
-            <a:schemeClr val="accent1"/>
-          </a:fillRef>
-          <a:effectRef idx="0">
-            <a:schemeClr val="accent1"/>
-          </a:effectRef>
-          <a:fontRef idx="minor">
-            <a:schemeClr val="lt1"/>
-          </a:fontRef>
-        </p:style>
-        <p:txBody>
-          <a:bodyPr rtlCol="0" anchor="ctr"/>
-          <a:lstStyle/>
-          <a:p>
-            <a:pPr algn="ctr"/>
-            <a:endParaRPr lang="en-US"/>
-          </a:p>
-        </p:txBody>
-      </p:sp>
     </p:spTree>
     <p:extLst>
       <p:ext uri="{BB962C8B-B14F-4D97-AF65-F5344CB8AC3E}">
-        <p14:creationId xmlns:p14="http://schemas.microsoft.com/office/powerpoint/2010/main" val="1290625596"/>
+        <p14:creationId xmlns:p14="http://schemas.microsoft.com/office/powerpoint/2010/main" val="3648013002"/>
       </p:ext>
     </p:extLst>
   </p:cSld>
   <p:clrMapOvr>
     <a:masterClrMapping/>
   </p:clrMapOvr>
+  <p:timing>
+    <p:tnLst>
+      <p:par>
+        <p:cTn id="1" dur="indefinite" restart="never" nodeType="tmRoot"/>
+      </p:par>
+    </p:tnLst>
+  </p:timing>
 </p:sld>
 </file>
 
@@ -7726,6 +7797,397 @@
           <a:p>
             <a:r>
               <a:rPr lang="fr-FR" dirty="0" smtClean="0"/>
+              <a:t>3) Interruption de la collecte</a:t>
+            </a:r>
+            <a:endParaRPr lang="en-US" dirty="0"/>
+          </a:p>
+        </p:txBody>
+      </p:sp>
+      <p:sp>
+        <p:nvSpPr>
+          <p:cNvPr id="3" name="Espace réservé du contenu 2"/>
+          <p:cNvSpPr>
+            <a:spLocks noGrp="1"/>
+          </p:cNvSpPr>
+          <p:nvPr>
+            <p:ph idx="1"/>
+          </p:nvPr>
+        </p:nvSpPr>
+        <p:spPr/>
+        <p:txBody>
+          <a:bodyPr/>
+          <a:lstStyle/>
+          <a:p>
+            <a:r>
+              <a:rPr lang="fr-FR" dirty="0" smtClean="0"/>
+              <a:t>Erreur la plus récurrente lors </a:t>
+            </a:r>
+            <a:r>
+              <a:rPr lang="fr-FR" smtClean="0"/>
+              <a:t>des perturbations</a:t>
+            </a:r>
+            <a:endParaRPr lang="en-US"/>
+          </a:p>
+        </p:txBody>
+      </p:sp>
+      <p:sp>
+        <p:nvSpPr>
+          <p:cNvPr id="4" name="Espace réservé du numéro de diapositive 3"/>
+          <p:cNvSpPr>
+            <a:spLocks noGrp="1"/>
+          </p:cNvSpPr>
+          <p:nvPr>
+            <p:ph type="sldNum" sz="quarter" idx="12"/>
+          </p:nvPr>
+        </p:nvSpPr>
+        <p:spPr/>
+        <p:txBody>
+          <a:bodyPr/>
+          <a:lstStyle/>
+          <a:p>
+            <a:fld id="{87D9652F-9609-4EC6-8E0A-C96E14B58A2A}" type="slidenum">
+              <a:rPr lang="fr-FR" smtClean="0"/>
+              <a:pPr/>
+              <a:t>20</a:t>
+            </a:fld>
+            <a:endParaRPr lang="fr-FR" dirty="0"/>
+          </a:p>
+        </p:txBody>
+      </p:sp>
+    </p:spTree>
+    <p:extLst>
+      <p:ext uri="{BB962C8B-B14F-4D97-AF65-F5344CB8AC3E}">
+        <p14:creationId xmlns:p14="http://schemas.microsoft.com/office/powerpoint/2010/main" val="2918650107"/>
+      </p:ext>
+    </p:extLst>
+  </p:cSld>
+  <p:clrMapOvr>
+    <a:masterClrMapping/>
+  </p:clrMapOvr>
+  <p:timing>
+    <p:tnLst>
+      <p:par>
+        <p:cTn id="1" dur="indefinite" restart="never" nodeType="tmRoot"/>
+      </p:par>
+    </p:tnLst>
+  </p:timing>
+</p:sld>
+</file>
+
+<file path=ppt/slides/slide21.xml><?xml version="1.0" encoding="utf-8"?>
+<p:sld xmlns:a="http://schemas.openxmlformats.org/drawingml/2006/main" xmlns:r="http://schemas.openxmlformats.org/officeDocument/2006/relationships" xmlns:p="http://schemas.openxmlformats.org/presentationml/2006/main">
+  <p:cSld>
+    <p:spTree>
+      <p:nvGrpSpPr>
+        <p:cNvPr id="1" name=""/>
+        <p:cNvGrpSpPr/>
+        <p:nvPr/>
+      </p:nvGrpSpPr>
+      <p:grpSpPr>
+        <a:xfrm>
+          <a:off x="0" y="0"/>
+          <a:ext cx="0" cy="0"/>
+          <a:chOff x="0" y="0"/>
+          <a:chExt cx="0" cy="0"/>
+        </a:xfrm>
+      </p:grpSpPr>
+      <p:sp>
+        <p:nvSpPr>
+          <p:cNvPr id="2" name="Titre 1"/>
+          <p:cNvSpPr>
+            <a:spLocks noGrp="1"/>
+          </p:cNvSpPr>
+          <p:nvPr>
+            <p:ph type="title"/>
+          </p:nvPr>
+        </p:nvSpPr>
+        <p:spPr/>
+        <p:txBody>
+          <a:bodyPr>
+            <a:normAutofit/>
+          </a:bodyPr>
+          <a:lstStyle/>
+          <a:p>
+            <a:r>
+              <a:rPr lang="fr-FR" sz="3600" dirty="0" smtClean="0"/>
+              <a:t>3) Actions : interruption de la collecte</a:t>
+            </a:r>
+            <a:endParaRPr lang="en-US" sz="3600" dirty="0"/>
+          </a:p>
+        </p:txBody>
+      </p:sp>
+      <p:sp>
+        <p:nvSpPr>
+          <p:cNvPr id="3" name="Espace réservé du contenu 2"/>
+          <p:cNvSpPr>
+            <a:spLocks noGrp="1"/>
+          </p:cNvSpPr>
+          <p:nvPr>
+            <p:ph idx="1"/>
+          </p:nvPr>
+        </p:nvSpPr>
+        <p:spPr>
+          <a:xfrm>
+            <a:off x="254000" y="1790701"/>
+            <a:ext cx="8648700" cy="3461524"/>
+          </a:xfrm>
+          <a:solidFill>
+            <a:schemeClr val="accent1">
+              <a:lumMod val="20000"/>
+              <a:lumOff val="80000"/>
+            </a:schemeClr>
+          </a:solidFill>
+        </p:spPr>
+        <p:txBody>
+          <a:bodyPr/>
+          <a:lstStyle/>
+          <a:p>
+            <a:r>
+              <a:rPr lang="fr-FR" dirty="0" smtClean="0"/>
+              <a:t>Ecriture d’un script redémarrant l’appli après un certain temps d’activité. Aucun effet, la rupture continue après le redémarrage.</a:t>
+            </a:r>
+          </a:p>
+          <a:p>
+            <a:r>
+              <a:rPr lang="fr-FR" dirty="0" smtClean="0"/>
+              <a:t>Analyse du code : </a:t>
+            </a:r>
+          </a:p>
+          <a:p>
+            <a:pPr lvl="1"/>
+            <a:r>
+              <a:rPr lang="fr-FR" dirty="0"/>
+              <a:t>L</a:t>
+            </a:r>
+            <a:r>
+              <a:rPr lang="fr-FR" dirty="0" smtClean="0"/>
+              <a:t>’application est trop peu documentée</a:t>
+            </a:r>
+          </a:p>
+          <a:p>
+            <a:pPr lvl="1"/>
+            <a:r>
+              <a:rPr lang="fr-FR" dirty="0"/>
+              <a:t>S</a:t>
+            </a:r>
+            <a:r>
+              <a:rPr lang="fr-FR" dirty="0" smtClean="0"/>
+              <a:t>a structure est complexe</a:t>
+            </a:r>
+          </a:p>
+          <a:p>
+            <a:pPr lvl="1"/>
+            <a:r>
+              <a:rPr lang="fr-FR" dirty="0" smtClean="0"/>
+              <a:t>Les erreurs/exceptions des logs ne sont pas assez explicites</a:t>
+            </a:r>
+          </a:p>
+          <a:p>
+            <a:endParaRPr lang="fr-FR" dirty="0" smtClean="0"/>
+          </a:p>
+          <a:p>
+            <a:pPr lvl="1"/>
+            <a:endParaRPr lang="fr-FR" dirty="0" smtClean="0">
+              <a:solidFill>
+                <a:schemeClr val="accent6">
+                  <a:lumMod val="75000"/>
+                </a:schemeClr>
+              </a:solidFill>
+            </a:endParaRPr>
+          </a:p>
+          <a:p>
+            <a:pPr lvl="1"/>
+            <a:endParaRPr lang="fr-FR" dirty="0" smtClean="0">
+              <a:solidFill>
+                <a:srgbClr val="C89800"/>
+              </a:solidFill>
+            </a:endParaRPr>
+          </a:p>
+        </p:txBody>
+      </p:sp>
+      <p:sp>
+        <p:nvSpPr>
+          <p:cNvPr id="4" name="Espace réservé du numéro de diapositive 3"/>
+          <p:cNvSpPr>
+            <a:spLocks noGrp="1"/>
+          </p:cNvSpPr>
+          <p:nvPr>
+            <p:ph type="sldNum" sz="quarter" idx="12"/>
+          </p:nvPr>
+        </p:nvSpPr>
+        <p:spPr/>
+        <p:txBody>
+          <a:bodyPr/>
+          <a:lstStyle/>
+          <a:p>
+            <a:fld id="{87D9652F-9609-4EC6-8E0A-C96E14B58A2A}" type="slidenum">
+              <a:rPr lang="fr-FR" smtClean="0"/>
+              <a:pPr/>
+              <a:t>21</a:t>
+            </a:fld>
+            <a:endParaRPr lang="fr-FR" dirty="0"/>
+          </a:p>
+        </p:txBody>
+      </p:sp>
+    </p:spTree>
+    <p:extLst>
+      <p:ext uri="{BB962C8B-B14F-4D97-AF65-F5344CB8AC3E}">
+        <p14:creationId xmlns:p14="http://schemas.microsoft.com/office/powerpoint/2010/main" val="2018720381"/>
+      </p:ext>
+    </p:extLst>
+  </p:cSld>
+  <p:clrMapOvr>
+    <a:masterClrMapping/>
+  </p:clrMapOvr>
+  <p:timing>
+    <p:tnLst>
+      <p:par>
+        <p:cTn id="1" dur="indefinite" restart="never" nodeType="tmRoot"/>
+      </p:par>
+    </p:tnLst>
+  </p:timing>
+</p:sld>
+</file>
+
+<file path=ppt/slides/slide22.xml><?xml version="1.0" encoding="utf-8"?>
+<p:sld xmlns:a="http://schemas.openxmlformats.org/drawingml/2006/main" xmlns:r="http://schemas.openxmlformats.org/officeDocument/2006/relationships" xmlns:p="http://schemas.openxmlformats.org/presentationml/2006/main">
+  <p:cSld>
+    <p:spTree>
+      <p:nvGrpSpPr>
+        <p:cNvPr id="1" name=""/>
+        <p:cNvGrpSpPr/>
+        <p:nvPr/>
+      </p:nvGrpSpPr>
+      <p:grpSpPr>
+        <a:xfrm>
+          <a:off x="0" y="0"/>
+          <a:ext cx="0" cy="0"/>
+          <a:chOff x="0" y="0"/>
+          <a:chExt cx="0" cy="0"/>
+        </a:xfrm>
+      </p:grpSpPr>
+      <p:sp>
+        <p:nvSpPr>
+          <p:cNvPr id="2" name="Titre 1"/>
+          <p:cNvSpPr>
+            <a:spLocks noGrp="1"/>
+          </p:cNvSpPr>
+          <p:nvPr>
+            <p:ph type="title"/>
+          </p:nvPr>
+        </p:nvSpPr>
+        <p:spPr/>
+        <p:txBody>
+          <a:bodyPr>
+            <a:normAutofit/>
+          </a:bodyPr>
+          <a:lstStyle/>
+          <a:p>
+            <a:r>
+              <a:rPr lang="fr-FR" sz="3600" dirty="0" smtClean="0"/>
+              <a:t>Préconisations générales</a:t>
+            </a:r>
+            <a:endParaRPr lang="en-US" sz="3600" dirty="0"/>
+          </a:p>
+        </p:txBody>
+      </p:sp>
+      <p:sp>
+        <p:nvSpPr>
+          <p:cNvPr id="4" name="Espace réservé du numéro de diapositive 3"/>
+          <p:cNvSpPr>
+            <a:spLocks noGrp="1"/>
+          </p:cNvSpPr>
+          <p:nvPr>
+            <p:ph type="sldNum" sz="quarter" idx="12"/>
+          </p:nvPr>
+        </p:nvSpPr>
+        <p:spPr/>
+        <p:txBody>
+          <a:bodyPr/>
+          <a:lstStyle/>
+          <a:p>
+            <a:fld id="{87D9652F-9609-4EC6-8E0A-C96E14B58A2A}" type="slidenum">
+              <a:rPr lang="fr-FR" smtClean="0"/>
+              <a:pPr/>
+              <a:t>22</a:t>
+            </a:fld>
+            <a:endParaRPr lang="fr-FR" dirty="0"/>
+          </a:p>
+        </p:txBody>
+      </p:sp>
+      <p:sp>
+        <p:nvSpPr>
+          <p:cNvPr id="5" name="Espace réservé du contenu 4"/>
+          <p:cNvSpPr>
+            <a:spLocks noGrp="1"/>
+          </p:cNvSpPr>
+          <p:nvPr>
+            <p:ph idx="1"/>
+          </p:nvPr>
+        </p:nvSpPr>
+        <p:spPr/>
+        <p:txBody>
+          <a:bodyPr/>
+          <a:lstStyle/>
+          <a:p>
+            <a:endParaRPr lang="en-US"/>
+          </a:p>
+        </p:txBody>
+      </p:sp>
+    </p:spTree>
+    <p:extLst>
+      <p:ext uri="{BB962C8B-B14F-4D97-AF65-F5344CB8AC3E}">
+        <p14:creationId xmlns:p14="http://schemas.microsoft.com/office/powerpoint/2010/main" val="659987490"/>
+      </p:ext>
+    </p:extLst>
+  </p:cSld>
+  <p:clrMapOvr>
+    <a:masterClrMapping/>
+  </p:clrMapOvr>
+  <p:timing>
+    <p:tnLst>
+      <p:par>
+        <p:cTn id="1" dur="indefinite" restart="never" nodeType="tmRoot"/>
+      </p:par>
+    </p:tnLst>
+  </p:timing>
+</p:sld>
+</file>
+
+<file path=ppt/slides/slide23.xml><?xml version="1.0" encoding="utf-8"?>
+<p:sld xmlns:a="http://schemas.openxmlformats.org/drawingml/2006/main" xmlns:r="http://schemas.openxmlformats.org/officeDocument/2006/relationships" xmlns:p="http://schemas.openxmlformats.org/presentationml/2006/main">
+  <p:cSld>
+    <p:spTree>
+      <p:nvGrpSpPr>
+        <p:cNvPr id="1" name=""/>
+        <p:cNvGrpSpPr/>
+        <p:nvPr/>
+      </p:nvGrpSpPr>
+      <p:grpSpPr>
+        <a:xfrm>
+          <a:off x="0" y="0"/>
+          <a:ext cx="0" cy="0"/>
+          <a:chOff x="0" y="0"/>
+          <a:chExt cx="0" cy="0"/>
+        </a:xfrm>
+      </p:grpSpPr>
+      <p:sp>
+        <p:nvSpPr>
+          <p:cNvPr id="2" name="Titre 1"/>
+          <p:cNvSpPr>
+            <a:spLocks noGrp="1"/>
+          </p:cNvSpPr>
+          <p:nvPr>
+            <p:ph type="title"/>
+          </p:nvPr>
+        </p:nvSpPr>
+        <p:spPr/>
+        <p:txBody>
+          <a:bodyPr/>
+          <a:lstStyle/>
+          <a:p>
+            <a:r>
+              <a:rPr lang="fr-FR" dirty="0" smtClean="0"/>
               <a:t>Prise en main du </a:t>
             </a:r>
             <a:r>
@@ -7816,7 +8278,7 @@
             <a:fld id="{87D9652F-9609-4EC6-8E0A-C96E14B58A2A}" type="slidenum">
               <a:rPr lang="fr-FR" smtClean="0"/>
               <a:pPr/>
-              <a:t>20</a:t>
+              <a:t>23</a:t>
             </a:fld>
             <a:endParaRPr lang="fr-FR" dirty="0"/>
           </a:p>
@@ -7832,6 +8294,13 @@
   <p:clrMapOvr>
     <a:masterClrMapping/>
   </p:clrMapOvr>
+  <p:timing>
+    <p:tnLst>
+      <p:par>
+        <p:cTn id="1" dur="indefinite" restart="never" nodeType="tmRoot"/>
+      </p:par>
+    </p:tnLst>
+  </p:timing>
 </p:sld>
 </file>
 

--- a/slides.pptx
+++ b/slides.pptx
@@ -5,7 +5,7 @@
     <p:sldMasterId id="2147483696" r:id="rId1"/>
   </p:sldMasterIdLst>
   <p:notesMasterIdLst>
-    <p:notesMasterId r:id="rId25"/>
+    <p:notesMasterId r:id="rId28"/>
   </p:notesMasterIdLst>
   <p:sldIdLst>
     <p:sldId id="256" r:id="rId2"/>
@@ -27,10 +27,13 @@
     <p:sldId id="695" r:id="rId18"/>
     <p:sldId id="696" r:id="rId19"/>
     <p:sldId id="697" r:id="rId20"/>
-    <p:sldId id="700" r:id="rId21"/>
-    <p:sldId id="698" r:id="rId22"/>
-    <p:sldId id="699" r:id="rId23"/>
-    <p:sldId id="680" r:id="rId24"/>
+    <p:sldId id="701" r:id="rId21"/>
+    <p:sldId id="700" r:id="rId22"/>
+    <p:sldId id="698" r:id="rId23"/>
+    <p:sldId id="704" r:id="rId24"/>
+    <p:sldId id="699" r:id="rId25"/>
+    <p:sldId id="702" r:id="rId26"/>
+    <p:sldId id="703" r:id="rId27"/>
   </p:sldIdLst>
   <p:sldSz cx="9144000" cy="6858000" type="screen4x3"/>
   <p:notesSz cx="6858000" cy="9144000"/>
@@ -242,7 +245,7 @@
           <a:p>
             <a:fld id="{865659F3-F9EC-428F-B501-E0BC197445D9}" type="datetimeFigureOut">
               <a:rPr lang="fr-FR" smtClean="0"/>
-              <a:t>26/10/2015</a:t>
+              <a:t>27/10/2015</a:t>
             </a:fld>
             <a:endParaRPr lang="fr-FR"/>
           </a:p>
@@ -775,6 +778,90 @@
 </p:notes>
 </file>
 
+<file path=ppt/notesSlides/notesSlide4.xml><?xml version="1.0" encoding="utf-8"?>
+<p:notes xmlns:a="http://schemas.openxmlformats.org/drawingml/2006/main" xmlns:r="http://schemas.openxmlformats.org/officeDocument/2006/relationships" xmlns:p="http://schemas.openxmlformats.org/presentationml/2006/main">
+  <p:cSld>
+    <p:spTree>
+      <p:nvGrpSpPr>
+        <p:cNvPr id="1" name=""/>
+        <p:cNvGrpSpPr/>
+        <p:nvPr/>
+      </p:nvGrpSpPr>
+      <p:grpSpPr>
+        <a:xfrm>
+          <a:off x="0" y="0"/>
+          <a:ext cx="0" cy="0"/>
+          <a:chOff x="0" y="0"/>
+          <a:chExt cx="0" cy="0"/>
+        </a:xfrm>
+      </p:grpSpPr>
+      <p:sp>
+        <p:nvSpPr>
+          <p:cNvPr id="2" name="Espace réservé de l'image des diapositives 1"/>
+          <p:cNvSpPr>
+            <a:spLocks noGrp="1" noRot="1" noChangeAspect="1"/>
+          </p:cNvSpPr>
+          <p:nvPr>
+            <p:ph type="sldImg"/>
+          </p:nvPr>
+        </p:nvSpPr>
+        <p:spPr/>
+      </p:sp>
+      <p:sp>
+        <p:nvSpPr>
+          <p:cNvPr id="3" name="Espace réservé des commentaires 2"/>
+          <p:cNvSpPr>
+            <a:spLocks noGrp="1"/>
+          </p:cNvSpPr>
+          <p:nvPr>
+            <p:ph type="body" idx="1"/>
+          </p:nvPr>
+        </p:nvSpPr>
+        <p:spPr/>
+        <p:txBody>
+          <a:bodyPr/>
+          <a:lstStyle/>
+          <a:p>
+            <a:endParaRPr lang="en-US"/>
+          </a:p>
+        </p:txBody>
+      </p:sp>
+      <p:sp>
+        <p:nvSpPr>
+          <p:cNvPr id="4" name="Espace réservé du numéro de diapositive 3"/>
+          <p:cNvSpPr>
+            <a:spLocks noGrp="1"/>
+          </p:cNvSpPr>
+          <p:nvPr>
+            <p:ph type="sldNum" sz="quarter" idx="10"/>
+          </p:nvPr>
+        </p:nvSpPr>
+        <p:spPr/>
+        <p:txBody>
+          <a:bodyPr/>
+          <a:lstStyle/>
+          <a:p>
+            <a:fld id="{7F421A2B-D86A-438C-8636-6AD70572CBB6}" type="slidenum">
+              <a:rPr lang="fr-FR" smtClean="0"/>
+              <a:t>20</a:t>
+            </a:fld>
+            <a:endParaRPr lang="fr-FR"/>
+          </a:p>
+        </p:txBody>
+      </p:sp>
+    </p:spTree>
+    <p:extLst>
+      <p:ext uri="{BB962C8B-B14F-4D97-AF65-F5344CB8AC3E}">
+        <p14:creationId xmlns:p14="http://schemas.microsoft.com/office/powerpoint/2010/main" val="199115523"/>
+      </p:ext>
+    </p:extLst>
+  </p:cSld>
+  <p:clrMapOvr>
+    <a:masterClrMapping/>
+  </p:clrMapOvr>
+</p:notes>
+</file>
+
 <file path=ppt/slideLayouts/slideLayout1.xml><?xml version="1.0" encoding="utf-8"?>
 <p:sldLayout xmlns:a="http://schemas.openxmlformats.org/drawingml/2006/main" xmlns:r="http://schemas.openxmlformats.org/officeDocument/2006/relationships" xmlns:p="http://schemas.openxmlformats.org/presentationml/2006/main" type="title" preserve="1">
   <p:cSld name="Diapositive de titre">
@@ -906,7 +993,7 @@
           <a:p>
             <a:fld id="{ADCC432E-409C-45C3-8992-ACB5CD768BDF}" type="datetime1">
               <a:rPr lang="fr-FR" smtClean="0"/>
-              <a:t>26/10/2015</a:t>
+              <a:t>27/10/2015</a:t>
             </a:fld>
             <a:endParaRPr lang="fr-FR"/>
           </a:p>
@@ -1083,7 +1170,7 @@
           <a:p>
             <a:fld id="{8CD70887-4A1D-4A12-A2B5-C0A0AEED7B3A}" type="datetime1">
               <a:rPr lang="fr-FR" smtClean="0"/>
-              <a:t>26/10/2015</a:t>
+              <a:t>27/10/2015</a:t>
             </a:fld>
             <a:endParaRPr lang="fr-FR"/>
           </a:p>
@@ -1237,7 +1324,7 @@
                 </a:solidFill>
               </a:rPr>
               <a:pPr/>
-              <a:t>26/10/2015</a:t>
+              <a:t>27/10/2015</a:t>
             </a:fld>
             <a:endParaRPr lang="fr-FR" dirty="0">
               <a:solidFill>
@@ -1444,7 +1531,7 @@
           <a:p>
             <a:fld id="{29B2A686-31B9-4679-9087-1FF3691B4776}" type="datetime1">
               <a:rPr lang="fr-FR" smtClean="0"/>
-              <a:t>26/10/2015</a:t>
+              <a:t>27/10/2015</a:t>
             </a:fld>
             <a:endParaRPr lang="fr-FR"/>
           </a:p>
@@ -1619,7 +1706,7 @@
           <a:p>
             <a:fld id="{1D1A14E8-3BBD-4201-A6CF-975CCF82E15C}" type="datetime1">
               <a:rPr lang="fr-FR" smtClean="0"/>
-              <a:t>26/10/2015</a:t>
+              <a:t>27/10/2015</a:t>
             </a:fld>
             <a:endParaRPr lang="fr-FR"/>
           </a:p>
@@ -1826,7 +1913,7 @@
                 </a:solidFill>
               </a:rPr>
               <a:pPr/>
-              <a:t>26/10/2015</a:t>
+              <a:t>27/10/2015</a:t>
             </a:fld>
             <a:endParaRPr lang="fr-FR" dirty="0">
               <a:solidFill>
@@ -2105,7 +2192,7 @@
             <a:fld id="{8632A60A-9CEC-42A4-A6A2-D3ED1B1E10C6}" type="datetime1">
               <a:rPr lang="fr-FR" smtClean="0"/>
               <a:pPr/>
-              <a:t>26/10/2015</a:t>
+              <a:t>27/10/2015</a:t>
             </a:fld>
             <a:endParaRPr lang="fr-FR" dirty="0"/>
           </a:p>
@@ -2385,7 +2472,7 @@
             <a:fld id="{0A5F34F8-A09C-46F9-ACC6-3F1F107EA33F}" type="datetime1">
               <a:rPr lang="fr-FR" smtClean="0"/>
               <a:pPr/>
-              <a:t>26/10/2015</a:t>
+              <a:t>27/10/2015</a:t>
             </a:fld>
             <a:endParaRPr lang="fr-FR"/>
           </a:p>
@@ -2641,7 +2728,7 @@
           <a:p>
             <a:fld id="{8AAA6BFC-FEF1-4AC1-B970-BC568337334B}" type="datetime1">
               <a:rPr lang="fr-FR" smtClean="0"/>
-              <a:t>26/10/2015</a:t>
+              <a:t>27/10/2015</a:t>
             </a:fld>
             <a:endParaRPr lang="fr-FR"/>
           </a:p>
@@ -3015,7 +3102,7 @@
           <a:p>
             <a:fld id="{07382458-984F-4731-94C9-7FCACBCC51D1}" type="datetime1">
               <a:rPr lang="fr-FR" smtClean="0"/>
-              <a:t>26/10/2015</a:t>
+              <a:t>27/10/2015</a:t>
             </a:fld>
             <a:endParaRPr lang="fr-FR"/>
           </a:p>
@@ -3156,7 +3243,7 @@
           <a:p>
             <a:fld id="{4E19B8F4-3FD7-4FC3-A9F8-C983EDF65E99}" type="datetime1">
               <a:rPr lang="fr-FR" smtClean="0"/>
-              <a:t>26/10/2015</a:t>
+              <a:t>27/10/2015</a:t>
             </a:fld>
             <a:endParaRPr lang="fr-FR"/>
           </a:p>
@@ -3258,7 +3345,7 @@
           <a:p>
             <a:fld id="{1913509C-35DC-4F20-8185-554E3258A671}" type="datetime1">
               <a:rPr lang="fr-FR" smtClean="0"/>
-              <a:t>26/10/2015</a:t>
+              <a:t>27/10/2015</a:t>
             </a:fld>
             <a:endParaRPr lang="fr-FR"/>
           </a:p>
@@ -3542,7 +3629,7 @@
           <a:p>
             <a:fld id="{D20D6352-2F7C-458E-AEBB-FF81EFE71D94}" type="datetime1">
               <a:rPr lang="fr-FR" smtClean="0"/>
-              <a:t>26/10/2015</a:t>
+              <a:t>27/10/2015</a:t>
             </a:fld>
             <a:endParaRPr lang="fr-FR"/>
           </a:p>
@@ -3799,7 +3886,7 @@
           <a:p>
             <a:fld id="{8D809DBC-7E81-4819-803D-1A0811B3E043}" type="datetime1">
               <a:rPr lang="fr-FR" smtClean="0"/>
-              <a:t>26/10/2015</a:t>
+              <a:t>27/10/2015</a:t>
             </a:fld>
             <a:endParaRPr lang="fr-FR"/>
           </a:p>
@@ -4015,7 +4102,7 @@
           <a:p>
             <a:fld id="{29B2A686-31B9-4679-9087-1FF3691B4776}" type="datetime1">
               <a:rPr lang="fr-FR" smtClean="0"/>
-              <a:t>26/10/2015</a:t>
+              <a:t>27/10/2015</a:t>
             </a:fld>
             <a:endParaRPr lang="fr-FR"/>
           </a:p>
@@ -5103,7 +5190,7 @@
         <p:spPr>
           <a:xfrm>
             <a:off x="247650" y="2389691"/>
-            <a:ext cx="8648700" cy="2101076"/>
+            <a:ext cx="8648700" cy="1390572"/>
           </a:xfrm>
           <a:prstGeom prst="rect">
             <a:avLst/>
@@ -6668,11 +6755,7 @@
           <a:p>
             <a:r>
               <a:rPr lang="fr-FR" sz="3600" dirty="0" smtClean="0"/>
-              <a:t>3) Interruption </a:t>
-            </a:r>
-            <a:r>
-              <a:rPr lang="fr-FR" sz="3600" dirty="0" smtClean="0"/>
-              <a:t>de la collecte</a:t>
+              <a:t>3) Interruption de la collecte</a:t>
             </a:r>
             <a:endParaRPr lang="fr-FR" sz="3600" dirty="0"/>
           </a:p>
@@ -6886,8 +6969,8 @@
               <a:t>Si deux applications sont actives, les coupures ne surviennent pas de manière </a:t>
             </a:r>
             <a:r>
-              <a:rPr lang="fr-FR" dirty="0" err="1" smtClean="0"/>
-              <a:t>concomittantes</a:t>
+              <a:rPr lang="fr-FR" dirty="0" smtClean="0"/>
+              <a:t>concomitantes</a:t>
             </a:r>
             <a:endParaRPr lang="fr-FR" dirty="0" smtClean="0"/>
           </a:p>
@@ -7819,14 +7902,14 @@
           <a:lstStyle/>
           <a:p>
             <a:r>
+              <a:rPr lang="fr-FR" dirty="0" err="1" smtClean="0"/>
+              <a:t>Interblocage</a:t>
+            </a:r>
+            <a:r>
               <a:rPr lang="fr-FR" dirty="0" smtClean="0"/>
-              <a:t>Erreur la plus récurrente lors </a:t>
-            </a:r>
-            <a:r>
-              <a:rPr lang="fr-FR" smtClean="0"/>
-              <a:t>des perturbations</a:t>
-            </a:r>
-            <a:endParaRPr lang="en-US"/>
+              <a:t> : principe</a:t>
+            </a:r>
+            <a:endParaRPr lang="en-US" dirty="0"/>
           </a:p>
         </p:txBody>
       </p:sp>
@@ -7854,23 +7937,1010 @@
           </a:p>
         </p:txBody>
       </p:sp>
+      <p:sp>
+        <p:nvSpPr>
+          <p:cNvPr id="5" name="Rectangle 4"/>
+          <p:cNvSpPr/>
+          <p:nvPr/>
+        </p:nvSpPr>
+        <p:spPr>
+          <a:xfrm>
+            <a:off x="1483113" y="2631688"/>
+            <a:ext cx="691376" cy="468351"/>
+          </a:xfrm>
+          <a:prstGeom prst="rect">
+            <a:avLst/>
+          </a:prstGeom>
+          <a:solidFill>
+            <a:schemeClr val="tx1"/>
+          </a:solidFill>
+          <a:ln>
+            <a:noFill/>
+          </a:ln>
+        </p:spPr>
+        <p:style>
+          <a:lnRef idx="2">
+            <a:schemeClr val="accent1">
+              <a:shade val="50000"/>
+            </a:schemeClr>
+          </a:lnRef>
+          <a:fillRef idx="1">
+            <a:schemeClr val="accent1"/>
+          </a:fillRef>
+          <a:effectRef idx="0">
+            <a:schemeClr val="accent1"/>
+          </a:effectRef>
+          <a:fontRef idx="minor">
+            <a:schemeClr val="lt1"/>
+          </a:fontRef>
+        </p:style>
+        <p:txBody>
+          <a:bodyPr rtlCol="0" anchor="ctr"/>
+          <a:lstStyle/>
+          <a:p>
+            <a:pPr algn="ctr"/>
+            <a:r>
+              <a:rPr lang="fr-FR" dirty="0" smtClean="0"/>
+              <a:t>P1</a:t>
+            </a:r>
+            <a:endParaRPr lang="en-US" dirty="0"/>
+          </a:p>
+        </p:txBody>
+      </p:sp>
+      <p:sp>
+        <p:nvSpPr>
+          <p:cNvPr id="6" name="Rectangle 5"/>
+          <p:cNvSpPr/>
+          <p:nvPr/>
+        </p:nvSpPr>
+        <p:spPr>
+          <a:xfrm>
+            <a:off x="6457950" y="2631688"/>
+            <a:ext cx="691376" cy="468351"/>
+          </a:xfrm>
+          <a:prstGeom prst="rect">
+            <a:avLst/>
+          </a:prstGeom>
+          <a:solidFill>
+            <a:schemeClr val="tx1"/>
+          </a:solidFill>
+          <a:ln>
+            <a:noFill/>
+          </a:ln>
+        </p:spPr>
+        <p:style>
+          <a:lnRef idx="2">
+            <a:schemeClr val="accent1">
+              <a:shade val="50000"/>
+            </a:schemeClr>
+          </a:lnRef>
+          <a:fillRef idx="1">
+            <a:schemeClr val="accent1"/>
+          </a:fillRef>
+          <a:effectRef idx="0">
+            <a:schemeClr val="accent1"/>
+          </a:effectRef>
+          <a:fontRef idx="minor">
+            <a:schemeClr val="lt1"/>
+          </a:fontRef>
+        </p:style>
+        <p:txBody>
+          <a:bodyPr rtlCol="0" anchor="ctr"/>
+          <a:lstStyle/>
+          <a:p>
+            <a:pPr algn="ctr"/>
+            <a:r>
+              <a:rPr lang="fr-FR" dirty="0" smtClean="0"/>
+              <a:t>P2</a:t>
+            </a:r>
+            <a:endParaRPr lang="en-US" dirty="0"/>
+          </a:p>
+        </p:txBody>
+      </p:sp>
+      <p:sp>
+        <p:nvSpPr>
+          <p:cNvPr id="7" name="Ellipse 6"/>
+          <p:cNvSpPr/>
+          <p:nvPr/>
+        </p:nvSpPr>
+        <p:spPr>
+          <a:xfrm>
+            <a:off x="1427357" y="3582636"/>
+            <a:ext cx="802887" cy="437743"/>
+          </a:xfrm>
+          <a:prstGeom prst="ellipse">
+            <a:avLst/>
+          </a:prstGeom>
+          <a:solidFill>
+            <a:schemeClr val="accent1"/>
+          </a:solidFill>
+          <a:ln>
+            <a:noFill/>
+          </a:ln>
+        </p:spPr>
+        <p:style>
+          <a:lnRef idx="2">
+            <a:schemeClr val="accent1">
+              <a:shade val="50000"/>
+            </a:schemeClr>
+          </a:lnRef>
+          <a:fillRef idx="1">
+            <a:schemeClr val="accent1"/>
+          </a:fillRef>
+          <a:effectRef idx="0">
+            <a:schemeClr val="accent1"/>
+          </a:effectRef>
+          <a:fontRef idx="minor">
+            <a:schemeClr val="lt1"/>
+          </a:fontRef>
+        </p:style>
+        <p:txBody>
+          <a:bodyPr rtlCol="0" anchor="ctr"/>
+          <a:lstStyle/>
+          <a:p>
+            <a:pPr algn="ctr"/>
+            <a:r>
+              <a:rPr lang="fr-FR" dirty="0" smtClean="0"/>
+              <a:t>R1</a:t>
+            </a:r>
+            <a:endParaRPr lang="en-US" dirty="0"/>
+          </a:p>
+        </p:txBody>
+      </p:sp>
+      <p:sp>
+        <p:nvSpPr>
+          <p:cNvPr id="9" name="Ellipse 8"/>
+          <p:cNvSpPr/>
+          <p:nvPr/>
+        </p:nvSpPr>
+        <p:spPr>
+          <a:xfrm>
+            <a:off x="6402194" y="3582635"/>
+            <a:ext cx="802887" cy="437743"/>
+          </a:xfrm>
+          <a:prstGeom prst="ellipse">
+            <a:avLst/>
+          </a:prstGeom>
+          <a:solidFill>
+            <a:schemeClr val="accent1"/>
+          </a:solidFill>
+          <a:ln>
+            <a:noFill/>
+          </a:ln>
+        </p:spPr>
+        <p:style>
+          <a:lnRef idx="2">
+            <a:schemeClr val="accent1">
+              <a:shade val="50000"/>
+            </a:schemeClr>
+          </a:lnRef>
+          <a:fillRef idx="1">
+            <a:schemeClr val="accent1"/>
+          </a:fillRef>
+          <a:effectRef idx="0">
+            <a:schemeClr val="accent1"/>
+          </a:effectRef>
+          <a:fontRef idx="minor">
+            <a:schemeClr val="lt1"/>
+          </a:fontRef>
+        </p:style>
+        <p:txBody>
+          <a:bodyPr rtlCol="0" anchor="ctr"/>
+          <a:lstStyle/>
+          <a:p>
+            <a:pPr algn="ctr"/>
+            <a:r>
+              <a:rPr lang="fr-FR" dirty="0" smtClean="0"/>
+              <a:t>R2</a:t>
+            </a:r>
+            <a:endParaRPr lang="en-US" dirty="0"/>
+          </a:p>
+        </p:txBody>
+      </p:sp>
+      <p:sp>
+        <p:nvSpPr>
+          <p:cNvPr id="12" name="Ellipse 11"/>
+          <p:cNvSpPr/>
+          <p:nvPr/>
+        </p:nvSpPr>
+        <p:spPr>
+          <a:xfrm>
+            <a:off x="1427357" y="4502975"/>
+            <a:ext cx="802887" cy="437743"/>
+          </a:xfrm>
+          <a:prstGeom prst="ellipse">
+            <a:avLst/>
+          </a:prstGeom>
+          <a:solidFill>
+            <a:schemeClr val="accent1"/>
+          </a:solidFill>
+          <a:ln>
+            <a:noFill/>
+          </a:ln>
+        </p:spPr>
+        <p:style>
+          <a:lnRef idx="2">
+            <a:schemeClr val="accent1">
+              <a:shade val="50000"/>
+            </a:schemeClr>
+          </a:lnRef>
+          <a:fillRef idx="1">
+            <a:schemeClr val="accent1"/>
+          </a:fillRef>
+          <a:effectRef idx="0">
+            <a:schemeClr val="accent1"/>
+          </a:effectRef>
+          <a:fontRef idx="minor">
+            <a:schemeClr val="lt1"/>
+          </a:fontRef>
+        </p:style>
+        <p:txBody>
+          <a:bodyPr rtlCol="0" anchor="ctr"/>
+          <a:lstStyle/>
+          <a:p>
+            <a:pPr algn="ctr"/>
+            <a:r>
+              <a:rPr lang="fr-FR" dirty="0" smtClean="0"/>
+              <a:t>R2</a:t>
+            </a:r>
+            <a:endParaRPr lang="en-US" dirty="0"/>
+          </a:p>
+        </p:txBody>
+      </p:sp>
+      <p:sp>
+        <p:nvSpPr>
+          <p:cNvPr id="13" name="Ellipse 12"/>
+          <p:cNvSpPr/>
+          <p:nvPr/>
+        </p:nvSpPr>
+        <p:spPr>
+          <a:xfrm>
+            <a:off x="6402194" y="4502974"/>
+            <a:ext cx="802887" cy="437743"/>
+          </a:xfrm>
+          <a:prstGeom prst="ellipse">
+            <a:avLst/>
+          </a:prstGeom>
+          <a:solidFill>
+            <a:schemeClr val="accent1"/>
+          </a:solidFill>
+          <a:ln>
+            <a:noFill/>
+          </a:ln>
+        </p:spPr>
+        <p:style>
+          <a:lnRef idx="2">
+            <a:schemeClr val="accent1">
+              <a:shade val="50000"/>
+            </a:schemeClr>
+          </a:lnRef>
+          <a:fillRef idx="1">
+            <a:schemeClr val="accent1"/>
+          </a:fillRef>
+          <a:effectRef idx="0">
+            <a:schemeClr val="accent1"/>
+          </a:effectRef>
+          <a:fontRef idx="minor">
+            <a:schemeClr val="lt1"/>
+          </a:fontRef>
+        </p:style>
+        <p:txBody>
+          <a:bodyPr rtlCol="0" anchor="ctr"/>
+          <a:lstStyle/>
+          <a:p>
+            <a:pPr algn="ctr"/>
+            <a:r>
+              <a:rPr lang="fr-FR" dirty="0" smtClean="0"/>
+              <a:t>R1</a:t>
+            </a:r>
+            <a:endParaRPr lang="en-US" dirty="0"/>
+          </a:p>
+        </p:txBody>
+      </p:sp>
+      <p:sp>
+        <p:nvSpPr>
+          <p:cNvPr id="14" name="Ellipse 13"/>
+          <p:cNvSpPr/>
+          <p:nvPr/>
+        </p:nvSpPr>
+        <p:spPr>
+          <a:xfrm>
+            <a:off x="1427357" y="6355651"/>
+            <a:ext cx="802887" cy="437743"/>
+          </a:xfrm>
+          <a:prstGeom prst="ellipse">
+            <a:avLst/>
+          </a:prstGeom>
+          <a:solidFill>
+            <a:schemeClr val="accent6"/>
+          </a:solidFill>
+          <a:ln>
+            <a:noFill/>
+          </a:ln>
+        </p:spPr>
+        <p:style>
+          <a:lnRef idx="2">
+            <a:schemeClr val="accent1">
+              <a:shade val="50000"/>
+            </a:schemeClr>
+          </a:lnRef>
+          <a:fillRef idx="1">
+            <a:schemeClr val="accent1"/>
+          </a:fillRef>
+          <a:effectRef idx="0">
+            <a:schemeClr val="accent1"/>
+          </a:effectRef>
+          <a:fontRef idx="minor">
+            <a:schemeClr val="lt1"/>
+          </a:fontRef>
+        </p:style>
+        <p:txBody>
+          <a:bodyPr rtlCol="0" anchor="ctr"/>
+          <a:lstStyle/>
+          <a:p>
+            <a:pPr algn="ctr"/>
+            <a:r>
+              <a:rPr lang="fr-FR" dirty="0" smtClean="0"/>
+              <a:t>R1</a:t>
+            </a:r>
+            <a:endParaRPr lang="en-US" dirty="0"/>
+          </a:p>
+        </p:txBody>
+      </p:sp>
+      <p:sp>
+        <p:nvSpPr>
+          <p:cNvPr id="15" name="Ellipse 14"/>
+          <p:cNvSpPr/>
+          <p:nvPr/>
+        </p:nvSpPr>
+        <p:spPr>
+          <a:xfrm>
+            <a:off x="6402194" y="6355651"/>
+            <a:ext cx="802887" cy="437743"/>
+          </a:xfrm>
+          <a:prstGeom prst="ellipse">
+            <a:avLst/>
+          </a:prstGeom>
+          <a:solidFill>
+            <a:schemeClr val="accent6"/>
+          </a:solidFill>
+          <a:ln>
+            <a:noFill/>
+          </a:ln>
+        </p:spPr>
+        <p:style>
+          <a:lnRef idx="2">
+            <a:schemeClr val="accent1">
+              <a:shade val="50000"/>
+            </a:schemeClr>
+          </a:lnRef>
+          <a:fillRef idx="1">
+            <a:schemeClr val="accent1"/>
+          </a:fillRef>
+          <a:effectRef idx="0">
+            <a:schemeClr val="accent1"/>
+          </a:effectRef>
+          <a:fontRef idx="minor">
+            <a:schemeClr val="lt1"/>
+          </a:fontRef>
+        </p:style>
+        <p:txBody>
+          <a:bodyPr rtlCol="0" anchor="ctr"/>
+          <a:lstStyle/>
+          <a:p>
+            <a:pPr algn="ctr"/>
+            <a:r>
+              <a:rPr lang="fr-FR" dirty="0" smtClean="0"/>
+              <a:t>R2</a:t>
+            </a:r>
+            <a:endParaRPr lang="en-US" dirty="0"/>
+          </a:p>
+        </p:txBody>
+      </p:sp>
+      <p:sp>
+        <p:nvSpPr>
+          <p:cNvPr id="16" name="Ellipse 15"/>
+          <p:cNvSpPr/>
+          <p:nvPr/>
+        </p:nvSpPr>
+        <p:spPr>
+          <a:xfrm>
+            <a:off x="1427357" y="5418083"/>
+            <a:ext cx="802887" cy="437743"/>
+          </a:xfrm>
+          <a:prstGeom prst="ellipse">
+            <a:avLst/>
+          </a:prstGeom>
+          <a:solidFill>
+            <a:schemeClr val="accent6"/>
+          </a:solidFill>
+          <a:ln>
+            <a:noFill/>
+          </a:ln>
+        </p:spPr>
+        <p:style>
+          <a:lnRef idx="2">
+            <a:schemeClr val="accent1">
+              <a:shade val="50000"/>
+            </a:schemeClr>
+          </a:lnRef>
+          <a:fillRef idx="1">
+            <a:schemeClr val="accent1"/>
+          </a:fillRef>
+          <a:effectRef idx="0">
+            <a:schemeClr val="accent1"/>
+          </a:effectRef>
+          <a:fontRef idx="minor">
+            <a:schemeClr val="lt1"/>
+          </a:fontRef>
+        </p:style>
+        <p:txBody>
+          <a:bodyPr rtlCol="0" anchor="ctr"/>
+          <a:lstStyle/>
+          <a:p>
+            <a:pPr algn="ctr"/>
+            <a:r>
+              <a:rPr lang="fr-FR" dirty="0" smtClean="0"/>
+              <a:t>R2</a:t>
+            </a:r>
+            <a:endParaRPr lang="en-US" dirty="0"/>
+          </a:p>
+        </p:txBody>
+      </p:sp>
+      <p:sp>
+        <p:nvSpPr>
+          <p:cNvPr id="17" name="Ellipse 16"/>
+          <p:cNvSpPr/>
+          <p:nvPr/>
+        </p:nvSpPr>
+        <p:spPr>
+          <a:xfrm>
+            <a:off x="6402194" y="5418084"/>
+            <a:ext cx="802887" cy="437743"/>
+          </a:xfrm>
+          <a:prstGeom prst="ellipse">
+            <a:avLst/>
+          </a:prstGeom>
+          <a:solidFill>
+            <a:schemeClr val="accent6"/>
+          </a:solidFill>
+          <a:ln>
+            <a:noFill/>
+          </a:ln>
+        </p:spPr>
+        <p:style>
+          <a:lnRef idx="2">
+            <a:schemeClr val="accent1">
+              <a:shade val="50000"/>
+            </a:schemeClr>
+          </a:lnRef>
+          <a:fillRef idx="1">
+            <a:schemeClr val="accent1"/>
+          </a:fillRef>
+          <a:effectRef idx="0">
+            <a:schemeClr val="accent1"/>
+          </a:effectRef>
+          <a:fontRef idx="minor">
+            <a:schemeClr val="lt1"/>
+          </a:fontRef>
+        </p:style>
+        <p:txBody>
+          <a:bodyPr rtlCol="0" anchor="ctr"/>
+          <a:lstStyle/>
+          <a:p>
+            <a:pPr algn="ctr"/>
+            <a:r>
+              <a:rPr lang="fr-FR" dirty="0" smtClean="0"/>
+              <a:t>R1</a:t>
+            </a:r>
+            <a:endParaRPr lang="en-US" dirty="0"/>
+          </a:p>
+        </p:txBody>
+      </p:sp>
+      <p:sp>
+        <p:nvSpPr>
+          <p:cNvPr id="18" name="Rectangle 17"/>
+          <p:cNvSpPr/>
+          <p:nvPr/>
+        </p:nvSpPr>
+        <p:spPr>
+          <a:xfrm>
+            <a:off x="802888" y="4404732"/>
+            <a:ext cx="7014117" cy="724829"/>
+          </a:xfrm>
+          <a:prstGeom prst="rect">
+            <a:avLst/>
+          </a:prstGeom>
+          <a:noFill/>
+          <a:ln w="44450">
+            <a:solidFill>
+              <a:schemeClr val="accent2"/>
+            </a:solidFill>
+          </a:ln>
+        </p:spPr>
+        <p:style>
+          <a:lnRef idx="2">
+            <a:schemeClr val="accent1">
+              <a:shade val="50000"/>
+            </a:schemeClr>
+          </a:lnRef>
+          <a:fillRef idx="1">
+            <a:schemeClr val="accent1"/>
+          </a:fillRef>
+          <a:effectRef idx="0">
+            <a:schemeClr val="accent1"/>
+          </a:effectRef>
+          <a:fontRef idx="minor">
+            <a:schemeClr val="lt1"/>
+          </a:fontRef>
+        </p:style>
+        <p:txBody>
+          <a:bodyPr rtlCol="0" anchor="ctr"/>
+          <a:lstStyle/>
+          <a:p>
+            <a:pPr algn="ctr"/>
+            <a:r>
+              <a:rPr lang="fr-FR" b="1" dirty="0" err="1" smtClean="0">
+                <a:solidFill>
+                  <a:srgbClr val="FF0000"/>
+                </a:solidFill>
+              </a:rPr>
+              <a:t>Interblocage</a:t>
+            </a:r>
+            <a:endParaRPr lang="en-US" b="1" dirty="0">
+              <a:solidFill>
+                <a:srgbClr val="FF0000"/>
+              </a:solidFill>
+            </a:endParaRPr>
+          </a:p>
+        </p:txBody>
+      </p:sp>
+      <p:cxnSp>
+        <p:nvCxnSpPr>
+          <p:cNvPr id="20" name="Connecteur droit avec flèche 19"/>
+          <p:cNvCxnSpPr>
+            <a:stCxn id="5" idx="2"/>
+            <a:endCxn id="7" idx="0"/>
+          </p:cNvCxnSpPr>
+          <p:nvPr/>
+        </p:nvCxnSpPr>
+        <p:spPr>
+          <a:xfrm>
+            <a:off x="1828801" y="3100039"/>
+            <a:ext cx="0" cy="482597"/>
+          </a:xfrm>
+          <a:prstGeom prst="straightConnector1">
+            <a:avLst/>
+          </a:prstGeom>
+          <a:ln>
+            <a:tailEnd type="triangle"/>
+          </a:ln>
+        </p:spPr>
+        <p:style>
+          <a:lnRef idx="1">
+            <a:schemeClr val="accent1"/>
+          </a:lnRef>
+          <a:fillRef idx="0">
+            <a:schemeClr val="accent1"/>
+          </a:fillRef>
+          <a:effectRef idx="0">
+            <a:schemeClr val="accent1"/>
+          </a:effectRef>
+          <a:fontRef idx="minor">
+            <a:schemeClr val="tx1"/>
+          </a:fontRef>
+        </p:style>
+      </p:cxnSp>
+      <p:cxnSp>
+        <p:nvCxnSpPr>
+          <p:cNvPr id="22" name="Connecteur droit avec flèche 21"/>
+          <p:cNvCxnSpPr>
+            <a:stCxn id="7" idx="4"/>
+            <a:endCxn id="12" idx="0"/>
+          </p:cNvCxnSpPr>
+          <p:nvPr/>
+        </p:nvCxnSpPr>
+        <p:spPr>
+          <a:xfrm>
+            <a:off x="1828801" y="4020379"/>
+            <a:ext cx="0" cy="482596"/>
+          </a:xfrm>
+          <a:prstGeom prst="straightConnector1">
+            <a:avLst/>
+          </a:prstGeom>
+          <a:ln>
+            <a:tailEnd type="triangle"/>
+          </a:ln>
+        </p:spPr>
+        <p:style>
+          <a:lnRef idx="1">
+            <a:schemeClr val="accent1"/>
+          </a:lnRef>
+          <a:fillRef idx="0">
+            <a:schemeClr val="accent1"/>
+          </a:fillRef>
+          <a:effectRef idx="0">
+            <a:schemeClr val="accent1"/>
+          </a:effectRef>
+          <a:fontRef idx="minor">
+            <a:schemeClr val="tx1"/>
+          </a:fontRef>
+        </p:style>
+      </p:cxnSp>
+      <p:cxnSp>
+        <p:nvCxnSpPr>
+          <p:cNvPr id="24" name="Connecteur droit avec flèche 23"/>
+          <p:cNvCxnSpPr>
+            <a:stCxn id="12" idx="4"/>
+            <a:endCxn id="16" idx="0"/>
+          </p:cNvCxnSpPr>
+          <p:nvPr/>
+        </p:nvCxnSpPr>
+        <p:spPr>
+          <a:xfrm>
+            <a:off x="1828801" y="4940718"/>
+            <a:ext cx="0" cy="477365"/>
+          </a:xfrm>
+          <a:prstGeom prst="straightConnector1">
+            <a:avLst/>
+          </a:prstGeom>
+          <a:ln>
+            <a:tailEnd type="triangle"/>
+          </a:ln>
+        </p:spPr>
+        <p:style>
+          <a:lnRef idx="1">
+            <a:schemeClr val="accent1"/>
+          </a:lnRef>
+          <a:fillRef idx="0">
+            <a:schemeClr val="accent1"/>
+          </a:fillRef>
+          <a:effectRef idx="0">
+            <a:schemeClr val="accent1"/>
+          </a:effectRef>
+          <a:fontRef idx="minor">
+            <a:schemeClr val="tx1"/>
+          </a:fontRef>
+        </p:style>
+      </p:cxnSp>
+      <p:cxnSp>
+        <p:nvCxnSpPr>
+          <p:cNvPr id="26" name="Connecteur droit avec flèche 25"/>
+          <p:cNvCxnSpPr>
+            <a:stCxn id="16" idx="4"/>
+            <a:endCxn id="14" idx="0"/>
+          </p:cNvCxnSpPr>
+          <p:nvPr/>
+        </p:nvCxnSpPr>
+        <p:spPr>
+          <a:xfrm>
+            <a:off x="1828801" y="5855826"/>
+            <a:ext cx="0" cy="499825"/>
+          </a:xfrm>
+          <a:prstGeom prst="straightConnector1">
+            <a:avLst/>
+          </a:prstGeom>
+          <a:ln>
+            <a:tailEnd type="triangle"/>
+          </a:ln>
+        </p:spPr>
+        <p:style>
+          <a:lnRef idx="1">
+            <a:schemeClr val="accent1"/>
+          </a:lnRef>
+          <a:fillRef idx="0">
+            <a:schemeClr val="accent1"/>
+          </a:fillRef>
+          <a:effectRef idx="0">
+            <a:schemeClr val="accent1"/>
+          </a:effectRef>
+          <a:fontRef idx="minor">
+            <a:schemeClr val="tx1"/>
+          </a:fontRef>
+        </p:style>
+      </p:cxnSp>
+      <p:cxnSp>
+        <p:nvCxnSpPr>
+          <p:cNvPr id="28" name="Connecteur droit avec flèche 27"/>
+          <p:cNvCxnSpPr>
+            <a:stCxn id="6" idx="2"/>
+          </p:cNvCxnSpPr>
+          <p:nvPr/>
+        </p:nvCxnSpPr>
+        <p:spPr>
+          <a:xfrm flipH="1">
+            <a:off x="6803637" y="3100039"/>
+            <a:ext cx="1" cy="482596"/>
+          </a:xfrm>
+          <a:prstGeom prst="straightConnector1">
+            <a:avLst/>
+          </a:prstGeom>
+          <a:ln>
+            <a:tailEnd type="triangle"/>
+          </a:ln>
+        </p:spPr>
+        <p:style>
+          <a:lnRef idx="1">
+            <a:schemeClr val="accent1"/>
+          </a:lnRef>
+          <a:fillRef idx="0">
+            <a:schemeClr val="accent1"/>
+          </a:fillRef>
+          <a:effectRef idx="0">
+            <a:schemeClr val="accent1"/>
+          </a:effectRef>
+          <a:fontRef idx="minor">
+            <a:schemeClr val="tx1"/>
+          </a:fontRef>
+        </p:style>
+      </p:cxnSp>
+      <p:cxnSp>
+        <p:nvCxnSpPr>
+          <p:cNvPr id="30" name="Connecteur droit avec flèche 29"/>
+          <p:cNvCxnSpPr>
+            <a:stCxn id="9" idx="4"/>
+            <a:endCxn id="13" idx="0"/>
+          </p:cNvCxnSpPr>
+          <p:nvPr/>
+        </p:nvCxnSpPr>
+        <p:spPr>
+          <a:xfrm>
+            <a:off x="6803638" y="4020378"/>
+            <a:ext cx="0" cy="482596"/>
+          </a:xfrm>
+          <a:prstGeom prst="straightConnector1">
+            <a:avLst/>
+          </a:prstGeom>
+          <a:ln>
+            <a:tailEnd type="triangle"/>
+          </a:ln>
+        </p:spPr>
+        <p:style>
+          <a:lnRef idx="1">
+            <a:schemeClr val="accent1"/>
+          </a:lnRef>
+          <a:fillRef idx="0">
+            <a:schemeClr val="accent1"/>
+          </a:fillRef>
+          <a:effectRef idx="0">
+            <a:schemeClr val="accent1"/>
+          </a:effectRef>
+          <a:fontRef idx="minor">
+            <a:schemeClr val="tx1"/>
+          </a:fontRef>
+        </p:style>
+      </p:cxnSp>
+      <p:cxnSp>
+        <p:nvCxnSpPr>
+          <p:cNvPr id="32" name="Connecteur droit avec flèche 31"/>
+          <p:cNvCxnSpPr>
+            <a:stCxn id="13" idx="4"/>
+            <a:endCxn id="17" idx="0"/>
+          </p:cNvCxnSpPr>
+          <p:nvPr/>
+        </p:nvCxnSpPr>
+        <p:spPr>
+          <a:xfrm>
+            <a:off x="6803638" y="4940717"/>
+            <a:ext cx="0" cy="477367"/>
+          </a:xfrm>
+          <a:prstGeom prst="straightConnector1">
+            <a:avLst/>
+          </a:prstGeom>
+          <a:ln>
+            <a:tailEnd type="triangle"/>
+          </a:ln>
+        </p:spPr>
+        <p:style>
+          <a:lnRef idx="1">
+            <a:schemeClr val="accent1"/>
+          </a:lnRef>
+          <a:fillRef idx="0">
+            <a:schemeClr val="accent1"/>
+          </a:fillRef>
+          <a:effectRef idx="0">
+            <a:schemeClr val="accent1"/>
+          </a:effectRef>
+          <a:fontRef idx="minor">
+            <a:schemeClr val="tx1"/>
+          </a:fontRef>
+        </p:style>
+      </p:cxnSp>
+      <p:cxnSp>
+        <p:nvCxnSpPr>
+          <p:cNvPr id="36" name="Connecteur droit avec flèche 35"/>
+          <p:cNvCxnSpPr>
+            <a:stCxn id="17" idx="4"/>
+            <a:endCxn id="15" idx="0"/>
+          </p:cNvCxnSpPr>
+          <p:nvPr/>
+        </p:nvCxnSpPr>
+        <p:spPr>
+          <a:xfrm>
+            <a:off x="6803638" y="5855827"/>
+            <a:ext cx="0" cy="499824"/>
+          </a:xfrm>
+          <a:prstGeom prst="straightConnector1">
+            <a:avLst/>
+          </a:prstGeom>
+          <a:ln>
+            <a:tailEnd type="triangle"/>
+          </a:ln>
+        </p:spPr>
+        <p:style>
+          <a:lnRef idx="1">
+            <a:schemeClr val="accent1"/>
+          </a:lnRef>
+          <a:fillRef idx="0">
+            <a:schemeClr val="accent1"/>
+          </a:fillRef>
+          <a:effectRef idx="0">
+            <a:schemeClr val="accent1"/>
+          </a:effectRef>
+          <a:fontRef idx="minor">
+            <a:schemeClr val="tx1"/>
+          </a:fontRef>
+        </p:style>
+      </p:cxnSp>
+      <p:sp>
+        <p:nvSpPr>
+          <p:cNvPr id="38" name="ZoneTexte 37"/>
+          <p:cNvSpPr txBox="1"/>
+          <p:nvPr/>
+        </p:nvSpPr>
+        <p:spPr>
+          <a:xfrm>
+            <a:off x="2127168" y="3240900"/>
+            <a:ext cx="2417650" cy="369332"/>
+          </a:xfrm>
+          <a:prstGeom prst="rect">
+            <a:avLst/>
+          </a:prstGeom>
+          <a:noFill/>
+        </p:spPr>
+        <p:txBody>
+          <a:bodyPr wrap="none" rtlCol="0">
+            <a:spAutoFit/>
+          </a:bodyPr>
+          <a:lstStyle/>
+          <a:p>
+            <a:r>
+              <a:rPr lang="fr-FR" dirty="0" smtClean="0">
+                <a:solidFill>
+                  <a:schemeClr val="accent1"/>
+                </a:solidFill>
+              </a:rPr>
+              <a:t>Prise d’une ressource</a:t>
+            </a:r>
+            <a:endParaRPr lang="en-US" dirty="0">
+              <a:solidFill>
+                <a:schemeClr val="accent1"/>
+              </a:solidFill>
+            </a:endParaRPr>
+          </a:p>
+        </p:txBody>
+      </p:sp>
+      <p:sp>
+        <p:nvSpPr>
+          <p:cNvPr id="39" name="ZoneTexte 38"/>
+          <p:cNvSpPr txBox="1"/>
+          <p:nvPr/>
+        </p:nvSpPr>
+        <p:spPr>
+          <a:xfrm>
+            <a:off x="2347065" y="5462656"/>
+            <a:ext cx="2964273" cy="369332"/>
+          </a:xfrm>
+          <a:prstGeom prst="rect">
+            <a:avLst/>
+          </a:prstGeom>
+          <a:noFill/>
+        </p:spPr>
+        <p:txBody>
+          <a:bodyPr wrap="none" rtlCol="0">
+            <a:spAutoFit/>
+          </a:bodyPr>
+          <a:lstStyle/>
+          <a:p>
+            <a:r>
+              <a:rPr lang="fr-FR" dirty="0" smtClean="0">
+                <a:solidFill>
+                  <a:schemeClr val="accent6"/>
+                </a:solidFill>
+              </a:rPr>
+              <a:t>Libération d’une ressource</a:t>
+            </a:r>
+            <a:endParaRPr lang="en-US" dirty="0">
+              <a:solidFill>
+                <a:schemeClr val="accent6"/>
+              </a:solidFill>
+            </a:endParaRPr>
+          </a:p>
+        </p:txBody>
+      </p:sp>
+      <p:cxnSp>
+        <p:nvCxnSpPr>
+          <p:cNvPr id="41" name="Connecteur droit avec flèche 40"/>
+          <p:cNvCxnSpPr>
+            <a:endCxn id="12" idx="6"/>
+          </p:cNvCxnSpPr>
+          <p:nvPr/>
+        </p:nvCxnSpPr>
+        <p:spPr>
+          <a:xfrm flipH="1">
+            <a:off x="2230244" y="3801506"/>
+            <a:ext cx="4171950" cy="920341"/>
+          </a:xfrm>
+          <a:prstGeom prst="straightConnector1">
+            <a:avLst/>
+          </a:prstGeom>
+          <a:ln w="44450">
+            <a:prstDash val="sysDash"/>
+            <a:tailEnd type="triangle"/>
+          </a:ln>
+        </p:spPr>
+        <p:style>
+          <a:lnRef idx="1">
+            <a:schemeClr val="accent1"/>
+          </a:lnRef>
+          <a:fillRef idx="0">
+            <a:schemeClr val="accent1"/>
+          </a:fillRef>
+          <a:effectRef idx="0">
+            <a:schemeClr val="accent1"/>
+          </a:effectRef>
+          <a:fontRef idx="minor">
+            <a:schemeClr val="tx1"/>
+          </a:fontRef>
+        </p:style>
+      </p:cxnSp>
+      <p:cxnSp>
+        <p:nvCxnSpPr>
+          <p:cNvPr id="42" name="Connecteur droit avec flèche 41"/>
+          <p:cNvCxnSpPr>
+            <a:stCxn id="7" idx="6"/>
+            <a:endCxn id="13" idx="2"/>
+          </p:cNvCxnSpPr>
+          <p:nvPr/>
+        </p:nvCxnSpPr>
+        <p:spPr>
+          <a:xfrm>
+            <a:off x="2230244" y="3801508"/>
+            <a:ext cx="4171950" cy="920338"/>
+          </a:xfrm>
+          <a:prstGeom prst="straightConnector1">
+            <a:avLst/>
+          </a:prstGeom>
+          <a:ln w="44450">
+            <a:prstDash val="sysDash"/>
+            <a:tailEnd type="triangle"/>
+          </a:ln>
+        </p:spPr>
+        <p:style>
+          <a:lnRef idx="1">
+            <a:schemeClr val="accent1"/>
+          </a:lnRef>
+          <a:fillRef idx="0">
+            <a:schemeClr val="accent1"/>
+          </a:fillRef>
+          <a:effectRef idx="0">
+            <a:schemeClr val="accent1"/>
+          </a:effectRef>
+          <a:fontRef idx="minor">
+            <a:schemeClr val="tx1"/>
+          </a:fontRef>
+        </p:style>
+      </p:cxnSp>
     </p:spTree>
     <p:extLst>
       <p:ext uri="{BB962C8B-B14F-4D97-AF65-F5344CB8AC3E}">
-        <p14:creationId xmlns:p14="http://schemas.microsoft.com/office/powerpoint/2010/main" val="2918650107"/>
+        <p14:creationId xmlns:p14="http://schemas.microsoft.com/office/powerpoint/2010/main" val="899485216"/>
       </p:ext>
     </p:extLst>
   </p:cSld>
   <p:clrMapOvr>
     <a:masterClrMapping/>
   </p:clrMapOvr>
-  <p:timing>
-    <p:tnLst>
-      <p:par>
-        <p:cTn id="1" dur="indefinite" restart="never" nodeType="tmRoot"/>
-      </p:par>
-    </p:tnLst>
-  </p:timing>
 </p:sld>
 </file>
 
@@ -7903,16 +8973,14 @@
         </p:nvSpPr>
         <p:spPr/>
         <p:txBody>
-          <a:bodyPr>
-            <a:normAutofit/>
-          </a:bodyPr>
-          <a:lstStyle/>
-          <a:p>
-            <a:r>
-              <a:rPr lang="fr-FR" sz="3600" dirty="0" smtClean="0"/>
-              <a:t>3) Actions : interruption de la collecte</a:t>
-            </a:r>
-            <a:endParaRPr lang="en-US" sz="3600" dirty="0"/>
+          <a:bodyPr/>
+          <a:lstStyle/>
+          <a:p>
+            <a:r>
+              <a:rPr lang="fr-FR" dirty="0" smtClean="0"/>
+              <a:t>3) Interruption de la collecte</a:t>
+            </a:r>
+            <a:endParaRPr lang="en-US" dirty="0"/>
           </a:p>
         </p:txBody>
       </p:sp>
@@ -7926,82 +8994,16 @@
             <p:ph idx="1"/>
           </p:nvPr>
         </p:nvSpPr>
-        <p:spPr>
-          <a:xfrm>
-            <a:off x="254000" y="1790701"/>
-            <a:ext cx="8648700" cy="3461524"/>
-          </a:xfrm>
-          <a:solidFill>
-            <a:schemeClr val="accent1">
-              <a:lumMod val="20000"/>
-              <a:lumOff val="80000"/>
-            </a:schemeClr>
-          </a:solidFill>
-        </p:spPr>
+        <p:spPr/>
         <p:txBody>
           <a:bodyPr/>
           <a:lstStyle/>
           <a:p>
             <a:r>
               <a:rPr lang="fr-FR" dirty="0" smtClean="0"/>
-              <a:t>Ecriture d’un script redémarrant l’appli après un certain temps d’activité. Aucun effet, la rupture continue après le redémarrage.</a:t>
-            </a:r>
-          </a:p>
-          <a:p>
-            <a:r>
-              <a:rPr lang="fr-FR" dirty="0" smtClean="0"/>
-              <a:t>Analyse du code : </a:t>
-            </a:r>
-          </a:p>
-          <a:p>
-            <a:pPr lvl="1"/>
-            <a:r>
-              <a:rPr lang="fr-FR" dirty="0"/>
-              <a:t>L</a:t>
-            </a:r>
-            <a:r>
-              <a:rPr lang="fr-FR" dirty="0" smtClean="0"/>
-              <a:t>’application est trop peu documentée</a:t>
-            </a:r>
-          </a:p>
-          <a:p>
-            <a:pPr lvl="1"/>
-            <a:r>
-              <a:rPr lang="fr-FR" dirty="0"/>
-              <a:t>S</a:t>
-            </a:r>
-            <a:r>
-              <a:rPr lang="fr-FR" dirty="0" smtClean="0"/>
-              <a:t>a structure est complexe</a:t>
-            </a:r>
-          </a:p>
-          <a:p>
-            <a:pPr lvl="1"/>
-            <a:r>
-              <a:rPr lang="fr-FR" dirty="0" smtClean="0"/>
-              <a:t>Les erreurs/exceptions des logs ne sont pas assez explicites</a:t>
-            </a:r>
-          </a:p>
-          <a:p>
-            <a:endParaRPr lang="fr-FR" dirty="0" smtClean="0"/>
-          </a:p>
-          <a:p>
-            <a:pPr lvl="1"/>
-            <a:endParaRPr lang="fr-FR" dirty="0" smtClean="0">
-              <a:solidFill>
-                <a:schemeClr val="accent6">
-                  <a:lumMod val="75000"/>
-                </a:schemeClr>
-              </a:solidFill>
-            </a:endParaRPr>
-          </a:p>
-          <a:p>
-            <a:pPr lvl="1"/>
-            <a:endParaRPr lang="fr-FR" dirty="0" smtClean="0">
-              <a:solidFill>
-                <a:srgbClr val="C89800"/>
-              </a:solidFill>
-            </a:endParaRPr>
+              <a:t>Erreur la plus récurrente lors des perturbations</a:t>
+            </a:r>
+            <a:endParaRPr lang="en-US" dirty="0"/>
           </a:p>
         </p:txBody>
       </p:sp>
@@ -8032,7 +9034,7 @@
     </p:spTree>
     <p:extLst>
       <p:ext uri="{BB962C8B-B14F-4D97-AF65-F5344CB8AC3E}">
-        <p14:creationId xmlns:p14="http://schemas.microsoft.com/office/powerpoint/2010/main" val="2018720381"/>
+        <p14:creationId xmlns:p14="http://schemas.microsoft.com/office/powerpoint/2010/main" val="2918650107"/>
       </p:ext>
     </p:extLst>
   </p:cSld>
@@ -8085,9 +9087,106 @@
           <a:p>
             <a:r>
               <a:rPr lang="fr-FR" sz="3600" dirty="0" smtClean="0"/>
-              <a:t>Préconisations générales</a:t>
+              <a:t>3) Actions : interruption de la collecte</a:t>
             </a:r>
             <a:endParaRPr lang="en-US" sz="3600" dirty="0"/>
+          </a:p>
+        </p:txBody>
+      </p:sp>
+      <p:sp>
+        <p:nvSpPr>
+          <p:cNvPr id="3" name="Espace réservé du contenu 2"/>
+          <p:cNvSpPr>
+            <a:spLocks noGrp="1"/>
+          </p:cNvSpPr>
+          <p:nvPr>
+            <p:ph idx="1"/>
+          </p:nvPr>
+        </p:nvSpPr>
+        <p:spPr>
+          <a:xfrm>
+            <a:off x="254000" y="1790700"/>
+            <a:ext cx="8648700" cy="2179134"/>
+          </a:xfrm>
+          <a:solidFill>
+            <a:schemeClr val="accent1">
+              <a:lumMod val="20000"/>
+              <a:lumOff val="80000"/>
+            </a:schemeClr>
+          </a:solidFill>
+        </p:spPr>
+        <p:txBody>
+          <a:bodyPr>
+            <a:normAutofit/>
+          </a:bodyPr>
+          <a:lstStyle/>
+          <a:p>
+            <a:r>
+              <a:rPr lang="fr-FR" dirty="0" smtClean="0"/>
+              <a:t>Analyse </a:t>
+            </a:r>
+            <a:r>
+              <a:rPr lang="fr-FR" dirty="0" smtClean="0"/>
+              <a:t>du code : </a:t>
+            </a:r>
+          </a:p>
+          <a:p>
+            <a:pPr lvl="1"/>
+            <a:r>
+              <a:rPr lang="fr-FR" dirty="0"/>
+              <a:t>L</a:t>
+            </a:r>
+            <a:r>
+              <a:rPr lang="fr-FR" dirty="0" smtClean="0"/>
+              <a:t>’application est trop peu documentée</a:t>
+            </a:r>
+          </a:p>
+          <a:p>
+            <a:pPr lvl="1"/>
+            <a:r>
+              <a:rPr lang="fr-FR" dirty="0"/>
+              <a:t>S</a:t>
+            </a:r>
+            <a:r>
+              <a:rPr lang="fr-FR" dirty="0" smtClean="0"/>
+              <a:t>a structure est complexe</a:t>
+            </a:r>
+          </a:p>
+          <a:p>
+            <a:pPr lvl="1"/>
+            <a:r>
+              <a:rPr lang="fr-FR" dirty="0" smtClean="0"/>
+              <a:t>Les erreurs/exceptions des logs ne sont pas assez explicites</a:t>
+            </a:r>
+          </a:p>
+          <a:p>
+            <a:pPr lvl="2"/>
+            <a:endParaRPr lang="fr-FR" dirty="0" smtClean="0"/>
+          </a:p>
+          <a:p>
+            <a:pPr lvl="1"/>
+            <a:endParaRPr lang="fr-FR" dirty="0"/>
+          </a:p>
+          <a:p>
+            <a:endParaRPr lang="fr-FR" dirty="0" smtClean="0"/>
+          </a:p>
+          <a:p>
+            <a:pPr lvl="1"/>
+            <a:endParaRPr lang="fr-FR" dirty="0" smtClean="0">
+              <a:solidFill>
+                <a:schemeClr val="accent6">
+                  <a:lumMod val="75000"/>
+                </a:schemeClr>
+              </a:solidFill>
+            </a:endParaRPr>
+          </a:p>
+          <a:p>
+            <a:pPr lvl="1"/>
+            <a:endParaRPr lang="fr-FR" dirty="0" smtClean="0">
+              <a:solidFill>
+                <a:srgbClr val="C89800"/>
+              </a:solidFill>
+            </a:endParaRPr>
           </a:p>
         </p:txBody>
       </p:sp>
@@ -8115,29 +9214,10 @@
           </a:p>
         </p:txBody>
       </p:sp>
-      <p:sp>
-        <p:nvSpPr>
-          <p:cNvPr id="5" name="Espace réservé du contenu 4"/>
-          <p:cNvSpPr>
-            <a:spLocks noGrp="1"/>
-          </p:cNvSpPr>
-          <p:nvPr>
-            <p:ph idx="1"/>
-          </p:nvPr>
-        </p:nvSpPr>
-        <p:spPr/>
-        <p:txBody>
-          <a:bodyPr/>
-          <a:lstStyle/>
-          <a:p>
-            <a:endParaRPr lang="en-US"/>
-          </a:p>
-        </p:txBody>
-      </p:sp>
     </p:spTree>
     <p:extLst>
       <p:ext uri="{BB962C8B-B14F-4D97-AF65-F5344CB8AC3E}">
-        <p14:creationId xmlns:p14="http://schemas.microsoft.com/office/powerpoint/2010/main" val="659987490"/>
+        <p14:creationId xmlns:p14="http://schemas.microsoft.com/office/powerpoint/2010/main" val="2018720381"/>
       </p:ext>
     </p:extLst>
   </p:cSld>
@@ -8183,80 +9263,183 @@
         </p:nvSpPr>
         <p:spPr/>
         <p:txBody>
-          <a:bodyPr/>
+          <a:bodyPr>
+            <a:normAutofit/>
+          </a:bodyPr>
+          <a:lstStyle/>
+          <a:p>
+            <a:r>
+              <a:rPr lang="fr-FR" sz="3600" dirty="0" smtClean="0"/>
+              <a:t>3) Actions : interruption de la collecte</a:t>
+            </a:r>
+            <a:endParaRPr lang="en-US" sz="3600" dirty="0"/>
+          </a:p>
+        </p:txBody>
+      </p:sp>
+      <p:sp>
+        <p:nvSpPr>
+          <p:cNvPr id="3" name="Espace réservé du contenu 2"/>
+          <p:cNvSpPr>
+            <a:spLocks noGrp="1"/>
+          </p:cNvSpPr>
+          <p:nvPr>
+            <p:ph idx="1"/>
+          </p:nvPr>
+        </p:nvSpPr>
+        <p:spPr>
+          <a:xfrm>
+            <a:off x="254000" y="1790700"/>
+            <a:ext cx="8648700" cy="4788520"/>
+          </a:xfrm>
+          <a:solidFill>
+            <a:schemeClr val="accent1">
+              <a:lumMod val="20000"/>
+              <a:lumOff val="80000"/>
+            </a:schemeClr>
+          </a:solidFill>
+        </p:spPr>
+        <p:txBody>
+          <a:bodyPr>
+            <a:normAutofit/>
+          </a:bodyPr>
           <a:lstStyle/>
           <a:p>
             <a:r>
               <a:rPr lang="fr-FR" dirty="0" smtClean="0"/>
-              <a:t>Prise en main du </a:t>
-            </a:r>
-            <a:r>
-              <a:rPr lang="fr-FR" dirty="0" err="1" smtClean="0"/>
-              <a:t>framework</a:t>
-            </a:r>
-            <a:endParaRPr lang="en-US" dirty="0"/>
-          </a:p>
-        </p:txBody>
-      </p:sp>
-      <p:sp>
-        <p:nvSpPr>
-          <p:cNvPr id="3" name="Espace réservé du contenu 2"/>
-          <p:cNvSpPr>
-            <a:spLocks noGrp="1"/>
-          </p:cNvSpPr>
-          <p:nvPr>
-            <p:ph idx="1"/>
-          </p:nvPr>
-        </p:nvSpPr>
-        <p:spPr/>
-        <p:txBody>
-          <a:bodyPr/>
-          <a:lstStyle/>
-          <a:p>
-            <a:r>
-              <a:rPr lang="fr-FR" dirty="0" err="1" smtClean="0"/>
-              <a:t>Overview</a:t>
+              <a:t>Solution « bricolage » : </a:t>
+            </a:r>
+            <a:r>
+              <a:rPr lang="fr-FR" dirty="0"/>
+              <a:t>é</a:t>
             </a:r>
             <a:r>
               <a:rPr lang="fr-FR" dirty="0" smtClean="0"/>
-              <a:t> :</a:t>
+              <a:t>criture </a:t>
+            </a:r>
+            <a:r>
+              <a:rPr lang="fr-FR" dirty="0"/>
+              <a:t>d’un script </a:t>
+            </a:r>
+            <a:r>
+              <a:rPr lang="fr-FR" b="1" dirty="0" err="1"/>
+              <a:t>watchdog</a:t>
+            </a:r>
+            <a:r>
+              <a:rPr lang="fr-FR" dirty="0"/>
+              <a:t> redémarrant le serveur si interruption de la collecte</a:t>
+            </a:r>
+            <a:r>
+              <a:rPr lang="fr-FR" dirty="0" smtClean="0"/>
+              <a:t>.</a:t>
             </a:r>
           </a:p>
           <a:p>
             <a:pPr lvl="1"/>
+            <a:r>
+              <a:rPr lang="fr-FR" dirty="0" smtClean="0">
+                <a:solidFill>
+                  <a:srgbClr val="00B050"/>
+                </a:solidFill>
+              </a:rPr>
+              <a:t>Avantages :</a:t>
+            </a:r>
+          </a:p>
+          <a:p>
+            <a:pPr lvl="2"/>
+            <a:r>
+              <a:rPr lang="fr-FR" dirty="0" smtClean="0"/>
+              <a:t>Simple à modifier</a:t>
+            </a:r>
+          </a:p>
+          <a:p>
+            <a:pPr lvl="2"/>
+            <a:r>
+              <a:rPr lang="fr-FR" dirty="0"/>
+              <a:t>E</a:t>
+            </a:r>
+            <a:r>
+              <a:rPr lang="fr-FR" dirty="0" smtClean="0"/>
+              <a:t>xterne à l’application</a:t>
+            </a:r>
+          </a:p>
+          <a:p>
+            <a:pPr lvl="2"/>
+            <a:r>
+              <a:rPr lang="fr-FR" dirty="0" smtClean="0"/>
+              <a:t>Robuste</a:t>
+            </a:r>
+          </a:p>
+          <a:p>
+            <a:pPr lvl="1"/>
+            <a:r>
+              <a:rPr lang="fr-FR" dirty="0" smtClean="0">
+                <a:solidFill>
+                  <a:schemeClr val="accent2"/>
+                </a:solidFill>
+              </a:rPr>
+              <a:t>Inconvénients : </a:t>
+            </a:r>
+          </a:p>
+          <a:p>
+            <a:pPr lvl="2"/>
+            <a:r>
+              <a:rPr lang="fr-FR" dirty="0"/>
+              <a:t>E</a:t>
+            </a:r>
+            <a:r>
+              <a:rPr lang="fr-FR" dirty="0" smtClean="0"/>
+              <a:t>jecte tout utilisateur actif sur le site</a:t>
+            </a:r>
+          </a:p>
+          <a:p>
+            <a:pPr lvl="2"/>
+            <a:r>
+              <a:rPr lang="fr-FR" dirty="0" smtClean="0"/>
+              <a:t>Temps de redémarrage du serveur non nul (&lt;1 min)</a:t>
+            </a:r>
+          </a:p>
+          <a:p>
+            <a:pPr lvl="2"/>
+            <a:r>
+              <a:rPr lang="fr-FR" dirty="0" smtClean="0"/>
+              <a:t>Résout le symptôme, pas le problème</a:t>
+            </a:r>
+          </a:p>
+          <a:p>
+            <a:pPr lvl="2"/>
+            <a:r>
+              <a:rPr lang="fr-FR" dirty="0" smtClean="0"/>
+              <a:t>Ne s’active pas si certains flux encore actifs</a:t>
+            </a:r>
+          </a:p>
+          <a:p>
+            <a:pPr lvl="2"/>
             <a:endParaRPr lang="fr-FR" dirty="0" smtClean="0"/>
           </a:p>
           <a:p>
+            <a:pPr lvl="1"/>
             <a:endParaRPr lang="fr-FR" dirty="0"/>
           </a:p>
           <a:p>
-            <a:r>
-              <a:rPr lang="fr-FR" dirty="0" smtClean="0"/>
-              <a:t>Problèmes :</a:t>
-            </a:r>
+            <a:endParaRPr lang="fr-FR" dirty="0" smtClean="0"/>
           </a:p>
           <a:p>
             <a:pPr lvl="1"/>
-            <a:r>
-              <a:rPr lang="fr-FR" dirty="0" smtClean="0"/>
-              <a:t>Projet </a:t>
-            </a:r>
-            <a:r>
-              <a:rPr lang="fr-FR" dirty="0" err="1" smtClean="0"/>
-              <a:t>Netbeans</a:t>
-            </a:r>
-            <a:r>
-              <a:rPr lang="fr-FR" dirty="0" smtClean="0"/>
-              <a:t> ne compile pas:</a:t>
-            </a:r>
-          </a:p>
-          <a:p>
-            <a:pPr lvl="2"/>
-            <a:r>
-              <a:rPr lang="fr-FR" dirty="0" smtClean="0"/>
-              <a:t>Dépendances (bibliothèques) non incluses par l’auteur</a:t>
-            </a:r>
-            <a:endParaRPr lang="en-US" dirty="0"/>
+            <a:endParaRPr lang="fr-FR" dirty="0" smtClean="0">
+              <a:solidFill>
+                <a:schemeClr val="accent6">
+                  <a:lumMod val="75000"/>
+                </a:schemeClr>
+              </a:solidFill>
+            </a:endParaRPr>
+          </a:p>
+          <a:p>
+            <a:pPr lvl="1"/>
+            <a:endParaRPr lang="fr-FR" dirty="0" smtClean="0">
+              <a:solidFill>
+                <a:srgbClr val="C89800"/>
+              </a:solidFill>
+            </a:endParaRPr>
           </a:p>
         </p:txBody>
       </p:sp>
@@ -8287,7 +9470,7 @@
     </p:spTree>
     <p:extLst>
       <p:ext uri="{BB962C8B-B14F-4D97-AF65-F5344CB8AC3E}">
-        <p14:creationId xmlns:p14="http://schemas.microsoft.com/office/powerpoint/2010/main" val="4048983730"/>
+        <p14:creationId xmlns:p14="http://schemas.microsoft.com/office/powerpoint/2010/main" val="1248837572"/>
       </p:ext>
     </p:extLst>
   </p:cSld>
@@ -8301,6 +9484,432 @@
       </p:par>
     </p:tnLst>
   </p:timing>
+</p:sld>
+</file>
+
+<file path=ppt/slides/slide24.xml><?xml version="1.0" encoding="utf-8"?>
+<p:sld xmlns:a="http://schemas.openxmlformats.org/drawingml/2006/main" xmlns:r="http://schemas.openxmlformats.org/officeDocument/2006/relationships" xmlns:p="http://schemas.openxmlformats.org/presentationml/2006/main">
+  <p:cSld>
+    <p:spTree>
+      <p:nvGrpSpPr>
+        <p:cNvPr id="1" name=""/>
+        <p:cNvGrpSpPr/>
+        <p:nvPr/>
+      </p:nvGrpSpPr>
+      <p:grpSpPr>
+        <a:xfrm>
+          <a:off x="0" y="0"/>
+          <a:ext cx="0" cy="0"/>
+          <a:chOff x="0" y="0"/>
+          <a:chExt cx="0" cy="0"/>
+        </a:xfrm>
+      </p:grpSpPr>
+      <p:sp>
+        <p:nvSpPr>
+          <p:cNvPr id="2" name="Titre 1"/>
+          <p:cNvSpPr>
+            <a:spLocks noGrp="1"/>
+          </p:cNvSpPr>
+          <p:nvPr>
+            <p:ph type="title"/>
+          </p:nvPr>
+        </p:nvSpPr>
+        <p:spPr/>
+        <p:txBody>
+          <a:bodyPr>
+            <a:normAutofit/>
+          </a:bodyPr>
+          <a:lstStyle/>
+          <a:p>
+            <a:r>
+              <a:rPr lang="fr-FR" sz="3600" dirty="0" smtClean="0"/>
+              <a:t>Préconisations générales</a:t>
+            </a:r>
+            <a:endParaRPr lang="en-US" sz="3600" dirty="0"/>
+          </a:p>
+        </p:txBody>
+      </p:sp>
+      <p:sp>
+        <p:nvSpPr>
+          <p:cNvPr id="4" name="Espace réservé du numéro de diapositive 3"/>
+          <p:cNvSpPr>
+            <a:spLocks noGrp="1"/>
+          </p:cNvSpPr>
+          <p:nvPr>
+            <p:ph type="sldNum" sz="quarter" idx="12"/>
+          </p:nvPr>
+        </p:nvSpPr>
+        <p:spPr/>
+        <p:txBody>
+          <a:bodyPr/>
+          <a:lstStyle/>
+          <a:p>
+            <a:fld id="{87D9652F-9609-4EC6-8E0A-C96E14B58A2A}" type="slidenum">
+              <a:rPr lang="fr-FR" smtClean="0"/>
+              <a:pPr/>
+              <a:t>24</a:t>
+            </a:fld>
+            <a:endParaRPr lang="fr-FR" dirty="0"/>
+          </a:p>
+        </p:txBody>
+      </p:sp>
+      <p:pic>
+        <p:nvPicPr>
+          <p:cNvPr id="1026" name="Picture 2" descr="http://4.bp.blogspot.com/-iPOXZFL96ug/UIUGP3EFTxI/AAAAAAAAAOI/h4iT8b5QRFc/s1600/maison-malfacon.jpg"/>
+          <p:cNvPicPr>
+            <a:picLocks noGrp="1" noChangeAspect="1" noChangeArrowheads="1"/>
+          </p:cNvPicPr>
+          <p:nvPr>
+            <p:ph idx="1"/>
+          </p:nvPr>
+        </p:nvPicPr>
+        <p:blipFill>
+          <a:blip r:embed="rId2">
+            <a:extLst>
+              <a:ext uri="{28A0092B-C50C-407E-A947-70E740481C1C}">
+                <a14:useLocalDpi xmlns:a14="http://schemas.microsoft.com/office/drawing/2010/main" val="0"/>
+              </a:ext>
+            </a:extLst>
+          </a:blip>
+          <a:srcRect/>
+          <a:stretch>
+            <a:fillRect/>
+          </a:stretch>
+        </p:blipFill>
+        <p:spPr bwMode="auto">
+          <a:xfrm>
+            <a:off x="2936785" y="1308103"/>
+            <a:ext cx="3283130" cy="4386263"/>
+          </a:xfrm>
+          <a:prstGeom prst="rect">
+            <a:avLst/>
+          </a:prstGeom>
+          <a:noFill/>
+          <a:extLst>
+            <a:ext uri="{909E8E84-426E-40DD-AFC4-6F175D3DCCD1}">
+              <a14:hiddenFill xmlns:a14="http://schemas.microsoft.com/office/drawing/2010/main">
+                <a:solidFill>
+                  <a:srgbClr val="FFFFFF"/>
+                </a:solidFill>
+              </a14:hiddenFill>
+            </a:ext>
+          </a:extLst>
+        </p:spPr>
+      </p:pic>
+      <p:sp>
+        <p:nvSpPr>
+          <p:cNvPr id="3" name="ZoneTexte 2"/>
+          <p:cNvSpPr txBox="1"/>
+          <p:nvPr/>
+        </p:nvSpPr>
+        <p:spPr>
+          <a:xfrm>
+            <a:off x="3091466" y="6066263"/>
+            <a:ext cx="2961067" cy="369332"/>
+          </a:xfrm>
+          <a:prstGeom prst="rect">
+            <a:avLst/>
+          </a:prstGeom>
+          <a:noFill/>
+        </p:spPr>
+        <p:txBody>
+          <a:bodyPr wrap="none" rtlCol="0">
+            <a:spAutoFit/>
+          </a:bodyPr>
+          <a:lstStyle/>
+          <a:p>
+            <a:r>
+              <a:rPr lang="fr-FR" dirty="0" smtClean="0"/>
+              <a:t>Etat actuel de l’application</a:t>
+            </a:r>
+            <a:endParaRPr lang="en-US" dirty="0"/>
+          </a:p>
+        </p:txBody>
+      </p:sp>
+    </p:spTree>
+    <p:extLst>
+      <p:ext uri="{BB962C8B-B14F-4D97-AF65-F5344CB8AC3E}">
+        <p14:creationId xmlns:p14="http://schemas.microsoft.com/office/powerpoint/2010/main" val="659987490"/>
+      </p:ext>
+    </p:extLst>
+  </p:cSld>
+  <p:clrMapOvr>
+    <a:masterClrMapping/>
+  </p:clrMapOvr>
+  <p:timing>
+    <p:tnLst>
+      <p:par>
+        <p:cTn id="1" dur="indefinite" restart="never" nodeType="tmRoot"/>
+      </p:par>
+    </p:tnLst>
+  </p:timing>
+</p:sld>
+</file>
+
+<file path=ppt/slides/slide25.xml><?xml version="1.0" encoding="utf-8"?>
+<p:sld xmlns:a="http://schemas.openxmlformats.org/drawingml/2006/main" xmlns:r="http://schemas.openxmlformats.org/officeDocument/2006/relationships" xmlns:p="http://schemas.openxmlformats.org/presentationml/2006/main">
+  <p:cSld>
+    <p:spTree>
+      <p:nvGrpSpPr>
+        <p:cNvPr id="1" name=""/>
+        <p:cNvGrpSpPr/>
+        <p:nvPr/>
+      </p:nvGrpSpPr>
+      <p:grpSpPr>
+        <a:xfrm>
+          <a:off x="0" y="0"/>
+          <a:ext cx="0" cy="0"/>
+          <a:chOff x="0" y="0"/>
+          <a:chExt cx="0" cy="0"/>
+        </a:xfrm>
+      </p:grpSpPr>
+      <p:sp>
+        <p:nvSpPr>
+          <p:cNvPr id="2" name="Titre 1"/>
+          <p:cNvSpPr>
+            <a:spLocks noGrp="1"/>
+          </p:cNvSpPr>
+          <p:nvPr>
+            <p:ph type="title"/>
+          </p:nvPr>
+        </p:nvSpPr>
+        <p:spPr/>
+        <p:txBody>
+          <a:bodyPr>
+            <a:normAutofit/>
+          </a:bodyPr>
+          <a:lstStyle/>
+          <a:p>
+            <a:r>
+              <a:rPr lang="fr-FR" sz="3600" dirty="0" smtClean="0"/>
+              <a:t>Préconisations générales</a:t>
+            </a:r>
+            <a:endParaRPr lang="en-US" sz="3600" dirty="0"/>
+          </a:p>
+        </p:txBody>
+      </p:sp>
+      <p:sp>
+        <p:nvSpPr>
+          <p:cNvPr id="4" name="Espace réservé du numéro de diapositive 3"/>
+          <p:cNvSpPr>
+            <a:spLocks noGrp="1"/>
+          </p:cNvSpPr>
+          <p:nvPr>
+            <p:ph type="sldNum" sz="quarter" idx="12"/>
+          </p:nvPr>
+        </p:nvSpPr>
+        <p:spPr/>
+        <p:txBody>
+          <a:bodyPr/>
+          <a:lstStyle/>
+          <a:p>
+            <a:fld id="{87D9652F-9609-4EC6-8E0A-C96E14B58A2A}" type="slidenum">
+              <a:rPr lang="fr-FR" smtClean="0"/>
+              <a:pPr/>
+              <a:t>25</a:t>
+            </a:fld>
+            <a:endParaRPr lang="fr-FR" dirty="0"/>
+          </a:p>
+        </p:txBody>
+      </p:sp>
+      <p:pic>
+        <p:nvPicPr>
+          <p:cNvPr id="2052" name="Picture 4" descr="Afficher l'image d'origine"/>
+          <p:cNvPicPr>
+            <a:picLocks noGrp="1" noChangeAspect="1" noChangeArrowheads="1"/>
+          </p:cNvPicPr>
+          <p:nvPr>
+            <p:ph idx="1"/>
+          </p:nvPr>
+        </p:nvPicPr>
+        <p:blipFill>
+          <a:blip r:embed="rId2" cstate="print">
+            <a:extLst>
+              <a:ext uri="{28A0092B-C50C-407E-A947-70E740481C1C}">
+                <a14:useLocalDpi xmlns:a14="http://schemas.microsoft.com/office/drawing/2010/main" val="0"/>
+              </a:ext>
+            </a:extLst>
+          </a:blip>
+          <a:srcRect/>
+          <a:stretch>
+            <a:fillRect/>
+          </a:stretch>
+        </p:blipFill>
+        <p:spPr bwMode="auto">
+          <a:xfrm>
+            <a:off x="2101894" y="1687258"/>
+            <a:ext cx="4952911" cy="3534424"/>
+          </a:xfrm>
+          <a:prstGeom prst="rect">
+            <a:avLst/>
+          </a:prstGeom>
+          <a:noFill/>
+          <a:extLst>
+            <a:ext uri="{909E8E84-426E-40DD-AFC4-6F175D3DCCD1}">
+              <a14:hiddenFill xmlns:a14="http://schemas.microsoft.com/office/drawing/2010/main">
+                <a:solidFill>
+                  <a:srgbClr val="FFFFFF"/>
+                </a:solidFill>
+              </a14:hiddenFill>
+            </a:ext>
+          </a:extLst>
+        </p:spPr>
+      </p:pic>
+      <p:sp>
+        <p:nvSpPr>
+          <p:cNvPr id="9" name="ZoneTexte 8"/>
+          <p:cNvSpPr txBox="1"/>
+          <p:nvPr/>
+        </p:nvSpPr>
+        <p:spPr>
+          <a:xfrm>
+            <a:off x="621360" y="5600837"/>
+            <a:ext cx="8178842" cy="923330"/>
+          </a:xfrm>
+          <a:prstGeom prst="rect">
+            <a:avLst/>
+          </a:prstGeom>
+          <a:noFill/>
+        </p:spPr>
+        <p:txBody>
+          <a:bodyPr wrap="none" rtlCol="0">
+            <a:spAutoFit/>
+          </a:bodyPr>
+          <a:lstStyle/>
+          <a:p>
+            <a:r>
+              <a:rPr lang="fr-FR" dirty="0" smtClean="0"/>
+              <a:t>Maintenir une application mal conçue à la base est une tâche vouée à l’échec.</a:t>
+            </a:r>
+          </a:p>
+          <a:p>
+            <a:r>
+              <a:rPr lang="fr-FR" dirty="0" smtClean="0"/>
+              <a:t>Il est préférable de concevoir une nouvelle application avec des fondations</a:t>
+            </a:r>
+          </a:p>
+          <a:p>
+            <a:r>
+              <a:rPr lang="fr-FR" dirty="0" smtClean="0"/>
+              <a:t>plus solides.</a:t>
+            </a:r>
+            <a:endParaRPr lang="en-US" dirty="0"/>
+          </a:p>
+        </p:txBody>
+      </p:sp>
+    </p:spTree>
+    <p:extLst>
+      <p:ext uri="{BB962C8B-B14F-4D97-AF65-F5344CB8AC3E}">
+        <p14:creationId xmlns:p14="http://schemas.microsoft.com/office/powerpoint/2010/main" val="3623424105"/>
+      </p:ext>
+    </p:extLst>
+  </p:cSld>
+  <p:clrMapOvr>
+    <a:masterClrMapping/>
+  </p:clrMapOvr>
+  <p:timing>
+    <p:tnLst>
+      <p:par>
+        <p:cTn id="1" dur="indefinite" restart="never" nodeType="tmRoot"/>
+      </p:par>
+    </p:tnLst>
+  </p:timing>
+</p:sld>
+</file>
+
+<file path=ppt/slides/slide26.xml><?xml version="1.0" encoding="utf-8"?>
+<p:sld xmlns:a="http://schemas.openxmlformats.org/drawingml/2006/main" xmlns:r="http://schemas.openxmlformats.org/officeDocument/2006/relationships" xmlns:p="http://schemas.openxmlformats.org/presentationml/2006/main">
+  <p:cSld>
+    <p:spTree>
+      <p:nvGrpSpPr>
+        <p:cNvPr id="1" name=""/>
+        <p:cNvGrpSpPr/>
+        <p:nvPr/>
+      </p:nvGrpSpPr>
+      <p:grpSpPr>
+        <a:xfrm>
+          <a:off x="0" y="0"/>
+          <a:ext cx="0" cy="0"/>
+          <a:chOff x="0" y="0"/>
+          <a:chExt cx="0" cy="0"/>
+        </a:xfrm>
+      </p:grpSpPr>
+      <p:sp>
+        <p:nvSpPr>
+          <p:cNvPr id="2" name="Titre 1"/>
+          <p:cNvSpPr>
+            <a:spLocks noGrp="1"/>
+          </p:cNvSpPr>
+          <p:nvPr>
+            <p:ph type="title"/>
+          </p:nvPr>
+        </p:nvSpPr>
+        <p:spPr/>
+        <p:txBody>
+          <a:bodyPr/>
+          <a:lstStyle/>
+          <a:p>
+            <a:r>
+              <a:rPr lang="fr-FR" dirty="0" smtClean="0"/>
+              <a:t>Plus de détails sur</a:t>
+            </a:r>
+            <a:endParaRPr lang="en-US" dirty="0"/>
+          </a:p>
+        </p:txBody>
+      </p:sp>
+      <p:sp>
+        <p:nvSpPr>
+          <p:cNvPr id="3" name="Espace réservé du contenu 2"/>
+          <p:cNvSpPr>
+            <a:spLocks noGrp="1"/>
+          </p:cNvSpPr>
+          <p:nvPr>
+            <p:ph idx="1"/>
+          </p:nvPr>
+        </p:nvSpPr>
+        <p:spPr/>
+        <p:txBody>
+          <a:bodyPr/>
+          <a:lstStyle/>
+          <a:p>
+            <a:endParaRPr lang="en-US" dirty="0"/>
+          </a:p>
+        </p:txBody>
+      </p:sp>
+      <p:sp>
+        <p:nvSpPr>
+          <p:cNvPr id="4" name="Espace réservé du numéro de diapositive 3"/>
+          <p:cNvSpPr>
+            <a:spLocks noGrp="1"/>
+          </p:cNvSpPr>
+          <p:nvPr>
+            <p:ph type="sldNum" sz="quarter" idx="12"/>
+          </p:nvPr>
+        </p:nvSpPr>
+        <p:spPr/>
+        <p:txBody>
+          <a:bodyPr/>
+          <a:lstStyle/>
+          <a:p>
+            <a:fld id="{87D9652F-9609-4EC6-8E0A-C96E14B58A2A}" type="slidenum">
+              <a:rPr lang="fr-FR" smtClean="0"/>
+              <a:pPr/>
+              <a:t>26</a:t>
+            </a:fld>
+            <a:endParaRPr lang="fr-FR" dirty="0"/>
+          </a:p>
+        </p:txBody>
+      </p:sp>
+    </p:spTree>
+    <p:extLst>
+      <p:ext uri="{BB962C8B-B14F-4D97-AF65-F5344CB8AC3E}">
+        <p14:creationId xmlns:p14="http://schemas.microsoft.com/office/powerpoint/2010/main" val="4130268211"/>
+      </p:ext>
+    </p:extLst>
+  </p:cSld>
+  <p:clrMapOvr>
+    <a:masterClrMapping/>
+  </p:clrMapOvr>
 </p:sld>
 </file>
 
@@ -8621,7 +10230,6 @@
               <a:rPr lang="fr-FR" dirty="0" smtClean="0"/>
               <a:t>fournir aux futurs développeurs le matériel capable de diminuer drastiquement le temps de prise en main</a:t>
             </a:r>
-            <a:endParaRPr lang="fr-FR" dirty="0" smtClean="0"/>
           </a:p>
         </p:txBody>
       </p:sp>
@@ -9315,8 +10923,8 @@
           </a:extLst>
         </p:spPr>
       </p:pic>
-      <mc:AlternateContent xmlns:mc="http://schemas.openxmlformats.org/markup-compatibility/2006">
-        <mc:Choice xmlns:a14="http://schemas.microsoft.com/office/drawing/2010/main" Requires="a14">
+      <mc:AlternateContent xmlns:mc="http://schemas.openxmlformats.org/markup-compatibility/2006" xmlns:a14="http://schemas.microsoft.com/office/drawing/2010/main">
+        <mc:Choice Requires="a14">
           <p:sp>
             <p:nvSpPr>
               <p:cNvPr id="3" name="Espace réservé du contenu 2"/>
@@ -9499,7 +11107,7 @@
             </p:txBody>
           </p:sp>
         </mc:Choice>
-        <mc:Fallback>
+        <mc:Fallback xmlns="">
           <p:sp>
             <p:nvSpPr>
               <p:cNvPr id="3" name="Espace réservé du contenu 2"/>
@@ -9617,8 +11225,8 @@
           <a:chExt cx="0" cy="0"/>
         </a:xfrm>
       </p:grpSpPr>
-      <mc:AlternateContent xmlns:mc="http://schemas.openxmlformats.org/markup-compatibility/2006">
-        <mc:Choice xmlns:a14="http://schemas.microsoft.com/office/drawing/2010/main" Requires="a14">
+      <mc:AlternateContent xmlns:mc="http://schemas.openxmlformats.org/markup-compatibility/2006" xmlns:a14="http://schemas.microsoft.com/office/drawing/2010/main">
+        <mc:Choice Requires="a14">
           <p:sp>
             <p:nvSpPr>
               <p:cNvPr id="3" name="Espace réservé du contenu 2"/>
@@ -9720,7 +11328,7 @@
             </p:txBody>
           </p:sp>
         </mc:Choice>
-        <mc:Fallback>
+        <mc:Fallback xmlns="">
           <p:sp>
             <p:nvSpPr>
               <p:cNvPr id="3" name="Espace réservé du contenu 2"/>

--- a/slides.pptx
+++ b/slides.pptx
@@ -5,53 +5,54 @@
     <p:sldMasterId id="2147483696" r:id="rId1"/>
   </p:sldMasterIdLst>
   <p:notesMasterIdLst>
-    <p:notesMasterId r:id="rId43"/>
+    <p:notesMasterId r:id="rId44"/>
   </p:notesMasterIdLst>
   <p:handoutMasterIdLst>
-    <p:handoutMasterId r:id="rId44"/>
+    <p:handoutMasterId r:id="rId45"/>
   </p:handoutMasterIdLst>
   <p:sldIdLst>
     <p:sldId id="256" r:id="rId2"/>
     <p:sldId id="681" r:id="rId3"/>
-    <p:sldId id="709" r:id="rId4"/>
-    <p:sldId id="710" r:id="rId5"/>
-    <p:sldId id="682" r:id="rId6"/>
-    <p:sldId id="683" r:id="rId7"/>
-    <p:sldId id="711" r:id="rId8"/>
-    <p:sldId id="712" r:id="rId9"/>
-    <p:sldId id="684" r:id="rId10"/>
-    <p:sldId id="685" r:id="rId11"/>
-    <p:sldId id="686" r:id="rId12"/>
-    <p:sldId id="687" r:id="rId13"/>
-    <p:sldId id="713" r:id="rId14"/>
-    <p:sldId id="688" r:id="rId15"/>
-    <p:sldId id="714" r:id="rId16"/>
-    <p:sldId id="691" r:id="rId17"/>
-    <p:sldId id="694" r:id="rId18"/>
-    <p:sldId id="715" r:id="rId19"/>
-    <p:sldId id="676" r:id="rId20"/>
-    <p:sldId id="695" r:id="rId21"/>
-    <p:sldId id="716" r:id="rId22"/>
-    <p:sldId id="696" r:id="rId23"/>
-    <p:sldId id="700" r:id="rId24"/>
-    <p:sldId id="697" r:id="rId25"/>
+    <p:sldId id="724" r:id="rId4"/>
+    <p:sldId id="709" r:id="rId5"/>
+    <p:sldId id="710" r:id="rId6"/>
+    <p:sldId id="682" r:id="rId7"/>
+    <p:sldId id="683" r:id="rId8"/>
+    <p:sldId id="711" r:id="rId9"/>
+    <p:sldId id="712" r:id="rId10"/>
+    <p:sldId id="684" r:id="rId11"/>
+    <p:sldId id="685" r:id="rId12"/>
+    <p:sldId id="686" r:id="rId13"/>
+    <p:sldId id="687" r:id="rId14"/>
+    <p:sldId id="713" r:id="rId15"/>
+    <p:sldId id="688" r:id="rId16"/>
+    <p:sldId id="714" r:id="rId17"/>
+    <p:sldId id="691" r:id="rId18"/>
+    <p:sldId id="694" r:id="rId19"/>
+    <p:sldId id="715" r:id="rId20"/>
+    <p:sldId id="676" r:id="rId21"/>
+    <p:sldId id="695" r:id="rId22"/>
+    <p:sldId id="716" r:id="rId23"/>
+    <p:sldId id="696" r:id="rId24"/>
+    <p:sldId id="700" r:id="rId25"/>
     <p:sldId id="701" r:id="rId26"/>
-    <p:sldId id="717" r:id="rId27"/>
-    <p:sldId id="698" r:id="rId28"/>
-    <p:sldId id="704" r:id="rId29"/>
-    <p:sldId id="718" r:id="rId30"/>
-    <p:sldId id="699" r:id="rId31"/>
-    <p:sldId id="702" r:id="rId32"/>
-    <p:sldId id="703" r:id="rId33"/>
-    <p:sldId id="705" r:id="rId34"/>
-    <p:sldId id="719" r:id="rId35"/>
-    <p:sldId id="720" r:id="rId36"/>
-    <p:sldId id="706" r:id="rId37"/>
-    <p:sldId id="721" r:id="rId38"/>
-    <p:sldId id="708" r:id="rId39"/>
-    <p:sldId id="722" r:id="rId40"/>
-    <p:sldId id="707" r:id="rId41"/>
-    <p:sldId id="723" r:id="rId42"/>
+    <p:sldId id="697" r:id="rId27"/>
+    <p:sldId id="717" r:id="rId28"/>
+    <p:sldId id="698" r:id="rId29"/>
+    <p:sldId id="704" r:id="rId30"/>
+    <p:sldId id="718" r:id="rId31"/>
+    <p:sldId id="699" r:id="rId32"/>
+    <p:sldId id="702" r:id="rId33"/>
+    <p:sldId id="703" r:id="rId34"/>
+    <p:sldId id="705" r:id="rId35"/>
+    <p:sldId id="719" r:id="rId36"/>
+    <p:sldId id="720" r:id="rId37"/>
+    <p:sldId id="706" r:id="rId38"/>
+    <p:sldId id="721" r:id="rId39"/>
+    <p:sldId id="708" r:id="rId40"/>
+    <p:sldId id="722" r:id="rId41"/>
+    <p:sldId id="707" r:id="rId42"/>
+    <p:sldId id="723" r:id="rId43"/>
   </p:sldIdLst>
   <p:sldSz cx="9144000" cy="6858000" type="screen4x3"/>
   <p:notesSz cx="6858000" cy="9144000"/>
@@ -954,7 +955,7 @@
     </p:spTree>
     <p:extLst>
       <p:ext uri="{BB962C8B-B14F-4D97-AF65-F5344CB8AC3E}">
-        <p14:creationId xmlns:p14="http://schemas.microsoft.com/office/powerpoint/2010/main" val="2325645997"/>
+        <p14:creationId xmlns:p14="http://schemas.microsoft.com/office/powerpoint/2010/main" val="3180355314"/>
       </p:ext>
     </p:extLst>
   </p:cSld>
@@ -1029,7 +1030,91 @@
           <a:p>
             <a:fld id="{7F421A2B-D86A-438C-8636-6AD70572CBB6}" type="slidenum">
               <a:rPr lang="fr-FR" smtClean="0"/>
-              <a:t>19</a:t>
+              <a:t>4</a:t>
+            </a:fld>
+            <a:endParaRPr lang="fr-FR"/>
+          </a:p>
+        </p:txBody>
+      </p:sp>
+    </p:spTree>
+    <p:extLst>
+      <p:ext uri="{BB962C8B-B14F-4D97-AF65-F5344CB8AC3E}">
+        <p14:creationId xmlns:p14="http://schemas.microsoft.com/office/powerpoint/2010/main" val="2325645997"/>
+      </p:ext>
+    </p:extLst>
+  </p:cSld>
+  <p:clrMapOvr>
+    <a:masterClrMapping/>
+  </p:clrMapOvr>
+</p:notes>
+</file>
+
+<file path=ppt/notesSlides/notesSlide5.xml><?xml version="1.0" encoding="utf-8"?>
+<p:notes xmlns:a="http://schemas.openxmlformats.org/drawingml/2006/main" xmlns:r="http://schemas.openxmlformats.org/officeDocument/2006/relationships" xmlns:p="http://schemas.openxmlformats.org/presentationml/2006/main">
+  <p:cSld>
+    <p:spTree>
+      <p:nvGrpSpPr>
+        <p:cNvPr id="1" name=""/>
+        <p:cNvGrpSpPr/>
+        <p:nvPr/>
+      </p:nvGrpSpPr>
+      <p:grpSpPr>
+        <a:xfrm>
+          <a:off x="0" y="0"/>
+          <a:ext cx="0" cy="0"/>
+          <a:chOff x="0" y="0"/>
+          <a:chExt cx="0" cy="0"/>
+        </a:xfrm>
+      </p:grpSpPr>
+      <p:sp>
+        <p:nvSpPr>
+          <p:cNvPr id="2" name="Espace réservé de l'image des diapositives 1"/>
+          <p:cNvSpPr>
+            <a:spLocks noGrp="1" noRot="1" noChangeAspect="1"/>
+          </p:cNvSpPr>
+          <p:nvPr>
+            <p:ph type="sldImg"/>
+          </p:nvPr>
+        </p:nvSpPr>
+        <p:spPr/>
+      </p:sp>
+      <p:sp>
+        <p:nvSpPr>
+          <p:cNvPr id="3" name="Espace réservé des commentaires 2"/>
+          <p:cNvSpPr>
+            <a:spLocks noGrp="1"/>
+          </p:cNvSpPr>
+          <p:nvPr>
+            <p:ph type="body" idx="1"/>
+          </p:nvPr>
+        </p:nvSpPr>
+        <p:spPr/>
+        <p:txBody>
+          <a:bodyPr/>
+          <a:lstStyle/>
+          <a:p>
+            <a:endParaRPr lang="fr-FR" dirty="0"/>
+          </a:p>
+        </p:txBody>
+      </p:sp>
+      <p:sp>
+        <p:nvSpPr>
+          <p:cNvPr id="4" name="Espace réservé du numéro de diapositive 3"/>
+          <p:cNvSpPr>
+            <a:spLocks noGrp="1"/>
+          </p:cNvSpPr>
+          <p:nvPr>
+            <p:ph type="sldNum" sz="quarter" idx="10"/>
+          </p:nvPr>
+        </p:nvSpPr>
+        <p:spPr/>
+        <p:txBody>
+          <a:bodyPr/>
+          <a:lstStyle/>
+          <a:p>
+            <a:fld id="{7F421A2B-D86A-438C-8636-6AD70572CBB6}" type="slidenum">
+              <a:rPr lang="fr-FR" smtClean="0"/>
+              <a:t>20</a:t>
             </a:fld>
             <a:endParaRPr lang="fr-FR"/>
           </a:p>
@@ -1048,7 +1133,7 @@
 </p:notes>
 </file>
 
-<file path=ppt/notesSlides/notesSlide5.xml><?xml version="1.0" encoding="utf-8"?>
+<file path=ppt/notesSlides/notesSlide6.xml><?xml version="1.0" encoding="utf-8"?>
 <p:notes xmlns:a="http://schemas.openxmlformats.org/drawingml/2006/main" xmlns:r="http://schemas.openxmlformats.org/officeDocument/2006/relationships" xmlns:p="http://schemas.openxmlformats.org/presentationml/2006/main">
   <p:cSld>
     <p:spTree>
@@ -5640,6 +5725,353 @@
           <a:chExt cx="0" cy="0"/>
         </a:xfrm>
       </p:grpSpPr>
+      <p:pic>
+        <p:nvPicPr>
+          <p:cNvPr id="1026" name="Picture 2" descr="Afficher l'image d'origine"/>
+          <p:cNvPicPr>
+            <a:picLocks noChangeAspect="1" noChangeArrowheads="1"/>
+          </p:cNvPicPr>
+          <p:nvPr/>
+        </p:nvPicPr>
+        <p:blipFill>
+          <a:blip r:embed="rId2" cstate="print">
+            <a:extLst>
+              <a:ext uri="{28A0092B-C50C-407E-A947-70E740481C1C}">
+                <a14:useLocalDpi xmlns:a14="http://schemas.microsoft.com/office/drawing/2010/main" val="0"/>
+              </a:ext>
+            </a:extLst>
+          </a:blip>
+          <a:srcRect/>
+          <a:stretch>
+            <a:fillRect/>
+          </a:stretch>
+        </p:blipFill>
+        <p:spPr bwMode="auto">
+          <a:xfrm>
+            <a:off x="7680325" y="1611312"/>
+            <a:ext cx="625012" cy="625012"/>
+          </a:xfrm>
+          <a:prstGeom prst="rect">
+            <a:avLst/>
+          </a:prstGeom>
+          <a:noFill/>
+          <a:extLst>
+            <a:ext uri="{909E8E84-426E-40DD-AFC4-6F175D3DCCD1}">
+              <a14:hiddenFill xmlns:a14="http://schemas.microsoft.com/office/drawing/2010/main">
+                <a:solidFill>
+                  <a:srgbClr val="FFFFFF"/>
+                </a:solidFill>
+              </a14:hiddenFill>
+            </a:ext>
+          </a:extLst>
+        </p:spPr>
+      </p:pic>
+      <mc:AlternateContent xmlns:mc="http://schemas.openxmlformats.org/markup-compatibility/2006" xmlns:a14="http://schemas.microsoft.com/office/drawing/2010/main">
+        <mc:Choice Requires="a14">
+          <p:sp>
+            <p:nvSpPr>
+              <p:cNvPr id="3" name="Espace réservé du contenu 2"/>
+              <p:cNvSpPr>
+                <a:spLocks noGrp="1"/>
+              </p:cNvSpPr>
+              <p:nvPr>
+                <p:ph idx="1"/>
+              </p:nvPr>
+            </p:nvSpPr>
+            <p:spPr/>
+            <p:txBody>
+              <a:bodyPr>
+                <a:normAutofit lnSpcReduction="10000"/>
+              </a:bodyPr>
+              <a:lstStyle/>
+              <a:p>
+                <a:r>
+                  <a:rPr lang="fr-FR" sz="2400" dirty="0" smtClean="0"/>
+                  <a:t>Mise en place d’une gestion de versions sur </a:t>
+                </a:r>
+                <a:r>
+                  <a:rPr lang="fr-FR" sz="2400" b="1" dirty="0" err="1" smtClean="0"/>
+                  <a:t>Github</a:t>
+                </a:r>
+                <a:endParaRPr lang="fr-FR" sz="2400" b="1" dirty="0" smtClean="0"/>
+              </a:p>
+              <a:p>
+                <a:pPr marL="457200" lvl="1" indent="0">
+                  <a:buNone/>
+                </a:pPr>
+                <a:r>
+                  <a:rPr lang="fr-FR" dirty="0">
+                    <a:solidFill>
+                      <a:schemeClr val="accent1">
+                        <a:lumMod val="75000"/>
+                      </a:schemeClr>
+                    </a:solidFill>
+                  </a:rPr>
+                  <a:t>https://github.com/geomedia</a:t>
+                </a:r>
+                <a:endParaRPr lang="fr-FR" dirty="0" smtClean="0">
+                  <a:solidFill>
+                    <a:schemeClr val="accent1">
+                      <a:lumMod val="75000"/>
+                    </a:schemeClr>
+                  </a:solidFill>
+                </a:endParaRPr>
+              </a:p>
+              <a:p>
+                <a:pPr lvl="1"/>
+                <a:r>
+                  <a:rPr lang="fr-FR" b="1" dirty="0" smtClean="0">
+                    <a:solidFill>
+                      <a:srgbClr val="00B050"/>
+                    </a:solidFill>
+                  </a:rPr>
+                  <a:t>Avantages:</a:t>
+                </a:r>
+              </a:p>
+              <a:p>
+                <a:pPr lvl="2"/>
+                <a:r>
+                  <a:rPr lang="fr-FR" dirty="0" smtClean="0"/>
+                  <a:t>Séparer les différents dépôts pour plus de clarté</a:t>
+                </a:r>
+              </a:p>
+              <a:p>
+                <a:pPr lvl="2"/>
+                <a:r>
+                  <a:rPr lang="fr-FR" dirty="0" err="1" smtClean="0"/>
+                  <a:t>Bugtracking</a:t>
+                </a:r>
+                <a:r>
+                  <a:rPr lang="fr-FR" dirty="0" smtClean="0"/>
+                  <a:t> sous forme d’« issues »: centralisation et archivage de l’information, des discussions</a:t>
+                </a:r>
+              </a:p>
+              <a:p>
+                <a:pPr lvl="2"/>
+                <a:r>
+                  <a:rPr lang="fr-FR" dirty="0" smtClean="0"/>
+                  <a:t>Wikis</a:t>
+                </a:r>
+              </a:p>
+              <a:p>
+                <a:pPr lvl="2"/>
+                <a:r>
+                  <a:rPr lang="fr-FR" dirty="0" smtClean="0"/>
+                  <a:t>Outils de management de projets et d’attribution de tâches</a:t>
+                </a:r>
+              </a:p>
+              <a:p>
+                <a:pPr lvl="1"/>
+                <a:r>
+                  <a:rPr lang="fr-FR" b="1" dirty="0" smtClean="0">
+                    <a:solidFill>
+                      <a:srgbClr val="FF0000"/>
+                    </a:solidFill>
+                  </a:rPr>
+                  <a:t>Désavantages:</a:t>
+                </a:r>
+              </a:p>
+              <a:p>
+                <a:pPr lvl="2"/>
+                <a:r>
+                  <a:rPr lang="fr-FR" dirty="0" smtClean="0"/>
+                  <a:t>Entreprise privée: pérennité? </a:t>
+                </a:r>
+                <a14:m>
+                  <m:oMath xmlns:m="http://schemas.openxmlformats.org/officeDocument/2006/math">
+                    <m:r>
+                      <a:rPr lang="fr-FR" b="0" i="1" smtClean="0">
+                        <a:latin typeface="Cambria Math" panose="02040503050406030204" pitchFamily="18" charset="0"/>
+                      </a:rPr>
+                      <m:t>→</m:t>
+                    </m:r>
+                  </m:oMath>
+                </a14:m>
+                <a:r>
+                  <a:rPr lang="fr-FR" b="0" dirty="0" smtClean="0"/>
+                  <a:t> git est décentralisé</a:t>
+                </a:r>
+              </a:p>
+              <a:p>
+                <a:pPr lvl="2"/>
+                <a:r>
+                  <a:rPr lang="fr-FR" dirty="0" smtClean="0"/>
+                  <a:t>Sources publiques </a:t>
+                </a:r>
+                <a14:m>
+                  <m:oMath xmlns:m="http://schemas.openxmlformats.org/officeDocument/2006/math">
+                    <m:r>
+                      <a:rPr lang="fr-FR" b="0" i="1" smtClean="0">
+                        <a:latin typeface="Cambria Math" panose="02040503050406030204" pitchFamily="18" charset="0"/>
+                      </a:rPr>
+                      <m:t>→</m:t>
+                    </m:r>
+                  </m:oMath>
+                </a14:m>
+                <a:r>
+                  <a:rPr lang="fr-FR" b="0" dirty="0" smtClean="0"/>
+                  <a:t> </a:t>
+                </a:r>
+                <a:r>
+                  <a:rPr lang="fr-FR" b="1" dirty="0" smtClean="0"/>
+                  <a:t>ne jamais mettre de mot de passe dans un dépôt, même privé!</a:t>
+                </a:r>
+              </a:p>
+              <a:p>
+                <a:pPr lvl="2"/>
+                <a:r>
+                  <a:rPr lang="fr-FR" b="0" dirty="0" smtClean="0"/>
+                  <a:t>Chevauchement avec le projet existant sur la forge </a:t>
+                </a:r>
+                <a:r>
+                  <a:rPr lang="fr-FR" dirty="0" err="1"/>
+                  <a:t>I</a:t>
+                </a:r>
+                <a:r>
+                  <a:rPr lang="fr-FR" b="0" dirty="0" err="1" smtClean="0"/>
+                  <a:t>nria</a:t>
+                </a:r>
+                <a:endParaRPr lang="fr-FR" b="0" dirty="0" smtClean="0"/>
+              </a:p>
+              <a:p>
+                <a:pPr lvl="2"/>
+                <a:endParaRPr lang="fr-FR" dirty="0" smtClean="0"/>
+              </a:p>
+              <a:p>
+                <a:pPr marL="1371600" lvl="3" indent="0">
+                  <a:buNone/>
+                </a:pPr>
+                <a:endParaRPr lang="fr-FR" dirty="0" smtClean="0"/>
+              </a:p>
+              <a:p>
+                <a:pPr lvl="2"/>
+                <a:endParaRPr lang="fr-FR" dirty="0" smtClean="0"/>
+              </a:p>
+            </p:txBody>
+          </p:sp>
+        </mc:Choice>
+        <mc:Fallback xmlns="">
+          <p:sp>
+            <p:nvSpPr>
+              <p:cNvPr id="3" name="Espace réservé du contenu 2"/>
+              <p:cNvSpPr>
+                <a:spLocks noGrp="1" noRot="1" noChangeAspect="1" noMove="1" noResize="1" noEditPoints="1" noAdjustHandles="1" noChangeArrowheads="1" noChangeShapeType="1" noTextEdit="1"/>
+              </p:cNvSpPr>
+              <p:nvPr>
+                <p:ph idx="1"/>
+              </p:nvPr>
+            </p:nvSpPr>
+            <p:spPr>
+              <a:blipFill rotWithShape="0">
+                <a:blip r:embed="rId3"/>
+                <a:stretch>
+                  <a:fillRect l="-987" t="-2782" r="-1269"/>
+                </a:stretch>
+              </a:blipFill>
+            </p:spPr>
+            <p:txBody>
+              <a:bodyPr/>
+              <a:lstStyle/>
+              <a:p>
+                <a:r>
+                  <a:rPr lang="en-US">
+                    <a:noFill/>
+                  </a:rPr>
+                  <a:t> </a:t>
+                </a:r>
+              </a:p>
+            </p:txBody>
+          </p:sp>
+        </mc:Fallback>
+      </mc:AlternateContent>
+      <p:sp>
+        <p:nvSpPr>
+          <p:cNvPr id="2" name="Titre 1"/>
+          <p:cNvSpPr>
+            <a:spLocks noGrp="1"/>
+          </p:cNvSpPr>
+          <p:nvPr>
+            <p:ph type="title"/>
+          </p:nvPr>
+        </p:nvSpPr>
+        <p:spPr/>
+        <p:txBody>
+          <a:bodyPr/>
+          <a:lstStyle/>
+          <a:p>
+            <a:r>
+              <a:rPr lang="fr-FR" dirty="0"/>
+              <a:t>G</a:t>
+            </a:r>
+            <a:r>
+              <a:rPr lang="fr-FR" dirty="0" smtClean="0"/>
+              <a:t>estion de version</a:t>
+            </a:r>
+            <a:endParaRPr lang="en-US" dirty="0"/>
+          </a:p>
+        </p:txBody>
+      </p:sp>
+      <p:sp>
+        <p:nvSpPr>
+          <p:cNvPr id="4" name="Espace réservé du numéro de diapositive 3"/>
+          <p:cNvSpPr>
+            <a:spLocks noGrp="1"/>
+          </p:cNvSpPr>
+          <p:nvPr>
+            <p:ph type="sldNum" sz="quarter" idx="12"/>
+          </p:nvPr>
+        </p:nvSpPr>
+        <p:spPr/>
+        <p:txBody>
+          <a:bodyPr/>
+          <a:lstStyle/>
+          <a:p>
+            <a:fld id="{87D9652F-9609-4EC6-8E0A-C96E14B58A2A}" type="slidenum">
+              <a:rPr lang="fr-FR" smtClean="0"/>
+              <a:pPr/>
+              <a:t>10</a:t>
+            </a:fld>
+            <a:endParaRPr lang="fr-FR" dirty="0"/>
+          </a:p>
+        </p:txBody>
+      </p:sp>
+    </p:spTree>
+    <p:extLst>
+      <p:ext uri="{BB962C8B-B14F-4D97-AF65-F5344CB8AC3E}">
+        <p14:creationId xmlns:p14="http://schemas.microsoft.com/office/powerpoint/2010/main" val="1029783245"/>
+      </p:ext>
+    </p:extLst>
+  </p:cSld>
+  <p:clrMapOvr>
+    <a:masterClrMapping/>
+  </p:clrMapOvr>
+  <p:timing>
+    <p:tnLst>
+      <p:par>
+        <p:cTn id="1" dur="indefinite" restart="never" nodeType="tmRoot"/>
+      </p:par>
+    </p:tnLst>
+  </p:timing>
+</p:sld>
+</file>
+
+<file path=ppt/slides/slide11.xml><?xml version="1.0" encoding="utf-8"?>
+<p:sld xmlns:a="http://schemas.openxmlformats.org/drawingml/2006/main" xmlns:r="http://schemas.openxmlformats.org/officeDocument/2006/relationships" xmlns:p="http://schemas.openxmlformats.org/presentationml/2006/main">
+  <p:cSld>
+    <p:spTree>
+      <p:nvGrpSpPr>
+        <p:cNvPr id="1" name=""/>
+        <p:cNvGrpSpPr/>
+        <p:nvPr/>
+      </p:nvGrpSpPr>
+      <p:grpSpPr>
+        <a:xfrm>
+          <a:off x="0" y="0"/>
+          <a:ext cx="0" cy="0"/>
+          <a:chOff x="0" y="0"/>
+          <a:chExt cx="0" cy="0"/>
+        </a:xfrm>
+      </p:grpSpPr>
       <mc:AlternateContent xmlns:mc="http://schemas.openxmlformats.org/markup-compatibility/2006" xmlns:a14="http://schemas.microsoft.com/office/drawing/2010/main">
         <mc:Choice Requires="a14">
           <p:sp>
@@ -5850,7 +6282,7 @@
             <a:fld id="{87D9652F-9609-4EC6-8E0A-C96E14B58A2A}" type="slidenum">
               <a:rPr lang="fr-FR" smtClean="0"/>
               <a:pPr/>
-              <a:t>10</a:t>
+              <a:t>11</a:t>
             </a:fld>
             <a:endParaRPr lang="fr-FR" dirty="0"/>
           </a:p>
@@ -6119,7 +6551,7 @@
 </p:sld>
 </file>
 
-<file path=ppt/slides/slide11.xml><?xml version="1.0" encoding="utf-8"?>
+<file path=ppt/slides/slide12.xml><?xml version="1.0" encoding="utf-8"?>
 <p:sld xmlns:a="http://schemas.openxmlformats.org/drawingml/2006/main" xmlns:r="http://schemas.openxmlformats.org/officeDocument/2006/relationships" xmlns:p="http://schemas.openxmlformats.org/presentationml/2006/main">
   <p:cSld>
     <p:spTree>
@@ -6244,7 +6676,7 @@
             <a:fld id="{87D9652F-9609-4EC6-8E0A-C96E14B58A2A}" type="slidenum">
               <a:rPr lang="fr-FR" smtClean="0"/>
               <a:pPr/>
-              <a:t>11</a:t>
+              <a:t>12</a:t>
             </a:fld>
             <a:endParaRPr lang="fr-FR" dirty="0"/>
           </a:p>
@@ -6270,7 +6702,7 @@
 </p:sld>
 </file>
 
-<file path=ppt/slides/slide12.xml><?xml version="1.0" encoding="utf-8"?>
+<file path=ppt/slides/slide13.xml><?xml version="1.0" encoding="utf-8"?>
 <p:sld xmlns:a="http://schemas.openxmlformats.org/drawingml/2006/main" xmlns:r="http://schemas.openxmlformats.org/officeDocument/2006/relationships" xmlns:p="http://schemas.openxmlformats.org/presentationml/2006/main">
   <p:cSld>
     <p:spTree>
@@ -6383,7 +6815,7 @@
             <a:fld id="{87D9652F-9609-4EC6-8E0A-C96E14B58A2A}" type="slidenum">
               <a:rPr lang="fr-FR" smtClean="0"/>
               <a:pPr/>
-              <a:t>12</a:t>
+              <a:t>13</a:t>
             </a:fld>
             <a:endParaRPr lang="fr-FR" dirty="0"/>
           </a:p>
@@ -6645,90 +7077,6 @@
 </p:sld>
 </file>
 
-<file path=ppt/slides/slide13.xml><?xml version="1.0" encoding="utf-8"?>
-<p:sld xmlns:a="http://schemas.openxmlformats.org/drawingml/2006/main" xmlns:r="http://schemas.openxmlformats.org/officeDocument/2006/relationships" xmlns:p="http://schemas.openxmlformats.org/presentationml/2006/main">
-  <p:cSld>
-    <p:spTree>
-      <p:nvGrpSpPr>
-        <p:cNvPr id="1" name=""/>
-        <p:cNvGrpSpPr/>
-        <p:nvPr/>
-      </p:nvGrpSpPr>
-      <p:grpSpPr>
-        <a:xfrm>
-          <a:off x="0" y="0"/>
-          <a:ext cx="0" cy="0"/>
-          <a:chOff x="0" y="0"/>
-          <a:chExt cx="0" cy="0"/>
-        </a:xfrm>
-      </p:grpSpPr>
-      <p:sp>
-        <p:nvSpPr>
-          <p:cNvPr id="5" name="Titre 4"/>
-          <p:cNvSpPr>
-            <a:spLocks noGrp="1"/>
-          </p:cNvSpPr>
-          <p:nvPr>
-            <p:ph type="title"/>
-          </p:nvPr>
-        </p:nvSpPr>
-        <p:spPr/>
-        <p:txBody>
-          <a:bodyPr/>
-          <a:lstStyle/>
-          <a:p>
-            <a:r>
-              <a:rPr lang="fr-FR" dirty="0" smtClean="0"/>
-              <a:t>Administration du serveur</a:t>
-            </a:r>
-            <a:endParaRPr lang="fr-FR" dirty="0"/>
-          </a:p>
-        </p:txBody>
-      </p:sp>
-      <p:sp>
-        <p:nvSpPr>
-          <p:cNvPr id="4" name="Espace réservé du numéro de diapositive 3"/>
-          <p:cNvSpPr>
-            <a:spLocks noGrp="1"/>
-          </p:cNvSpPr>
-          <p:nvPr>
-            <p:ph type="sldNum" sz="quarter" idx="12"/>
-          </p:nvPr>
-        </p:nvSpPr>
-        <p:spPr/>
-        <p:txBody>
-          <a:bodyPr/>
-          <a:lstStyle/>
-          <a:p>
-            <a:fld id="{87D9652F-9609-4EC6-8E0A-C96E14B58A2A}" type="slidenum">
-              <a:rPr lang="fr-FR" smtClean="0"/>
-              <a:pPr/>
-              <a:t>13</a:t>
-            </a:fld>
-            <a:endParaRPr lang="fr-FR" dirty="0"/>
-          </a:p>
-        </p:txBody>
-      </p:sp>
-    </p:spTree>
-    <p:extLst>
-      <p:ext uri="{BB962C8B-B14F-4D97-AF65-F5344CB8AC3E}">
-        <p14:creationId xmlns:p14="http://schemas.microsoft.com/office/powerpoint/2010/main" val="412949011"/>
-      </p:ext>
-    </p:extLst>
-  </p:cSld>
-  <p:clrMapOvr>
-    <a:masterClrMapping/>
-  </p:clrMapOvr>
-  <p:timing>
-    <p:tnLst>
-      <p:par>
-        <p:cTn id="1" dur="indefinite" restart="never" nodeType="tmRoot"/>
-      </p:par>
-    </p:tnLst>
-  </p:timing>
-</p:sld>
-</file>
-
 <file path=ppt/slides/slide14.xml><?xml version="1.0" encoding="utf-8"?>
 <p:sld xmlns:a="http://schemas.openxmlformats.org/drawingml/2006/main" xmlns:r="http://schemas.openxmlformats.org/officeDocument/2006/relationships" xmlns:p="http://schemas.openxmlformats.org/presentationml/2006/main">
   <p:cSld>
@@ -6748,7 +7096,7 @@
       </p:grpSpPr>
       <p:sp>
         <p:nvSpPr>
-          <p:cNvPr id="2" name="Titre 1"/>
+          <p:cNvPr id="5" name="Titre 4"/>
           <p:cNvSpPr>
             <a:spLocks noGrp="1"/>
           </p:cNvSpPr>
@@ -6758,149 +7106,14 @@
         </p:nvSpPr>
         <p:spPr/>
         <p:txBody>
-          <a:bodyPr>
-            <a:normAutofit fontScale="90000"/>
-          </a:bodyPr>
+          <a:bodyPr/>
           <a:lstStyle/>
           <a:p>
             <a:r>
               <a:rPr lang="fr-FR" dirty="0" smtClean="0"/>
-              <a:t>Problèmes soulevés par </a:t>
-            </a:r>
-            <a:r>
-              <a:rPr lang="fr-FR" dirty="0" err="1" smtClean="0"/>
-              <a:t>Huma-num</a:t>
-            </a:r>
-            <a:r>
-              <a:rPr lang="fr-FR" dirty="0" smtClean="0"/>
-              <a:t> et par Hugues</a:t>
-            </a:r>
-            <a:endParaRPr lang="en-US" dirty="0"/>
-          </a:p>
-        </p:txBody>
-      </p:sp>
-      <p:sp>
-        <p:nvSpPr>
-          <p:cNvPr id="3" name="Espace réservé du contenu 2"/>
-          <p:cNvSpPr>
-            <a:spLocks noGrp="1"/>
-          </p:cNvSpPr>
-          <p:nvPr>
-            <p:ph idx="1"/>
-          </p:nvPr>
-        </p:nvSpPr>
-        <p:spPr>
-          <a:xfrm>
-            <a:off x="247650" y="1842663"/>
-            <a:ext cx="8648700" cy="4257054"/>
-          </a:xfrm>
-          <a:noFill/>
-        </p:spPr>
-        <p:txBody>
-          <a:bodyPr>
-            <a:normAutofit fontScale="92500" lnSpcReduction="10000"/>
-          </a:bodyPr>
-          <a:lstStyle/>
-          <a:p>
-            <a:r>
-              <a:rPr lang="fr-FR" b="1" dirty="0" smtClean="0"/>
-              <a:t>Organisation des répertoires anarchique :</a:t>
-            </a:r>
-          </a:p>
-          <a:p>
-            <a:pPr lvl="1"/>
-            <a:r>
-              <a:rPr lang="fr-FR" dirty="0" smtClean="0"/>
-              <a:t>Asymétrie entre les versions de </a:t>
-            </a:r>
-            <a:r>
-              <a:rPr lang="fr-FR" dirty="0" err="1" smtClean="0"/>
-              <a:t>dev</a:t>
-            </a:r>
-            <a:r>
-              <a:rPr lang="fr-FR" dirty="0" smtClean="0"/>
-              <a:t> et de </a:t>
-            </a:r>
-            <a:r>
-              <a:rPr lang="fr-FR" dirty="0" err="1" smtClean="0"/>
-              <a:t>prod</a:t>
-            </a:r>
-            <a:endParaRPr lang="fr-FR" dirty="0" smtClean="0"/>
-          </a:p>
-          <a:p>
-            <a:pPr lvl="1"/>
-            <a:r>
-              <a:rPr lang="fr-FR" dirty="0" smtClean="0"/>
-              <a:t>Présence d’une multitude de reliquats</a:t>
-            </a:r>
-          </a:p>
-          <a:p>
-            <a:pPr lvl="1"/>
-            <a:r>
-              <a:rPr lang="fr-FR" dirty="0" smtClean="0"/>
-              <a:t>Structure/nom/rôle des répertoires parfois obscurs</a:t>
-            </a:r>
-          </a:p>
-          <a:p>
-            <a:pPr lvl="1"/>
-            <a:r>
-              <a:rPr lang="fr-FR" dirty="0" smtClean="0"/>
-              <a:t>Dépendance avec les fichiers de configuration non/mal identifiée</a:t>
-            </a:r>
-          </a:p>
-          <a:p>
-            <a:pPr lvl="1"/>
-            <a:r>
-              <a:rPr lang="fr-FR" dirty="0" smtClean="0"/>
-              <a:t>Fichiers générés à de multiples endroits</a:t>
-            </a:r>
-          </a:p>
-          <a:p>
-            <a:r>
-              <a:rPr lang="fr-FR" b="1" dirty="0" smtClean="0"/>
-              <a:t>Volume des fichiers générés pouvant atteindre des dizaines de Go</a:t>
-            </a:r>
-          </a:p>
-          <a:p>
-            <a:pPr lvl="1"/>
-            <a:r>
-              <a:rPr lang="fr-FR" dirty="0" smtClean="0"/>
-              <a:t>Logs (</a:t>
-            </a:r>
-            <a:r>
-              <a:rPr lang="fr-FR" dirty="0" err="1" smtClean="0"/>
-              <a:t>tomcat</a:t>
-            </a:r>
-            <a:r>
-              <a:rPr lang="fr-FR" dirty="0" smtClean="0"/>
-              <a:t>, application, connexions </a:t>
-            </a:r>
-            <a:r>
-              <a:rPr lang="fr-FR" dirty="0" err="1" smtClean="0"/>
-              <a:t>users</a:t>
-            </a:r>
-            <a:r>
-              <a:rPr lang="fr-FR" dirty="0" smtClean="0"/>
-              <a:t>, etc.)</a:t>
-            </a:r>
-          </a:p>
-          <a:p>
-            <a:pPr lvl="1"/>
-            <a:r>
-              <a:rPr lang="fr-FR" dirty="0" smtClean="0"/>
-              <a:t>Extractions</a:t>
-            </a:r>
-          </a:p>
-          <a:p>
-            <a:pPr lvl="1"/>
-            <a:r>
-              <a:rPr lang="fr-FR" dirty="0" smtClean="0"/>
-              <a:t>Dumps de la DB</a:t>
-            </a:r>
-          </a:p>
-          <a:p>
-            <a:pPr lvl="1"/>
-            <a:endParaRPr lang="fr-FR" dirty="0" smtClean="0"/>
+              <a:t>Administration du serveur</a:t>
+            </a:r>
+            <a:endParaRPr lang="fr-FR" dirty="0"/>
           </a:p>
         </p:txBody>
       </p:sp>
@@ -6931,7 +7144,7 @@
     </p:spTree>
     <p:extLst>
       <p:ext uri="{BB962C8B-B14F-4D97-AF65-F5344CB8AC3E}">
-        <p14:creationId xmlns:p14="http://schemas.microsoft.com/office/powerpoint/2010/main" val="3566530558"/>
+        <p14:creationId xmlns:p14="http://schemas.microsoft.com/office/powerpoint/2010/main" val="412949011"/>
       </p:ext>
     </p:extLst>
   </p:cSld>
@@ -6967,7 +7180,7 @@
       </p:grpSpPr>
       <p:sp>
         <p:nvSpPr>
-          <p:cNvPr id="5" name="Titre 4"/>
+          <p:cNvPr id="2" name="Titre 1"/>
           <p:cNvSpPr>
             <a:spLocks noGrp="1"/>
           </p:cNvSpPr>
@@ -6977,14 +7190,149 @@
         </p:nvSpPr>
         <p:spPr/>
         <p:txBody>
-          <a:bodyPr/>
+          <a:bodyPr>
+            <a:normAutofit fontScale="90000"/>
+          </a:bodyPr>
           <a:lstStyle/>
           <a:p>
             <a:r>
               <a:rPr lang="fr-FR" dirty="0" smtClean="0"/>
-              <a:t>Actions</a:t>
-            </a:r>
-            <a:endParaRPr lang="fr-FR" dirty="0"/>
+              <a:t>Problèmes soulevés par </a:t>
+            </a:r>
+            <a:r>
+              <a:rPr lang="fr-FR" dirty="0" err="1" smtClean="0"/>
+              <a:t>Huma-num</a:t>
+            </a:r>
+            <a:r>
+              <a:rPr lang="fr-FR" dirty="0" smtClean="0"/>
+              <a:t> et par Hugues</a:t>
+            </a:r>
+            <a:endParaRPr lang="en-US" dirty="0"/>
+          </a:p>
+        </p:txBody>
+      </p:sp>
+      <p:sp>
+        <p:nvSpPr>
+          <p:cNvPr id="3" name="Espace réservé du contenu 2"/>
+          <p:cNvSpPr>
+            <a:spLocks noGrp="1"/>
+          </p:cNvSpPr>
+          <p:nvPr>
+            <p:ph idx="1"/>
+          </p:nvPr>
+        </p:nvSpPr>
+        <p:spPr>
+          <a:xfrm>
+            <a:off x="247650" y="1842663"/>
+            <a:ext cx="8648700" cy="4257054"/>
+          </a:xfrm>
+          <a:noFill/>
+        </p:spPr>
+        <p:txBody>
+          <a:bodyPr>
+            <a:normAutofit fontScale="92500" lnSpcReduction="10000"/>
+          </a:bodyPr>
+          <a:lstStyle/>
+          <a:p>
+            <a:r>
+              <a:rPr lang="fr-FR" b="1" dirty="0" smtClean="0"/>
+              <a:t>Organisation des répertoires anarchique :</a:t>
+            </a:r>
+          </a:p>
+          <a:p>
+            <a:pPr lvl="1"/>
+            <a:r>
+              <a:rPr lang="fr-FR" dirty="0" smtClean="0"/>
+              <a:t>Asymétrie entre les versions de </a:t>
+            </a:r>
+            <a:r>
+              <a:rPr lang="fr-FR" dirty="0" err="1" smtClean="0"/>
+              <a:t>dev</a:t>
+            </a:r>
+            <a:r>
+              <a:rPr lang="fr-FR" dirty="0" smtClean="0"/>
+              <a:t> et de </a:t>
+            </a:r>
+            <a:r>
+              <a:rPr lang="fr-FR" dirty="0" err="1" smtClean="0"/>
+              <a:t>prod</a:t>
+            </a:r>
+            <a:endParaRPr lang="fr-FR" dirty="0" smtClean="0"/>
+          </a:p>
+          <a:p>
+            <a:pPr lvl="1"/>
+            <a:r>
+              <a:rPr lang="fr-FR" dirty="0" smtClean="0"/>
+              <a:t>Présence d’une multitude de reliquats</a:t>
+            </a:r>
+          </a:p>
+          <a:p>
+            <a:pPr lvl="1"/>
+            <a:r>
+              <a:rPr lang="fr-FR" dirty="0" smtClean="0"/>
+              <a:t>Structure/nom/rôle des répertoires parfois obscurs</a:t>
+            </a:r>
+          </a:p>
+          <a:p>
+            <a:pPr lvl="1"/>
+            <a:r>
+              <a:rPr lang="fr-FR" dirty="0" smtClean="0"/>
+              <a:t>Dépendance avec les fichiers de configuration non/mal identifiée</a:t>
+            </a:r>
+          </a:p>
+          <a:p>
+            <a:pPr lvl="1"/>
+            <a:r>
+              <a:rPr lang="fr-FR" dirty="0" smtClean="0"/>
+              <a:t>Fichiers générés à de multiples endroits</a:t>
+            </a:r>
+          </a:p>
+          <a:p>
+            <a:r>
+              <a:rPr lang="fr-FR" b="1" dirty="0" smtClean="0"/>
+              <a:t>Volume des fichiers générés pouvant atteindre des dizaines de Go</a:t>
+            </a:r>
+          </a:p>
+          <a:p>
+            <a:pPr lvl="1"/>
+            <a:r>
+              <a:rPr lang="fr-FR" dirty="0" smtClean="0"/>
+              <a:t>Logs (</a:t>
+            </a:r>
+            <a:r>
+              <a:rPr lang="fr-FR" dirty="0" err="1" smtClean="0"/>
+              <a:t>tomcat</a:t>
+            </a:r>
+            <a:r>
+              <a:rPr lang="fr-FR" dirty="0" smtClean="0"/>
+              <a:t>, application, connexions </a:t>
+            </a:r>
+            <a:r>
+              <a:rPr lang="fr-FR" dirty="0" err="1" smtClean="0"/>
+              <a:t>users</a:t>
+            </a:r>
+            <a:r>
+              <a:rPr lang="fr-FR" dirty="0" smtClean="0"/>
+              <a:t>, etc.)</a:t>
+            </a:r>
+          </a:p>
+          <a:p>
+            <a:pPr lvl="1"/>
+            <a:r>
+              <a:rPr lang="fr-FR" dirty="0" smtClean="0"/>
+              <a:t>Extractions</a:t>
+            </a:r>
+          </a:p>
+          <a:p>
+            <a:pPr lvl="1"/>
+            <a:r>
+              <a:rPr lang="fr-FR" dirty="0" smtClean="0"/>
+              <a:t>Dumps de la DB</a:t>
+            </a:r>
+          </a:p>
+          <a:p>
+            <a:pPr lvl="1"/>
+            <a:endParaRPr lang="fr-FR" dirty="0" smtClean="0"/>
           </a:p>
         </p:txBody>
       </p:sp>
@@ -7015,7 +7363,7 @@
     </p:spTree>
     <p:extLst>
       <p:ext uri="{BB962C8B-B14F-4D97-AF65-F5344CB8AC3E}">
-        <p14:creationId xmlns:p14="http://schemas.microsoft.com/office/powerpoint/2010/main" val="1943541674"/>
+        <p14:creationId xmlns:p14="http://schemas.microsoft.com/office/powerpoint/2010/main" val="3566530558"/>
       </p:ext>
     </p:extLst>
   </p:cSld>
@@ -7051,6 +7399,90 @@
       </p:grpSpPr>
       <p:sp>
         <p:nvSpPr>
+          <p:cNvPr id="5" name="Titre 4"/>
+          <p:cNvSpPr>
+            <a:spLocks noGrp="1"/>
+          </p:cNvSpPr>
+          <p:nvPr>
+            <p:ph type="title"/>
+          </p:nvPr>
+        </p:nvSpPr>
+        <p:spPr/>
+        <p:txBody>
+          <a:bodyPr/>
+          <a:lstStyle/>
+          <a:p>
+            <a:r>
+              <a:rPr lang="fr-FR" dirty="0" smtClean="0"/>
+              <a:t>Actions</a:t>
+            </a:r>
+            <a:endParaRPr lang="fr-FR" dirty="0"/>
+          </a:p>
+        </p:txBody>
+      </p:sp>
+      <p:sp>
+        <p:nvSpPr>
+          <p:cNvPr id="4" name="Espace réservé du numéro de diapositive 3"/>
+          <p:cNvSpPr>
+            <a:spLocks noGrp="1"/>
+          </p:cNvSpPr>
+          <p:nvPr>
+            <p:ph type="sldNum" sz="quarter" idx="12"/>
+          </p:nvPr>
+        </p:nvSpPr>
+        <p:spPr/>
+        <p:txBody>
+          <a:bodyPr/>
+          <a:lstStyle/>
+          <a:p>
+            <a:fld id="{87D9652F-9609-4EC6-8E0A-C96E14B58A2A}" type="slidenum">
+              <a:rPr lang="fr-FR" smtClean="0"/>
+              <a:pPr/>
+              <a:t>16</a:t>
+            </a:fld>
+            <a:endParaRPr lang="fr-FR" dirty="0"/>
+          </a:p>
+        </p:txBody>
+      </p:sp>
+    </p:spTree>
+    <p:extLst>
+      <p:ext uri="{BB962C8B-B14F-4D97-AF65-F5344CB8AC3E}">
+        <p14:creationId xmlns:p14="http://schemas.microsoft.com/office/powerpoint/2010/main" val="1943541674"/>
+      </p:ext>
+    </p:extLst>
+  </p:cSld>
+  <p:clrMapOvr>
+    <a:masterClrMapping/>
+  </p:clrMapOvr>
+  <p:timing>
+    <p:tnLst>
+      <p:par>
+        <p:cTn id="1" dur="indefinite" restart="never" nodeType="tmRoot"/>
+      </p:par>
+    </p:tnLst>
+  </p:timing>
+</p:sld>
+</file>
+
+<file path=ppt/slides/slide17.xml><?xml version="1.0" encoding="utf-8"?>
+<p:sld xmlns:a="http://schemas.openxmlformats.org/drawingml/2006/main" xmlns:r="http://schemas.openxmlformats.org/officeDocument/2006/relationships" xmlns:p="http://schemas.openxmlformats.org/presentationml/2006/main">
+  <p:cSld>
+    <p:spTree>
+      <p:nvGrpSpPr>
+        <p:cNvPr id="1" name=""/>
+        <p:cNvGrpSpPr/>
+        <p:nvPr/>
+      </p:nvGrpSpPr>
+      <p:grpSpPr>
+        <a:xfrm>
+          <a:off x="0" y="0"/>
+          <a:ext cx="0" cy="0"/>
+          <a:chOff x="0" y="0"/>
+          <a:chExt cx="0" cy="0"/>
+        </a:xfrm>
+      </p:grpSpPr>
+      <p:sp>
+        <p:nvSpPr>
           <p:cNvPr id="3" name="Espace réservé du contenu 2"/>
           <p:cNvSpPr>
             <a:spLocks noGrp="1"/>
@@ -7116,8 +7548,21 @@
           <a:p>
             <a:r>
               <a:rPr lang="fr-FR" sz="2400" dirty="0" smtClean="0"/>
-              <a:t>Logs générés dans un répertoire spécifique</a:t>
-            </a:r>
+              <a:t>Logs </a:t>
+            </a:r>
+            <a:r>
+              <a:rPr lang="fr-FR" sz="2400" dirty="0" smtClean="0"/>
+              <a:t>de l’application générés </a:t>
+            </a:r>
+            <a:r>
+              <a:rPr lang="fr-FR" sz="2400" dirty="0" smtClean="0"/>
+              <a:t>dans un répertoire </a:t>
+            </a:r>
+            <a:r>
+              <a:rPr lang="fr-FR" sz="2400" dirty="0" smtClean="0"/>
+              <a:t>défini</a:t>
+            </a:r>
+            <a:endParaRPr lang="fr-FR" sz="2400" dirty="0" smtClean="0"/>
           </a:p>
           <a:p>
             <a:r>
@@ -7211,7 +7656,7 @@
             <a:fld id="{87D9652F-9609-4EC6-8E0A-C96E14B58A2A}" type="slidenum">
               <a:rPr lang="fr-FR" smtClean="0"/>
               <a:pPr/>
-              <a:t>16</a:t>
+              <a:t>17</a:t>
             </a:fld>
             <a:endParaRPr lang="fr-FR" dirty="0"/>
           </a:p>
@@ -7503,7 +7948,7 @@
 </p:sld>
 </file>
 
-<file path=ppt/slides/slide17.xml><?xml version="1.0" encoding="utf-8"?>
+<file path=ppt/slides/slide18.xml><?xml version="1.0" encoding="utf-8"?>
 <p:sld xmlns:a="http://schemas.openxmlformats.org/drawingml/2006/main" xmlns:r="http://schemas.openxmlformats.org/officeDocument/2006/relationships" xmlns:p="http://schemas.openxmlformats.org/presentationml/2006/main">
   <p:cSld>
     <p:spTree>
@@ -7625,7 +8070,7 @@
             <a:fld id="{87D9652F-9609-4EC6-8E0A-C96E14B58A2A}" type="slidenum">
               <a:rPr lang="fr-FR" smtClean="0"/>
               <a:pPr/>
-              <a:t>17</a:t>
+              <a:t>18</a:t>
             </a:fld>
             <a:endParaRPr lang="fr-FR" dirty="0"/>
           </a:p>
@@ -7904,7 +8349,7 @@
 </p:sld>
 </file>
 
-<file path=ppt/slides/slide18.xml><?xml version="1.0" encoding="utf-8"?>
+<file path=ppt/slides/slide19.xml><?xml version="1.0" encoding="utf-8"?>
 <p:sld xmlns:a="http://schemas.openxmlformats.org/drawingml/2006/main" xmlns:r="http://schemas.openxmlformats.org/officeDocument/2006/relationships" xmlns:p="http://schemas.openxmlformats.org/presentationml/2006/main">
   <p:cSld>
     <p:spTree>
@@ -7962,7 +8407,7 @@
             <a:fld id="{87D9652F-9609-4EC6-8E0A-C96E14B58A2A}" type="slidenum">
               <a:rPr lang="fr-FR" smtClean="0"/>
               <a:pPr/>
-              <a:t>18</a:t>
+              <a:t>19</a:t>
             </a:fld>
             <a:endParaRPr lang="fr-FR" dirty="0"/>
           </a:p>
@@ -7988,7 +8433,7 @@
 </p:sld>
 </file>
 
-<file path=ppt/slides/slide19.xml><?xml version="1.0" encoding="utf-8"?>
+<file path=ppt/slides/slide2.xml><?xml version="1.0" encoding="utf-8"?>
 <p:sld xmlns:a="http://schemas.openxmlformats.org/drawingml/2006/main" xmlns:r="http://schemas.openxmlformats.org/officeDocument/2006/relationships" xmlns:p="http://schemas.openxmlformats.org/presentationml/2006/main">
   <p:cSld>
     <p:spTree>
@@ -8017,6 +8462,166 @@
         </p:nvSpPr>
         <p:spPr/>
         <p:txBody>
+          <a:bodyPr/>
+          <a:lstStyle/>
+          <a:p>
+            <a:r>
+              <a:rPr lang="fr-FR" dirty="0" smtClean="0"/>
+              <a:t>Rappel des points d’intervention</a:t>
+            </a:r>
+            <a:endParaRPr lang="fr-FR" dirty="0"/>
+          </a:p>
+        </p:txBody>
+      </p:sp>
+      <p:sp>
+        <p:nvSpPr>
+          <p:cNvPr id="3" name="Espace réservé du contenu 2"/>
+          <p:cNvSpPr>
+            <a:spLocks noGrp="1"/>
+          </p:cNvSpPr>
+          <p:nvPr>
+            <p:ph idx="1"/>
+          </p:nvPr>
+        </p:nvSpPr>
+        <p:spPr>
+          <a:xfrm>
+            <a:off x="254000" y="1538869"/>
+            <a:ext cx="8648700" cy="2118731"/>
+          </a:xfrm>
+          <a:solidFill>
+            <a:schemeClr val="accent6">
+              <a:lumMod val="40000"/>
+              <a:lumOff val="60000"/>
+            </a:schemeClr>
+          </a:solidFill>
+          <a:ln>
+            <a:noFill/>
+          </a:ln>
+        </p:spPr>
+        <p:txBody>
+          <a:bodyPr>
+            <a:noAutofit/>
+          </a:bodyPr>
+          <a:lstStyle/>
+          <a:p>
+            <a:r>
+              <a:rPr lang="fr-FR" sz="2400" b="1" dirty="0" smtClean="0"/>
+              <a:t>Tâches initiales</a:t>
+            </a:r>
+          </a:p>
+          <a:p>
+            <a:pPr lvl="1"/>
+            <a:r>
+              <a:rPr lang="fr-FR" sz="2000" dirty="0" smtClean="0"/>
+              <a:t>Rupture de la collecte</a:t>
+            </a:r>
+          </a:p>
+          <a:p>
+            <a:pPr lvl="1"/>
+            <a:r>
+              <a:rPr lang="fr-FR" sz="2000" dirty="0" smtClean="0"/>
+              <a:t>Extraction des données</a:t>
+            </a:r>
+          </a:p>
+          <a:p>
+            <a:pPr lvl="2"/>
+            <a:r>
+              <a:rPr lang="fr-FR" dirty="0" smtClean="0"/>
+              <a:t>Téléchargement impossible</a:t>
+            </a:r>
+          </a:p>
+          <a:p>
+            <a:pPr lvl="2"/>
+            <a:r>
+              <a:rPr lang="fr-FR" dirty="0" smtClean="0"/>
+              <a:t>Extraction incomplète</a:t>
+            </a:r>
+          </a:p>
+          <a:p>
+            <a:pPr lvl="1"/>
+            <a:r>
+              <a:rPr lang="fr-FR" sz="2000" dirty="0" smtClean="0"/>
+              <a:t>Ergonomie de l’interface</a:t>
+            </a:r>
+          </a:p>
+          <a:p>
+            <a:endParaRPr lang="en-US" sz="1800" dirty="0"/>
+          </a:p>
+        </p:txBody>
+      </p:sp>
+      <p:sp>
+        <p:nvSpPr>
+          <p:cNvPr id="4" name="Espace réservé du numéro de diapositive 3"/>
+          <p:cNvSpPr>
+            <a:spLocks noGrp="1"/>
+          </p:cNvSpPr>
+          <p:nvPr>
+            <p:ph type="sldNum" sz="quarter" idx="12"/>
+          </p:nvPr>
+        </p:nvSpPr>
+        <p:spPr/>
+        <p:txBody>
+          <a:bodyPr/>
+          <a:lstStyle/>
+          <a:p>
+            <a:fld id="{87D9652F-9609-4EC6-8E0A-C96E14B58A2A}" type="slidenum">
+              <a:rPr lang="fr-FR" smtClean="0"/>
+              <a:pPr/>
+              <a:t>2</a:t>
+            </a:fld>
+            <a:endParaRPr lang="fr-FR" dirty="0"/>
+          </a:p>
+        </p:txBody>
+      </p:sp>
+    </p:spTree>
+    <p:extLst>
+      <p:ext uri="{BB962C8B-B14F-4D97-AF65-F5344CB8AC3E}">
+        <p14:creationId xmlns:p14="http://schemas.microsoft.com/office/powerpoint/2010/main" val="3844956798"/>
+      </p:ext>
+    </p:extLst>
+  </p:cSld>
+  <p:clrMapOvr>
+    <a:masterClrMapping/>
+  </p:clrMapOvr>
+  <p:timing>
+    <p:tnLst>
+      <p:par>
+        <p:cTn id="1" dur="indefinite" restart="never" nodeType="tmRoot"/>
+      </p:par>
+    </p:tnLst>
+  </p:timing>
+</p:sld>
+</file>
+
+<file path=ppt/slides/slide20.xml><?xml version="1.0" encoding="utf-8"?>
+<p:sld xmlns:a="http://schemas.openxmlformats.org/drawingml/2006/main" xmlns:r="http://schemas.openxmlformats.org/officeDocument/2006/relationships" xmlns:p="http://schemas.openxmlformats.org/presentationml/2006/main">
+  <p:cSld>
+    <p:spTree>
+      <p:nvGrpSpPr>
+        <p:cNvPr id="1" name=""/>
+        <p:cNvGrpSpPr/>
+        <p:nvPr/>
+      </p:nvGrpSpPr>
+      <p:grpSpPr>
+        <a:xfrm>
+          <a:off x="0" y="0"/>
+          <a:ext cx="0" cy="0"/>
+          <a:chOff x="0" y="0"/>
+          <a:chExt cx="0" cy="0"/>
+        </a:xfrm>
+      </p:grpSpPr>
+      <p:sp>
+        <p:nvSpPr>
+          <p:cNvPr id="2" name="Titre 1"/>
+          <p:cNvSpPr>
+            <a:spLocks noGrp="1"/>
+          </p:cNvSpPr>
+          <p:nvPr>
+            <p:ph type="title"/>
+          </p:nvPr>
+        </p:nvSpPr>
+        <p:spPr/>
+        <p:txBody>
           <a:bodyPr>
             <a:normAutofit/>
           </a:bodyPr>
@@ -8048,7 +8653,7 @@
             <a:fld id="{87D9652F-9609-4EC6-8E0A-C96E14B58A2A}" type="slidenum">
               <a:rPr lang="fr-FR" smtClean="0"/>
               <a:pPr/>
-              <a:t>19</a:t>
+              <a:t>20</a:t>
             </a:fld>
             <a:endParaRPr lang="fr-FR" dirty="0"/>
           </a:p>
@@ -8115,583 +8720,6 @@
 </p:sld>
 </file>
 
-<file path=ppt/slides/slide2.xml><?xml version="1.0" encoding="utf-8"?>
-<p:sld xmlns:a="http://schemas.openxmlformats.org/drawingml/2006/main" xmlns:r="http://schemas.openxmlformats.org/officeDocument/2006/relationships" xmlns:p="http://schemas.openxmlformats.org/presentationml/2006/main">
-  <p:cSld>
-    <p:spTree>
-      <p:nvGrpSpPr>
-        <p:cNvPr id="1" name=""/>
-        <p:cNvGrpSpPr/>
-        <p:nvPr/>
-      </p:nvGrpSpPr>
-      <p:grpSpPr>
-        <a:xfrm>
-          <a:off x="0" y="0"/>
-          <a:ext cx="0" cy="0"/>
-          <a:chOff x="0" y="0"/>
-          <a:chExt cx="0" cy="0"/>
-        </a:xfrm>
-      </p:grpSpPr>
-      <p:sp>
-        <p:nvSpPr>
-          <p:cNvPr id="2" name="Titre 1"/>
-          <p:cNvSpPr>
-            <a:spLocks noGrp="1"/>
-          </p:cNvSpPr>
-          <p:nvPr>
-            <p:ph type="title"/>
-          </p:nvPr>
-        </p:nvSpPr>
-        <p:spPr/>
-        <p:txBody>
-          <a:bodyPr/>
-          <a:lstStyle/>
-          <a:p>
-            <a:r>
-              <a:rPr lang="fr-FR" dirty="0" smtClean="0"/>
-              <a:t>Rappel des points d’intervention</a:t>
-            </a:r>
-            <a:endParaRPr lang="fr-FR" dirty="0"/>
-          </a:p>
-        </p:txBody>
-      </p:sp>
-      <p:sp>
-        <p:nvSpPr>
-          <p:cNvPr id="3" name="Espace réservé du contenu 2"/>
-          <p:cNvSpPr>
-            <a:spLocks noGrp="1"/>
-          </p:cNvSpPr>
-          <p:nvPr>
-            <p:ph idx="1"/>
-          </p:nvPr>
-        </p:nvSpPr>
-        <p:spPr>
-          <a:xfrm>
-            <a:off x="254000" y="1538869"/>
-            <a:ext cx="8648700" cy="2118731"/>
-          </a:xfrm>
-          <a:solidFill>
-            <a:schemeClr val="accent6">
-              <a:lumMod val="40000"/>
-              <a:lumOff val="60000"/>
-            </a:schemeClr>
-          </a:solidFill>
-          <a:ln>
-            <a:noFill/>
-          </a:ln>
-        </p:spPr>
-        <p:txBody>
-          <a:bodyPr>
-            <a:noAutofit/>
-          </a:bodyPr>
-          <a:lstStyle/>
-          <a:p>
-            <a:r>
-              <a:rPr lang="fr-FR" sz="2400" b="1" dirty="0" smtClean="0"/>
-              <a:t>Tâches initiales</a:t>
-            </a:r>
-          </a:p>
-          <a:p>
-            <a:pPr lvl="1"/>
-            <a:r>
-              <a:rPr lang="fr-FR" sz="2000" dirty="0" smtClean="0"/>
-              <a:t>Rupture de la collecte</a:t>
-            </a:r>
-          </a:p>
-          <a:p>
-            <a:pPr lvl="1"/>
-            <a:r>
-              <a:rPr lang="fr-FR" sz="2000" dirty="0" smtClean="0"/>
-              <a:t>Extraction des données</a:t>
-            </a:r>
-          </a:p>
-          <a:p>
-            <a:pPr lvl="2"/>
-            <a:r>
-              <a:rPr lang="fr-FR" dirty="0" smtClean="0"/>
-              <a:t>Téléchargement impossible</a:t>
-            </a:r>
-          </a:p>
-          <a:p>
-            <a:pPr lvl="2"/>
-            <a:r>
-              <a:rPr lang="fr-FR" dirty="0" smtClean="0"/>
-              <a:t>Extraction incomplète</a:t>
-            </a:r>
-          </a:p>
-          <a:p>
-            <a:pPr lvl="1"/>
-            <a:r>
-              <a:rPr lang="fr-FR" sz="2000" dirty="0" smtClean="0"/>
-              <a:t>Ergonomie de l’interface</a:t>
-            </a:r>
-          </a:p>
-          <a:p>
-            <a:endParaRPr lang="en-US" sz="1800" dirty="0"/>
-          </a:p>
-        </p:txBody>
-      </p:sp>
-      <p:sp>
-        <p:nvSpPr>
-          <p:cNvPr id="4" name="Espace réservé du numéro de diapositive 3"/>
-          <p:cNvSpPr>
-            <a:spLocks noGrp="1"/>
-          </p:cNvSpPr>
-          <p:nvPr>
-            <p:ph type="sldNum" sz="quarter" idx="12"/>
-          </p:nvPr>
-        </p:nvSpPr>
-        <p:spPr/>
-        <p:txBody>
-          <a:bodyPr/>
-          <a:lstStyle/>
-          <a:p>
-            <a:fld id="{87D9652F-9609-4EC6-8E0A-C96E14B58A2A}" type="slidenum">
-              <a:rPr lang="fr-FR" smtClean="0"/>
-              <a:pPr/>
-              <a:t>2</a:t>
-            </a:fld>
-            <a:endParaRPr lang="fr-FR" dirty="0"/>
-          </a:p>
-        </p:txBody>
-      </p:sp>
-      <p:sp>
-        <p:nvSpPr>
-          <p:cNvPr id="6" name="Espace réservé du contenu 2"/>
-          <p:cNvSpPr txBox="1">
-            <a:spLocks/>
-          </p:cNvSpPr>
-          <p:nvPr/>
-        </p:nvSpPr>
-        <p:spPr>
-          <a:xfrm>
-            <a:off x="254000" y="3895342"/>
-            <a:ext cx="8648700" cy="2338189"/>
-          </a:xfrm>
-          <a:prstGeom prst="rect">
-            <a:avLst/>
-          </a:prstGeom>
-          <a:solidFill>
-            <a:schemeClr val="accent3">
-              <a:lumMod val="20000"/>
-              <a:lumOff val="80000"/>
-            </a:schemeClr>
-          </a:solidFill>
-          <a:ln>
-            <a:noFill/>
-          </a:ln>
-        </p:spPr>
-        <p:txBody>
-          <a:bodyPr vert="horz" lIns="91440" tIns="45720" rIns="91440" bIns="45720" rtlCol="0">
-            <a:noAutofit/>
-          </a:bodyPr>
-          <a:lstStyle>
-            <a:lvl1pPr marL="228600" indent="-228600" algn="l" defTabSz="914400" rtl="0" eaLnBrk="1" latinLnBrk="0" hangingPunct="1">
-              <a:lnSpc>
-                <a:spcPct val="90000"/>
-              </a:lnSpc>
-              <a:spcBef>
-                <a:spcPts val="1000"/>
-              </a:spcBef>
-              <a:buFont typeface="Arial" panose="020B0604020202020204" pitchFamily="34" charset="0"/>
-              <a:buChar char="•"/>
-              <a:defRPr sz="2800" kern="1200">
-                <a:solidFill>
-                  <a:schemeClr val="tx1"/>
-                </a:solidFill>
-                <a:latin typeface="+mn-lt"/>
-                <a:ea typeface="+mn-ea"/>
-                <a:cs typeface="+mn-cs"/>
-              </a:defRPr>
-            </a:lvl1pPr>
-            <a:lvl2pPr marL="685800" indent="-228600" algn="l" defTabSz="914400" rtl="0" eaLnBrk="1" latinLnBrk="0" hangingPunct="1">
-              <a:lnSpc>
-                <a:spcPct val="90000"/>
-              </a:lnSpc>
-              <a:spcBef>
-                <a:spcPts val="500"/>
-              </a:spcBef>
-              <a:buFont typeface="Arial" panose="020B0604020202020204" pitchFamily="34" charset="0"/>
-              <a:buChar char="•"/>
-              <a:defRPr sz="2400" kern="1200">
-                <a:solidFill>
-                  <a:schemeClr val="tx1"/>
-                </a:solidFill>
-                <a:latin typeface="+mn-lt"/>
-                <a:ea typeface="+mn-ea"/>
-                <a:cs typeface="+mn-cs"/>
-              </a:defRPr>
-            </a:lvl2pPr>
-            <a:lvl3pPr marL="1143000" indent="-228600" algn="l" defTabSz="914400" rtl="0" eaLnBrk="1" latinLnBrk="0" hangingPunct="1">
-              <a:lnSpc>
-                <a:spcPct val="90000"/>
-              </a:lnSpc>
-              <a:spcBef>
-                <a:spcPts val="500"/>
-              </a:spcBef>
-              <a:buFont typeface="Arial" panose="020B0604020202020204" pitchFamily="34" charset="0"/>
-              <a:buChar char="•"/>
-              <a:defRPr sz="2000" kern="1200">
-                <a:solidFill>
-                  <a:schemeClr val="tx1"/>
-                </a:solidFill>
-                <a:latin typeface="+mn-lt"/>
-                <a:ea typeface="+mn-ea"/>
-                <a:cs typeface="+mn-cs"/>
-              </a:defRPr>
-            </a:lvl3pPr>
-            <a:lvl4pPr marL="1600200" indent="-228600" algn="l" defTabSz="914400" rtl="0" eaLnBrk="1" latinLnBrk="0" hangingPunct="1">
-              <a:lnSpc>
-                <a:spcPct val="90000"/>
-              </a:lnSpc>
-              <a:spcBef>
-                <a:spcPts val="500"/>
-              </a:spcBef>
-              <a:buFont typeface="Arial" panose="020B0604020202020204" pitchFamily="34" charset="0"/>
-              <a:buChar char="•"/>
-              <a:defRPr sz="1800" kern="1200">
-                <a:solidFill>
-                  <a:schemeClr val="tx1"/>
-                </a:solidFill>
-                <a:latin typeface="+mn-lt"/>
-                <a:ea typeface="+mn-ea"/>
-                <a:cs typeface="+mn-cs"/>
-              </a:defRPr>
-            </a:lvl4pPr>
-            <a:lvl5pPr marL="2057400" indent="-228600" algn="l" defTabSz="914400" rtl="0" eaLnBrk="1" latinLnBrk="0" hangingPunct="1">
-              <a:lnSpc>
-                <a:spcPct val="90000"/>
-              </a:lnSpc>
-              <a:spcBef>
-                <a:spcPts val="500"/>
-              </a:spcBef>
-              <a:buFont typeface="Arial" panose="020B0604020202020204" pitchFamily="34" charset="0"/>
-              <a:buChar char="•"/>
-              <a:defRPr sz="1800" kern="1200">
-                <a:solidFill>
-                  <a:schemeClr val="tx1"/>
-                </a:solidFill>
-                <a:latin typeface="+mn-lt"/>
-                <a:ea typeface="+mn-ea"/>
-                <a:cs typeface="+mn-cs"/>
-              </a:defRPr>
-            </a:lvl5pPr>
-            <a:lvl6pPr marL="2514600" indent="-228600" algn="l" defTabSz="914400" rtl="0" eaLnBrk="1" latinLnBrk="0" hangingPunct="1">
-              <a:lnSpc>
-                <a:spcPct val="90000"/>
-              </a:lnSpc>
-              <a:spcBef>
-                <a:spcPts val="500"/>
-              </a:spcBef>
-              <a:buFont typeface="Arial" panose="020B0604020202020204" pitchFamily="34" charset="0"/>
-              <a:buChar char="•"/>
-              <a:defRPr sz="1800" kern="1200">
-                <a:solidFill>
-                  <a:schemeClr val="tx1"/>
-                </a:solidFill>
-                <a:latin typeface="+mn-lt"/>
-                <a:ea typeface="+mn-ea"/>
-                <a:cs typeface="+mn-cs"/>
-              </a:defRPr>
-            </a:lvl6pPr>
-            <a:lvl7pPr marL="2971800" indent="-228600" algn="l" defTabSz="914400" rtl="0" eaLnBrk="1" latinLnBrk="0" hangingPunct="1">
-              <a:lnSpc>
-                <a:spcPct val="90000"/>
-              </a:lnSpc>
-              <a:spcBef>
-                <a:spcPts val="500"/>
-              </a:spcBef>
-              <a:buFont typeface="Arial" panose="020B0604020202020204" pitchFamily="34" charset="0"/>
-              <a:buChar char="•"/>
-              <a:defRPr sz="1800" kern="1200">
-                <a:solidFill>
-                  <a:schemeClr val="tx1"/>
-                </a:solidFill>
-                <a:latin typeface="+mn-lt"/>
-                <a:ea typeface="+mn-ea"/>
-                <a:cs typeface="+mn-cs"/>
-              </a:defRPr>
-            </a:lvl7pPr>
-            <a:lvl8pPr marL="3429000" indent="-228600" algn="l" defTabSz="914400" rtl="0" eaLnBrk="1" latinLnBrk="0" hangingPunct="1">
-              <a:lnSpc>
-                <a:spcPct val="90000"/>
-              </a:lnSpc>
-              <a:spcBef>
-                <a:spcPts val="500"/>
-              </a:spcBef>
-              <a:buFont typeface="Arial" panose="020B0604020202020204" pitchFamily="34" charset="0"/>
-              <a:buChar char="•"/>
-              <a:defRPr sz="1800" kern="1200">
-                <a:solidFill>
-                  <a:schemeClr val="tx1"/>
-                </a:solidFill>
-                <a:latin typeface="+mn-lt"/>
-                <a:ea typeface="+mn-ea"/>
-                <a:cs typeface="+mn-cs"/>
-              </a:defRPr>
-            </a:lvl8pPr>
-            <a:lvl9pPr marL="3886200" indent="-228600" algn="l" defTabSz="914400" rtl="0" eaLnBrk="1" latinLnBrk="0" hangingPunct="1">
-              <a:lnSpc>
-                <a:spcPct val="90000"/>
-              </a:lnSpc>
-              <a:spcBef>
-                <a:spcPts val="500"/>
-              </a:spcBef>
-              <a:buFont typeface="Arial" panose="020B0604020202020204" pitchFamily="34" charset="0"/>
-              <a:buChar char="•"/>
-              <a:defRPr sz="1800" kern="1200">
-                <a:solidFill>
-                  <a:schemeClr val="tx1"/>
-                </a:solidFill>
-                <a:latin typeface="+mn-lt"/>
-                <a:ea typeface="+mn-ea"/>
-                <a:cs typeface="+mn-cs"/>
-              </a:defRPr>
-            </a:lvl9pPr>
-          </a:lstStyle>
-          <a:p>
-            <a:r>
-              <a:rPr lang="fr-FR" sz="2400" b="1" dirty="0" smtClean="0"/>
-              <a:t>Tâches décelées à postériori</a:t>
-            </a:r>
-          </a:p>
-          <a:p>
-            <a:pPr lvl="1"/>
-            <a:r>
-              <a:rPr lang="fr-FR" sz="2000" dirty="0" smtClean="0"/>
-              <a:t>Réutilisabilité </a:t>
-            </a:r>
-            <a:r>
-              <a:rPr lang="fr-FR" sz="2000" dirty="0"/>
-              <a:t>de l’application</a:t>
-            </a:r>
-          </a:p>
-          <a:p>
-            <a:pPr lvl="2"/>
-            <a:r>
-              <a:rPr lang="fr-FR" sz="1800" dirty="0"/>
-              <a:t>Gestion de versions</a:t>
-            </a:r>
-          </a:p>
-          <a:p>
-            <a:pPr lvl="2"/>
-            <a:r>
-              <a:rPr lang="fr-FR" sz="1800" dirty="0"/>
-              <a:t>« </a:t>
-            </a:r>
-            <a:r>
-              <a:rPr lang="fr-FR" sz="1800" dirty="0" err="1"/>
-              <a:t>Compilabilité</a:t>
-            </a:r>
-            <a:r>
-              <a:rPr lang="fr-FR" sz="1800" dirty="0"/>
-              <a:t> »</a:t>
-            </a:r>
-          </a:p>
-          <a:p>
-            <a:pPr lvl="2"/>
-            <a:r>
-              <a:rPr lang="fr-FR" sz="1800" dirty="0"/>
-              <a:t>Facilitation de l’installation et la configuration</a:t>
-            </a:r>
-          </a:p>
-          <a:p>
-            <a:pPr lvl="2"/>
-            <a:r>
-              <a:rPr lang="fr-FR" sz="1800" dirty="0"/>
-              <a:t>Documentation</a:t>
-            </a:r>
-          </a:p>
-          <a:p>
-            <a:pPr lvl="1"/>
-            <a:r>
-              <a:rPr lang="fr-FR" sz="2000" dirty="0"/>
-              <a:t>Co-administration du serveur</a:t>
-            </a:r>
-          </a:p>
-          <a:p>
-            <a:endParaRPr lang="en-US" sz="1800" dirty="0"/>
-          </a:p>
-        </p:txBody>
-      </p:sp>
-    </p:spTree>
-    <p:extLst>
-      <p:ext uri="{BB962C8B-B14F-4D97-AF65-F5344CB8AC3E}">
-        <p14:creationId xmlns:p14="http://schemas.microsoft.com/office/powerpoint/2010/main" val="3844956798"/>
-      </p:ext>
-    </p:extLst>
-  </p:cSld>
-  <p:clrMapOvr>
-    <a:masterClrMapping/>
-  </p:clrMapOvr>
-  <p:timing>
-    <p:tnLst>
-      <p:par>
-        <p:cTn id="1" dur="indefinite" restart="never" nodeType="tmRoot"/>
-      </p:par>
-    </p:tnLst>
-  </p:timing>
-</p:sld>
-</file>
-
-<file path=ppt/slides/slide20.xml><?xml version="1.0" encoding="utf-8"?>
-<p:sld xmlns:a="http://schemas.openxmlformats.org/drawingml/2006/main" xmlns:r="http://schemas.openxmlformats.org/officeDocument/2006/relationships" xmlns:p="http://schemas.openxmlformats.org/presentationml/2006/main">
-  <p:cSld>
-    <p:spTree>
-      <p:nvGrpSpPr>
-        <p:cNvPr id="1" name=""/>
-        <p:cNvGrpSpPr/>
-        <p:nvPr/>
-      </p:nvGrpSpPr>
-      <p:grpSpPr>
-        <a:xfrm>
-          <a:off x="0" y="0"/>
-          <a:ext cx="0" cy="0"/>
-          <a:chOff x="0" y="0"/>
-          <a:chExt cx="0" cy="0"/>
-        </a:xfrm>
-      </p:grpSpPr>
-      <p:sp>
-        <p:nvSpPr>
-          <p:cNvPr id="2" name="Titre 1"/>
-          <p:cNvSpPr>
-            <a:spLocks noGrp="1"/>
-          </p:cNvSpPr>
-          <p:nvPr>
-            <p:ph type="title"/>
-          </p:nvPr>
-        </p:nvSpPr>
-        <p:spPr/>
-        <p:txBody>
-          <a:bodyPr/>
-          <a:lstStyle/>
-          <a:p>
-            <a:r>
-              <a:rPr lang="fr-FR" dirty="0" smtClean="0"/>
-              <a:t>Informations de départ</a:t>
-            </a:r>
-            <a:endParaRPr lang="en-US" dirty="0"/>
-          </a:p>
-        </p:txBody>
-      </p:sp>
-      <p:sp>
-        <p:nvSpPr>
-          <p:cNvPr id="3" name="Espace réservé du contenu 2"/>
-          <p:cNvSpPr>
-            <a:spLocks noGrp="1"/>
-          </p:cNvSpPr>
-          <p:nvPr>
-            <p:ph idx="1"/>
-          </p:nvPr>
-        </p:nvSpPr>
-        <p:spPr/>
-        <p:txBody>
-          <a:bodyPr>
-            <a:normAutofit fontScale="92500" lnSpcReduction="10000"/>
-          </a:bodyPr>
-          <a:lstStyle/>
-          <a:p>
-            <a:r>
-              <a:rPr lang="fr-FR" dirty="0" smtClean="0"/>
-              <a:t>Ruptures allant de plusieurs minutes à plusieurs jours</a:t>
-            </a:r>
-          </a:p>
-          <a:p>
-            <a:r>
-              <a:rPr lang="fr-FR" dirty="0" smtClean="0"/>
-              <a:t>Certains flux sont parfois épargnés</a:t>
-            </a:r>
-          </a:p>
-          <a:p>
-            <a:r>
-              <a:rPr lang="fr-FR" dirty="0" smtClean="0"/>
-              <a:t>Observation faite à partir des dates de récupération</a:t>
-            </a:r>
-          </a:p>
-          <a:p>
-            <a:r>
-              <a:rPr lang="fr-FR" dirty="0" smtClean="0"/>
-              <a:t>Visible après extraction et avec les charts de la web </a:t>
-            </a:r>
-            <a:r>
-              <a:rPr lang="fr-FR" dirty="0" err="1" smtClean="0"/>
-              <a:t>app</a:t>
-            </a:r>
-            <a:endParaRPr lang="fr-FR" dirty="0" smtClean="0"/>
-          </a:p>
-          <a:p>
-            <a:r>
-              <a:rPr lang="fr-FR" dirty="0" smtClean="0"/>
-              <a:t>Script </a:t>
-            </a:r>
-            <a:r>
-              <a:rPr lang="fr-FR" dirty="0" err="1" smtClean="0"/>
-              <a:t>Huma-num</a:t>
-            </a:r>
-            <a:r>
-              <a:rPr lang="fr-FR" dirty="0" smtClean="0"/>
-              <a:t> permet de détecter coupures en évaluant la date du dernier item</a:t>
-            </a:r>
-          </a:p>
-          <a:p>
-            <a:r>
-              <a:rPr lang="fr-FR" dirty="0" smtClean="0"/>
-              <a:t>Si deux applications sont actives, les coupures ne surviennent pas de manière concomitantes</a:t>
-            </a:r>
-          </a:p>
-          <a:p>
-            <a:r>
-              <a:rPr lang="fr-FR" dirty="0" smtClean="0"/>
-              <a:t>Ne semble pas relié à un évènement externe particulier</a:t>
-            </a:r>
-            <a:endParaRPr lang="en-US" dirty="0"/>
-          </a:p>
-        </p:txBody>
-      </p:sp>
-      <p:sp>
-        <p:nvSpPr>
-          <p:cNvPr id="4" name="Espace réservé du numéro de diapositive 3"/>
-          <p:cNvSpPr>
-            <a:spLocks noGrp="1"/>
-          </p:cNvSpPr>
-          <p:nvPr>
-            <p:ph type="sldNum" sz="quarter" idx="12"/>
-          </p:nvPr>
-        </p:nvSpPr>
-        <p:spPr/>
-        <p:txBody>
-          <a:bodyPr/>
-          <a:lstStyle/>
-          <a:p>
-            <a:fld id="{87D9652F-9609-4EC6-8E0A-C96E14B58A2A}" type="slidenum">
-              <a:rPr lang="fr-FR" smtClean="0"/>
-              <a:pPr/>
-              <a:t>20</a:t>
-            </a:fld>
-            <a:endParaRPr lang="fr-FR" dirty="0"/>
-          </a:p>
-        </p:txBody>
-      </p:sp>
-    </p:spTree>
-    <p:extLst>
-      <p:ext uri="{BB962C8B-B14F-4D97-AF65-F5344CB8AC3E}">
-        <p14:creationId xmlns:p14="http://schemas.microsoft.com/office/powerpoint/2010/main" val="545098750"/>
-      </p:ext>
-    </p:extLst>
-  </p:cSld>
-  <p:clrMapOvr>
-    <a:masterClrMapping/>
-  </p:clrMapOvr>
-  <p:timing>
-    <p:tnLst>
-      <p:par>
-        <p:cTn id="1" dur="indefinite" restart="never" nodeType="tmRoot"/>
-      </p:par>
-    </p:tnLst>
-  </p:timing>
-</p:sld>
-</file>
-
 <file path=ppt/slides/slide21.xml><?xml version="1.0" encoding="utf-8"?>
 <p:sld xmlns:a="http://schemas.openxmlformats.org/drawingml/2006/main" xmlns:r="http://schemas.openxmlformats.org/officeDocument/2006/relationships" xmlns:p="http://schemas.openxmlformats.org/presentationml/2006/main">
   <p:cSld>
@@ -8711,7 +8739,7 @@
       </p:grpSpPr>
       <p:sp>
         <p:nvSpPr>
-          <p:cNvPr id="5" name="Titre 4"/>
+          <p:cNvPr id="2" name="Titre 1"/>
           <p:cNvSpPr>
             <a:spLocks noGrp="1"/>
           </p:cNvSpPr>
@@ -8726,9 +8754,83 @@
           <a:p>
             <a:r>
               <a:rPr lang="fr-FR" dirty="0" smtClean="0"/>
-              <a:t>Hypothèses?</a:t>
-            </a:r>
-            <a:endParaRPr lang="fr-FR" dirty="0"/>
+              <a:t>Informations de départ</a:t>
+            </a:r>
+            <a:endParaRPr lang="en-US" dirty="0"/>
+          </a:p>
+        </p:txBody>
+      </p:sp>
+      <p:sp>
+        <p:nvSpPr>
+          <p:cNvPr id="3" name="Espace réservé du contenu 2"/>
+          <p:cNvSpPr>
+            <a:spLocks noGrp="1"/>
+          </p:cNvSpPr>
+          <p:nvPr>
+            <p:ph idx="1"/>
+          </p:nvPr>
+        </p:nvSpPr>
+        <p:spPr/>
+        <p:txBody>
+          <a:bodyPr>
+            <a:normAutofit fontScale="92500" lnSpcReduction="10000"/>
+          </a:bodyPr>
+          <a:lstStyle/>
+          <a:p>
+            <a:r>
+              <a:rPr lang="fr-FR" dirty="0" smtClean="0"/>
+              <a:t>Ruptures allant de plusieurs minutes à plusieurs jours</a:t>
+            </a:r>
+          </a:p>
+          <a:p>
+            <a:r>
+              <a:rPr lang="fr-FR" dirty="0" smtClean="0"/>
+              <a:t>Certains flux sont parfois épargnés</a:t>
+            </a:r>
+          </a:p>
+          <a:p>
+            <a:r>
+              <a:rPr lang="fr-FR" dirty="0" smtClean="0"/>
+              <a:t>Observation faite à partir des dates de récupération</a:t>
+            </a:r>
+          </a:p>
+          <a:p>
+            <a:r>
+              <a:rPr lang="fr-FR" dirty="0" smtClean="0"/>
+              <a:t>Visible après extraction et avec les charts de la web </a:t>
+            </a:r>
+            <a:r>
+              <a:rPr lang="fr-FR" dirty="0" err="1" smtClean="0"/>
+              <a:t>app</a:t>
+            </a:r>
+            <a:endParaRPr lang="fr-FR" dirty="0" smtClean="0"/>
+          </a:p>
+          <a:p>
+            <a:r>
+              <a:rPr lang="fr-FR" dirty="0" smtClean="0"/>
+              <a:t>Script </a:t>
+            </a:r>
+            <a:r>
+              <a:rPr lang="fr-FR" dirty="0" err="1" smtClean="0"/>
+              <a:t>Huma-num</a:t>
+            </a:r>
+            <a:r>
+              <a:rPr lang="fr-FR" dirty="0" smtClean="0"/>
+              <a:t> permet de détecter coupures en évaluant la date du dernier item</a:t>
+            </a:r>
+          </a:p>
+          <a:p>
+            <a:r>
+              <a:rPr lang="fr-FR" dirty="0" smtClean="0"/>
+              <a:t>Si deux applications sont actives, les coupures ne surviennent pas de manière concomitantes</a:t>
+            </a:r>
+          </a:p>
+          <a:p>
+            <a:r>
+              <a:rPr lang="fr-FR" dirty="0" smtClean="0"/>
+              <a:t>Ne semble pas relié à un évènement externe particulier</a:t>
+            </a:r>
+            <a:endParaRPr lang="en-US" dirty="0"/>
           </a:p>
         </p:txBody>
       </p:sp>
@@ -8759,7 +8861,7 @@
     </p:spTree>
     <p:extLst>
       <p:ext uri="{BB962C8B-B14F-4D97-AF65-F5344CB8AC3E}">
-        <p14:creationId xmlns:p14="http://schemas.microsoft.com/office/powerpoint/2010/main" val="578361148"/>
+        <p14:creationId xmlns:p14="http://schemas.microsoft.com/office/powerpoint/2010/main" val="545098750"/>
       </p:ext>
     </p:extLst>
   </p:cSld>
@@ -8795,7 +8897,7 @@
       </p:grpSpPr>
       <p:sp>
         <p:nvSpPr>
-          <p:cNvPr id="2" name="Titre 1"/>
+          <p:cNvPr id="5" name="Titre 4"/>
           <p:cNvSpPr>
             <a:spLocks noGrp="1"/>
           </p:cNvSpPr>
@@ -8810,116 +8912,9 @@
           <a:p>
             <a:r>
               <a:rPr lang="fr-FR" dirty="0" smtClean="0"/>
-              <a:t>Hypothèses invalides</a:t>
-            </a:r>
-            <a:endParaRPr lang="en-US" dirty="0"/>
-          </a:p>
-        </p:txBody>
-      </p:sp>
-      <p:sp>
-        <p:nvSpPr>
-          <p:cNvPr id="3" name="Espace réservé du contenu 2"/>
-          <p:cNvSpPr>
-            <a:spLocks noGrp="1"/>
-          </p:cNvSpPr>
-          <p:nvPr>
-            <p:ph idx="1"/>
-          </p:nvPr>
-        </p:nvSpPr>
-        <p:spPr>
-          <a:noFill/>
-        </p:spPr>
-        <p:txBody>
-          <a:bodyPr>
-            <a:normAutofit/>
-          </a:bodyPr>
-          <a:lstStyle/>
-          <a:p>
-            <a:r>
-              <a:rPr lang="fr-FR" dirty="0" smtClean="0">
-                <a:solidFill>
-                  <a:srgbClr val="FF0000"/>
-                </a:solidFill>
-              </a:rPr>
-              <a:t>Coupure du serveur : </a:t>
-            </a:r>
-          </a:p>
-          <a:p>
-            <a:pPr lvl="1"/>
-            <a:r>
-              <a:rPr lang="fr-FR" dirty="0" smtClean="0"/>
-              <a:t>Certains flux sont récupérés</a:t>
-            </a:r>
-          </a:p>
-          <a:p>
-            <a:pPr lvl="1"/>
-            <a:r>
-              <a:rPr lang="fr-FR" dirty="0"/>
-              <a:t>D</a:t>
-            </a:r>
-            <a:r>
-              <a:rPr lang="fr-FR" dirty="0" smtClean="0"/>
-              <a:t>es logs sont toujours générés</a:t>
-            </a:r>
-          </a:p>
-          <a:p>
-            <a:r>
-              <a:rPr lang="fr-FR" dirty="0" smtClean="0">
-                <a:solidFill>
-                  <a:srgbClr val="FF0000"/>
-                </a:solidFill>
-              </a:rPr>
-              <a:t>Coupure du réseau : </a:t>
-            </a:r>
-          </a:p>
-          <a:p>
-            <a:pPr lvl="1"/>
-            <a:r>
-              <a:rPr lang="fr-FR" dirty="0"/>
-              <a:t>L</a:t>
-            </a:r>
-            <a:r>
-              <a:rPr lang="fr-FR" dirty="0" smtClean="0"/>
-              <a:t>’application reste accessible pendant les périodes de trouble</a:t>
-            </a:r>
-          </a:p>
-          <a:p>
-            <a:r>
-              <a:rPr lang="fr-FR" dirty="0" smtClean="0">
-                <a:solidFill>
-                  <a:srgbClr val="FF0000"/>
-                </a:solidFill>
-              </a:rPr>
-              <a:t>Erreur d’assignation de la date : </a:t>
-            </a:r>
-          </a:p>
-          <a:p>
-            <a:pPr lvl="1"/>
-            <a:r>
-              <a:rPr lang="fr-FR" dirty="0"/>
-              <a:t>L</a:t>
-            </a:r>
-            <a:r>
-              <a:rPr lang="fr-FR" dirty="0" smtClean="0"/>
-              <a:t>es logs </a:t>
-            </a:r>
-            <a:r>
-              <a:rPr lang="fr-FR" dirty="0" err="1" smtClean="0"/>
-              <a:t>errors</a:t>
-            </a:r>
-            <a:r>
-              <a:rPr lang="fr-FR" dirty="0" smtClean="0"/>
-              <a:t> de l’application montrent un état anormal de l’application : débute par une grande quantité d’exceptions, puis les tâches de collecte de flux ne donnent plus de signes de vie</a:t>
-            </a:r>
-            <a:endParaRPr lang="fr-FR" dirty="0" smtClean="0">
-              <a:solidFill>
-                <a:srgbClr val="FF0000"/>
-              </a:solidFill>
-            </a:endParaRPr>
-          </a:p>
-          <a:p>
-            <a:pPr lvl="1"/>
-            <a:endParaRPr lang="en-US" dirty="0"/>
+              <a:t>Hypothèses?</a:t>
+            </a:r>
+            <a:endParaRPr lang="fr-FR" dirty="0"/>
           </a:p>
         </p:txBody>
       </p:sp>
@@ -8950,7 +8945,7 @@
     </p:spTree>
     <p:extLst>
       <p:ext uri="{BB962C8B-B14F-4D97-AF65-F5344CB8AC3E}">
-        <p14:creationId xmlns:p14="http://schemas.microsoft.com/office/powerpoint/2010/main" val="715778149"/>
+        <p14:creationId xmlns:p14="http://schemas.microsoft.com/office/powerpoint/2010/main" val="578361148"/>
       </p:ext>
     </p:extLst>
   </p:cSld>
@@ -8996,323 +8991,120 @@
         </p:nvSpPr>
         <p:spPr/>
         <p:txBody>
+          <a:bodyPr/>
+          <a:lstStyle/>
+          <a:p>
+            <a:r>
+              <a:rPr lang="fr-FR" dirty="0" smtClean="0"/>
+              <a:t>Hypothèses invalides</a:t>
+            </a:r>
+            <a:endParaRPr lang="en-US" dirty="0"/>
+          </a:p>
+        </p:txBody>
+      </p:sp>
+      <p:sp>
+        <p:nvSpPr>
+          <p:cNvPr id="3" name="Espace réservé du contenu 2"/>
+          <p:cNvSpPr>
+            <a:spLocks noGrp="1"/>
+          </p:cNvSpPr>
+          <p:nvPr>
+            <p:ph idx="1"/>
+          </p:nvPr>
+        </p:nvSpPr>
+        <p:spPr>
+          <a:noFill/>
+        </p:spPr>
+        <p:txBody>
           <a:bodyPr>
-            <a:noAutofit/>
+            <a:normAutofit/>
           </a:bodyPr>
           <a:lstStyle/>
           <a:p>
             <a:r>
-              <a:rPr lang="fr-FR" sz="3200" dirty="0" smtClean="0"/>
-              <a:t>Contenu des logs lors d’une </a:t>
-            </a:r>
-            <a:r>
-              <a:rPr lang="fr-FR" sz="3200" dirty="0" smtClean="0"/>
-              <a:t>perturbation</a:t>
-            </a:r>
-            <a:br>
-              <a:rPr lang="fr-FR" sz="3200" dirty="0" smtClean="0"/>
-            </a:br>
-            <a:r>
-              <a:rPr lang="fr-FR" sz="3200" dirty="0" smtClean="0"/>
-              <a:t>Erreur récurrente</a:t>
-            </a:r>
-            <a:endParaRPr lang="en-US" sz="3200" dirty="0"/>
-          </a:p>
-        </p:txBody>
-      </p:sp>
-      <p:sp>
-        <p:nvSpPr>
-          <p:cNvPr id="3" name="Espace réservé du contenu 2"/>
-          <p:cNvSpPr>
-            <a:spLocks noGrp="1"/>
-          </p:cNvSpPr>
-          <p:nvPr>
-            <p:ph idx="1"/>
-          </p:nvPr>
-        </p:nvSpPr>
-        <p:spPr/>
-        <p:txBody>
-          <a:bodyPr>
-            <a:normAutofit fontScale="47500" lnSpcReduction="20000"/>
-          </a:bodyPr>
-          <a:lstStyle/>
-          <a:p>
+              <a:rPr lang="fr-FR" dirty="0" smtClean="0">
+                <a:solidFill>
+                  <a:srgbClr val="FF0000"/>
+                </a:solidFill>
+              </a:rPr>
+              <a:t>Coupure du serveur : </a:t>
+            </a:r>
+          </a:p>
+          <a:p>
+            <a:pPr lvl="1"/>
+            <a:r>
+              <a:rPr lang="fr-FR" dirty="0" smtClean="0"/>
+              <a:t>Certains flux sont récupérés</a:t>
+            </a:r>
+          </a:p>
+          <a:p>
+            <a:pPr lvl="1"/>
             <a:r>
               <a:rPr lang="fr-FR" dirty="0"/>
-              <a:t> </a:t>
-            </a:r>
-            <a:r>
-              <a:rPr lang="fr-FR" dirty="0" err="1"/>
-              <a:t>java.net.SocketTimeoutException</a:t>
-            </a:r>
+              <a:t>D</a:t>
+            </a:r>
+            <a:r>
+              <a:rPr lang="fr-FR" dirty="0" smtClean="0"/>
+              <a:t>es logs sont toujours générés</a:t>
+            </a:r>
+          </a:p>
+          <a:p>
+            <a:r>
+              <a:rPr lang="fr-FR" dirty="0" smtClean="0">
+                <a:solidFill>
+                  <a:srgbClr val="FF0000"/>
+                </a:solidFill>
+              </a:rPr>
+              <a:t>Coupure du réseau : </a:t>
+            </a:r>
+          </a:p>
+          <a:p>
+            <a:pPr lvl="1"/>
             <a:r>
               <a:rPr lang="fr-FR" dirty="0"/>
-              <a:t>: </a:t>
-            </a:r>
-            <a:r>
-              <a:rPr lang="fr-FR" dirty="0" err="1"/>
-              <a:t>connect</a:t>
-            </a:r>
+              <a:t>L</a:t>
+            </a:r>
+            <a:r>
+              <a:rPr lang="fr-FR" dirty="0" smtClean="0"/>
+              <a:t>’application reste accessible pendant les périodes de trouble</a:t>
+            </a:r>
+          </a:p>
+          <a:p>
+            <a:r>
+              <a:rPr lang="fr-FR" dirty="0" smtClean="0">
+                <a:solidFill>
+                  <a:srgbClr val="FF0000"/>
+                </a:solidFill>
+              </a:rPr>
+              <a:t>Erreur d’assignation de la date : </a:t>
+            </a:r>
+          </a:p>
+          <a:p>
+            <a:pPr lvl="1"/>
             <a:r>
               <a:rPr lang="fr-FR" dirty="0"/>
-              <a:t> </a:t>
-            </a:r>
-            <a:r>
-              <a:rPr lang="fr-FR" dirty="0" err="1"/>
-              <a:t>timed</a:t>
-            </a:r>
-            <a:r>
-              <a:rPr lang="fr-FR" dirty="0"/>
-              <a:t> out</a:t>
-            </a:r>
-          </a:p>
-          <a:p>
-            <a:r>
-              <a:rPr lang="fr-FR" b="1" dirty="0"/>
-              <a:t>Log Erreur : </a:t>
-            </a:r>
-            <a:r>
-              <a:rPr lang="fr-FR" dirty="0" err="1"/>
-              <a:t>java.net.SocketTimeoutException</a:t>
-            </a:r>
-            <a:r>
-              <a:rPr lang="fr-FR" dirty="0"/>
-              <a:t>: </a:t>
-            </a:r>
-            <a:r>
-              <a:rPr lang="fr-FR" dirty="0" err="1"/>
-              <a:t>connect</a:t>
-            </a:r>
-            <a:r>
-              <a:rPr lang="fr-FR" dirty="0"/>
-              <a:t> </a:t>
-            </a:r>
-            <a:r>
-              <a:rPr lang="fr-FR" dirty="0" err="1"/>
-              <a:t>timed</a:t>
-            </a:r>
-            <a:r>
-              <a:rPr lang="fr-FR" dirty="0"/>
-              <a:t> out at </a:t>
-            </a:r>
-            <a:r>
-              <a:rPr lang="fr-FR" dirty="0" err="1"/>
-              <a:t>java.net.PlainSocketImpl.socketConnect</a:t>
-            </a:r>
-            <a:r>
-              <a:rPr lang="fr-FR" dirty="0"/>
-              <a:t>(Native Method) at </a:t>
-            </a:r>
-            <a:r>
-              <a:rPr lang="fr-FR" dirty="0" err="1"/>
-              <a:t>java.net.AbstractPlainSocketImpl.doConnect</a:t>
-            </a:r>
-            <a:r>
-              <a:rPr lang="fr-FR" dirty="0"/>
-              <a:t>(AbstractPlainSocketImpl.java:339) at </a:t>
-            </a:r>
-            <a:r>
-              <a:rPr lang="fr-FR" dirty="0" err="1"/>
-              <a:t>java.net.AbstractPlainSocketImpl.connectToAddress</a:t>
-            </a:r>
-            <a:r>
-              <a:rPr lang="fr-FR" dirty="0"/>
-              <a:t>(AbstractPlainSocketImpl.java:200) at </a:t>
-            </a:r>
-            <a:r>
-              <a:rPr lang="fr-FR" dirty="0" err="1"/>
-              <a:t>java.net.AbstractPlainSocketImpl.connect</a:t>
-            </a:r>
-            <a:r>
-              <a:rPr lang="fr-FR" dirty="0"/>
-              <a:t>(AbstractPlainSocketImpl.java:182) at </a:t>
-            </a:r>
-            <a:r>
-              <a:rPr lang="fr-FR" dirty="0" err="1"/>
-              <a:t>java.net.SocksSocketImpl.connect</a:t>
-            </a:r>
-            <a:r>
-              <a:rPr lang="fr-FR" dirty="0"/>
-              <a:t>(SocksSocketImpl.java:392) at </a:t>
-            </a:r>
-            <a:r>
-              <a:rPr lang="fr-FR" dirty="0" err="1"/>
-              <a:t>java.net.Socket.connect</a:t>
-            </a:r>
-            <a:r>
-              <a:rPr lang="fr-FR" dirty="0"/>
-              <a:t>(Socket.java:579) at </a:t>
-            </a:r>
-            <a:r>
-              <a:rPr lang="fr-FR" dirty="0" err="1"/>
-              <a:t>sun.net.NetworkClient.doConnect</a:t>
-            </a:r>
-            <a:r>
-              <a:rPr lang="fr-FR" dirty="0"/>
-              <a:t>(NetworkClient.java:175) at </a:t>
-            </a:r>
-            <a:r>
-              <a:rPr lang="fr-FR" dirty="0" err="1"/>
-              <a:t>sun.net.www.http.HttpClient.openServer</a:t>
-            </a:r>
-            <a:r>
-              <a:rPr lang="fr-FR" dirty="0"/>
-              <a:t>(HttpClient.java:378) at </a:t>
-            </a:r>
-            <a:r>
-              <a:rPr lang="fr-FR" dirty="0" err="1"/>
-              <a:t>sun.net.www.http.HttpClient.openServer</a:t>
-            </a:r>
-            <a:r>
-              <a:rPr lang="fr-FR" dirty="0"/>
-              <a:t>(HttpClient.java:473) at </a:t>
-            </a:r>
-            <a:r>
-              <a:rPr lang="fr-FR" dirty="0" err="1"/>
-              <a:t>sun.net.www.http.HttpClient</a:t>
-            </a:r>
-            <a:r>
-              <a:rPr lang="fr-FR" dirty="0"/>
-              <a:t>.(HttpClient.java:203) at </a:t>
-            </a:r>
-            <a:r>
-              <a:rPr lang="fr-FR" dirty="0" err="1"/>
-              <a:t>sun.net.www.http.HttpClient.New</a:t>
-            </a:r>
-            <a:r>
-              <a:rPr lang="fr-FR" dirty="0"/>
-              <a:t>(HttpClient.java:290) at </a:t>
-            </a:r>
-            <a:r>
-              <a:rPr lang="fr-FR" dirty="0" err="1"/>
-              <a:t>sun.net.www.http.HttpClient.New</a:t>
-            </a:r>
-            <a:r>
-              <a:rPr lang="fr-FR" dirty="0"/>
-              <a:t>(HttpClient.java:306) at </a:t>
-            </a:r>
-            <a:r>
-              <a:rPr lang="fr-FR" dirty="0" err="1"/>
-              <a:t>sun.net.www.protocol.http.HttpURLConnection.getNewHttpClient</a:t>
-            </a:r>
-            <a:r>
-              <a:rPr lang="fr-FR" dirty="0"/>
-              <a:t>(HttpURLConnection.java:995) at </a:t>
-            </a:r>
-            <a:r>
-              <a:rPr lang="fr-FR" dirty="0" err="1"/>
-              <a:t>sun.net.www.protocol.http.HttpURLConnection.plainConnect</a:t>
-            </a:r>
-            <a:r>
-              <a:rPr lang="fr-FR" dirty="0"/>
-              <a:t>(HttpURLConnection.java:931) at </a:t>
-            </a:r>
-            <a:r>
-              <a:rPr lang="fr-FR" dirty="0" err="1"/>
-              <a:t>sun.net.www.protocol.http.HttpURLConnection.connect</a:t>
-            </a:r>
-            <a:r>
-              <a:rPr lang="fr-FR" dirty="0"/>
-              <a:t>(HttpURLConnection.java:849) at </a:t>
-            </a:r>
-            <a:r>
-              <a:rPr lang="fr-FR" dirty="0" err="1"/>
-              <a:t>org.jsoup.helper.HttpConnection$Response.execute</a:t>
-            </a:r>
-            <a:r>
-              <a:rPr lang="fr-FR" dirty="0"/>
-              <a:t>(HttpConnection.java:425) at </a:t>
-            </a:r>
-            <a:r>
-              <a:rPr lang="fr-FR" dirty="0" err="1"/>
-              <a:t>org.jsoup.helper.HttpConnection$Response.execute</a:t>
-            </a:r>
-            <a:r>
-              <a:rPr lang="fr-FR" dirty="0"/>
-              <a:t>(HttpConnection.java:410) at </a:t>
-            </a:r>
-            <a:r>
-              <a:rPr lang="fr-FR" dirty="0" err="1"/>
-              <a:t>org.jsoup.helper.HttpConnection.execute</a:t>
-            </a:r>
-            <a:r>
-              <a:rPr lang="fr-FR" dirty="0"/>
-              <a:t>(HttpConnection.java:164) at </a:t>
-            </a:r>
-            <a:r>
-              <a:rPr lang="fr-FR" dirty="0" err="1"/>
-              <a:t>org.jsoup.helper.HttpConnection.get</a:t>
-            </a:r>
-            <a:r>
-              <a:rPr lang="fr-FR" dirty="0"/>
-              <a:t>(HttpConnection.java:153) at </a:t>
-            </a:r>
-            <a:r>
-              <a:rPr lang="fr-FR" dirty="0" err="1"/>
-              <a:t>rssagregator.services.tache.TacheDecouverteAjoutFlux.callCorps</a:t>
-            </a:r>
-            <a:r>
-              <a:rPr lang="fr-FR" dirty="0"/>
-              <a:t>(TacheDecouverteAjoutFlux.java:117) at </a:t>
-            </a:r>
-            <a:r>
-              <a:rPr lang="fr-FR" dirty="0" err="1"/>
-              <a:t>rssagregator.services.tache.TacheImpl.executeProcessus</a:t>
-            </a:r>
-            <a:r>
-              <a:rPr lang="fr-FR" dirty="0"/>
-              <a:t>(TacheImpl.java:192) at </a:t>
-            </a:r>
-            <a:r>
-              <a:rPr lang="fr-FR" dirty="0" err="1"/>
-              <a:t>rssagregator.services.tache.TacheImpl.call</a:t>
-            </a:r>
-            <a:r>
-              <a:rPr lang="fr-FR" dirty="0"/>
-              <a:t>(TacheImpl.java:221) at </a:t>
-            </a:r>
-            <a:r>
-              <a:rPr lang="fr-FR" dirty="0" err="1"/>
-              <a:t>java.util.concurrent.FutureTask$Sync.innerRun</a:t>
-            </a:r>
-            <a:r>
-              <a:rPr lang="fr-FR" dirty="0"/>
-              <a:t>(FutureTask.java:334) at </a:t>
-            </a:r>
-            <a:r>
-              <a:rPr lang="fr-FR" dirty="0" err="1"/>
-              <a:t>java.util.concurrent.FutureTask.run</a:t>
-            </a:r>
-            <a:r>
-              <a:rPr lang="fr-FR" dirty="0"/>
-              <a:t>(FutureTask.java:166) at java.util.concurrent.ScheduledThreadPoolExecutor$ScheduledFutureTask.access$201(ScheduledThreadPoolExecutor.java:178) at java.util.concurrent.ScheduledThreadPoolExecutor$ScheduledFutureTask.run(ScheduledThreadPoolExecutor.java:292) at </a:t>
-            </a:r>
-            <a:r>
-              <a:rPr lang="fr-FR" dirty="0" err="1"/>
-              <a:t>java.util.concurrent.ThreadPoolExecutor.runWorker</a:t>
-            </a:r>
-            <a:r>
-              <a:rPr lang="fr-FR" dirty="0"/>
-              <a:t>(ThreadPoolExecutor.java:1145) at </a:t>
-            </a:r>
-            <a:r>
-              <a:rPr lang="fr-FR" dirty="0" err="1"/>
-              <a:t>java.util.concurrent.ThreadPoolExecutor$Worker.run</a:t>
-            </a:r>
-            <a:r>
-              <a:rPr lang="fr-FR" dirty="0"/>
-              <a:t>(ThreadPoolExecutor.java:615) at </a:t>
-            </a:r>
-            <a:r>
-              <a:rPr lang="fr-FR" dirty="0" err="1"/>
-              <a:t>java.lang.Thread.run</a:t>
-            </a:r>
-            <a:r>
-              <a:rPr lang="fr-FR" dirty="0"/>
-              <a:t>(Thread.java:724)</a:t>
-            </a:r>
-          </a:p>
-          <a:p>
+              <a:t>L</a:t>
+            </a:r>
+            <a:r>
+              <a:rPr lang="fr-FR" dirty="0" smtClean="0"/>
+              <a:t>es logs </a:t>
+            </a:r>
+            <a:r>
+              <a:rPr lang="fr-FR" dirty="0" err="1" smtClean="0"/>
+              <a:t>errors</a:t>
+            </a:r>
+            <a:r>
+              <a:rPr lang="fr-FR" dirty="0" smtClean="0"/>
+              <a:t> de l’application montrent un état anormal de l’application : débute par une grande quantité d’exceptions, puis les tâches de collecte de flux ne donnent plus de signes de vie</a:t>
+            </a:r>
+            <a:endParaRPr lang="fr-FR" dirty="0" smtClean="0">
+              <a:solidFill>
+                <a:srgbClr val="FF0000"/>
+              </a:solidFill>
+            </a:endParaRPr>
+          </a:p>
+          <a:p>
+            <a:pPr lvl="1"/>
             <a:endParaRPr lang="en-US" dirty="0"/>
           </a:p>
         </p:txBody>
@@ -9344,7 +9136,7 @@
     </p:spTree>
     <p:extLst>
       <p:ext uri="{BB962C8B-B14F-4D97-AF65-F5344CB8AC3E}">
-        <p14:creationId xmlns:p14="http://schemas.microsoft.com/office/powerpoint/2010/main" val="2918650107"/>
+        <p14:creationId xmlns:p14="http://schemas.microsoft.com/office/powerpoint/2010/main" val="715778149"/>
       </p:ext>
     </p:extLst>
   </p:cSld>
@@ -9390,160 +9182,320 @@
         </p:nvSpPr>
         <p:spPr/>
         <p:txBody>
-          <a:bodyPr/>
-          <a:lstStyle/>
-          <a:p>
-            <a:r>
-              <a:rPr lang="fr-FR" dirty="0" smtClean="0"/>
-              <a:t>Hypothèse plausibles</a:t>
-            </a:r>
+          <a:bodyPr>
+            <a:noAutofit/>
+          </a:bodyPr>
+          <a:lstStyle/>
+          <a:p>
+            <a:r>
+              <a:rPr lang="fr-FR" sz="3200" dirty="0" smtClean="0"/>
+              <a:t>Contenu des logs lors d’une perturbation</a:t>
+            </a:r>
+            <a:br>
+              <a:rPr lang="fr-FR" sz="3200" dirty="0" smtClean="0"/>
+            </a:br>
+            <a:r>
+              <a:rPr lang="fr-FR" sz="3200" dirty="0" smtClean="0"/>
+              <a:t>Erreur récurrente</a:t>
+            </a:r>
+            <a:endParaRPr lang="en-US" sz="3200" dirty="0"/>
+          </a:p>
+        </p:txBody>
+      </p:sp>
+      <p:sp>
+        <p:nvSpPr>
+          <p:cNvPr id="3" name="Espace réservé du contenu 2"/>
+          <p:cNvSpPr>
+            <a:spLocks noGrp="1"/>
+          </p:cNvSpPr>
+          <p:nvPr>
+            <p:ph idx="1"/>
+          </p:nvPr>
+        </p:nvSpPr>
+        <p:spPr/>
+        <p:txBody>
+          <a:bodyPr>
+            <a:normAutofit fontScale="47500" lnSpcReduction="20000"/>
+          </a:bodyPr>
+          <a:lstStyle/>
+          <a:p>
+            <a:r>
+              <a:rPr lang="fr-FR" dirty="0"/>
+              <a:t> </a:t>
+            </a:r>
+            <a:r>
+              <a:rPr lang="fr-FR" dirty="0" err="1"/>
+              <a:t>java.net.SocketTimeoutException</a:t>
+            </a:r>
+            <a:r>
+              <a:rPr lang="fr-FR" dirty="0"/>
+              <a:t>: </a:t>
+            </a:r>
+            <a:r>
+              <a:rPr lang="fr-FR" dirty="0" err="1"/>
+              <a:t>connect</a:t>
+            </a:r>
+            <a:r>
+              <a:rPr lang="fr-FR" dirty="0"/>
+              <a:t> </a:t>
+            </a:r>
+            <a:r>
+              <a:rPr lang="fr-FR" dirty="0" err="1"/>
+              <a:t>timed</a:t>
+            </a:r>
+            <a:r>
+              <a:rPr lang="fr-FR" dirty="0"/>
+              <a:t> out</a:t>
+            </a:r>
+          </a:p>
+          <a:p>
+            <a:r>
+              <a:rPr lang="fr-FR" b="1" dirty="0"/>
+              <a:t>Log Erreur : </a:t>
+            </a:r>
+            <a:r>
+              <a:rPr lang="fr-FR" dirty="0" err="1"/>
+              <a:t>java.net.SocketTimeoutException</a:t>
+            </a:r>
+            <a:r>
+              <a:rPr lang="fr-FR" dirty="0"/>
+              <a:t>: </a:t>
+            </a:r>
+            <a:r>
+              <a:rPr lang="fr-FR" dirty="0" err="1"/>
+              <a:t>connect</a:t>
+            </a:r>
+            <a:r>
+              <a:rPr lang="fr-FR" dirty="0"/>
+              <a:t> </a:t>
+            </a:r>
+            <a:r>
+              <a:rPr lang="fr-FR" dirty="0" err="1"/>
+              <a:t>timed</a:t>
+            </a:r>
+            <a:r>
+              <a:rPr lang="fr-FR" dirty="0"/>
+              <a:t> out at </a:t>
+            </a:r>
+            <a:r>
+              <a:rPr lang="fr-FR" dirty="0" err="1"/>
+              <a:t>java.net.PlainSocketImpl.socketConnect</a:t>
+            </a:r>
+            <a:r>
+              <a:rPr lang="fr-FR" dirty="0"/>
+              <a:t>(Native Method) at </a:t>
+            </a:r>
+            <a:r>
+              <a:rPr lang="fr-FR" dirty="0" err="1"/>
+              <a:t>java.net.AbstractPlainSocketImpl.doConnect</a:t>
+            </a:r>
+            <a:r>
+              <a:rPr lang="fr-FR" dirty="0"/>
+              <a:t>(AbstractPlainSocketImpl.java:339) at </a:t>
+            </a:r>
+            <a:r>
+              <a:rPr lang="fr-FR" dirty="0" err="1"/>
+              <a:t>java.net.AbstractPlainSocketImpl.connectToAddress</a:t>
+            </a:r>
+            <a:r>
+              <a:rPr lang="fr-FR" dirty="0"/>
+              <a:t>(AbstractPlainSocketImpl.java:200) at </a:t>
+            </a:r>
+            <a:r>
+              <a:rPr lang="fr-FR" dirty="0" err="1"/>
+              <a:t>java.net.AbstractPlainSocketImpl.connect</a:t>
+            </a:r>
+            <a:r>
+              <a:rPr lang="fr-FR" dirty="0"/>
+              <a:t>(AbstractPlainSocketImpl.java:182) at </a:t>
+            </a:r>
+            <a:r>
+              <a:rPr lang="fr-FR" dirty="0" err="1"/>
+              <a:t>java.net.SocksSocketImpl.connect</a:t>
+            </a:r>
+            <a:r>
+              <a:rPr lang="fr-FR" dirty="0"/>
+              <a:t>(SocksSocketImpl.java:392) at </a:t>
+            </a:r>
+            <a:r>
+              <a:rPr lang="fr-FR" dirty="0" err="1"/>
+              <a:t>java.net.Socket.connect</a:t>
+            </a:r>
+            <a:r>
+              <a:rPr lang="fr-FR" dirty="0"/>
+              <a:t>(Socket.java:579) at </a:t>
+            </a:r>
+            <a:r>
+              <a:rPr lang="fr-FR" dirty="0" err="1"/>
+              <a:t>sun.net.NetworkClient.doConnect</a:t>
+            </a:r>
+            <a:r>
+              <a:rPr lang="fr-FR" dirty="0"/>
+              <a:t>(NetworkClient.java:175) at </a:t>
+            </a:r>
+            <a:r>
+              <a:rPr lang="fr-FR" dirty="0" err="1"/>
+              <a:t>sun.net.www.http.HttpClient.openServer</a:t>
+            </a:r>
+            <a:r>
+              <a:rPr lang="fr-FR" dirty="0"/>
+              <a:t>(HttpClient.java:378) at </a:t>
+            </a:r>
+            <a:r>
+              <a:rPr lang="fr-FR" dirty="0" err="1"/>
+              <a:t>sun.net.www.http.HttpClient.openServer</a:t>
+            </a:r>
+            <a:r>
+              <a:rPr lang="fr-FR" dirty="0"/>
+              <a:t>(HttpClient.java:473) at </a:t>
+            </a:r>
+            <a:r>
+              <a:rPr lang="fr-FR" dirty="0" err="1"/>
+              <a:t>sun.net.www.http.HttpClient</a:t>
+            </a:r>
+            <a:r>
+              <a:rPr lang="fr-FR" dirty="0"/>
+              <a:t>.(HttpClient.java:203) at </a:t>
+            </a:r>
+            <a:r>
+              <a:rPr lang="fr-FR" dirty="0" err="1"/>
+              <a:t>sun.net.www.http.HttpClient.New</a:t>
+            </a:r>
+            <a:r>
+              <a:rPr lang="fr-FR" dirty="0"/>
+              <a:t>(HttpClient.java:290) at </a:t>
+            </a:r>
+            <a:r>
+              <a:rPr lang="fr-FR" dirty="0" err="1"/>
+              <a:t>sun.net.www.http.HttpClient.New</a:t>
+            </a:r>
+            <a:r>
+              <a:rPr lang="fr-FR" dirty="0"/>
+              <a:t>(HttpClient.java:306) at </a:t>
+            </a:r>
+            <a:r>
+              <a:rPr lang="fr-FR" dirty="0" err="1"/>
+              <a:t>sun.net.www.protocol.http.HttpURLConnection.getNewHttpClient</a:t>
+            </a:r>
+            <a:r>
+              <a:rPr lang="fr-FR" dirty="0"/>
+              <a:t>(HttpURLConnection.java:995) at </a:t>
+            </a:r>
+            <a:r>
+              <a:rPr lang="fr-FR" dirty="0" err="1"/>
+              <a:t>sun.net.www.protocol.http.HttpURLConnection.plainConnect</a:t>
+            </a:r>
+            <a:r>
+              <a:rPr lang="fr-FR" dirty="0"/>
+              <a:t>(HttpURLConnection.java:931) at </a:t>
+            </a:r>
+            <a:r>
+              <a:rPr lang="fr-FR" dirty="0" err="1"/>
+              <a:t>sun.net.www.protocol.http.HttpURLConnection.connect</a:t>
+            </a:r>
+            <a:r>
+              <a:rPr lang="fr-FR" dirty="0"/>
+              <a:t>(HttpURLConnection.java:849) at </a:t>
+            </a:r>
+            <a:r>
+              <a:rPr lang="fr-FR" dirty="0" err="1"/>
+              <a:t>org.jsoup.helper.HttpConnection$Response.execute</a:t>
+            </a:r>
+            <a:r>
+              <a:rPr lang="fr-FR" dirty="0"/>
+              <a:t>(HttpConnection.java:425) at </a:t>
+            </a:r>
+            <a:r>
+              <a:rPr lang="fr-FR" dirty="0" err="1"/>
+              <a:t>org.jsoup.helper.HttpConnection$Response.execute</a:t>
+            </a:r>
+            <a:r>
+              <a:rPr lang="fr-FR" dirty="0"/>
+              <a:t>(HttpConnection.java:410) at </a:t>
+            </a:r>
+            <a:r>
+              <a:rPr lang="fr-FR" dirty="0" err="1"/>
+              <a:t>org.jsoup.helper.HttpConnection.execute</a:t>
+            </a:r>
+            <a:r>
+              <a:rPr lang="fr-FR" dirty="0"/>
+              <a:t>(HttpConnection.java:164) at </a:t>
+            </a:r>
+            <a:r>
+              <a:rPr lang="fr-FR" dirty="0" err="1"/>
+              <a:t>org.jsoup.helper.HttpConnection.get</a:t>
+            </a:r>
+            <a:r>
+              <a:rPr lang="fr-FR" dirty="0"/>
+              <a:t>(HttpConnection.java:153) at </a:t>
+            </a:r>
+            <a:r>
+              <a:rPr lang="fr-FR" dirty="0" err="1"/>
+              <a:t>rssagregator.services.tache.TacheDecouverteAjoutFlux.callCorps</a:t>
+            </a:r>
+            <a:r>
+              <a:rPr lang="fr-FR" dirty="0"/>
+              <a:t>(TacheDecouverteAjoutFlux.java:117) at </a:t>
+            </a:r>
+            <a:r>
+              <a:rPr lang="fr-FR" dirty="0" err="1"/>
+              <a:t>rssagregator.services.tache.TacheImpl.executeProcessus</a:t>
+            </a:r>
+            <a:r>
+              <a:rPr lang="fr-FR" dirty="0"/>
+              <a:t>(TacheImpl.java:192) at </a:t>
+            </a:r>
+            <a:r>
+              <a:rPr lang="fr-FR" dirty="0" err="1"/>
+              <a:t>rssagregator.services.tache.TacheImpl.call</a:t>
+            </a:r>
+            <a:r>
+              <a:rPr lang="fr-FR" dirty="0"/>
+              <a:t>(TacheImpl.java:221) at </a:t>
+            </a:r>
+            <a:r>
+              <a:rPr lang="fr-FR" dirty="0" err="1"/>
+              <a:t>java.util.concurrent.FutureTask$Sync.innerRun</a:t>
+            </a:r>
+            <a:r>
+              <a:rPr lang="fr-FR" dirty="0"/>
+              <a:t>(FutureTask.java:334) at </a:t>
+            </a:r>
+            <a:r>
+              <a:rPr lang="fr-FR" dirty="0" err="1"/>
+              <a:t>java.util.concurrent.FutureTask.run</a:t>
+            </a:r>
+            <a:r>
+              <a:rPr lang="fr-FR" dirty="0"/>
+              <a:t>(FutureTask.java:166) at java.util.concurrent.ScheduledThreadPoolExecutor$ScheduledFutureTask.access$201(ScheduledThreadPoolExecutor.java:178) at java.util.concurrent.ScheduledThreadPoolExecutor$ScheduledFutureTask.run(ScheduledThreadPoolExecutor.java:292) at </a:t>
+            </a:r>
+            <a:r>
+              <a:rPr lang="fr-FR" dirty="0" err="1"/>
+              <a:t>java.util.concurrent.ThreadPoolExecutor.runWorker</a:t>
+            </a:r>
+            <a:r>
+              <a:rPr lang="fr-FR" dirty="0"/>
+              <a:t>(ThreadPoolExecutor.java:1145) at </a:t>
+            </a:r>
+            <a:r>
+              <a:rPr lang="fr-FR" dirty="0" err="1"/>
+              <a:t>java.util.concurrent.ThreadPoolExecutor$Worker.run</a:t>
+            </a:r>
+            <a:r>
+              <a:rPr lang="fr-FR" dirty="0"/>
+              <a:t>(ThreadPoolExecutor.java:615) at </a:t>
+            </a:r>
+            <a:r>
+              <a:rPr lang="fr-FR" dirty="0" err="1"/>
+              <a:t>java.lang.Thread.run</a:t>
+            </a:r>
+            <a:r>
+              <a:rPr lang="fr-FR" dirty="0"/>
+              <a:t>(Thread.java:724)</a:t>
+            </a:r>
+          </a:p>
+          <a:p>
             <a:endParaRPr lang="en-US" dirty="0"/>
-          </a:p>
-        </p:txBody>
-      </p:sp>
-      <p:sp>
-        <p:nvSpPr>
-          <p:cNvPr id="3" name="Espace réservé du contenu 2"/>
-          <p:cNvSpPr>
-            <a:spLocks noGrp="1"/>
-          </p:cNvSpPr>
-          <p:nvPr>
-            <p:ph idx="1"/>
-          </p:nvPr>
-        </p:nvSpPr>
-        <p:spPr>
-          <a:noFill/>
-        </p:spPr>
-        <p:txBody>
-          <a:bodyPr/>
-          <a:lstStyle/>
-          <a:p>
-            <a:pPr lvl="1"/>
-            <a:r>
-              <a:rPr lang="fr-FR" dirty="0" smtClean="0">
-                <a:solidFill>
-                  <a:schemeClr val="accent6">
-                    <a:lumMod val="75000"/>
-                  </a:schemeClr>
-                </a:solidFill>
-              </a:rPr>
-              <a:t>Problème de synchronisation : </a:t>
-            </a:r>
-            <a:r>
-              <a:rPr lang="fr-FR" dirty="0" err="1" smtClean="0">
-                <a:solidFill>
-                  <a:schemeClr val="accent6">
-                    <a:lumMod val="75000"/>
-                  </a:schemeClr>
-                </a:solidFill>
-              </a:rPr>
-              <a:t>interblocage</a:t>
-            </a:r>
-            <a:r>
-              <a:rPr lang="fr-FR" dirty="0" smtClean="0">
-                <a:solidFill>
-                  <a:schemeClr val="accent6">
-                    <a:lumMod val="75000"/>
-                  </a:schemeClr>
-                </a:solidFill>
-              </a:rPr>
-              <a:t> des tâches de collecte. </a:t>
-            </a:r>
-          </a:p>
-          <a:p>
-            <a:pPr lvl="2"/>
-            <a:r>
-              <a:rPr lang="fr-FR" dirty="0" smtClean="0"/>
-              <a:t>La présence d’items avec des id similaires montre qu’il existe des problèmes critiques au niveau de la synchronisation des tâches et de l’accès à la DB. </a:t>
-            </a:r>
-          </a:p>
-          <a:p>
-            <a:pPr lvl="2"/>
-            <a:r>
-              <a:rPr lang="fr-FR" dirty="0" smtClean="0"/>
-              <a:t>Peut également expliquer la grande quantité d’exceptions de type timeout trouvés dans les logs lors des perturbations</a:t>
-            </a:r>
-          </a:p>
-          <a:p>
-            <a:pPr lvl="1"/>
-            <a:r>
-              <a:rPr lang="fr-FR" dirty="0" smtClean="0">
-                <a:solidFill>
-                  <a:schemeClr val="accent6">
-                    <a:lumMod val="75000"/>
-                  </a:schemeClr>
-                </a:solidFill>
-              </a:rPr>
-              <a:t>Mauvaise configuration des timeouts</a:t>
-            </a:r>
-          </a:p>
-          <a:p>
-            <a:pPr lvl="2"/>
-            <a:r>
-              <a:rPr lang="fr-FR" dirty="0" smtClean="0"/>
-              <a:t>Comment les configurer correctement?</a:t>
-            </a:r>
-          </a:p>
-          <a:p>
-            <a:pPr lvl="1"/>
-            <a:r>
-              <a:rPr lang="fr-FR" dirty="0" smtClean="0">
-                <a:solidFill>
-                  <a:schemeClr val="accent6">
-                    <a:lumMod val="75000"/>
-                  </a:schemeClr>
-                </a:solidFill>
-              </a:rPr>
-              <a:t>Pas de mécanisme de rétrocontrôle : </a:t>
-            </a:r>
-          </a:p>
-          <a:p>
-            <a:pPr lvl="2"/>
-            <a:r>
-              <a:rPr lang="fr-FR" dirty="0"/>
-              <a:t>L</a:t>
-            </a:r>
-            <a:r>
-              <a:rPr lang="fr-FR" dirty="0" smtClean="0"/>
-              <a:t>es </a:t>
-            </a:r>
-            <a:r>
-              <a:rPr lang="fr-FR" dirty="0" smtClean="0"/>
-              <a:t>traces d’un mécanisme de détection d’</a:t>
-            </a:r>
-            <a:r>
-              <a:rPr lang="fr-FR" dirty="0" err="1" smtClean="0"/>
-              <a:t>interblocage</a:t>
-            </a:r>
-            <a:r>
-              <a:rPr lang="fr-FR" dirty="0" smtClean="0"/>
-              <a:t> sont visibles dans le code, mais il n’est plus actif.</a:t>
-            </a:r>
-            <a:endParaRPr lang="fr-FR" dirty="0" smtClean="0">
-              <a:solidFill>
-                <a:schemeClr val="accent6">
-                  <a:lumMod val="75000"/>
-                </a:schemeClr>
-              </a:solidFill>
-            </a:endParaRPr>
-          </a:p>
-          <a:p>
-            <a:pPr lvl="1"/>
-            <a:endParaRPr lang="fr-FR" dirty="0" smtClean="0">
-              <a:solidFill>
-                <a:schemeClr val="accent6">
-                  <a:lumMod val="75000"/>
-                </a:schemeClr>
-              </a:solidFill>
-            </a:endParaRPr>
-          </a:p>
-          <a:p>
-            <a:pPr lvl="1"/>
-            <a:endParaRPr lang="fr-FR" dirty="0" smtClean="0">
-              <a:solidFill>
-                <a:srgbClr val="C89800"/>
-              </a:solidFill>
-            </a:endParaRPr>
           </a:p>
         </p:txBody>
       </p:sp>
@@ -9574,7 +9526,7 @@
     </p:spTree>
     <p:extLst>
       <p:ext uri="{BB962C8B-B14F-4D97-AF65-F5344CB8AC3E}">
-        <p14:creationId xmlns:p14="http://schemas.microsoft.com/office/powerpoint/2010/main" val="3648013002"/>
+        <p14:creationId xmlns:p14="http://schemas.microsoft.com/office/powerpoint/2010/main" val="2918650107"/>
       </p:ext>
     </p:extLst>
   </p:cSld>
@@ -10784,7 +10736,7 @@
       </p:grpSpPr>
       <p:sp>
         <p:nvSpPr>
-          <p:cNvPr id="5" name="Titre 4"/>
+          <p:cNvPr id="2" name="Titre 1"/>
           <p:cNvSpPr>
             <a:spLocks noGrp="1"/>
           </p:cNvSpPr>
@@ -10799,9 +10751,151 @@
           <a:p>
             <a:r>
               <a:rPr lang="fr-FR" dirty="0" smtClean="0"/>
-              <a:t>Actions</a:t>
-            </a:r>
-            <a:endParaRPr lang="fr-FR" dirty="0"/>
+              <a:t>Hypothèse plausibles</a:t>
+            </a:r>
+            <a:endParaRPr lang="en-US" dirty="0"/>
+          </a:p>
+        </p:txBody>
+      </p:sp>
+      <p:sp>
+        <p:nvSpPr>
+          <p:cNvPr id="3" name="Espace réservé du contenu 2"/>
+          <p:cNvSpPr>
+            <a:spLocks noGrp="1"/>
+          </p:cNvSpPr>
+          <p:nvPr>
+            <p:ph idx="1"/>
+          </p:nvPr>
+        </p:nvSpPr>
+        <p:spPr>
+          <a:noFill/>
+        </p:spPr>
+        <p:txBody>
+          <a:bodyPr/>
+          <a:lstStyle/>
+          <a:p>
+            <a:pPr lvl="1"/>
+            <a:r>
+              <a:rPr lang="fr-FR" dirty="0" smtClean="0">
+                <a:solidFill>
+                  <a:schemeClr val="accent6">
+                    <a:lumMod val="75000"/>
+                  </a:schemeClr>
+                </a:solidFill>
+              </a:rPr>
+              <a:t>Problème de synchronisation : </a:t>
+            </a:r>
+            <a:r>
+              <a:rPr lang="fr-FR" dirty="0" err="1" smtClean="0">
+                <a:solidFill>
+                  <a:schemeClr val="accent6">
+                    <a:lumMod val="75000"/>
+                  </a:schemeClr>
+                </a:solidFill>
+              </a:rPr>
+              <a:t>interblocage</a:t>
+            </a:r>
+            <a:r>
+              <a:rPr lang="fr-FR" dirty="0" smtClean="0">
+                <a:solidFill>
+                  <a:schemeClr val="accent6">
+                    <a:lumMod val="75000"/>
+                  </a:schemeClr>
+                </a:solidFill>
+              </a:rPr>
+              <a:t> des tâches de collecte. </a:t>
+            </a:r>
+          </a:p>
+          <a:p>
+            <a:pPr lvl="2"/>
+            <a:r>
+              <a:rPr lang="fr-FR" dirty="0" smtClean="0"/>
+              <a:t>La présence d’items avec des id similaires montre qu’il existe des problèmes critiques au niveau de la synchronisation des tâches et de l’accès à la DB. </a:t>
+            </a:r>
+          </a:p>
+          <a:p>
+            <a:pPr lvl="2"/>
+            <a:r>
+              <a:rPr lang="fr-FR" dirty="0" smtClean="0"/>
+              <a:t>Peut également expliquer la grande quantité d’exceptions de type timeout trouvés dans les logs lors des perturbations</a:t>
+            </a:r>
+          </a:p>
+          <a:p>
+            <a:pPr lvl="1"/>
+            <a:r>
+              <a:rPr lang="fr-FR" dirty="0" smtClean="0">
+                <a:solidFill>
+                  <a:schemeClr val="accent6">
+                    <a:lumMod val="75000"/>
+                  </a:schemeClr>
+                </a:solidFill>
+              </a:rPr>
+              <a:t>Mauvaise configuration des timeouts</a:t>
+            </a:r>
+          </a:p>
+          <a:p>
+            <a:pPr lvl="2"/>
+            <a:r>
+              <a:rPr lang="fr-FR" dirty="0" smtClean="0"/>
+              <a:t>Comment les configurer correctement?</a:t>
+            </a:r>
+          </a:p>
+          <a:p>
+            <a:pPr lvl="1"/>
+            <a:r>
+              <a:rPr lang="fr-FR" dirty="0" smtClean="0">
+                <a:solidFill>
+                  <a:schemeClr val="accent6">
+                    <a:lumMod val="75000"/>
+                  </a:schemeClr>
+                </a:solidFill>
+              </a:rPr>
+              <a:t>Pas de mécanisme de rétrocontrôle : </a:t>
+            </a:r>
+          </a:p>
+          <a:p>
+            <a:pPr lvl="2"/>
+            <a:r>
+              <a:rPr lang="fr-FR" dirty="0"/>
+              <a:t>L</a:t>
+            </a:r>
+            <a:r>
+              <a:rPr lang="fr-FR" dirty="0" smtClean="0"/>
+              <a:t>es traces d’un mécanisme de détection d’</a:t>
+            </a:r>
+            <a:r>
+              <a:rPr lang="fr-FR" dirty="0" err="1" smtClean="0"/>
+              <a:t>interblocage</a:t>
+            </a:r>
+            <a:r>
+              <a:rPr lang="fr-FR" dirty="0" smtClean="0"/>
+              <a:t> sont visibles dans le code, mais il n’est plus actif.</a:t>
+            </a:r>
+            <a:endParaRPr lang="fr-FR" dirty="0" smtClean="0">
+              <a:solidFill>
+                <a:schemeClr val="accent6">
+                  <a:lumMod val="75000"/>
+                </a:schemeClr>
+              </a:solidFill>
+            </a:endParaRPr>
+          </a:p>
+          <a:p>
+            <a:pPr lvl="1"/>
+            <a:endParaRPr lang="fr-FR" dirty="0" smtClean="0">
+              <a:solidFill>
+                <a:schemeClr val="accent6">
+                  <a:lumMod val="75000"/>
+                </a:schemeClr>
+              </a:solidFill>
+            </a:endParaRPr>
+          </a:p>
+          <a:p>
+            <a:pPr lvl="1"/>
+            <a:endParaRPr lang="fr-FR" dirty="0" smtClean="0">
+              <a:solidFill>
+                <a:srgbClr val="C89800"/>
+              </a:solidFill>
+            </a:endParaRPr>
           </a:p>
         </p:txBody>
       </p:sp>
@@ -10832,7 +10926,7 @@
     </p:spTree>
     <p:extLst>
       <p:ext uri="{BB962C8B-B14F-4D97-AF65-F5344CB8AC3E}">
-        <p14:creationId xmlns:p14="http://schemas.microsoft.com/office/powerpoint/2010/main" val="2938270343"/>
+        <p14:creationId xmlns:p14="http://schemas.microsoft.com/office/powerpoint/2010/main" val="3648013002"/>
       </p:ext>
     </p:extLst>
   </p:cSld>
@@ -10868,7 +10962,7 @@
       </p:grpSpPr>
       <p:sp>
         <p:nvSpPr>
-          <p:cNvPr id="2" name="Titre 1"/>
+          <p:cNvPr id="5" name="Titre 4"/>
           <p:cNvSpPr>
             <a:spLocks noGrp="1"/>
           </p:cNvSpPr>
@@ -10878,91 +10972,14 @@
         </p:nvSpPr>
         <p:spPr/>
         <p:txBody>
-          <a:bodyPr>
-            <a:normAutofit/>
-          </a:bodyPr>
-          <a:lstStyle/>
-          <a:p>
-            <a:r>
-              <a:rPr lang="fr-FR" sz="3600" dirty="0" smtClean="0"/>
-              <a:t>Analyse du code</a:t>
-            </a:r>
-            <a:endParaRPr lang="en-US" sz="3600" dirty="0"/>
-          </a:p>
-        </p:txBody>
-      </p:sp>
-      <p:sp>
-        <p:nvSpPr>
-          <p:cNvPr id="3" name="Espace réservé du contenu 2"/>
-          <p:cNvSpPr>
-            <a:spLocks noGrp="1"/>
-          </p:cNvSpPr>
-          <p:nvPr>
-            <p:ph idx="1"/>
-          </p:nvPr>
-        </p:nvSpPr>
-        <p:spPr>
-          <a:xfrm>
-            <a:off x="254000" y="2742660"/>
-            <a:ext cx="8648700" cy="2179134"/>
-          </a:xfrm>
-          <a:noFill/>
-        </p:spPr>
-        <p:txBody>
-          <a:bodyPr>
-            <a:normAutofit/>
-          </a:bodyPr>
+          <a:bodyPr/>
           <a:lstStyle/>
           <a:p>
             <a:r>
               <a:rPr lang="fr-FR" dirty="0" smtClean="0"/>
-              <a:t>L’application est trop peu documentée</a:t>
-            </a:r>
-          </a:p>
-          <a:p>
-            <a:r>
-              <a:rPr lang="fr-FR" dirty="0"/>
-              <a:t>S</a:t>
-            </a:r>
-            <a:r>
-              <a:rPr lang="fr-FR" dirty="0" smtClean="0"/>
-              <a:t>a structure est complexe</a:t>
-            </a:r>
-          </a:p>
-          <a:p>
-            <a:r>
-              <a:rPr lang="fr-FR" dirty="0" smtClean="0"/>
-              <a:t>Les erreurs/exceptions des logs ne sont pas assez explicites</a:t>
-            </a:r>
-          </a:p>
-          <a:p>
-            <a:pPr lvl="2"/>
-            <a:endParaRPr lang="fr-FR" dirty="0" smtClean="0"/>
-          </a:p>
-          <a:p>
-            <a:pPr lvl="1"/>
+              <a:t>Actions</a:t>
+            </a:r>
             <a:endParaRPr lang="fr-FR" dirty="0"/>
-          </a:p>
-          <a:p>
-            <a:endParaRPr lang="fr-FR" dirty="0" smtClean="0"/>
-          </a:p>
-          <a:p>
-            <a:pPr lvl="1"/>
-            <a:endParaRPr lang="fr-FR" dirty="0" smtClean="0">
-              <a:solidFill>
-                <a:schemeClr val="accent6">
-                  <a:lumMod val="75000"/>
-                </a:schemeClr>
-              </a:solidFill>
-            </a:endParaRPr>
-          </a:p>
-          <a:p>
-            <a:pPr lvl="1"/>
-            <a:endParaRPr lang="fr-FR" dirty="0" smtClean="0">
-              <a:solidFill>
-                <a:srgbClr val="C89800"/>
-              </a:solidFill>
-            </a:endParaRPr>
           </a:p>
         </p:txBody>
       </p:sp>
@@ -10993,7 +11010,7 @@
     </p:spTree>
     <p:extLst>
       <p:ext uri="{BB962C8B-B14F-4D97-AF65-F5344CB8AC3E}">
-        <p14:creationId xmlns:p14="http://schemas.microsoft.com/office/powerpoint/2010/main" val="2018720381"/>
+        <p14:creationId xmlns:p14="http://schemas.microsoft.com/office/powerpoint/2010/main" val="2938270343"/>
       </p:ext>
     </p:extLst>
   </p:cSld>
@@ -11045,8 +11062,8 @@
           <a:lstStyle/>
           <a:p>
             <a:r>
-              <a:rPr lang="fr-FR" sz="3600" dirty="0" err="1" smtClean="0"/>
-              <a:t>Watchdog</a:t>
+              <a:rPr lang="fr-FR" sz="3600" dirty="0" smtClean="0"/>
+              <a:t>Analyse du code</a:t>
             </a:r>
             <a:endParaRPr lang="en-US" sz="3600" dirty="0"/>
           </a:p>
@@ -11064,180 +11081,36 @@
         </p:nvSpPr>
         <p:spPr>
           <a:xfrm>
-            <a:off x="254000" y="1790700"/>
-            <a:ext cx="8648700" cy="4788520"/>
+            <a:off x="254000" y="2742660"/>
+            <a:ext cx="8648700" cy="2179134"/>
           </a:xfrm>
           <a:noFill/>
         </p:spPr>
         <p:txBody>
           <a:bodyPr>
-            <a:normAutofit fontScale="92500" lnSpcReduction="20000"/>
+            <a:normAutofit/>
           </a:bodyPr>
           <a:lstStyle/>
           <a:p>
-            <a:pPr marL="228600" lvl="1">
-              <a:spcBef>
-                <a:spcPts val="1000"/>
-              </a:spcBef>
-            </a:pPr>
             <a:r>
               <a:rPr lang="fr-FR" dirty="0" smtClean="0"/>
-              <a:t>Solution « bricolage » : </a:t>
-            </a:r>
+              <a:t>L’application est trop peu documentée</a:t>
+            </a:r>
+          </a:p>
+          <a:p>
             <a:r>
               <a:rPr lang="fr-FR" dirty="0"/>
-              <a:t>é</a:t>
+              <a:t>S</a:t>
             </a:r>
             <a:r>
               <a:rPr lang="fr-FR" dirty="0" smtClean="0"/>
-              <a:t>criture </a:t>
-            </a:r>
-            <a:r>
-              <a:rPr lang="fr-FR" dirty="0"/>
-              <a:t>d’un script </a:t>
-            </a:r>
-            <a:r>
-              <a:rPr lang="fr-FR" b="1" dirty="0" err="1"/>
-              <a:t>watchdog</a:t>
-            </a:r>
-            <a:r>
-              <a:rPr lang="fr-FR" dirty="0"/>
-              <a:t> redémarrant le serveur si interruption de la collecte</a:t>
-            </a:r>
+              <a:t>a structure est complexe</a:t>
+            </a:r>
+          </a:p>
+          <a:p>
             <a:r>
               <a:rPr lang="fr-FR" dirty="0" smtClean="0"/>
-              <a:t>. </a:t>
-            </a:r>
-            <a:r>
-              <a:rPr lang="fr-FR" dirty="0">
-                <a:solidFill>
-                  <a:schemeClr val="accent1">
-                    <a:lumMod val="75000"/>
-                  </a:schemeClr>
-                </a:solidFill>
-              </a:rPr>
-              <a:t>https://</a:t>
-            </a:r>
-            <a:r>
-              <a:rPr lang="fr-FR" dirty="0" smtClean="0">
-                <a:solidFill>
-                  <a:schemeClr val="accent1">
-                    <a:lumMod val="75000"/>
-                  </a:schemeClr>
-                </a:solidFill>
-              </a:rPr>
-              <a:t>github.com/geomedia/watchdog</a:t>
-            </a:r>
-            <a:endParaRPr lang="fr-FR" dirty="0" smtClean="0"/>
-          </a:p>
-          <a:p>
-            <a:pPr lvl="1"/>
-            <a:r>
-              <a:rPr lang="fr-FR" dirty="0" smtClean="0">
-                <a:solidFill>
-                  <a:srgbClr val="00B050"/>
-                </a:solidFill>
-              </a:rPr>
-              <a:t>Avantages :</a:t>
-            </a:r>
-          </a:p>
-          <a:p>
-            <a:pPr lvl="2"/>
-            <a:r>
-              <a:rPr lang="fr-FR" dirty="0" smtClean="0"/>
-              <a:t>Réinitialise l’état de l’application</a:t>
-            </a:r>
-          </a:p>
-          <a:p>
-            <a:pPr lvl="2"/>
-            <a:r>
-              <a:rPr lang="fr-FR" dirty="0" smtClean="0"/>
-              <a:t>Assure que le serveur est bien actif</a:t>
-            </a:r>
-          </a:p>
-          <a:p>
-            <a:pPr lvl="2"/>
-            <a:r>
-              <a:rPr lang="fr-FR" dirty="0" smtClean="0"/>
-              <a:t>Simple à utiliser et à modifier (faire appel à </a:t>
-            </a:r>
-            <a:r>
-              <a:rPr lang="fr-FR" dirty="0" err="1" smtClean="0"/>
-              <a:t>Huma-num</a:t>
-            </a:r>
-            <a:r>
-              <a:rPr lang="fr-FR" dirty="0" smtClean="0"/>
-              <a:t> le cas échéant)</a:t>
-            </a:r>
-          </a:p>
-          <a:p>
-            <a:pPr lvl="2"/>
-            <a:r>
-              <a:rPr lang="fr-FR" dirty="0"/>
-              <a:t>E</a:t>
-            </a:r>
-            <a:r>
-              <a:rPr lang="fr-FR" dirty="0" smtClean="0"/>
-              <a:t>xterne à l’application</a:t>
-            </a:r>
-          </a:p>
-          <a:p>
-            <a:pPr lvl="2"/>
-            <a:r>
-              <a:rPr lang="fr-FR" dirty="0" smtClean="0"/>
-              <a:t>Robuste</a:t>
-            </a:r>
-          </a:p>
-          <a:p>
-            <a:pPr lvl="1"/>
-            <a:r>
-              <a:rPr lang="fr-FR" dirty="0" smtClean="0">
-                <a:solidFill>
-                  <a:schemeClr val="accent2"/>
-                </a:solidFill>
-              </a:rPr>
-              <a:t>Inconvénients : </a:t>
-            </a:r>
-          </a:p>
-          <a:p>
-            <a:pPr lvl="2"/>
-            <a:r>
-              <a:rPr lang="fr-FR" dirty="0"/>
-              <a:t>E</a:t>
-            </a:r>
-            <a:r>
-              <a:rPr lang="fr-FR" dirty="0" smtClean="0"/>
-              <a:t>jecte tout utilisateur actif sur le site</a:t>
-            </a:r>
-          </a:p>
-          <a:p>
-            <a:pPr lvl="2"/>
-            <a:r>
-              <a:rPr lang="fr-FR" dirty="0" smtClean="0"/>
-              <a:t>Temps de redémarrage du serveur non nul (&lt;1 min)</a:t>
-            </a:r>
-          </a:p>
-          <a:p>
-            <a:pPr lvl="2"/>
-            <a:r>
-              <a:rPr lang="fr-FR" dirty="0" smtClean="0"/>
-              <a:t>Résout le symptôme, pas le problème</a:t>
-            </a:r>
-          </a:p>
-          <a:p>
-            <a:pPr lvl="2"/>
-            <a:r>
-              <a:rPr lang="fr-FR" dirty="0" smtClean="0"/>
-              <a:t>Ne s’active pas si certains flux encore actifs</a:t>
-            </a:r>
-          </a:p>
-          <a:p>
-            <a:pPr marL="914400" lvl="2" indent="0">
-              <a:buNone/>
-            </a:pPr>
-            <a:r>
-              <a:rPr lang="fr-FR" i="1" dirty="0" smtClean="0"/>
-              <a:t>Attention: redémarrer l’application n’est pas suffisant pour corriger le problème, il est nécessaire de redémarrer le serveur</a:t>
+              <a:t>Les erreurs/exceptions des logs ne sont pas assez explicites</a:t>
             </a:r>
           </a:p>
           <a:p>
@@ -11298,7 +11171,7 @@
     </p:spTree>
     <p:extLst>
       <p:ext uri="{BB962C8B-B14F-4D97-AF65-F5344CB8AC3E}">
-        <p14:creationId xmlns:p14="http://schemas.microsoft.com/office/powerpoint/2010/main" val="1248837572"/>
+        <p14:creationId xmlns:p14="http://schemas.microsoft.com/office/powerpoint/2010/main" val="2018720381"/>
       </p:ext>
     </p:extLst>
   </p:cSld>
@@ -11334,7 +11207,7 @@
       </p:grpSpPr>
       <p:sp>
         <p:nvSpPr>
-          <p:cNvPr id="5" name="Titre 4"/>
+          <p:cNvPr id="2" name="Titre 1"/>
           <p:cNvSpPr>
             <a:spLocks noGrp="1"/>
           </p:cNvSpPr>
@@ -11344,14 +11217,235 @@
         </p:nvSpPr>
         <p:spPr/>
         <p:txBody>
-          <a:bodyPr/>
-          <a:lstStyle/>
-          <a:p>
+          <a:bodyPr>
+            <a:normAutofit/>
+          </a:bodyPr>
+          <a:lstStyle/>
+          <a:p>
+            <a:r>
+              <a:rPr lang="fr-FR" sz="3600" dirty="0" err="1" smtClean="0"/>
+              <a:t>Watchdog</a:t>
+            </a:r>
+            <a:endParaRPr lang="en-US" sz="3600" dirty="0"/>
+          </a:p>
+        </p:txBody>
+      </p:sp>
+      <p:sp>
+        <p:nvSpPr>
+          <p:cNvPr id="3" name="Espace réservé du contenu 2"/>
+          <p:cNvSpPr>
+            <a:spLocks noGrp="1"/>
+          </p:cNvSpPr>
+          <p:nvPr>
+            <p:ph idx="1"/>
+          </p:nvPr>
+        </p:nvSpPr>
+        <p:spPr>
+          <a:xfrm>
+            <a:off x="254000" y="1790700"/>
+            <a:ext cx="8648700" cy="4788520"/>
+          </a:xfrm>
+          <a:noFill/>
+        </p:spPr>
+        <p:txBody>
+          <a:bodyPr>
+            <a:normAutofit fontScale="92500" lnSpcReduction="20000"/>
+          </a:bodyPr>
+          <a:lstStyle/>
+          <a:p>
+            <a:pPr marL="228600" lvl="1">
+              <a:spcBef>
+                <a:spcPts val="1000"/>
+              </a:spcBef>
+            </a:pPr>
             <a:r>
               <a:rPr lang="fr-FR" dirty="0" smtClean="0"/>
-              <a:t>Recommandations générales</a:t>
-            </a:r>
+              <a:t>Solution « bricolage » : </a:t>
+            </a:r>
+            <a:r>
+              <a:rPr lang="fr-FR" dirty="0"/>
+              <a:t>é</a:t>
+            </a:r>
+            <a:r>
+              <a:rPr lang="fr-FR" dirty="0" smtClean="0"/>
+              <a:t>criture </a:t>
+            </a:r>
+            <a:r>
+              <a:rPr lang="fr-FR" dirty="0"/>
+              <a:t>d’un script </a:t>
+            </a:r>
+            <a:r>
+              <a:rPr lang="fr-FR" b="1" dirty="0" err="1"/>
+              <a:t>watchdog</a:t>
+            </a:r>
+            <a:r>
+              <a:rPr lang="fr-FR" dirty="0"/>
+              <a:t> redémarrant le serveur si interruption de la collecte</a:t>
+            </a:r>
+            <a:r>
+              <a:rPr lang="fr-FR" dirty="0" smtClean="0"/>
+              <a:t>. </a:t>
+            </a:r>
+            <a:r>
+              <a:rPr lang="fr-FR" dirty="0">
+                <a:solidFill>
+                  <a:schemeClr val="accent1">
+                    <a:lumMod val="75000"/>
+                  </a:schemeClr>
+                </a:solidFill>
+              </a:rPr>
+              <a:t>https://</a:t>
+            </a:r>
+            <a:r>
+              <a:rPr lang="fr-FR" dirty="0" smtClean="0">
+                <a:solidFill>
+                  <a:schemeClr val="accent1">
+                    <a:lumMod val="75000"/>
+                  </a:schemeClr>
+                </a:solidFill>
+              </a:rPr>
+              <a:t>github.com/geomedia/watchdog</a:t>
+            </a:r>
+            <a:endParaRPr lang="fr-FR" dirty="0" smtClean="0"/>
+          </a:p>
+          <a:p>
+            <a:pPr lvl="1"/>
+            <a:r>
+              <a:rPr lang="fr-FR" dirty="0" smtClean="0">
+                <a:solidFill>
+                  <a:srgbClr val="00B050"/>
+                </a:solidFill>
+              </a:rPr>
+              <a:t>Avantages :</a:t>
+            </a:r>
+          </a:p>
+          <a:p>
+            <a:pPr lvl="2"/>
+            <a:r>
+              <a:rPr lang="fr-FR" dirty="0" smtClean="0"/>
+              <a:t>Réinitialise l’état de l’application</a:t>
+            </a:r>
+          </a:p>
+          <a:p>
+            <a:pPr lvl="2"/>
+            <a:r>
+              <a:rPr lang="fr-FR" dirty="0" smtClean="0"/>
+              <a:t>Assure que le serveur est bien actif</a:t>
+            </a:r>
+          </a:p>
+          <a:p>
+            <a:pPr lvl="2"/>
+            <a:r>
+              <a:rPr lang="fr-FR" dirty="0" smtClean="0"/>
+              <a:t>Simple à utiliser et à modifier (faire appel à </a:t>
+            </a:r>
+            <a:r>
+              <a:rPr lang="fr-FR" dirty="0" err="1" smtClean="0"/>
+              <a:t>Huma-num</a:t>
+            </a:r>
+            <a:r>
+              <a:rPr lang="fr-FR" dirty="0" smtClean="0"/>
+              <a:t> le cas échéant)</a:t>
+            </a:r>
+          </a:p>
+          <a:p>
+            <a:pPr lvl="2"/>
+            <a:r>
+              <a:rPr lang="fr-FR" dirty="0"/>
+              <a:t>E</a:t>
+            </a:r>
+            <a:r>
+              <a:rPr lang="fr-FR" dirty="0" smtClean="0"/>
+              <a:t>xterne à l’application</a:t>
+            </a:r>
+          </a:p>
+          <a:p>
+            <a:pPr lvl="2"/>
+            <a:r>
+              <a:rPr lang="fr-FR" dirty="0" smtClean="0"/>
+              <a:t>Robuste</a:t>
+            </a:r>
+          </a:p>
+          <a:p>
+            <a:pPr lvl="1"/>
+            <a:r>
+              <a:rPr lang="fr-FR" dirty="0" smtClean="0">
+                <a:solidFill>
+                  <a:schemeClr val="accent2"/>
+                </a:solidFill>
+              </a:rPr>
+              <a:t>Inconvénients : </a:t>
+            </a:r>
+          </a:p>
+          <a:p>
+            <a:pPr lvl="2"/>
+            <a:r>
+              <a:rPr lang="fr-FR" dirty="0"/>
+              <a:t>E</a:t>
+            </a:r>
+            <a:r>
+              <a:rPr lang="fr-FR" dirty="0" smtClean="0"/>
+              <a:t>jecte tout utilisateur actif sur le site</a:t>
+            </a:r>
+          </a:p>
+          <a:p>
+            <a:pPr lvl="2"/>
+            <a:r>
+              <a:rPr lang="fr-FR" dirty="0" smtClean="0"/>
+              <a:t>Temps de redémarrage du serveur non nul (&lt;1 min)</a:t>
+            </a:r>
+          </a:p>
+          <a:p>
+            <a:pPr lvl="2"/>
+            <a:r>
+              <a:rPr lang="fr-FR" dirty="0" smtClean="0"/>
+              <a:t>Résout le symptôme, pas le problème</a:t>
+            </a:r>
+          </a:p>
+          <a:p>
+            <a:pPr lvl="2"/>
+            <a:r>
+              <a:rPr lang="fr-FR" dirty="0" smtClean="0"/>
+              <a:t>Ne s’active pas si certains flux encore actifs</a:t>
+            </a:r>
+          </a:p>
+          <a:p>
+            <a:pPr marL="914400" lvl="2" indent="0">
+              <a:buNone/>
+            </a:pPr>
+            <a:r>
+              <a:rPr lang="fr-FR" i="1" dirty="0" smtClean="0"/>
+              <a:t>Attention: redémarrer l’application n’est pas suffisant pour corriger le problème, il est nécessaire de redémarrer le serveur</a:t>
+            </a:r>
+          </a:p>
+          <a:p>
+            <a:pPr lvl="2"/>
+            <a:endParaRPr lang="fr-FR" dirty="0" smtClean="0"/>
+          </a:p>
+          <a:p>
+            <a:pPr lvl="1"/>
             <a:endParaRPr lang="fr-FR" dirty="0"/>
+          </a:p>
+          <a:p>
+            <a:endParaRPr lang="fr-FR" dirty="0" smtClean="0"/>
+          </a:p>
+          <a:p>
+            <a:pPr lvl="1"/>
+            <a:endParaRPr lang="fr-FR" dirty="0" smtClean="0">
+              <a:solidFill>
+                <a:schemeClr val="accent6">
+                  <a:lumMod val="75000"/>
+                </a:schemeClr>
+              </a:solidFill>
+            </a:endParaRPr>
+          </a:p>
+          <a:p>
+            <a:pPr lvl="1"/>
+            <a:endParaRPr lang="fr-FR" dirty="0" smtClean="0">
+              <a:solidFill>
+                <a:srgbClr val="C89800"/>
+              </a:solidFill>
+            </a:endParaRPr>
           </a:p>
         </p:txBody>
       </p:sp>
@@ -11382,7 +11476,7 @@
     </p:spTree>
     <p:extLst>
       <p:ext uri="{BB962C8B-B14F-4D97-AF65-F5344CB8AC3E}">
-        <p14:creationId xmlns:p14="http://schemas.microsoft.com/office/powerpoint/2010/main" val="376906104"/>
+        <p14:creationId xmlns:p14="http://schemas.microsoft.com/office/powerpoint/2010/main" val="1248837572"/>
       </p:ext>
     </p:extLst>
   </p:cSld>
@@ -11433,7 +11527,7 @@
           <a:p>
             <a:r>
               <a:rPr lang="fr-FR" dirty="0" smtClean="0"/>
-              <a:t>Tâches réalisées</a:t>
+              <a:t>Rappel des points d’intervention</a:t>
             </a:r>
             <a:endParaRPr lang="fr-FR" dirty="0"/>
           </a:p>
@@ -11485,28 +11579,28 @@
           <a:p>
             <a:pPr lvl="1"/>
             <a:r>
-              <a:rPr lang="fr-FR" sz="2000" strike="sngStrike" dirty="0" smtClean="0"/>
+              <a:rPr lang="fr-FR" sz="2000" dirty="0" smtClean="0"/>
               <a:t>Extraction des données</a:t>
             </a:r>
           </a:p>
           <a:p>
             <a:pPr lvl="2"/>
             <a:r>
-              <a:rPr lang="fr-FR" strike="sngStrike" dirty="0" smtClean="0"/>
+              <a:rPr lang="fr-FR" dirty="0" smtClean="0"/>
               <a:t>Téléchargement impossible</a:t>
             </a:r>
           </a:p>
           <a:p>
             <a:pPr lvl="2"/>
             <a:r>
-              <a:rPr lang="fr-FR" strike="sngStrike" dirty="0" smtClean="0"/>
+              <a:rPr lang="fr-FR" dirty="0" smtClean="0"/>
               <a:t>Extraction incomplète</a:t>
             </a:r>
           </a:p>
           <a:p>
             <a:pPr lvl="1"/>
             <a:r>
-              <a:rPr lang="fr-FR" sz="2000" strike="sngStrike" dirty="0" smtClean="0"/>
+              <a:rPr lang="fr-FR" sz="2000" dirty="0" smtClean="0"/>
               <a:t>Ergonomie de l’interface</a:t>
             </a:r>
           </a:p>
@@ -11549,8 +11643,8 @@
         </p:nvSpPr>
         <p:spPr>
           <a:xfrm>
-            <a:off x="254000" y="3895342"/>
-            <a:ext cx="8648700" cy="2338189"/>
+            <a:off x="254000" y="3895343"/>
+            <a:ext cx="8648700" cy="1154330"/>
           </a:xfrm>
           <a:prstGeom prst="rect">
             <a:avLst/>
@@ -11751,46 +11845,14 @@
             </a:r>
           </a:p>
           <a:p>
-            <a:pPr lvl="2"/>
-            <a:r>
-              <a:rPr lang="fr-FR" sz="1800" dirty="0"/>
-              <a:t>Gestion de versions</a:t>
-            </a:r>
-          </a:p>
-          <a:p>
-            <a:pPr lvl="2"/>
-            <a:r>
-              <a:rPr lang="fr-FR" sz="1800" dirty="0"/>
-              <a:t>« </a:t>
-            </a:r>
-            <a:r>
-              <a:rPr lang="fr-FR" sz="1800" dirty="0" err="1"/>
-              <a:t>Compilabilité</a:t>
-            </a:r>
-            <a:r>
-              <a:rPr lang="fr-FR" sz="1800" dirty="0"/>
-              <a:t> »</a:t>
-            </a:r>
-          </a:p>
-          <a:p>
-            <a:pPr lvl="2"/>
-            <a:r>
-              <a:rPr lang="fr-FR" sz="1800" dirty="0"/>
-              <a:t>Facilitation de l’installation et la configuration</a:t>
-            </a:r>
-          </a:p>
-          <a:p>
-            <a:pPr lvl="2"/>
-            <a:r>
-              <a:rPr lang="fr-FR" sz="1800" dirty="0"/>
-              <a:t>Documentation</a:t>
-            </a:r>
-          </a:p>
-          <a:p>
             <a:pPr lvl="1"/>
             <a:r>
+              <a:rPr lang="fr-FR" sz="2000" dirty="0" smtClean="0"/>
+              <a:t>Co-administration </a:t>
+            </a:r>
+            <a:r>
               <a:rPr lang="fr-FR" sz="2000" dirty="0"/>
-              <a:t>Co-administration du serveur</a:t>
+              <a:t>du serveur</a:t>
             </a:r>
           </a:p>
           <a:p>
@@ -11801,7 +11863,7 @@
     </p:spTree>
     <p:extLst>
       <p:ext uri="{BB962C8B-B14F-4D97-AF65-F5344CB8AC3E}">
-        <p14:creationId xmlns:p14="http://schemas.microsoft.com/office/powerpoint/2010/main" val="3932191908"/>
+        <p14:creationId xmlns:p14="http://schemas.microsoft.com/office/powerpoint/2010/main" val="782178310"/>
       </p:ext>
     </p:extLst>
   </p:cSld>
@@ -11837,6 +11899,29 @@
       </p:grpSpPr>
       <p:sp>
         <p:nvSpPr>
+          <p:cNvPr id="5" name="Titre 4"/>
+          <p:cNvSpPr>
+            <a:spLocks noGrp="1"/>
+          </p:cNvSpPr>
+          <p:nvPr>
+            <p:ph type="title"/>
+          </p:nvPr>
+        </p:nvSpPr>
+        <p:spPr/>
+        <p:txBody>
+          <a:bodyPr/>
+          <a:lstStyle/>
+          <a:p>
+            <a:r>
+              <a:rPr lang="fr-FR" dirty="0" smtClean="0"/>
+              <a:t>Recommandations générales</a:t>
+            </a:r>
+            <a:endParaRPr lang="fr-FR" dirty="0"/>
+          </a:p>
+        </p:txBody>
+      </p:sp>
+      <p:sp>
+        <p:nvSpPr>
           <p:cNvPr id="4" name="Espace réservé du numéro de diapositive 3"/>
           <p:cNvSpPr>
             <a:spLocks noGrp="1"/>
@@ -11854,6 +11939,67 @@
               <a:rPr lang="fr-FR" smtClean="0"/>
               <a:pPr/>
               <a:t>30</a:t>
+            </a:fld>
+            <a:endParaRPr lang="fr-FR" dirty="0"/>
+          </a:p>
+        </p:txBody>
+      </p:sp>
+    </p:spTree>
+    <p:extLst>
+      <p:ext uri="{BB962C8B-B14F-4D97-AF65-F5344CB8AC3E}">
+        <p14:creationId xmlns:p14="http://schemas.microsoft.com/office/powerpoint/2010/main" val="376906104"/>
+      </p:ext>
+    </p:extLst>
+  </p:cSld>
+  <p:clrMapOvr>
+    <a:masterClrMapping/>
+  </p:clrMapOvr>
+  <p:timing>
+    <p:tnLst>
+      <p:par>
+        <p:cTn id="1" dur="indefinite" restart="never" nodeType="tmRoot"/>
+      </p:par>
+    </p:tnLst>
+  </p:timing>
+</p:sld>
+</file>
+
+<file path=ppt/slides/slide31.xml><?xml version="1.0" encoding="utf-8"?>
+<p:sld xmlns:a="http://schemas.openxmlformats.org/drawingml/2006/main" xmlns:r="http://schemas.openxmlformats.org/officeDocument/2006/relationships" xmlns:p="http://schemas.openxmlformats.org/presentationml/2006/main">
+  <p:cSld>
+    <p:spTree>
+      <p:nvGrpSpPr>
+        <p:cNvPr id="1" name=""/>
+        <p:cNvGrpSpPr/>
+        <p:nvPr/>
+      </p:nvGrpSpPr>
+      <p:grpSpPr>
+        <a:xfrm>
+          <a:off x="0" y="0"/>
+          <a:ext cx="0" cy="0"/>
+          <a:chOff x="0" y="0"/>
+          <a:chExt cx="0" cy="0"/>
+        </a:xfrm>
+      </p:grpSpPr>
+      <p:sp>
+        <p:nvSpPr>
+          <p:cNvPr id="4" name="Espace réservé du numéro de diapositive 3"/>
+          <p:cNvSpPr>
+            <a:spLocks noGrp="1"/>
+          </p:cNvSpPr>
+          <p:nvPr>
+            <p:ph type="sldNum" sz="quarter" idx="12"/>
+          </p:nvPr>
+        </p:nvSpPr>
+        <p:spPr/>
+        <p:txBody>
+          <a:bodyPr/>
+          <a:lstStyle/>
+          <a:p>
+            <a:fld id="{87D9652F-9609-4EC6-8E0A-C96E14B58A2A}" type="slidenum">
+              <a:rPr lang="fr-FR" smtClean="0"/>
+              <a:pPr/>
+              <a:t>31</a:t>
             </a:fld>
             <a:endParaRPr lang="fr-FR" dirty="0"/>
           </a:p>
@@ -11945,7 +12091,7 @@
 </p:sld>
 </file>
 
-<file path=ppt/slides/slide31.xml><?xml version="1.0" encoding="utf-8"?>
+<file path=ppt/slides/slide32.xml><?xml version="1.0" encoding="utf-8"?>
 <p:sld xmlns:a="http://schemas.openxmlformats.org/drawingml/2006/main" xmlns:r="http://schemas.openxmlformats.org/officeDocument/2006/relationships" xmlns:p="http://schemas.openxmlformats.org/presentationml/2006/main">
   <p:cSld>
     <p:spTree>
@@ -12005,7 +12151,7 @@
             <a:fld id="{87D9652F-9609-4EC6-8E0A-C96E14B58A2A}" type="slidenum">
               <a:rPr lang="fr-FR" smtClean="0"/>
               <a:pPr/>
-              <a:t>31</a:t>
+              <a:t>32</a:t>
             </a:fld>
             <a:endParaRPr lang="fr-FR" dirty="0"/>
           </a:p>
@@ -12116,159 +12262,6 @@
 </p:sld>
 </file>
 
-<file path=ppt/slides/slide32.xml><?xml version="1.0" encoding="utf-8"?>
-<p:sld xmlns:a="http://schemas.openxmlformats.org/drawingml/2006/main" xmlns:r="http://schemas.openxmlformats.org/officeDocument/2006/relationships" xmlns:p="http://schemas.openxmlformats.org/presentationml/2006/main">
-  <p:cSld>
-    <p:spTree>
-      <p:nvGrpSpPr>
-        <p:cNvPr id="1" name=""/>
-        <p:cNvGrpSpPr/>
-        <p:nvPr/>
-      </p:nvGrpSpPr>
-      <p:grpSpPr>
-        <a:xfrm>
-          <a:off x="0" y="0"/>
-          <a:ext cx="0" cy="0"/>
-          <a:chOff x="0" y="0"/>
-          <a:chExt cx="0" cy="0"/>
-        </a:xfrm>
-      </p:grpSpPr>
-      <p:sp>
-        <p:nvSpPr>
-          <p:cNvPr id="2" name="Titre 1"/>
-          <p:cNvSpPr>
-            <a:spLocks noGrp="1"/>
-          </p:cNvSpPr>
-          <p:nvPr>
-            <p:ph type="title"/>
-          </p:nvPr>
-        </p:nvSpPr>
-        <p:spPr/>
-        <p:txBody>
-          <a:bodyPr>
-            <a:noAutofit/>
-          </a:bodyPr>
-          <a:lstStyle/>
-          <a:p>
-            <a:r>
-              <a:rPr lang="fr-FR" sz="3200" dirty="0" smtClean="0"/>
-              <a:t>Nécessité de définir un cahier des charges</a:t>
-            </a:r>
-            <a:endParaRPr lang="en-US" sz="3200" dirty="0"/>
-          </a:p>
-        </p:txBody>
-      </p:sp>
-      <p:sp>
-        <p:nvSpPr>
-          <p:cNvPr id="3" name="Espace réservé du contenu 2"/>
-          <p:cNvSpPr>
-            <a:spLocks noGrp="1"/>
-          </p:cNvSpPr>
-          <p:nvPr>
-            <p:ph idx="1"/>
-          </p:nvPr>
-        </p:nvSpPr>
-        <p:spPr/>
-        <p:txBody>
-          <a:bodyPr/>
-          <a:lstStyle/>
-          <a:p>
-            <a:r>
-              <a:rPr lang="fr-FR" dirty="0" smtClean="0"/>
-              <a:t>Fonctionnalités</a:t>
-            </a:r>
-          </a:p>
-          <a:p>
-            <a:r>
-              <a:rPr lang="fr-FR" dirty="0" smtClean="0"/>
-              <a:t>Environnement (langages, technologies, API)</a:t>
-            </a:r>
-          </a:p>
-          <a:p>
-            <a:r>
-              <a:rPr lang="fr-FR" dirty="0" smtClean="0"/>
-              <a:t>Configuration</a:t>
-            </a:r>
-          </a:p>
-          <a:p>
-            <a:r>
-              <a:rPr lang="fr-FR" dirty="0" smtClean="0"/>
-              <a:t>Modèles de données</a:t>
-            </a:r>
-          </a:p>
-          <a:p>
-            <a:r>
-              <a:rPr lang="fr-FR" dirty="0" smtClean="0"/>
-              <a:t>Interfaces</a:t>
-            </a:r>
-          </a:p>
-          <a:p>
-            <a:r>
-              <a:rPr lang="fr-FR" dirty="0" smtClean="0"/>
-              <a:t>Cartographie des fichiers générés</a:t>
-            </a:r>
-          </a:p>
-          <a:p>
-            <a:r>
-              <a:rPr lang="fr-FR" dirty="0" smtClean="0"/>
-              <a:t>Politique claire de sauvegarde des fichiers</a:t>
-            </a:r>
-          </a:p>
-          <a:p>
-            <a:endParaRPr lang="fr-FR" dirty="0" smtClean="0"/>
-          </a:p>
-          <a:p>
-            <a:endParaRPr lang="fr-FR" dirty="0" smtClean="0"/>
-          </a:p>
-          <a:p>
-            <a:endParaRPr lang="en-US" dirty="0" smtClean="0"/>
-          </a:p>
-        </p:txBody>
-      </p:sp>
-      <p:sp>
-        <p:nvSpPr>
-          <p:cNvPr id="4" name="Espace réservé du numéro de diapositive 3"/>
-          <p:cNvSpPr>
-            <a:spLocks noGrp="1"/>
-          </p:cNvSpPr>
-          <p:nvPr>
-            <p:ph type="sldNum" sz="quarter" idx="12"/>
-          </p:nvPr>
-        </p:nvSpPr>
-        <p:spPr/>
-        <p:txBody>
-          <a:bodyPr/>
-          <a:lstStyle/>
-          <a:p>
-            <a:fld id="{87D9652F-9609-4EC6-8E0A-C96E14B58A2A}" type="slidenum">
-              <a:rPr lang="fr-FR" smtClean="0"/>
-              <a:pPr/>
-              <a:t>32</a:t>
-            </a:fld>
-            <a:endParaRPr lang="fr-FR" dirty="0"/>
-          </a:p>
-        </p:txBody>
-      </p:sp>
-    </p:spTree>
-    <p:extLst>
-      <p:ext uri="{BB962C8B-B14F-4D97-AF65-F5344CB8AC3E}">
-        <p14:creationId xmlns:p14="http://schemas.microsoft.com/office/powerpoint/2010/main" val="4130268211"/>
-      </p:ext>
-    </p:extLst>
-  </p:cSld>
-  <p:clrMapOvr>
-    <a:masterClrMapping/>
-  </p:clrMapOvr>
-  <p:timing>
-    <p:tnLst>
-      <p:par>
-        <p:cTn id="1" dur="indefinite" restart="never" nodeType="tmRoot"/>
-      </p:par>
-    </p:tnLst>
-  </p:timing>
-</p:sld>
-</file>
-
 <file path=ppt/slides/slide33.xml><?xml version="1.0" encoding="utf-8"?>
 <p:sld xmlns:a="http://schemas.openxmlformats.org/drawingml/2006/main" xmlns:r="http://schemas.openxmlformats.org/officeDocument/2006/relationships" xmlns:p="http://schemas.openxmlformats.org/presentationml/2006/main">
   <p:cSld>
@@ -12299,74 +12292,76 @@
         <p:spPr/>
         <p:txBody>
           <a:bodyPr>
-            <a:normAutofit/>
+            <a:noAutofit/>
           </a:bodyPr>
           <a:lstStyle/>
           <a:p>
             <a:r>
+              <a:rPr lang="fr-FR" sz="3200" dirty="0" smtClean="0"/>
+              <a:t>Nécessité de définir un cahier des charges</a:t>
+            </a:r>
+            <a:endParaRPr lang="en-US" sz="3200" dirty="0"/>
+          </a:p>
+        </p:txBody>
+      </p:sp>
+      <p:sp>
+        <p:nvSpPr>
+          <p:cNvPr id="3" name="Espace réservé du contenu 2"/>
+          <p:cNvSpPr>
+            <a:spLocks noGrp="1"/>
+          </p:cNvSpPr>
+          <p:nvPr>
+            <p:ph idx="1"/>
+          </p:nvPr>
+        </p:nvSpPr>
+        <p:spPr/>
+        <p:txBody>
+          <a:bodyPr/>
+          <a:lstStyle/>
+          <a:p>
+            <a:r>
               <a:rPr lang="fr-FR" dirty="0" smtClean="0"/>
-              <a:t>Commencer simple…</a:t>
-            </a:r>
-            <a:endParaRPr lang="en-US" dirty="0"/>
-          </a:p>
-        </p:txBody>
-      </p:sp>
-      <p:sp>
-        <p:nvSpPr>
-          <p:cNvPr id="3" name="Espace réservé du contenu 2"/>
-          <p:cNvSpPr>
-            <a:spLocks noGrp="1"/>
-          </p:cNvSpPr>
-          <p:nvPr>
-            <p:ph idx="1"/>
-          </p:nvPr>
-        </p:nvSpPr>
-        <p:spPr/>
-        <p:txBody>
-          <a:bodyPr>
-            <a:normAutofit/>
-          </a:bodyPr>
-          <a:lstStyle/>
+              <a:t>Fonctionnalités</a:t>
+            </a:r>
+          </a:p>
           <a:p>
             <a:r>
               <a:rPr lang="fr-FR" dirty="0" smtClean="0"/>
-              <a:t>Voir </a:t>
-            </a:r>
-            <a:r>
-              <a:rPr lang="fr-FR" dirty="0" err="1"/>
-              <a:t>e</a:t>
-            </a:r>
-            <a:r>
-              <a:rPr lang="fr-FR" dirty="0" err="1" smtClean="0"/>
-              <a:t>xtrem</a:t>
-            </a:r>
+              <a:t>Environnement (langages, technologies, API)</a:t>
+            </a:r>
+          </a:p>
+          <a:p>
             <a:r>
               <a:rPr lang="fr-FR" dirty="0" smtClean="0"/>
-              <a:t> </a:t>
-            </a:r>
-            <a:r>
-              <a:rPr lang="fr-FR" dirty="0" err="1"/>
-              <a:t>p</a:t>
-            </a:r>
-            <a:r>
-              <a:rPr lang="fr-FR" dirty="0" err="1" smtClean="0"/>
-              <a:t>rograming</a:t>
-            </a:r>
+              <a:t>Configuration</a:t>
+            </a:r>
+          </a:p>
+          <a:p>
             <a:r>
               <a:rPr lang="fr-FR" dirty="0" smtClean="0"/>
-              <a:t>, méthode agile, </a:t>
-            </a:r>
-            <a:r>
-              <a:rPr lang="fr-FR" dirty="0" err="1" smtClean="0"/>
-              <a:t>scrum</a:t>
-            </a:r>
+              <a:t>Modèles de données</a:t>
+            </a:r>
+          </a:p>
+          <a:p>
+            <a:r>
+              <a:rPr lang="fr-FR" dirty="0" smtClean="0"/>
+              <a:t>Interfaces</a:t>
+            </a:r>
+          </a:p>
+          <a:p>
+            <a:r>
+              <a:rPr lang="fr-FR" dirty="0" smtClean="0"/>
+              <a:t>Cartographie des fichiers générés</a:t>
+            </a:r>
+          </a:p>
+          <a:p>
+            <a:r>
+              <a:rPr lang="fr-FR" dirty="0" smtClean="0"/>
+              <a:t>Politique claire de sauvegarde des fichiers</a:t>
+            </a:r>
+          </a:p>
+          <a:p>
             <a:endParaRPr lang="fr-FR" dirty="0" smtClean="0"/>
-          </a:p>
-          <a:p>
-            <a:r>
-              <a:rPr lang="fr-FR" dirty="0" smtClean="0"/>
-              <a:t>De manière générale, faire l’application la plus simple possible, et la faire évoluer en fonction des besoins.</a:t>
-            </a:r>
           </a:p>
           <a:p>
             <a:endParaRPr lang="fr-FR" dirty="0" smtClean="0"/>
@@ -12403,7 +12398,7 @@
     </p:spTree>
     <p:extLst>
       <p:ext uri="{BB962C8B-B14F-4D97-AF65-F5344CB8AC3E}">
-        <p14:creationId xmlns:p14="http://schemas.microsoft.com/office/powerpoint/2010/main" val="1493917707"/>
+        <p14:creationId xmlns:p14="http://schemas.microsoft.com/office/powerpoint/2010/main" val="4130268211"/>
       </p:ext>
     </p:extLst>
   </p:cSld>
@@ -12450,15 +12445,15 @@
         <p:spPr/>
         <p:txBody>
           <a:bodyPr>
-            <a:noAutofit/>
+            <a:normAutofit/>
           </a:bodyPr>
           <a:lstStyle/>
           <a:p>
             <a:r>
-              <a:rPr lang="fr-FR" sz="2800" dirty="0" smtClean="0"/>
-              <a:t>Définir les besoins en termes de performances</a:t>
-            </a:r>
-            <a:endParaRPr lang="fr-FR" sz="2800" dirty="0"/>
+              <a:rPr lang="fr-FR" dirty="0" smtClean="0"/>
+              <a:t>Commencer simple…</a:t>
+            </a:r>
+            <a:endParaRPr lang="en-US" dirty="0"/>
           </a:p>
         </p:txBody>
       </p:sp>
@@ -12472,40 +12467,58 @@
             <p:ph idx="1"/>
           </p:nvPr>
         </p:nvSpPr>
-        <p:spPr>
-          <a:xfrm>
-            <a:off x="254000" y="2279176"/>
-            <a:ext cx="8648700" cy="3897787"/>
-          </a:xfrm>
-        </p:spPr>
+        <p:spPr/>
         <p:txBody>
           <a:bodyPr>
             <a:normAutofit/>
           </a:bodyPr>
           <a:lstStyle/>
           <a:p>
-            <a:pPr marL="0" indent="0">
-              <a:buNone/>
-            </a:pPr>
-            <a:r>
-              <a:rPr lang="fr-FR" sz="2400" dirty="0" smtClean="0"/>
-              <a:t>Ici</a:t>
-            </a:r>
-            <a:r>
-              <a:rPr lang="fr-FR" sz="2400" dirty="0"/>
-              <a:t>, la collecte de flux RSS n’est pas une tâche intensive en termes de puissance de calcul, mais plutôt vis-à-vis des communications réseau. Il n’est donc pas nécessaire de paralléliser tous les traitements, au </a:t>
-            </a:r>
-            <a:r>
-              <a:rPr lang="fr-FR" sz="2400" dirty="0" smtClean="0"/>
-              <a:t>risque </a:t>
-            </a:r>
-            <a:r>
-              <a:rPr lang="fr-FR" sz="2400" dirty="0"/>
-              <a:t>d’introduire des problèmes liés à la synchronisation (en particulier les tâches accédant à la base de données)</a:t>
-            </a:r>
-          </a:p>
-          <a:p>
-            <a:endParaRPr lang="fr-FR" sz="2400" dirty="0"/>
+            <a:r>
+              <a:rPr lang="fr-FR" dirty="0" smtClean="0"/>
+              <a:t>Voir </a:t>
+            </a:r>
+            <a:r>
+              <a:rPr lang="fr-FR" dirty="0" err="1"/>
+              <a:t>e</a:t>
+            </a:r>
+            <a:r>
+              <a:rPr lang="fr-FR" dirty="0" err="1" smtClean="0"/>
+              <a:t>xtrem</a:t>
+            </a:r>
+            <a:r>
+              <a:rPr lang="fr-FR" dirty="0" smtClean="0"/>
+              <a:t> </a:t>
+            </a:r>
+            <a:r>
+              <a:rPr lang="fr-FR" dirty="0" err="1"/>
+              <a:t>p</a:t>
+            </a:r>
+            <a:r>
+              <a:rPr lang="fr-FR" dirty="0" err="1" smtClean="0"/>
+              <a:t>rograming</a:t>
+            </a:r>
+            <a:r>
+              <a:rPr lang="fr-FR" dirty="0" smtClean="0"/>
+              <a:t>, méthode agile, </a:t>
+            </a:r>
+            <a:r>
+              <a:rPr lang="fr-FR" dirty="0" err="1" smtClean="0"/>
+              <a:t>scrum</a:t>
+            </a:r>
+            <a:endParaRPr lang="fr-FR" dirty="0" smtClean="0"/>
+          </a:p>
+          <a:p>
+            <a:r>
+              <a:rPr lang="fr-FR" dirty="0" smtClean="0"/>
+              <a:t>De manière générale, faire l’application la plus simple possible, et la faire évoluer en fonction des besoins.</a:t>
+            </a:r>
+          </a:p>
+          <a:p>
+            <a:endParaRPr lang="fr-FR" dirty="0" smtClean="0"/>
+          </a:p>
+          <a:p>
+            <a:endParaRPr lang="en-US" dirty="0" smtClean="0"/>
           </a:p>
         </p:txBody>
       </p:sp>
@@ -12536,7 +12549,7 @@
     </p:spTree>
     <p:extLst>
       <p:ext uri="{BB962C8B-B14F-4D97-AF65-F5344CB8AC3E}">
-        <p14:creationId xmlns:p14="http://schemas.microsoft.com/office/powerpoint/2010/main" val="715453732"/>
+        <p14:creationId xmlns:p14="http://schemas.microsoft.com/office/powerpoint/2010/main" val="1493917707"/>
       </p:ext>
     </p:extLst>
   </p:cSld>
@@ -12589,7 +12602,7 @@
           <a:p>
             <a:r>
               <a:rPr lang="fr-FR" sz="2800" dirty="0" smtClean="0"/>
-              <a:t>Définir la structure de l’application avant de commencer à la coder!</a:t>
+              <a:t>Définir les besoins en termes de performances</a:t>
             </a:r>
             <a:endParaRPr lang="fr-FR" sz="2800" dirty="0"/>
           </a:p>
@@ -12605,41 +12618,39 @@
             <p:ph idx="1"/>
           </p:nvPr>
         </p:nvSpPr>
-        <p:spPr/>
+        <p:spPr>
+          <a:xfrm>
+            <a:off x="254000" y="2279176"/>
+            <a:ext cx="8648700" cy="3897787"/>
+          </a:xfrm>
+        </p:spPr>
         <p:txBody>
           <a:bodyPr>
             <a:normAutofit/>
           </a:bodyPr>
           <a:lstStyle/>
           <a:p>
+            <a:pPr marL="0" indent="0">
+              <a:buNone/>
+            </a:pPr>
             <a:r>
               <a:rPr lang="fr-FR" sz="2400" dirty="0" smtClean="0"/>
-              <a:t>Formaliser </a:t>
+              <a:t>Ici</a:t>
             </a:r>
             <a:r>
               <a:rPr lang="fr-FR" sz="2400" dirty="0"/>
-              <a:t>la chaine de traitement.</a:t>
-            </a:r>
-          </a:p>
-          <a:p>
+              <a:t>, la collecte de flux RSS n’est pas une tâche intensive en termes de puissance de calcul, mais plutôt vis-à-vis des communications réseau. Il n’est donc pas nécessaire de paralléliser tous les traitements, au </a:t>
+            </a:r>
+            <a:r>
+              <a:rPr lang="fr-FR" sz="2400" dirty="0" smtClean="0"/>
+              <a:t>risque </a:t>
+            </a:r>
             <a:r>
               <a:rPr lang="fr-FR" sz="2400" dirty="0"/>
-              <a:t>Séparer chaque étape, quitte à être un peu moins efficace</a:t>
-            </a:r>
-          </a:p>
-          <a:p>
-            <a:r>
-              <a:rPr lang="fr-FR" sz="2400" dirty="0"/>
-              <a:t>Définir un modèle de données clair. Ne pas hésiter à utiliser des bases de données locales pour des traitements intermédiaires (ex: </a:t>
-            </a:r>
-            <a:r>
-              <a:rPr lang="fr-FR" sz="2400" dirty="0" err="1"/>
-              <a:t>dédoublonnage</a:t>
-            </a:r>
-            <a:r>
-              <a:rPr lang="fr-FR" sz="2400" dirty="0" smtClean="0"/>
-              <a:t>)</a:t>
-            </a:r>
+              <a:t>d’introduire des problèmes liés à la synchronisation (en particulier les tâches accédant à la base de données)</a:t>
+            </a:r>
+          </a:p>
+          <a:p>
             <a:endParaRPr lang="fr-FR" sz="2400" dirty="0"/>
           </a:p>
         </p:txBody>
@@ -12671,7 +12682,7 @@
     </p:spTree>
     <p:extLst>
       <p:ext uri="{BB962C8B-B14F-4D97-AF65-F5344CB8AC3E}">
-        <p14:creationId xmlns:p14="http://schemas.microsoft.com/office/powerpoint/2010/main" val="4240849909"/>
+        <p14:creationId xmlns:p14="http://schemas.microsoft.com/office/powerpoint/2010/main" val="715453732"/>
       </p:ext>
     </p:extLst>
   </p:cSld>
@@ -12718,15 +12729,15 @@
         <p:spPr/>
         <p:txBody>
           <a:bodyPr>
-            <a:normAutofit/>
+            <a:noAutofit/>
           </a:bodyPr>
           <a:lstStyle/>
           <a:p>
             <a:r>
-              <a:rPr lang="fr-FR" sz="3600" dirty="0" smtClean="0"/>
-              <a:t>Utiliser des outils de gestion de projet</a:t>
-            </a:r>
-            <a:endParaRPr lang="en-US" sz="3600" dirty="0"/>
+              <a:rPr lang="fr-FR" sz="2800" dirty="0" smtClean="0"/>
+              <a:t>Définir la structure de l’application avant de commencer à la coder!</a:t>
+            </a:r>
+            <a:endParaRPr lang="fr-FR" sz="2800" dirty="0"/>
           </a:p>
         </p:txBody>
       </p:sp>
@@ -12748,33 +12759,34 @@
           <a:lstStyle/>
           <a:p>
             <a:r>
-              <a:rPr lang="fr-FR" dirty="0" smtClean="0"/>
-              <a:t>Décrire les tâches à réaliser, leur dépendances</a:t>
-            </a:r>
-          </a:p>
-          <a:p>
-            <a:r>
-              <a:rPr lang="fr-FR" dirty="0" smtClean="0"/>
-              <a:t>Prévoir un suivi et des objectifs hebdomadaires simples</a:t>
-            </a:r>
-          </a:p>
-          <a:p>
-            <a:r>
-              <a:rPr lang="fr-FR" dirty="0" smtClean="0"/>
-              <a:t>Permettre aux utilisateurs/clients de formaliser leurs demandes</a:t>
-            </a:r>
-          </a:p>
-          <a:p>
-            <a:r>
-              <a:rPr lang="fr-FR" dirty="0" smtClean="0"/>
-              <a:t>Utiliser un gestionnaire de version</a:t>
-            </a:r>
-          </a:p>
-          <a:p>
-            <a:r>
-              <a:rPr lang="fr-FR" dirty="0" smtClean="0"/>
-              <a:t>Ne pas s’attaquer à une grande quantité de tâches simultanément</a:t>
-            </a:r>
+              <a:rPr lang="fr-FR" sz="2400" dirty="0" smtClean="0"/>
+              <a:t>Formaliser </a:t>
+            </a:r>
+            <a:r>
+              <a:rPr lang="fr-FR" sz="2400" dirty="0"/>
+              <a:t>la chaine de traitement.</a:t>
+            </a:r>
+          </a:p>
+          <a:p>
+            <a:r>
+              <a:rPr lang="fr-FR" sz="2400" dirty="0"/>
+              <a:t>Séparer chaque étape, quitte à être un peu moins efficace</a:t>
+            </a:r>
+          </a:p>
+          <a:p>
+            <a:r>
+              <a:rPr lang="fr-FR" sz="2400" dirty="0"/>
+              <a:t>Définir un modèle de données clair. Ne pas hésiter à utiliser des bases de données locales pour des traitements intermédiaires (ex: </a:t>
+            </a:r>
+            <a:r>
+              <a:rPr lang="fr-FR" sz="2400" dirty="0" err="1"/>
+              <a:t>dédoublonnage</a:t>
+            </a:r>
+            <a:r>
+              <a:rPr lang="fr-FR" sz="2400" dirty="0" smtClean="0"/>
+              <a:t>)</a:t>
+            </a:r>
+            <a:endParaRPr lang="fr-FR" sz="2400" dirty="0"/>
           </a:p>
         </p:txBody>
       </p:sp>
@@ -12805,7 +12817,7 @@
     </p:spTree>
     <p:extLst>
       <p:ext uri="{BB962C8B-B14F-4D97-AF65-F5344CB8AC3E}">
-        <p14:creationId xmlns:p14="http://schemas.microsoft.com/office/powerpoint/2010/main" val="1249455323"/>
+        <p14:creationId xmlns:p14="http://schemas.microsoft.com/office/powerpoint/2010/main" val="4240849909"/>
       </p:ext>
     </p:extLst>
   </p:cSld>
@@ -12851,96 +12863,64 @@
         </p:nvSpPr>
         <p:spPr/>
         <p:txBody>
-          <a:bodyPr/>
+          <a:bodyPr>
+            <a:normAutofit/>
+          </a:bodyPr>
+          <a:lstStyle/>
+          <a:p>
+            <a:r>
+              <a:rPr lang="fr-FR" sz="3600" dirty="0" smtClean="0"/>
+              <a:t>Utiliser des outils de gestion de projet</a:t>
+            </a:r>
+            <a:endParaRPr lang="en-US" sz="3600" dirty="0"/>
+          </a:p>
+        </p:txBody>
+      </p:sp>
+      <p:sp>
+        <p:nvSpPr>
+          <p:cNvPr id="3" name="Espace réservé du contenu 2"/>
+          <p:cNvSpPr>
+            <a:spLocks noGrp="1"/>
+          </p:cNvSpPr>
+          <p:nvPr>
+            <p:ph idx="1"/>
+          </p:nvPr>
+        </p:nvSpPr>
+        <p:spPr/>
+        <p:txBody>
+          <a:bodyPr>
+            <a:normAutofit/>
+          </a:bodyPr>
           <a:lstStyle/>
           <a:p>
             <a:r>
               <a:rPr lang="fr-FR" dirty="0" smtClean="0"/>
-              <a:t>Conception de l’interface</a:t>
-            </a:r>
-            <a:endParaRPr lang="fr-FR" dirty="0"/>
-          </a:p>
-        </p:txBody>
-      </p:sp>
-      <p:sp>
-        <p:nvSpPr>
-          <p:cNvPr id="3" name="Espace réservé du contenu 2"/>
-          <p:cNvSpPr>
-            <a:spLocks noGrp="1"/>
-          </p:cNvSpPr>
-          <p:nvPr>
-            <p:ph idx="1"/>
-          </p:nvPr>
-        </p:nvSpPr>
-        <p:spPr/>
-        <p:txBody>
-          <a:bodyPr>
-            <a:normAutofit lnSpcReduction="10000"/>
-          </a:bodyPr>
-          <a:lstStyle/>
+              <a:t>Décrire les tâches à réaliser, leur dépendances</a:t>
+            </a:r>
+          </a:p>
           <a:p>
             <a:r>
               <a:rPr lang="fr-FR" dirty="0" smtClean="0"/>
-              <a:t>Prévoir </a:t>
-            </a:r>
-            <a:r>
-              <a:rPr lang="fr-FR" dirty="0"/>
-              <a:t>une interaction non graphique avec l’application</a:t>
-            </a:r>
-          </a:p>
-          <a:p>
-            <a:r>
-              <a:rPr lang="fr-FR" dirty="0"/>
-              <a:t>Ergonomie : identifier avec les clients les opérations coûteuses en </a:t>
-            </a:r>
+              <a:t>Prévoir un suivi et des objectifs hebdomadaires simples</a:t>
+            </a:r>
+          </a:p>
+          <a:p>
             <a:r>
               <a:rPr lang="fr-FR" dirty="0" smtClean="0"/>
-              <a:t>termes </a:t>
-            </a:r>
-            <a:r>
-              <a:rPr lang="fr-FR" dirty="0"/>
-              <a:t>de </a:t>
-            </a:r>
+              <a:t>Permettre aux utilisateurs/clients de formaliser leurs demandes</a:t>
+            </a:r>
+          </a:p>
+          <a:p>
             <a:r>
               <a:rPr lang="fr-FR" dirty="0" smtClean="0"/>
-              <a:t>clics/temps</a:t>
+              <a:t>Utiliser un gestionnaire de version</a:t>
             </a:r>
           </a:p>
           <a:p>
             <a:r>
               <a:rPr lang="fr-FR" dirty="0" smtClean="0"/>
-              <a:t>Réfléchir à une solution viable pour le téléchargement de gros fichiers générés par l’extraction </a:t>
-            </a:r>
-          </a:p>
-          <a:p>
-            <a:pPr lvl="1"/>
-            <a:r>
-              <a:rPr lang="fr-FR" dirty="0" smtClean="0"/>
-              <a:t>Mail</a:t>
-            </a:r>
-          </a:p>
-          <a:p>
-            <a:pPr lvl="1"/>
-            <a:r>
-              <a:rPr lang="fr-FR" dirty="0" smtClean="0"/>
-              <a:t>Faire appel à une solution externe de transfert de fichiers</a:t>
-            </a:r>
-          </a:p>
-          <a:p>
-            <a:pPr lvl="1"/>
-            <a:r>
-              <a:rPr lang="fr-FR" dirty="0"/>
-              <a:t>P</a:t>
-            </a:r>
-            <a:r>
-              <a:rPr lang="fr-FR" dirty="0" smtClean="0"/>
-              <a:t>rotocole ftp ou </a:t>
-            </a:r>
-            <a:r>
-              <a:rPr lang="fr-FR" dirty="0" err="1" smtClean="0"/>
-              <a:t>ssh</a:t>
-            </a:r>
-            <a:endParaRPr lang="fr-FR" dirty="0"/>
+              <a:t>Ne pas s’attaquer à une grande quantité de tâches simultanément</a:t>
+            </a:r>
           </a:p>
         </p:txBody>
       </p:sp>
@@ -12971,7 +12951,7 @@
     </p:spTree>
     <p:extLst>
       <p:ext uri="{BB962C8B-B14F-4D97-AF65-F5344CB8AC3E}">
-        <p14:creationId xmlns:p14="http://schemas.microsoft.com/office/powerpoint/2010/main" val="3857580981"/>
+        <p14:creationId xmlns:p14="http://schemas.microsoft.com/office/powerpoint/2010/main" val="1249455323"/>
       </p:ext>
     </p:extLst>
   </p:cSld>
@@ -13017,57 +12997,96 @@
         </p:nvSpPr>
         <p:spPr/>
         <p:txBody>
+          <a:bodyPr/>
+          <a:lstStyle/>
+          <a:p>
+            <a:r>
+              <a:rPr lang="fr-FR" dirty="0" smtClean="0"/>
+              <a:t>Conception de l’interface</a:t>
+            </a:r>
+            <a:endParaRPr lang="fr-FR" dirty="0"/>
+          </a:p>
+        </p:txBody>
+      </p:sp>
+      <p:sp>
+        <p:nvSpPr>
+          <p:cNvPr id="3" name="Espace réservé du contenu 2"/>
+          <p:cNvSpPr>
+            <a:spLocks noGrp="1"/>
+          </p:cNvSpPr>
+          <p:nvPr>
+            <p:ph idx="1"/>
+          </p:nvPr>
+        </p:nvSpPr>
+        <p:spPr/>
+        <p:txBody>
           <a:bodyPr>
-            <a:normAutofit/>
+            <a:normAutofit lnSpcReduction="10000"/>
           </a:bodyPr>
           <a:lstStyle/>
           <a:p>
             <a:r>
               <a:rPr lang="fr-FR" dirty="0" smtClean="0"/>
-              <a:t>Gestion des erreurs</a:t>
-            </a:r>
-            <a:endParaRPr lang="en-US" dirty="0"/>
-          </a:p>
-        </p:txBody>
-      </p:sp>
-      <p:sp>
-        <p:nvSpPr>
-          <p:cNvPr id="3" name="Espace réservé du contenu 2"/>
-          <p:cNvSpPr>
-            <a:spLocks noGrp="1"/>
-          </p:cNvSpPr>
-          <p:nvPr>
-            <p:ph idx="1"/>
-          </p:nvPr>
-        </p:nvSpPr>
-        <p:spPr/>
-        <p:txBody>
-          <a:bodyPr>
-            <a:normAutofit/>
-          </a:bodyPr>
-          <a:lstStyle/>
-          <a:p>
+              <a:t>Prévoir </a:t>
+            </a:r>
+            <a:r>
+              <a:rPr lang="fr-FR" dirty="0"/>
+              <a:t>une interaction non graphique avec l’application</a:t>
+            </a:r>
+          </a:p>
+          <a:p>
+            <a:r>
+              <a:rPr lang="fr-FR" dirty="0"/>
+              <a:t>Ergonomie : identifier avec les clients les opérations coûteuses en </a:t>
+            </a:r>
             <a:r>
               <a:rPr lang="fr-FR" dirty="0" smtClean="0"/>
-              <a:t>Définir explicitement les erreurs, les documenter</a:t>
-            </a:r>
-          </a:p>
-          <a:p>
+              <a:t>termes </a:t>
+            </a:r>
+            <a:r>
+              <a:rPr lang="fr-FR" dirty="0"/>
+              <a:t>de </a:t>
+            </a:r>
             <a:r>
               <a:rPr lang="fr-FR" dirty="0" smtClean="0"/>
-              <a:t>Intercepter les exceptions, retourner des messages d’erreurs clairs</a:t>
+              <a:t>clics/temps</a:t>
             </a:r>
           </a:p>
           <a:p>
             <a:r>
               <a:rPr lang="fr-FR" dirty="0" smtClean="0"/>
-              <a:t>Prévoir des mécanismes de </a:t>
+              <a:t>Réfléchir à une solution viable pour le téléchargement de gros fichiers générés par l’extraction </a:t>
+            </a:r>
+          </a:p>
+          <a:p>
+            <a:pPr lvl="1"/>
+            <a:r>
+              <a:rPr lang="fr-FR" dirty="0" smtClean="0"/>
+              <a:t>Mail</a:t>
+            </a:r>
+          </a:p>
+          <a:p>
+            <a:pPr lvl="1"/>
+            <a:r>
+              <a:rPr lang="fr-FR" dirty="0" smtClean="0"/>
+              <a:t>Faire appel à une solution externe de transfert de fichiers</a:t>
+            </a:r>
+          </a:p>
+          <a:p>
+            <a:pPr lvl="1"/>
+            <a:r>
+              <a:rPr lang="fr-FR" dirty="0"/>
+              <a:t>P</a:t>
+            </a:r>
+            <a:r>
+              <a:rPr lang="fr-FR" dirty="0" smtClean="0"/>
+              <a:t>rotocole ftp ou </a:t>
             </a:r>
             <a:r>
               <a:rPr lang="fr-FR" dirty="0" err="1" smtClean="0"/>
-              <a:t>rétro-contrôle</a:t>
-            </a:r>
-            <a:endParaRPr lang="fr-FR" dirty="0" smtClean="0"/>
+              <a:t>ssh</a:t>
+            </a:r>
+            <a:endParaRPr lang="fr-FR" dirty="0"/>
           </a:p>
         </p:txBody>
       </p:sp>
@@ -13098,7 +13117,7 @@
     </p:spTree>
     <p:extLst>
       <p:ext uri="{BB962C8B-B14F-4D97-AF65-F5344CB8AC3E}">
-        <p14:creationId xmlns:p14="http://schemas.microsoft.com/office/powerpoint/2010/main" val="1494570895"/>
+        <p14:creationId xmlns:p14="http://schemas.microsoft.com/office/powerpoint/2010/main" val="3857580981"/>
       </p:ext>
     </p:extLst>
   </p:cSld>
@@ -13144,14 +13163,16 @@
         </p:nvSpPr>
         <p:spPr/>
         <p:txBody>
-          <a:bodyPr/>
+          <a:bodyPr>
+            <a:normAutofit/>
+          </a:bodyPr>
           <a:lstStyle/>
           <a:p>
             <a:r>
               <a:rPr lang="fr-FR" dirty="0" smtClean="0"/>
-              <a:t>Tâches annexes</a:t>
-            </a:r>
-            <a:endParaRPr lang="fr-FR" dirty="0"/>
+              <a:t>Gestion des erreurs</a:t>
+            </a:r>
+            <a:endParaRPr lang="en-US" dirty="0"/>
           </a:p>
         </p:txBody>
       </p:sp>
@@ -13167,31 +13188,32 @@
         </p:nvSpPr>
         <p:spPr/>
         <p:txBody>
-          <a:bodyPr/>
+          <a:bodyPr>
+            <a:normAutofit/>
+          </a:bodyPr>
           <a:lstStyle/>
           <a:p>
             <a:r>
               <a:rPr lang="fr-FR" dirty="0" smtClean="0"/>
-              <a:t>Séparer les traitements pour simplifier au maximum l’application</a:t>
-            </a:r>
-          </a:p>
-          <a:p>
-            <a:pPr lvl="1"/>
+              <a:t>Définir explicitement les erreurs, les documenter</a:t>
+            </a:r>
+          </a:p>
+          <a:p>
             <a:r>
               <a:rPr lang="fr-FR" dirty="0" smtClean="0"/>
-              <a:t>Ne pas hésiter à faire plusieurs applications simples plutôt qu’une seule trop complexe</a:t>
-            </a:r>
-          </a:p>
-          <a:p>
-            <a:pPr lvl="1"/>
+              <a:t>Intercepter les exceptions, retourner des messages d’erreurs clairs</a:t>
+            </a:r>
+          </a:p>
+          <a:p>
             <a:r>
               <a:rPr lang="fr-FR" dirty="0" smtClean="0"/>
-              <a:t>Déporter les tâches de suppression des reliquats, d’envoi de mails</a:t>
-            </a:r>
-            <a:endParaRPr lang="fr-FR" dirty="0"/>
-          </a:p>
-          <a:p>
-            <a:endParaRPr lang="fr-FR" dirty="0"/>
+              <a:t>Prévoir des mécanismes de </a:t>
+            </a:r>
+            <a:r>
+              <a:rPr lang="fr-FR" dirty="0" err="1" smtClean="0"/>
+              <a:t>rétro-contrôle</a:t>
+            </a:r>
+            <a:endParaRPr lang="fr-FR" dirty="0" smtClean="0"/>
           </a:p>
         </p:txBody>
       </p:sp>
@@ -13222,7 +13244,7 @@
     </p:spTree>
     <p:extLst>
       <p:ext uri="{BB962C8B-B14F-4D97-AF65-F5344CB8AC3E}">
-        <p14:creationId xmlns:p14="http://schemas.microsoft.com/office/powerpoint/2010/main" val="1318960282"/>
+        <p14:creationId xmlns:p14="http://schemas.microsoft.com/office/powerpoint/2010/main" val="1494570895"/>
       </p:ext>
     </p:extLst>
   </p:cSld>
@@ -13258,7 +13280,7 @@
       </p:grpSpPr>
       <p:sp>
         <p:nvSpPr>
-          <p:cNvPr id="5" name="Titre 4"/>
+          <p:cNvPr id="2" name="Titre 1"/>
           <p:cNvSpPr>
             <a:spLocks noGrp="1"/>
           </p:cNvSpPr>
@@ -13272,14 +13294,86 @@
           <a:lstStyle/>
           <a:p>
             <a:r>
-              <a:rPr lang="fr-FR" dirty="0" err="1" smtClean="0"/>
-              <a:t>Réutisabilité</a:t>
-            </a:r>
-            <a:r>
               <a:rPr lang="fr-FR" dirty="0" smtClean="0"/>
-              <a:t> de l’application</a:t>
+              <a:t>Tâches réalisées</a:t>
             </a:r>
             <a:endParaRPr lang="fr-FR" dirty="0"/>
+          </a:p>
+        </p:txBody>
+      </p:sp>
+      <p:sp>
+        <p:nvSpPr>
+          <p:cNvPr id="3" name="Espace réservé du contenu 2"/>
+          <p:cNvSpPr>
+            <a:spLocks noGrp="1"/>
+          </p:cNvSpPr>
+          <p:nvPr>
+            <p:ph idx="1"/>
+          </p:nvPr>
+        </p:nvSpPr>
+        <p:spPr>
+          <a:xfrm>
+            <a:off x="254000" y="1538869"/>
+            <a:ext cx="8648700" cy="2118731"/>
+          </a:xfrm>
+          <a:solidFill>
+            <a:schemeClr val="accent6">
+              <a:lumMod val="40000"/>
+              <a:lumOff val="60000"/>
+            </a:schemeClr>
+          </a:solidFill>
+          <a:ln>
+            <a:noFill/>
+          </a:ln>
+        </p:spPr>
+        <p:txBody>
+          <a:bodyPr>
+            <a:noAutofit/>
+          </a:bodyPr>
+          <a:lstStyle/>
+          <a:p>
+            <a:r>
+              <a:rPr lang="fr-FR" sz="2400" b="1" dirty="0" smtClean="0"/>
+              <a:t>Tâches initiales</a:t>
+            </a:r>
+          </a:p>
+          <a:p>
+            <a:pPr lvl="1"/>
+            <a:r>
+              <a:rPr lang="fr-FR" sz="2000" dirty="0" smtClean="0"/>
+              <a:t>Rupture de la collecte</a:t>
+            </a:r>
+          </a:p>
+          <a:p>
+            <a:pPr lvl="1"/>
+            <a:r>
+              <a:rPr lang="fr-FR" sz="2000" strike="sngStrike" dirty="0" smtClean="0"/>
+              <a:t>Extraction des données</a:t>
+            </a:r>
+          </a:p>
+          <a:p>
+            <a:pPr lvl="2"/>
+            <a:r>
+              <a:rPr lang="fr-FR" strike="sngStrike" dirty="0" smtClean="0"/>
+              <a:t>Téléchargement impossible</a:t>
+            </a:r>
+          </a:p>
+          <a:p>
+            <a:pPr lvl="2"/>
+            <a:r>
+              <a:rPr lang="fr-FR" strike="sngStrike" dirty="0" smtClean="0"/>
+              <a:t>Extraction incomplète</a:t>
+            </a:r>
+          </a:p>
+          <a:p>
+            <a:pPr lvl="1"/>
+            <a:r>
+              <a:rPr lang="fr-FR" sz="2000" strike="sngStrike" dirty="0" smtClean="0"/>
+              <a:t>Ergonomie de l’interface</a:t>
+            </a:r>
+          </a:p>
+          <a:p>
+            <a:endParaRPr lang="en-US" sz="1800" dirty="0"/>
           </a:p>
         </p:txBody>
       </p:sp>
@@ -13307,10 +13401,237 @@
           </a:p>
         </p:txBody>
       </p:sp>
+      <p:sp>
+        <p:nvSpPr>
+          <p:cNvPr id="7" name="Espace réservé du contenu 2"/>
+          <p:cNvSpPr txBox="1">
+            <a:spLocks/>
+          </p:cNvSpPr>
+          <p:nvPr/>
+        </p:nvSpPr>
+        <p:spPr>
+          <a:xfrm>
+            <a:off x="254000" y="3895343"/>
+            <a:ext cx="8648700" cy="1154330"/>
+          </a:xfrm>
+          <a:prstGeom prst="rect">
+            <a:avLst/>
+          </a:prstGeom>
+          <a:solidFill>
+            <a:schemeClr val="accent3">
+              <a:lumMod val="20000"/>
+              <a:lumOff val="80000"/>
+            </a:schemeClr>
+          </a:solidFill>
+          <a:ln>
+            <a:noFill/>
+          </a:ln>
+        </p:spPr>
+        <p:txBody>
+          <a:bodyPr vert="horz" lIns="91440" tIns="45720" rIns="91440" bIns="45720" rtlCol="0">
+            <a:noAutofit/>
+          </a:bodyPr>
+          <a:lstStyle>
+            <a:lvl1pPr marL="228600" indent="-228600" algn="l" defTabSz="914400" rtl="0" eaLnBrk="1" latinLnBrk="0" hangingPunct="1">
+              <a:lnSpc>
+                <a:spcPct val="90000"/>
+              </a:lnSpc>
+              <a:spcBef>
+                <a:spcPts val="1000"/>
+              </a:spcBef>
+              <a:buFont typeface="Arial" panose="020B0604020202020204" pitchFamily="34" charset="0"/>
+              <a:buChar char="•"/>
+              <a:defRPr sz="2800" kern="1200">
+                <a:solidFill>
+                  <a:schemeClr val="tx1"/>
+                </a:solidFill>
+                <a:latin typeface="+mn-lt"/>
+                <a:ea typeface="+mn-ea"/>
+                <a:cs typeface="+mn-cs"/>
+              </a:defRPr>
+            </a:lvl1pPr>
+            <a:lvl2pPr marL="685800" indent="-228600" algn="l" defTabSz="914400" rtl="0" eaLnBrk="1" latinLnBrk="0" hangingPunct="1">
+              <a:lnSpc>
+                <a:spcPct val="90000"/>
+              </a:lnSpc>
+              <a:spcBef>
+                <a:spcPts val="500"/>
+              </a:spcBef>
+              <a:buFont typeface="Arial" panose="020B0604020202020204" pitchFamily="34" charset="0"/>
+              <a:buChar char="•"/>
+              <a:defRPr sz="2400" kern="1200">
+                <a:solidFill>
+                  <a:schemeClr val="tx1"/>
+                </a:solidFill>
+                <a:latin typeface="+mn-lt"/>
+                <a:ea typeface="+mn-ea"/>
+                <a:cs typeface="+mn-cs"/>
+              </a:defRPr>
+            </a:lvl2pPr>
+            <a:lvl3pPr marL="1143000" indent="-228600" algn="l" defTabSz="914400" rtl="0" eaLnBrk="1" latinLnBrk="0" hangingPunct="1">
+              <a:lnSpc>
+                <a:spcPct val="90000"/>
+              </a:lnSpc>
+              <a:spcBef>
+                <a:spcPts val="500"/>
+              </a:spcBef>
+              <a:buFont typeface="Arial" panose="020B0604020202020204" pitchFamily="34" charset="0"/>
+              <a:buChar char="•"/>
+              <a:defRPr sz="2000" kern="1200">
+                <a:solidFill>
+                  <a:schemeClr val="tx1"/>
+                </a:solidFill>
+                <a:latin typeface="+mn-lt"/>
+                <a:ea typeface="+mn-ea"/>
+                <a:cs typeface="+mn-cs"/>
+              </a:defRPr>
+            </a:lvl3pPr>
+            <a:lvl4pPr marL="1600200" indent="-228600" algn="l" defTabSz="914400" rtl="0" eaLnBrk="1" latinLnBrk="0" hangingPunct="1">
+              <a:lnSpc>
+                <a:spcPct val="90000"/>
+              </a:lnSpc>
+              <a:spcBef>
+                <a:spcPts val="500"/>
+              </a:spcBef>
+              <a:buFont typeface="Arial" panose="020B0604020202020204" pitchFamily="34" charset="0"/>
+              <a:buChar char="•"/>
+              <a:defRPr sz="1800" kern="1200">
+                <a:solidFill>
+                  <a:schemeClr val="tx1"/>
+                </a:solidFill>
+                <a:latin typeface="+mn-lt"/>
+                <a:ea typeface="+mn-ea"/>
+                <a:cs typeface="+mn-cs"/>
+              </a:defRPr>
+            </a:lvl4pPr>
+            <a:lvl5pPr marL="2057400" indent="-228600" algn="l" defTabSz="914400" rtl="0" eaLnBrk="1" latinLnBrk="0" hangingPunct="1">
+              <a:lnSpc>
+                <a:spcPct val="90000"/>
+              </a:lnSpc>
+              <a:spcBef>
+                <a:spcPts val="500"/>
+              </a:spcBef>
+              <a:buFont typeface="Arial" panose="020B0604020202020204" pitchFamily="34" charset="0"/>
+              <a:buChar char="•"/>
+              <a:defRPr sz="1800" kern="1200">
+                <a:solidFill>
+                  <a:schemeClr val="tx1"/>
+                </a:solidFill>
+                <a:latin typeface="+mn-lt"/>
+                <a:ea typeface="+mn-ea"/>
+                <a:cs typeface="+mn-cs"/>
+              </a:defRPr>
+            </a:lvl5pPr>
+            <a:lvl6pPr marL="2514600" indent="-228600" algn="l" defTabSz="914400" rtl="0" eaLnBrk="1" latinLnBrk="0" hangingPunct="1">
+              <a:lnSpc>
+                <a:spcPct val="90000"/>
+              </a:lnSpc>
+              <a:spcBef>
+                <a:spcPts val="500"/>
+              </a:spcBef>
+              <a:buFont typeface="Arial" panose="020B0604020202020204" pitchFamily="34" charset="0"/>
+              <a:buChar char="•"/>
+              <a:defRPr sz="1800" kern="1200">
+                <a:solidFill>
+                  <a:schemeClr val="tx1"/>
+                </a:solidFill>
+                <a:latin typeface="+mn-lt"/>
+                <a:ea typeface="+mn-ea"/>
+                <a:cs typeface="+mn-cs"/>
+              </a:defRPr>
+            </a:lvl6pPr>
+            <a:lvl7pPr marL="2971800" indent="-228600" algn="l" defTabSz="914400" rtl="0" eaLnBrk="1" latinLnBrk="0" hangingPunct="1">
+              <a:lnSpc>
+                <a:spcPct val="90000"/>
+              </a:lnSpc>
+              <a:spcBef>
+                <a:spcPts val="500"/>
+              </a:spcBef>
+              <a:buFont typeface="Arial" panose="020B0604020202020204" pitchFamily="34" charset="0"/>
+              <a:buChar char="•"/>
+              <a:defRPr sz="1800" kern="1200">
+                <a:solidFill>
+                  <a:schemeClr val="tx1"/>
+                </a:solidFill>
+                <a:latin typeface="+mn-lt"/>
+                <a:ea typeface="+mn-ea"/>
+                <a:cs typeface="+mn-cs"/>
+              </a:defRPr>
+            </a:lvl7pPr>
+            <a:lvl8pPr marL="3429000" indent="-228600" algn="l" defTabSz="914400" rtl="0" eaLnBrk="1" latinLnBrk="0" hangingPunct="1">
+              <a:lnSpc>
+                <a:spcPct val="90000"/>
+              </a:lnSpc>
+              <a:spcBef>
+                <a:spcPts val="500"/>
+              </a:spcBef>
+              <a:buFont typeface="Arial" panose="020B0604020202020204" pitchFamily="34" charset="0"/>
+              <a:buChar char="•"/>
+              <a:defRPr sz="1800" kern="1200">
+                <a:solidFill>
+                  <a:schemeClr val="tx1"/>
+                </a:solidFill>
+                <a:latin typeface="+mn-lt"/>
+                <a:ea typeface="+mn-ea"/>
+                <a:cs typeface="+mn-cs"/>
+              </a:defRPr>
+            </a:lvl8pPr>
+            <a:lvl9pPr marL="3886200" indent="-228600" algn="l" defTabSz="914400" rtl="0" eaLnBrk="1" latinLnBrk="0" hangingPunct="1">
+              <a:lnSpc>
+                <a:spcPct val="90000"/>
+              </a:lnSpc>
+              <a:spcBef>
+                <a:spcPts val="500"/>
+              </a:spcBef>
+              <a:buFont typeface="Arial" panose="020B0604020202020204" pitchFamily="34" charset="0"/>
+              <a:buChar char="•"/>
+              <a:defRPr sz="1800" kern="1200">
+                <a:solidFill>
+                  <a:schemeClr val="tx1"/>
+                </a:solidFill>
+                <a:latin typeface="+mn-lt"/>
+                <a:ea typeface="+mn-ea"/>
+                <a:cs typeface="+mn-cs"/>
+              </a:defRPr>
+            </a:lvl9pPr>
+          </a:lstStyle>
+          <a:p>
+            <a:r>
+              <a:rPr lang="fr-FR" sz="2400" b="1" dirty="0" smtClean="0"/>
+              <a:t>Tâches décelées à postériori</a:t>
+            </a:r>
+          </a:p>
+          <a:p>
+            <a:pPr lvl="1"/>
+            <a:r>
+              <a:rPr lang="fr-FR" sz="2000" dirty="0" smtClean="0"/>
+              <a:t>Réutilisabilité </a:t>
+            </a:r>
+            <a:r>
+              <a:rPr lang="fr-FR" sz="2000" dirty="0"/>
+              <a:t>de l’application</a:t>
+            </a:r>
+          </a:p>
+          <a:p>
+            <a:pPr lvl="1"/>
+            <a:r>
+              <a:rPr lang="fr-FR" sz="2000" dirty="0" smtClean="0"/>
+              <a:t>Co-administration </a:t>
+            </a:r>
+            <a:r>
+              <a:rPr lang="fr-FR" sz="2000" dirty="0"/>
+              <a:t>du serveur</a:t>
+            </a:r>
+          </a:p>
+          <a:p>
+            <a:endParaRPr lang="en-US" sz="1800" dirty="0"/>
+          </a:p>
+        </p:txBody>
+      </p:sp>
     </p:spTree>
     <p:extLst>
       <p:ext uri="{BB962C8B-B14F-4D97-AF65-F5344CB8AC3E}">
-        <p14:creationId xmlns:p14="http://schemas.microsoft.com/office/powerpoint/2010/main" val="2493481457"/>
+        <p14:creationId xmlns:p14="http://schemas.microsoft.com/office/powerpoint/2010/main" val="3932191908"/>
       </p:ext>
     </p:extLst>
   </p:cSld>
@@ -13356,16 +13677,14 @@
         </p:nvSpPr>
         <p:spPr/>
         <p:txBody>
-          <a:bodyPr>
-            <a:normAutofit/>
-          </a:bodyPr>
+          <a:bodyPr/>
           <a:lstStyle/>
           <a:p>
             <a:r>
               <a:rPr lang="fr-FR" dirty="0" smtClean="0"/>
-              <a:t>Documentation</a:t>
-            </a:r>
-            <a:endParaRPr lang="en-US" dirty="0"/>
+              <a:t>Tâches annexes</a:t>
+            </a:r>
+            <a:endParaRPr lang="fr-FR" dirty="0"/>
           </a:p>
         </p:txBody>
       </p:sp>
@@ -13379,61 +13698,33 @@
             <p:ph idx="1"/>
           </p:nvPr>
         </p:nvSpPr>
-        <p:spPr>
-          <a:xfrm>
-            <a:off x="254000" y="2347415"/>
-            <a:ext cx="8648700" cy="3829548"/>
-          </a:xfrm>
-        </p:spPr>
-        <p:txBody>
-          <a:bodyPr>
-            <a:normAutofit/>
-          </a:bodyPr>
+        <p:spPr/>
+        <p:txBody>
+          <a:bodyPr/>
           <a:lstStyle/>
           <a:p>
             <a:r>
               <a:rPr lang="fr-FR" dirty="0" smtClean="0"/>
-              <a:t>Commenter le code</a:t>
-            </a:r>
-          </a:p>
-          <a:p>
+              <a:t>Séparer les traitements pour simplifier au maximum l’application</a:t>
+            </a:r>
+          </a:p>
+          <a:p>
+            <a:pPr lvl="1"/>
             <a:r>
               <a:rPr lang="fr-FR" dirty="0" smtClean="0"/>
-              <a:t>Ecrire des wikis/tutoriels régulièrement</a:t>
-            </a:r>
-          </a:p>
-          <a:p>
+              <a:t>Ne pas hésiter à faire plusieurs applications simples plutôt qu’une seule trop complexe</a:t>
+            </a:r>
+          </a:p>
+          <a:p>
+            <a:pPr lvl="1"/>
             <a:r>
               <a:rPr lang="fr-FR" dirty="0" smtClean="0"/>
-              <a:t>Fournir:</a:t>
-            </a:r>
-          </a:p>
-          <a:p>
-            <a:pPr lvl="1"/>
-            <a:r>
-              <a:rPr lang="fr-FR" dirty="0" smtClean="0"/>
-              <a:t>La structure de l’application</a:t>
-            </a:r>
-          </a:p>
-          <a:p>
-            <a:pPr lvl="1"/>
-            <a:r>
-              <a:rPr lang="fr-FR" dirty="0" smtClean="0"/>
-              <a:t>La chaine de traitements</a:t>
-            </a:r>
-          </a:p>
-          <a:p>
-            <a:pPr lvl="1"/>
-            <a:r>
-              <a:rPr lang="fr-FR" dirty="0" smtClean="0"/>
-              <a:t>Les modèles de données</a:t>
-            </a:r>
-          </a:p>
-          <a:p>
-            <a:endParaRPr lang="fr-FR" dirty="0" smtClean="0"/>
-          </a:p>
-          <a:p>
-            <a:endParaRPr lang="en-US" dirty="0" smtClean="0"/>
+              <a:t>Déporter les tâches de suppression des reliquats, d’envoi de mails</a:t>
+            </a:r>
+            <a:endParaRPr lang="fr-FR" dirty="0"/>
+          </a:p>
+          <a:p>
+            <a:endParaRPr lang="fr-FR" dirty="0"/>
           </a:p>
         </p:txBody>
       </p:sp>
@@ -13464,7 +13755,7 @@
     </p:spTree>
     <p:extLst>
       <p:ext uri="{BB962C8B-B14F-4D97-AF65-F5344CB8AC3E}">
-        <p14:creationId xmlns:p14="http://schemas.microsoft.com/office/powerpoint/2010/main" val="762696903"/>
+        <p14:creationId xmlns:p14="http://schemas.microsoft.com/office/powerpoint/2010/main" val="1318960282"/>
       </p:ext>
     </p:extLst>
   </p:cSld>
@@ -13510,6 +13801,160 @@
         </p:nvSpPr>
         <p:spPr/>
         <p:txBody>
+          <a:bodyPr>
+            <a:normAutofit/>
+          </a:bodyPr>
+          <a:lstStyle/>
+          <a:p>
+            <a:r>
+              <a:rPr lang="fr-FR" dirty="0" smtClean="0"/>
+              <a:t>Documentation</a:t>
+            </a:r>
+            <a:endParaRPr lang="en-US" dirty="0"/>
+          </a:p>
+        </p:txBody>
+      </p:sp>
+      <p:sp>
+        <p:nvSpPr>
+          <p:cNvPr id="3" name="Espace réservé du contenu 2"/>
+          <p:cNvSpPr>
+            <a:spLocks noGrp="1"/>
+          </p:cNvSpPr>
+          <p:nvPr>
+            <p:ph idx="1"/>
+          </p:nvPr>
+        </p:nvSpPr>
+        <p:spPr>
+          <a:xfrm>
+            <a:off x="254000" y="2347415"/>
+            <a:ext cx="8648700" cy="3829548"/>
+          </a:xfrm>
+        </p:spPr>
+        <p:txBody>
+          <a:bodyPr>
+            <a:normAutofit/>
+          </a:bodyPr>
+          <a:lstStyle/>
+          <a:p>
+            <a:r>
+              <a:rPr lang="fr-FR" dirty="0" smtClean="0"/>
+              <a:t>Commenter le code</a:t>
+            </a:r>
+          </a:p>
+          <a:p>
+            <a:r>
+              <a:rPr lang="fr-FR" dirty="0" smtClean="0"/>
+              <a:t>Ecrire des wikis/tutoriels régulièrement</a:t>
+            </a:r>
+          </a:p>
+          <a:p>
+            <a:r>
+              <a:rPr lang="fr-FR" dirty="0" smtClean="0"/>
+              <a:t>Fournir:</a:t>
+            </a:r>
+          </a:p>
+          <a:p>
+            <a:pPr lvl="1"/>
+            <a:r>
+              <a:rPr lang="fr-FR" dirty="0" smtClean="0"/>
+              <a:t>La structure de l’application</a:t>
+            </a:r>
+          </a:p>
+          <a:p>
+            <a:pPr lvl="1"/>
+            <a:r>
+              <a:rPr lang="fr-FR" dirty="0" smtClean="0"/>
+              <a:t>La chaine de traitements</a:t>
+            </a:r>
+          </a:p>
+          <a:p>
+            <a:pPr lvl="1"/>
+            <a:r>
+              <a:rPr lang="fr-FR" dirty="0" smtClean="0"/>
+              <a:t>Les modèles de données</a:t>
+            </a:r>
+          </a:p>
+          <a:p>
+            <a:endParaRPr lang="fr-FR" dirty="0" smtClean="0"/>
+          </a:p>
+          <a:p>
+            <a:endParaRPr lang="en-US" dirty="0" smtClean="0"/>
+          </a:p>
+        </p:txBody>
+      </p:sp>
+      <p:sp>
+        <p:nvSpPr>
+          <p:cNvPr id="4" name="Espace réservé du numéro de diapositive 3"/>
+          <p:cNvSpPr>
+            <a:spLocks noGrp="1"/>
+          </p:cNvSpPr>
+          <p:nvPr>
+            <p:ph type="sldNum" sz="quarter" idx="12"/>
+          </p:nvPr>
+        </p:nvSpPr>
+        <p:spPr/>
+        <p:txBody>
+          <a:bodyPr/>
+          <a:lstStyle/>
+          <a:p>
+            <a:fld id="{87D9652F-9609-4EC6-8E0A-C96E14B58A2A}" type="slidenum">
+              <a:rPr lang="fr-FR" smtClean="0"/>
+              <a:pPr/>
+              <a:t>41</a:t>
+            </a:fld>
+            <a:endParaRPr lang="fr-FR" dirty="0"/>
+          </a:p>
+        </p:txBody>
+      </p:sp>
+    </p:spTree>
+    <p:extLst>
+      <p:ext uri="{BB962C8B-B14F-4D97-AF65-F5344CB8AC3E}">
+        <p14:creationId xmlns:p14="http://schemas.microsoft.com/office/powerpoint/2010/main" val="762696903"/>
+      </p:ext>
+    </p:extLst>
+  </p:cSld>
+  <p:clrMapOvr>
+    <a:masterClrMapping/>
+  </p:clrMapOvr>
+  <p:timing>
+    <p:tnLst>
+      <p:par>
+        <p:cTn id="1" dur="indefinite" restart="never" nodeType="tmRoot"/>
+      </p:par>
+    </p:tnLst>
+  </p:timing>
+</p:sld>
+</file>
+
+<file path=ppt/slides/slide42.xml><?xml version="1.0" encoding="utf-8"?>
+<p:sld xmlns:a="http://schemas.openxmlformats.org/drawingml/2006/main" xmlns:r="http://schemas.openxmlformats.org/officeDocument/2006/relationships" xmlns:p="http://schemas.openxmlformats.org/presentationml/2006/main">
+  <p:cSld>
+    <p:spTree>
+      <p:nvGrpSpPr>
+        <p:cNvPr id="1" name=""/>
+        <p:cNvGrpSpPr/>
+        <p:nvPr/>
+      </p:nvGrpSpPr>
+      <p:grpSpPr>
+        <a:xfrm>
+          <a:off x="0" y="0"/>
+          <a:ext cx="0" cy="0"/>
+          <a:chOff x="0" y="0"/>
+          <a:chExt cx="0" cy="0"/>
+        </a:xfrm>
+      </p:grpSpPr>
+      <p:sp>
+        <p:nvSpPr>
+          <p:cNvPr id="2" name="Titre 1"/>
+          <p:cNvSpPr>
+            <a:spLocks noGrp="1"/>
+          </p:cNvSpPr>
+          <p:nvPr>
+            <p:ph type="title"/>
+          </p:nvPr>
+        </p:nvSpPr>
+        <p:spPr/>
+        <p:txBody>
           <a:bodyPr/>
           <a:lstStyle/>
           <a:p>
@@ -13612,7 +14057,7 @@
             <a:fld id="{87D9652F-9609-4EC6-8E0A-C96E14B58A2A}" type="slidenum">
               <a:rPr lang="fr-FR" smtClean="0"/>
               <a:pPr/>
-              <a:t>41</a:t>
+              <a:t>42</a:t>
             </a:fld>
             <a:endParaRPr lang="fr-FR" dirty="0"/>
           </a:p>
@@ -13657,7 +14102,7 @@
       </p:grpSpPr>
       <p:sp>
         <p:nvSpPr>
-          <p:cNvPr id="2" name="Titre 1"/>
+          <p:cNvPr id="5" name="Titre 4"/>
           <p:cNvSpPr>
             <a:spLocks noGrp="1"/>
           </p:cNvSpPr>
@@ -13671,61 +14116,14 @@
           <a:lstStyle/>
           <a:p>
             <a:r>
+              <a:rPr lang="fr-FR" dirty="0" err="1" smtClean="0"/>
+              <a:t>Réutisabilité</a:t>
+            </a:r>
+            <a:r>
               <a:rPr lang="fr-FR" dirty="0" smtClean="0"/>
-              <a:t>Problèmes encourus</a:t>
-            </a:r>
-            <a:endParaRPr lang="en-US" dirty="0"/>
-          </a:p>
-        </p:txBody>
-      </p:sp>
-      <p:sp>
-        <p:nvSpPr>
-          <p:cNvPr id="3" name="Espace réservé du contenu 2"/>
-          <p:cNvSpPr>
-            <a:spLocks noGrp="1"/>
-          </p:cNvSpPr>
-          <p:nvPr>
-            <p:ph idx="1"/>
-          </p:nvPr>
-        </p:nvSpPr>
-        <p:spPr>
-          <a:xfrm>
-            <a:off x="254000" y="2484108"/>
-            <a:ext cx="8648700" cy="1989563"/>
-          </a:xfrm>
-          <a:noFill/>
-        </p:spPr>
-        <p:txBody>
-          <a:bodyPr>
-            <a:normAutofit/>
-          </a:bodyPr>
-          <a:lstStyle/>
-          <a:p>
-            <a:pPr marL="0" indent="0">
-              <a:buNone/>
-            </a:pPr>
-            <a:r>
-              <a:rPr lang="fr-FR" b="1" dirty="0" smtClean="0"/>
-              <a:t>Plus de deux semaines</a:t>
-            </a:r>
-            <a:r>
-              <a:rPr lang="fr-FR" dirty="0" smtClean="0"/>
-              <a:t> pour « prendre en main » l’application!</a:t>
-            </a:r>
-          </a:p>
-          <a:p>
-            <a:pPr lvl="1"/>
-            <a:r>
-              <a:rPr lang="fr-FR" dirty="0" smtClean="0"/>
-              <a:t>Rendre les sources compilables</a:t>
-            </a:r>
-          </a:p>
-          <a:p>
-            <a:pPr lvl="1"/>
-            <a:r>
-              <a:rPr lang="fr-FR" dirty="0" smtClean="0"/>
-              <a:t>Configurer, installer l’application et la faire tourner sur un serveur de développement</a:t>
-            </a:r>
+              <a:t> de l’application</a:t>
+            </a:r>
+            <a:endParaRPr lang="fr-FR" dirty="0"/>
           </a:p>
         </p:txBody>
       </p:sp>
@@ -13756,7 +14154,7 @@
     </p:spTree>
     <p:extLst>
       <p:ext uri="{BB962C8B-B14F-4D97-AF65-F5344CB8AC3E}">
-        <p14:creationId xmlns:p14="http://schemas.microsoft.com/office/powerpoint/2010/main" val="562068747"/>
+        <p14:creationId xmlns:p14="http://schemas.microsoft.com/office/powerpoint/2010/main" val="2493481457"/>
       </p:ext>
     </p:extLst>
   </p:cSld>
@@ -13800,16 +14198,14 @@
             <p:ph type="title"/>
           </p:nvPr>
         </p:nvSpPr>
-        <p:spPr>
-          <a:noFill/>
-        </p:spPr>
+        <p:spPr/>
         <p:txBody>
           <a:bodyPr/>
           <a:lstStyle/>
           <a:p>
             <a:r>
               <a:rPr lang="fr-FR" dirty="0" smtClean="0"/>
-              <a:t>Causes</a:t>
+              <a:t>Problèmes encourus</a:t>
             </a:r>
             <a:endParaRPr lang="en-US" dirty="0"/>
           </a:p>
@@ -13827,59 +14223,42 @@
         </p:nvSpPr>
         <p:spPr>
           <a:xfrm>
-            <a:off x="254000" y="1790701"/>
-            <a:ext cx="8648700" cy="1387398"/>
+            <a:off x="254000" y="2484108"/>
+            <a:ext cx="8648700" cy="1989563"/>
           </a:xfrm>
           <a:noFill/>
         </p:spPr>
         <p:txBody>
           <a:bodyPr>
-            <a:normAutofit fontScale="92500" lnSpcReduction="20000"/>
+            <a:normAutofit/>
           </a:bodyPr>
           <a:lstStyle/>
           <a:p>
+            <a:pPr marL="0" indent="0">
+              <a:buNone/>
+            </a:pPr>
             <a:r>
               <a:rPr lang="fr-FR" b="1" dirty="0" smtClean="0"/>
-              <a:t>Pas </a:t>
-            </a:r>
-            <a:r>
-              <a:rPr lang="fr-FR" b="1" dirty="0"/>
-              <a:t>de version/de release </a:t>
-            </a:r>
-            <a:r>
-              <a:rPr lang="fr-FR" b="1" dirty="0" smtClean="0"/>
-              <a:t>officielle</a:t>
+              <a:t>Plus de deux semaines</a:t>
+            </a:r>
+            <a:r>
+              <a:rPr lang="fr-FR" dirty="0" smtClean="0"/>
+              <a:t> pour « prendre en main » l’application!</a:t>
             </a:r>
           </a:p>
           <a:p>
             <a:pPr lvl="1"/>
             <a:r>
               <a:rPr lang="fr-FR" dirty="0" smtClean="0"/>
-              <a:t>A </a:t>
-            </a:r>
-            <a:r>
-              <a:rPr lang="fr-FR" dirty="0"/>
-              <a:t>quoi correspondent les sources fournies</a:t>
-            </a:r>
+              <a:t>Rendre les sources compilables</a:t>
+            </a:r>
+          </a:p>
+          <a:p>
+            <a:pPr lvl="1"/>
             <a:r>
               <a:rPr lang="fr-FR" dirty="0" smtClean="0"/>
-              <a:t>?</a:t>
-            </a:r>
-          </a:p>
-          <a:p>
-            <a:pPr lvl="1"/>
-            <a:r>
-              <a:rPr lang="fr-FR" dirty="0" smtClean="0"/>
-              <a:t>Pas d’historique du développement</a:t>
-            </a:r>
-          </a:p>
-          <a:p>
-            <a:pPr lvl="1"/>
-            <a:r>
-              <a:rPr lang="fr-FR" dirty="0" smtClean="0"/>
-              <a:t>Sources fournies ne compilent pas</a:t>
-            </a:r>
-            <a:endParaRPr lang="fr-FR" dirty="0"/>
+              <a:t>Configurer, installer l’application et la faire tourner sur un serveur de développement</a:t>
+            </a:r>
           </a:p>
         </p:txBody>
       </p:sp>
@@ -13893,9 +14272,7 @@
             <p:ph type="sldNum" sz="quarter" idx="12"/>
           </p:nvPr>
         </p:nvSpPr>
-        <p:spPr>
-          <a:noFill/>
-        </p:spPr>
+        <p:spPr/>
         <p:txBody>
           <a:bodyPr/>
           <a:lstStyle/>
@@ -13909,6 +14286,162 @@
           </a:p>
         </p:txBody>
       </p:sp>
+    </p:spTree>
+    <p:extLst>
+      <p:ext uri="{BB962C8B-B14F-4D97-AF65-F5344CB8AC3E}">
+        <p14:creationId xmlns:p14="http://schemas.microsoft.com/office/powerpoint/2010/main" val="562068747"/>
+      </p:ext>
+    </p:extLst>
+  </p:cSld>
+  <p:clrMapOvr>
+    <a:masterClrMapping/>
+  </p:clrMapOvr>
+  <p:timing>
+    <p:tnLst>
+      <p:par>
+        <p:cTn id="1" dur="indefinite" restart="never" nodeType="tmRoot"/>
+      </p:par>
+    </p:tnLst>
+  </p:timing>
+</p:sld>
+</file>
+
+<file path=ppt/slides/slide7.xml><?xml version="1.0" encoding="utf-8"?>
+<p:sld xmlns:a="http://schemas.openxmlformats.org/drawingml/2006/main" xmlns:r="http://schemas.openxmlformats.org/officeDocument/2006/relationships" xmlns:p="http://schemas.openxmlformats.org/presentationml/2006/main">
+  <p:cSld>
+    <p:spTree>
+      <p:nvGrpSpPr>
+        <p:cNvPr id="1" name=""/>
+        <p:cNvGrpSpPr/>
+        <p:nvPr/>
+      </p:nvGrpSpPr>
+      <p:grpSpPr>
+        <a:xfrm>
+          <a:off x="0" y="0"/>
+          <a:ext cx="0" cy="0"/>
+          <a:chOff x="0" y="0"/>
+          <a:chExt cx="0" cy="0"/>
+        </a:xfrm>
+      </p:grpSpPr>
+      <p:sp>
+        <p:nvSpPr>
+          <p:cNvPr id="2" name="Titre 1"/>
+          <p:cNvSpPr>
+            <a:spLocks noGrp="1"/>
+          </p:cNvSpPr>
+          <p:nvPr>
+            <p:ph type="title"/>
+          </p:nvPr>
+        </p:nvSpPr>
+        <p:spPr>
+          <a:noFill/>
+        </p:spPr>
+        <p:txBody>
+          <a:bodyPr/>
+          <a:lstStyle/>
+          <a:p>
+            <a:r>
+              <a:rPr lang="fr-FR" dirty="0" smtClean="0"/>
+              <a:t>Causes</a:t>
+            </a:r>
+            <a:endParaRPr lang="en-US" dirty="0"/>
+          </a:p>
+        </p:txBody>
+      </p:sp>
+      <p:sp>
+        <p:nvSpPr>
+          <p:cNvPr id="3" name="Espace réservé du contenu 2"/>
+          <p:cNvSpPr>
+            <a:spLocks noGrp="1"/>
+          </p:cNvSpPr>
+          <p:nvPr>
+            <p:ph idx="1"/>
+          </p:nvPr>
+        </p:nvSpPr>
+        <p:spPr>
+          <a:xfrm>
+            <a:off x="254000" y="1553429"/>
+            <a:ext cx="8648700" cy="1387398"/>
+          </a:xfrm>
+          <a:noFill/>
+        </p:spPr>
+        <p:txBody>
+          <a:bodyPr>
+            <a:normAutofit fontScale="92500" lnSpcReduction="20000"/>
+          </a:bodyPr>
+          <a:lstStyle/>
+          <a:p>
+            <a:r>
+              <a:rPr lang="fr-FR" b="1" dirty="0" smtClean="0"/>
+              <a:t>Pas </a:t>
+            </a:r>
+            <a:r>
+              <a:rPr lang="fr-FR" b="1" dirty="0"/>
+              <a:t>de version/de release </a:t>
+            </a:r>
+            <a:r>
+              <a:rPr lang="fr-FR" b="1" dirty="0" smtClean="0"/>
+              <a:t>officielle</a:t>
+            </a:r>
+          </a:p>
+          <a:p>
+            <a:pPr lvl="1"/>
+            <a:r>
+              <a:rPr lang="fr-FR" dirty="0" smtClean="0"/>
+              <a:t>A </a:t>
+            </a:r>
+            <a:r>
+              <a:rPr lang="fr-FR" dirty="0"/>
+              <a:t>quoi correspondent les sources fournies</a:t>
+            </a:r>
+            <a:r>
+              <a:rPr lang="fr-FR" dirty="0" smtClean="0"/>
+              <a:t>?</a:t>
+            </a:r>
+          </a:p>
+          <a:p>
+            <a:pPr lvl="1"/>
+            <a:r>
+              <a:rPr lang="fr-FR" dirty="0" smtClean="0"/>
+              <a:t>Pas d’historique du développement</a:t>
+            </a:r>
+          </a:p>
+          <a:p>
+            <a:pPr lvl="1"/>
+            <a:r>
+              <a:rPr lang="fr-FR" dirty="0" smtClean="0"/>
+              <a:t>Sources fournies ne compilent pas</a:t>
+            </a:r>
+            <a:endParaRPr lang="fr-FR" dirty="0"/>
+          </a:p>
+        </p:txBody>
+      </p:sp>
+      <p:sp>
+        <p:nvSpPr>
+          <p:cNvPr id="4" name="Espace réservé du numéro de diapositive 3"/>
+          <p:cNvSpPr>
+            <a:spLocks noGrp="1"/>
+          </p:cNvSpPr>
+          <p:nvPr>
+            <p:ph type="sldNum" sz="quarter" idx="12"/>
+          </p:nvPr>
+        </p:nvSpPr>
+        <p:spPr>
+          <a:noFill/>
+        </p:spPr>
+        <p:txBody>
+          <a:bodyPr/>
+          <a:lstStyle/>
+          <a:p>
+            <a:fld id="{87D9652F-9609-4EC6-8E0A-C96E14B58A2A}" type="slidenum">
+              <a:rPr lang="fr-FR" smtClean="0"/>
+              <a:pPr/>
+              <a:t>7</a:t>
+            </a:fld>
+            <a:endParaRPr lang="fr-FR" dirty="0"/>
+          </a:p>
+        </p:txBody>
+      </p:sp>
       <p:sp>
         <p:nvSpPr>
           <p:cNvPr id="6" name="Espace réservé du contenu 2"/>
@@ -13919,7 +14452,7 @@
         </p:nvSpPr>
         <p:spPr>
           <a:xfrm>
-            <a:off x="254000" y="3401279"/>
+            <a:off x="254000" y="3017412"/>
             <a:ext cx="8648700" cy="2007063"/>
           </a:xfrm>
           <a:prstGeom prst="rect">
@@ -14178,7 +14711,7 @@
         </p:nvSpPr>
         <p:spPr>
           <a:xfrm>
-            <a:off x="254000" y="5653668"/>
+            <a:off x="254000" y="5101060"/>
             <a:ext cx="8648700" cy="479503"/>
           </a:xfrm>
           <a:prstGeom prst="rect">
@@ -14363,6 +14896,201 @@
           </a:p>
         </p:txBody>
       </p:sp>
+      <p:sp>
+        <p:nvSpPr>
+          <p:cNvPr id="8" name="Espace réservé du contenu 2"/>
+          <p:cNvSpPr txBox="1">
+            <a:spLocks/>
+          </p:cNvSpPr>
+          <p:nvPr/>
+        </p:nvSpPr>
+        <p:spPr>
+          <a:xfrm>
+            <a:off x="254000" y="5580563"/>
+            <a:ext cx="8648700" cy="775788"/>
+          </a:xfrm>
+          <a:prstGeom prst="rect">
+            <a:avLst/>
+          </a:prstGeom>
+          <a:noFill/>
+        </p:spPr>
+        <p:txBody>
+          <a:bodyPr vert="horz" lIns="91440" tIns="45720" rIns="91440" bIns="45720" rtlCol="0">
+            <a:normAutofit fontScale="92500" lnSpcReduction="10000"/>
+          </a:bodyPr>
+          <a:lstStyle>
+            <a:lvl1pPr marL="228600" indent="-228600" algn="l" defTabSz="914400" rtl="0" eaLnBrk="1" latinLnBrk="0" hangingPunct="1">
+              <a:lnSpc>
+                <a:spcPct val="90000"/>
+              </a:lnSpc>
+              <a:spcBef>
+                <a:spcPts val="1000"/>
+              </a:spcBef>
+              <a:buFont typeface="Arial" panose="020B0604020202020204" pitchFamily="34" charset="0"/>
+              <a:buChar char="•"/>
+              <a:defRPr sz="2800" kern="1200">
+                <a:solidFill>
+                  <a:schemeClr val="tx1"/>
+                </a:solidFill>
+                <a:latin typeface="+mn-lt"/>
+                <a:ea typeface="+mn-ea"/>
+                <a:cs typeface="+mn-cs"/>
+              </a:defRPr>
+            </a:lvl1pPr>
+            <a:lvl2pPr marL="685800" indent="-228600" algn="l" defTabSz="914400" rtl="0" eaLnBrk="1" latinLnBrk="0" hangingPunct="1">
+              <a:lnSpc>
+                <a:spcPct val="90000"/>
+              </a:lnSpc>
+              <a:spcBef>
+                <a:spcPts val="500"/>
+              </a:spcBef>
+              <a:buFont typeface="Arial" panose="020B0604020202020204" pitchFamily="34" charset="0"/>
+              <a:buChar char="•"/>
+              <a:defRPr sz="2400" kern="1200">
+                <a:solidFill>
+                  <a:schemeClr val="tx1"/>
+                </a:solidFill>
+                <a:latin typeface="+mn-lt"/>
+                <a:ea typeface="+mn-ea"/>
+                <a:cs typeface="+mn-cs"/>
+              </a:defRPr>
+            </a:lvl2pPr>
+            <a:lvl3pPr marL="1143000" indent="-228600" algn="l" defTabSz="914400" rtl="0" eaLnBrk="1" latinLnBrk="0" hangingPunct="1">
+              <a:lnSpc>
+                <a:spcPct val="90000"/>
+              </a:lnSpc>
+              <a:spcBef>
+                <a:spcPts val="500"/>
+              </a:spcBef>
+              <a:buFont typeface="Arial" panose="020B0604020202020204" pitchFamily="34" charset="0"/>
+              <a:buChar char="•"/>
+              <a:defRPr sz="2000" kern="1200">
+                <a:solidFill>
+                  <a:schemeClr val="tx1"/>
+                </a:solidFill>
+                <a:latin typeface="+mn-lt"/>
+                <a:ea typeface="+mn-ea"/>
+                <a:cs typeface="+mn-cs"/>
+              </a:defRPr>
+            </a:lvl3pPr>
+            <a:lvl4pPr marL="1600200" indent="-228600" algn="l" defTabSz="914400" rtl="0" eaLnBrk="1" latinLnBrk="0" hangingPunct="1">
+              <a:lnSpc>
+                <a:spcPct val="90000"/>
+              </a:lnSpc>
+              <a:spcBef>
+                <a:spcPts val="500"/>
+              </a:spcBef>
+              <a:buFont typeface="Arial" panose="020B0604020202020204" pitchFamily="34" charset="0"/>
+              <a:buChar char="•"/>
+              <a:defRPr sz="1800" kern="1200">
+                <a:solidFill>
+                  <a:schemeClr val="tx1"/>
+                </a:solidFill>
+                <a:latin typeface="+mn-lt"/>
+                <a:ea typeface="+mn-ea"/>
+                <a:cs typeface="+mn-cs"/>
+              </a:defRPr>
+            </a:lvl4pPr>
+            <a:lvl5pPr marL="2057400" indent="-228600" algn="l" defTabSz="914400" rtl="0" eaLnBrk="1" latinLnBrk="0" hangingPunct="1">
+              <a:lnSpc>
+                <a:spcPct val="90000"/>
+              </a:lnSpc>
+              <a:spcBef>
+                <a:spcPts val="500"/>
+              </a:spcBef>
+              <a:buFont typeface="Arial" panose="020B0604020202020204" pitchFamily="34" charset="0"/>
+              <a:buChar char="•"/>
+              <a:defRPr sz="1800" kern="1200">
+                <a:solidFill>
+                  <a:schemeClr val="tx1"/>
+                </a:solidFill>
+                <a:latin typeface="+mn-lt"/>
+                <a:ea typeface="+mn-ea"/>
+                <a:cs typeface="+mn-cs"/>
+              </a:defRPr>
+            </a:lvl5pPr>
+            <a:lvl6pPr marL="2514600" indent="-228600" algn="l" defTabSz="914400" rtl="0" eaLnBrk="1" latinLnBrk="0" hangingPunct="1">
+              <a:lnSpc>
+                <a:spcPct val="90000"/>
+              </a:lnSpc>
+              <a:spcBef>
+                <a:spcPts val="500"/>
+              </a:spcBef>
+              <a:buFont typeface="Arial" panose="020B0604020202020204" pitchFamily="34" charset="0"/>
+              <a:buChar char="•"/>
+              <a:defRPr sz="1800" kern="1200">
+                <a:solidFill>
+                  <a:schemeClr val="tx1"/>
+                </a:solidFill>
+                <a:latin typeface="+mn-lt"/>
+                <a:ea typeface="+mn-ea"/>
+                <a:cs typeface="+mn-cs"/>
+              </a:defRPr>
+            </a:lvl6pPr>
+            <a:lvl7pPr marL="2971800" indent="-228600" algn="l" defTabSz="914400" rtl="0" eaLnBrk="1" latinLnBrk="0" hangingPunct="1">
+              <a:lnSpc>
+                <a:spcPct val="90000"/>
+              </a:lnSpc>
+              <a:spcBef>
+                <a:spcPts val="500"/>
+              </a:spcBef>
+              <a:buFont typeface="Arial" panose="020B0604020202020204" pitchFamily="34" charset="0"/>
+              <a:buChar char="•"/>
+              <a:defRPr sz="1800" kern="1200">
+                <a:solidFill>
+                  <a:schemeClr val="tx1"/>
+                </a:solidFill>
+                <a:latin typeface="+mn-lt"/>
+                <a:ea typeface="+mn-ea"/>
+                <a:cs typeface="+mn-cs"/>
+              </a:defRPr>
+            </a:lvl7pPr>
+            <a:lvl8pPr marL="3429000" indent="-228600" algn="l" defTabSz="914400" rtl="0" eaLnBrk="1" latinLnBrk="0" hangingPunct="1">
+              <a:lnSpc>
+                <a:spcPct val="90000"/>
+              </a:lnSpc>
+              <a:spcBef>
+                <a:spcPts val="500"/>
+              </a:spcBef>
+              <a:buFont typeface="Arial" panose="020B0604020202020204" pitchFamily="34" charset="0"/>
+              <a:buChar char="•"/>
+              <a:defRPr sz="1800" kern="1200">
+                <a:solidFill>
+                  <a:schemeClr val="tx1"/>
+                </a:solidFill>
+                <a:latin typeface="+mn-lt"/>
+                <a:ea typeface="+mn-ea"/>
+                <a:cs typeface="+mn-cs"/>
+              </a:defRPr>
+            </a:lvl8pPr>
+            <a:lvl9pPr marL="3886200" indent="-228600" algn="l" defTabSz="914400" rtl="0" eaLnBrk="1" latinLnBrk="0" hangingPunct="1">
+              <a:lnSpc>
+                <a:spcPct val="90000"/>
+              </a:lnSpc>
+              <a:spcBef>
+                <a:spcPts val="500"/>
+              </a:spcBef>
+              <a:buFont typeface="Arial" panose="020B0604020202020204" pitchFamily="34" charset="0"/>
+              <a:buChar char="•"/>
+              <a:defRPr sz="1800" kern="1200">
+                <a:solidFill>
+                  <a:schemeClr val="tx1"/>
+                </a:solidFill>
+                <a:latin typeface="+mn-lt"/>
+                <a:ea typeface="+mn-ea"/>
+                <a:cs typeface="+mn-cs"/>
+              </a:defRPr>
+            </a:lvl9pPr>
+          </a:lstStyle>
+          <a:p>
+            <a:r>
+              <a:rPr lang="fr-FR" b="1" dirty="0" smtClean="0"/>
+              <a:t>Réinstallation d’un environnement de développement</a:t>
+            </a:r>
+            <a:endParaRPr lang="en-US" b="1" dirty="0"/>
+          </a:p>
+        </p:txBody>
+      </p:sp>
     </p:spTree>
     <p:extLst>
       <p:ext uri="{BB962C8B-B14F-4D97-AF65-F5344CB8AC3E}">
@@ -14383,7 +15111,7 @@
 </p:sld>
 </file>
 
-<file path=ppt/slides/slide7.xml><?xml version="1.0" encoding="utf-8"?>
+<file path=ppt/slides/slide8.xml><?xml version="1.0" encoding="utf-8"?>
 <p:sld xmlns:a="http://schemas.openxmlformats.org/drawingml/2006/main" xmlns:r="http://schemas.openxmlformats.org/officeDocument/2006/relationships" xmlns:p="http://schemas.openxmlformats.org/presentationml/2006/main">
   <p:cSld>
     <p:spTree>
@@ -14441,7 +15169,7 @@
             <a:fld id="{87D9652F-9609-4EC6-8E0A-C96E14B58A2A}" type="slidenum">
               <a:rPr lang="fr-FR" smtClean="0"/>
               <a:pPr/>
-              <a:t>7</a:t>
+              <a:t>8</a:t>
             </a:fld>
             <a:endParaRPr lang="fr-FR" dirty="0"/>
           </a:p>
@@ -14668,90 +15396,6 @@
 </p:sld>
 </file>
 
-<file path=ppt/slides/slide8.xml><?xml version="1.0" encoding="utf-8"?>
-<p:sld xmlns:a="http://schemas.openxmlformats.org/drawingml/2006/main" xmlns:r="http://schemas.openxmlformats.org/officeDocument/2006/relationships" xmlns:p="http://schemas.openxmlformats.org/presentationml/2006/main">
-  <p:cSld>
-    <p:spTree>
-      <p:nvGrpSpPr>
-        <p:cNvPr id="1" name=""/>
-        <p:cNvGrpSpPr/>
-        <p:nvPr/>
-      </p:nvGrpSpPr>
-      <p:grpSpPr>
-        <a:xfrm>
-          <a:off x="0" y="0"/>
-          <a:ext cx="0" cy="0"/>
-          <a:chOff x="0" y="0"/>
-          <a:chExt cx="0" cy="0"/>
-        </a:xfrm>
-      </p:grpSpPr>
-      <p:sp>
-        <p:nvSpPr>
-          <p:cNvPr id="5" name="Titre 4"/>
-          <p:cNvSpPr>
-            <a:spLocks noGrp="1"/>
-          </p:cNvSpPr>
-          <p:nvPr>
-            <p:ph type="title"/>
-          </p:nvPr>
-        </p:nvSpPr>
-        <p:spPr/>
-        <p:txBody>
-          <a:bodyPr/>
-          <a:lstStyle/>
-          <a:p>
-            <a:r>
-              <a:rPr lang="fr-FR" dirty="0" smtClean="0"/>
-              <a:t>Actions</a:t>
-            </a:r>
-            <a:endParaRPr lang="fr-FR" dirty="0"/>
-          </a:p>
-        </p:txBody>
-      </p:sp>
-      <p:sp>
-        <p:nvSpPr>
-          <p:cNvPr id="4" name="Espace réservé du numéro de diapositive 3"/>
-          <p:cNvSpPr>
-            <a:spLocks noGrp="1"/>
-          </p:cNvSpPr>
-          <p:nvPr>
-            <p:ph type="sldNum" sz="quarter" idx="12"/>
-          </p:nvPr>
-        </p:nvSpPr>
-        <p:spPr/>
-        <p:txBody>
-          <a:bodyPr/>
-          <a:lstStyle/>
-          <a:p>
-            <a:fld id="{87D9652F-9609-4EC6-8E0A-C96E14B58A2A}" type="slidenum">
-              <a:rPr lang="fr-FR" smtClean="0"/>
-              <a:pPr/>
-              <a:t>8</a:t>
-            </a:fld>
-            <a:endParaRPr lang="fr-FR" dirty="0"/>
-          </a:p>
-        </p:txBody>
-      </p:sp>
-    </p:spTree>
-    <p:extLst>
-      <p:ext uri="{BB962C8B-B14F-4D97-AF65-F5344CB8AC3E}">
-        <p14:creationId xmlns:p14="http://schemas.microsoft.com/office/powerpoint/2010/main" val="937836701"/>
-      </p:ext>
-    </p:extLst>
-  </p:cSld>
-  <p:clrMapOvr>
-    <a:masterClrMapping/>
-  </p:clrMapOvr>
-  <p:timing>
-    <p:tnLst>
-      <p:par>
-        <p:cTn id="1" dur="indefinite" restart="never" nodeType="tmRoot"/>
-      </p:par>
-    </p:tnLst>
-  </p:timing>
-</p:sld>
-</file>
-
 <file path=ppt/slides/slide9.xml><?xml version="1.0" encoding="utf-8"?>
 <p:sld xmlns:a="http://schemas.openxmlformats.org/drawingml/2006/main" xmlns:r="http://schemas.openxmlformats.org/officeDocument/2006/relationships" xmlns:p="http://schemas.openxmlformats.org/presentationml/2006/main">
   <p:cSld>
@@ -14769,268 +15413,9 @@
           <a:chExt cx="0" cy="0"/>
         </a:xfrm>
       </p:grpSpPr>
-      <p:pic>
-        <p:nvPicPr>
-          <p:cNvPr id="1026" name="Picture 2" descr="Afficher l'image d'origine"/>
-          <p:cNvPicPr>
-            <a:picLocks noChangeAspect="1" noChangeArrowheads="1"/>
-          </p:cNvPicPr>
-          <p:nvPr/>
-        </p:nvPicPr>
-        <p:blipFill>
-          <a:blip r:embed="rId2" cstate="print">
-            <a:extLst>
-              <a:ext uri="{28A0092B-C50C-407E-A947-70E740481C1C}">
-                <a14:useLocalDpi xmlns:a14="http://schemas.microsoft.com/office/drawing/2010/main" val="0"/>
-              </a:ext>
-            </a:extLst>
-          </a:blip>
-          <a:srcRect/>
-          <a:stretch>
-            <a:fillRect/>
-          </a:stretch>
-        </p:blipFill>
-        <p:spPr bwMode="auto">
-          <a:xfrm>
-            <a:off x="7680325" y="1611312"/>
-            <a:ext cx="625012" cy="625012"/>
-          </a:xfrm>
-          <a:prstGeom prst="rect">
-            <a:avLst/>
-          </a:prstGeom>
-          <a:noFill/>
-          <a:extLst>
-            <a:ext uri="{909E8E84-426E-40DD-AFC4-6F175D3DCCD1}">
-              <a14:hiddenFill xmlns:a14="http://schemas.microsoft.com/office/drawing/2010/main">
-                <a:solidFill>
-                  <a:srgbClr val="FFFFFF"/>
-                </a:solidFill>
-              </a14:hiddenFill>
-            </a:ext>
-          </a:extLst>
-        </p:spPr>
-      </p:pic>
-      <mc:AlternateContent xmlns:mc="http://schemas.openxmlformats.org/markup-compatibility/2006" xmlns:a14="http://schemas.microsoft.com/office/drawing/2010/main">
-        <mc:Choice Requires="a14">
-          <p:sp>
-            <p:nvSpPr>
-              <p:cNvPr id="3" name="Espace réservé du contenu 2"/>
-              <p:cNvSpPr>
-                <a:spLocks noGrp="1"/>
-              </p:cNvSpPr>
-              <p:nvPr>
-                <p:ph idx="1"/>
-              </p:nvPr>
-            </p:nvSpPr>
-            <p:spPr/>
-            <p:txBody>
-              <a:bodyPr>
-                <a:normAutofit lnSpcReduction="10000"/>
-              </a:bodyPr>
-              <a:lstStyle/>
-              <a:p>
-                <a:r>
-                  <a:rPr lang="fr-FR" sz="2400" dirty="0" smtClean="0"/>
-                  <a:t>Mise en place d’une gestion de versions sur </a:t>
-                </a:r>
-                <a:r>
-                  <a:rPr lang="fr-FR" sz="2400" b="1" dirty="0" err="1" smtClean="0"/>
-                  <a:t>Github</a:t>
-                </a:r>
-                <a:endParaRPr lang="fr-FR" sz="2400" b="1" dirty="0" smtClean="0"/>
-              </a:p>
-              <a:p>
-                <a:pPr marL="457200" lvl="1" indent="0">
-                  <a:buNone/>
-                </a:pPr>
-                <a:r>
-                  <a:rPr lang="fr-FR" dirty="0">
-                    <a:solidFill>
-                      <a:schemeClr val="accent1">
-                        <a:lumMod val="75000"/>
-                      </a:schemeClr>
-                    </a:solidFill>
-                  </a:rPr>
-                  <a:t>https://github.com/geomedia</a:t>
-                </a:r>
-                <a:endParaRPr lang="fr-FR" dirty="0" smtClean="0">
-                  <a:solidFill>
-                    <a:schemeClr val="accent1">
-                      <a:lumMod val="75000"/>
-                    </a:schemeClr>
-                  </a:solidFill>
-                </a:endParaRPr>
-              </a:p>
-              <a:p>
-                <a:pPr lvl="1"/>
-                <a:r>
-                  <a:rPr lang="fr-FR" b="1" dirty="0" smtClean="0">
-                    <a:solidFill>
-                      <a:srgbClr val="00B050"/>
-                    </a:solidFill>
-                  </a:rPr>
-                  <a:t>Avantages:</a:t>
-                </a:r>
-              </a:p>
-              <a:p>
-                <a:pPr lvl="2"/>
-                <a:r>
-                  <a:rPr lang="fr-FR" dirty="0" smtClean="0"/>
-                  <a:t>Séparer les différents dépôts pour plus de clarté</a:t>
-                </a:r>
-              </a:p>
-              <a:p>
-                <a:pPr lvl="2"/>
-                <a:r>
-                  <a:rPr lang="fr-FR" dirty="0" err="1" smtClean="0"/>
-                  <a:t>Bugtracking</a:t>
-                </a:r>
-                <a:r>
-                  <a:rPr lang="fr-FR" dirty="0" smtClean="0"/>
-                  <a:t> sous forme d’« issues »: centralisation et archivage de l’information, des discussions</a:t>
-                </a:r>
-              </a:p>
-              <a:p>
-                <a:pPr lvl="2"/>
-                <a:r>
-                  <a:rPr lang="fr-FR" dirty="0" smtClean="0"/>
-                  <a:t>Wikis</a:t>
-                </a:r>
-              </a:p>
-              <a:p>
-                <a:pPr lvl="2"/>
-                <a:r>
-                  <a:rPr lang="fr-FR" dirty="0" smtClean="0"/>
-                  <a:t>Outils de management de projets et d’attribution de tâches</a:t>
-                </a:r>
-              </a:p>
-              <a:p>
-                <a:pPr lvl="1"/>
-                <a:r>
-                  <a:rPr lang="fr-FR" b="1" dirty="0" smtClean="0">
-                    <a:solidFill>
-                      <a:srgbClr val="FF0000"/>
-                    </a:solidFill>
-                  </a:rPr>
-                  <a:t>Désavantages:</a:t>
-                </a:r>
-              </a:p>
-              <a:p>
-                <a:pPr lvl="2"/>
-                <a:r>
-                  <a:rPr lang="fr-FR" dirty="0" smtClean="0"/>
-                  <a:t>Entreprise privée: pérennité? </a:t>
-                </a:r>
-                <a14:m>
-                  <m:oMath xmlns:m="http://schemas.openxmlformats.org/officeDocument/2006/math">
-                    <m:r>
-                      <a:rPr lang="fr-FR" b="0" i="1" smtClean="0">
-                        <a:latin typeface="Cambria Math" panose="02040503050406030204" pitchFamily="18" charset="0"/>
-                      </a:rPr>
-                      <m:t>→</m:t>
-                    </m:r>
-                  </m:oMath>
-                </a14:m>
-                <a:r>
-                  <a:rPr lang="fr-FR" b="0" dirty="0" smtClean="0"/>
-                  <a:t> git est décentralisé</a:t>
-                </a:r>
-              </a:p>
-              <a:p>
-                <a:pPr lvl="2"/>
-                <a:r>
-                  <a:rPr lang="fr-FR" dirty="0" smtClean="0"/>
-                  <a:t>Sources publiques </a:t>
-                </a:r>
-                <a14:m>
-                  <m:oMath xmlns:m="http://schemas.openxmlformats.org/officeDocument/2006/math">
-                    <m:r>
-                      <a:rPr lang="fr-FR" b="0" i="1" smtClean="0">
-                        <a:latin typeface="Cambria Math" panose="02040503050406030204" pitchFamily="18" charset="0"/>
-                      </a:rPr>
-                      <m:t>→</m:t>
-                    </m:r>
-                  </m:oMath>
-                </a14:m>
-                <a:r>
-                  <a:rPr lang="fr-FR" b="0" dirty="0" smtClean="0"/>
-                  <a:t> </a:t>
-                </a:r>
-                <a:r>
-                  <a:rPr lang="fr-FR" b="1" dirty="0" smtClean="0"/>
-                  <a:t>ne jamais mettre de mot de passe dans un dépôt, même privé!</a:t>
-                </a:r>
-              </a:p>
-              <a:p>
-                <a:pPr lvl="2"/>
-                <a:r>
-                  <a:rPr lang="fr-FR" b="0" dirty="0" smtClean="0"/>
-                  <a:t>Chevauchement avec le projet existant sur la forge </a:t>
-                </a:r>
-                <a:r>
-                  <a:rPr lang="fr-FR" dirty="0" err="1"/>
-                  <a:t>I</a:t>
-                </a:r>
-                <a:r>
-                  <a:rPr lang="fr-FR" b="0" dirty="0" err="1" smtClean="0"/>
-                  <a:t>nria</a:t>
-                </a:r>
-                <a:endParaRPr lang="fr-FR" b="0" dirty="0" smtClean="0"/>
-              </a:p>
-              <a:p>
-                <a:pPr lvl="2"/>
-                <a:endParaRPr lang="fr-FR" dirty="0" smtClean="0"/>
-              </a:p>
-              <a:p>
-                <a:pPr marL="1371600" lvl="3" indent="0">
-                  <a:buNone/>
-                </a:pPr>
-                <a:endParaRPr lang="fr-FR" dirty="0" smtClean="0"/>
-              </a:p>
-              <a:p>
-                <a:pPr lvl="2"/>
-                <a:endParaRPr lang="fr-FR" dirty="0" smtClean="0"/>
-              </a:p>
-            </p:txBody>
-          </p:sp>
-        </mc:Choice>
-        <mc:Fallback xmlns="">
-          <p:sp>
-            <p:nvSpPr>
-              <p:cNvPr id="3" name="Espace réservé du contenu 2"/>
-              <p:cNvSpPr>
-                <a:spLocks noGrp="1" noRot="1" noChangeAspect="1" noMove="1" noResize="1" noEditPoints="1" noAdjustHandles="1" noChangeArrowheads="1" noChangeShapeType="1" noTextEdit="1"/>
-              </p:cNvSpPr>
-              <p:nvPr>
-                <p:ph idx="1"/>
-              </p:nvPr>
-            </p:nvSpPr>
-            <p:spPr>
-              <a:blipFill rotWithShape="0">
-                <a:blip r:embed="rId3"/>
-                <a:stretch>
-                  <a:fillRect l="-987" t="-2782" r="-1269"/>
-                </a:stretch>
-              </a:blipFill>
-            </p:spPr>
-            <p:txBody>
-              <a:bodyPr/>
-              <a:lstStyle/>
-              <a:p>
-                <a:r>
-                  <a:rPr lang="en-US">
-                    <a:noFill/>
-                  </a:rPr>
-                  <a:t> </a:t>
-                </a:r>
-              </a:p>
-            </p:txBody>
-          </p:sp>
-        </mc:Fallback>
-      </mc:AlternateContent>
-      <p:sp>
-        <p:nvSpPr>
-          <p:cNvPr id="2" name="Titre 1"/>
+      <p:sp>
+        <p:nvSpPr>
+          <p:cNvPr id="5" name="Titre 4"/>
           <p:cNvSpPr>
             <a:spLocks noGrp="1"/>
           </p:cNvSpPr>
@@ -15044,14 +15429,10 @@
           <a:lstStyle/>
           <a:p>
             <a:r>
-              <a:rPr lang="fr-FR" dirty="0"/>
-              <a:t>G</a:t>
-            </a:r>
-            <a:r>
               <a:rPr lang="fr-FR" dirty="0" smtClean="0"/>
-              <a:t>estion de version</a:t>
-            </a:r>
-            <a:endParaRPr lang="en-US" dirty="0"/>
+              <a:t>Actions</a:t>
+            </a:r>
+            <a:endParaRPr lang="fr-FR" dirty="0"/>
           </a:p>
         </p:txBody>
       </p:sp>
@@ -15082,7 +15463,7 @@
     </p:spTree>
     <p:extLst>
       <p:ext uri="{BB962C8B-B14F-4D97-AF65-F5344CB8AC3E}">
-        <p14:creationId xmlns:p14="http://schemas.microsoft.com/office/powerpoint/2010/main" val="1029783245"/>
+        <p14:creationId xmlns:p14="http://schemas.microsoft.com/office/powerpoint/2010/main" val="937836701"/>
       </p:ext>
     </p:extLst>
   </p:cSld>
